--- a/Text/02.화면설계도/3th_Project_화면 설계도(영우).pptx
+++ b/Text/02.화면설계도/3th_Project_화면 설계도(영우).pptx
@@ -1,27 +1,27 @@
 
 <file path=ppt/presentation.xml><?xml version="1.0" encoding="utf-8"?>
-<p:presentation xmlns:a="http://schemas.openxmlformats.org/drawingml/2006/main" xmlns:r="http://schemas.openxmlformats.org/officeDocument/2006/relationships" xmlns:p="http://schemas.openxmlformats.org/presentationml/2006/main" xmlns:p14="http://schemas.microsoft.com/office/powerpoint/2010/main" saveSubsetFonts="1">
+<p:presentation xmlns:a="http://schemas.openxmlformats.org/drawingml/2006/main" xmlns:r="http://schemas.openxmlformats.org/officeDocument/2006/relationships" xmlns:p="http://schemas.openxmlformats.org/presentationml/2006/main" saveSubsetFonts="1">
   <p:sldMasterIdLst>
-    <p:sldMasterId id="2147483670" r:id="rId13"/>
+    <p:sldMasterId id="2147483670" r:id="rId1"/>
   </p:sldMasterIdLst>
   <p:notesMasterIdLst>
-    <p:notesMasterId r:id="rId17"/>
+    <p:notesMasterId r:id="rId13"/>
   </p:notesMasterIdLst>
   <p:handoutMasterIdLst>
-    <p:handoutMasterId r:id="rId15"/>
+    <p:handoutMasterId r:id="rId14"/>
   </p:handoutMasterIdLst>
   <p:sldIdLst>
-    <p:sldId id="256" r:id="rId19"/>
-    <p:sldId id="265" r:id="rId20"/>
-    <p:sldId id="257" r:id="rId21"/>
-    <p:sldId id="258" r:id="rId22"/>
-    <p:sldId id="259" r:id="rId23"/>
-    <p:sldId id="270" r:id="rId24"/>
-    <p:sldId id="271" r:id="rId25"/>
-    <p:sldId id="266" r:id="rId26"/>
-    <p:sldId id="267" r:id="rId27"/>
-    <p:sldId id="268" r:id="rId28"/>
-    <p:sldId id="269" r:id="rId29"/>
+    <p:sldId id="256" r:id="rId2"/>
+    <p:sldId id="265" r:id="rId3"/>
+    <p:sldId id="257" r:id="rId4"/>
+    <p:sldId id="258" r:id="rId5"/>
+    <p:sldId id="259" r:id="rId6"/>
+    <p:sldId id="270" r:id="rId7"/>
+    <p:sldId id="271" r:id="rId8"/>
+    <p:sldId id="266" r:id="rId9"/>
+    <p:sldId id="267" r:id="rId10"/>
+    <p:sldId id="268" r:id="rId11"/>
+    <p:sldId id="269" r:id="rId12"/>
   </p:sldIdLst>
   <p:sldSz cx="12192000" cy="6858000"/>
   <p:notesSz cx="6858000" cy="9144000"/>
@@ -121,9 +121,6 @@
     </a:lvl9pPr>
   </p:defaultTextStyle>
   <p:extLst>
-    <p:ext uri="{2D200454-40CA-4A62-9FC3-DE9A4176ACB9}">
-      <p15:notesGuideLst xmlns:p15="http://schemas.microsoft.com/office/powerpoint/2012/main" xmlns:p14="http://schemas.microsoft.com/office/powerpoint/2010/main" xmlns=""/>
-    </p:ext>
     <p:ext uri="{EFAFB233-063F-42B5-8137-9DF3F51BA10A}">
       <p15:sldGuideLst xmlns:p15="http://schemas.microsoft.com/office/powerpoint/2012/main">
         <p15:guide id="0" orient="horz" pos="2159" userDrawn="1">
@@ -137,6 +134,20 @@
           </p15:clr>
         </p15:guide>
       </p15:sldGuideLst>
+    </p:ext>
+    <p:ext uri="{2D200454-40CA-4A62-9FC3-DE9A4176ACB9}">
+      <p15:notesGuideLst xmlns:p15="http://schemas.microsoft.com/office/powerpoint/2012/main">
+        <p15:guide id="1" orient="horz" pos="2159">
+          <p15:clr>
+            <a:srgbClr val="A4A3A4"/>
+          </p15:clr>
+        </p15:guide>
+        <p15:guide id="2" pos="3839">
+          <p15:clr>
+            <a:srgbClr val="A4A3A4"/>
+          </p15:clr>
+        </p15:guide>
+      </p15:notesGuideLst>
     </p:ext>
   </p:extLst>
 </p:presentation>
@@ -224,7 +235,7 @@
           <a:p>
             <a:fld id="{4E9214C1-2863-45BA-A7C5-D5EA3C3D4C30}" type="datetimeFigureOut">
               <a:rPr lang="ko-KR" altLang="en-US" smtClean="0"/>
-              <a:t>2019-09-16</a:t>
+              <a:t>2019-10-31</a:t>
             </a:fld>
             <a:endParaRPr lang="ko-KR" altLang="en-US"/>
           </a:p>
@@ -389,7 +400,7 @@
           <a:p>
             <a:fld id="{8F563C85-90F6-445D-9B5B-8ABB00FB3043}" type="datetimeFigureOut">
               <a:rPr lang="ko-KR" altLang="en-US" smtClean="0"/>
-              <a:t>2019-09-16</a:t>
+              <a:t>2019-10-31</a:t>
             </a:fld>
             <a:endParaRPr lang="ko-KR" altLang="en-US"/>
           </a:p>
@@ -453,38 +464,37 @@
           <a:p>
             <a:pPr lvl="0"/>
             <a:r>
-              <a:rPr lang="ko-KR" altLang="en-US" smtClean="0"/>
+              <a:rPr lang="ko-KR" altLang="en-US"/>
               <a:t>마스터 텍스트 스타일 편집</a:t>
             </a:r>
           </a:p>
           <a:p>
             <a:pPr lvl="1"/>
             <a:r>
-              <a:rPr lang="ko-KR" altLang="en-US" smtClean="0"/>
+              <a:rPr lang="ko-KR" altLang="en-US"/>
               <a:t>둘째 수준</a:t>
             </a:r>
           </a:p>
           <a:p>
             <a:pPr lvl="2"/>
             <a:r>
-              <a:rPr lang="ko-KR" altLang="en-US" smtClean="0"/>
+              <a:rPr lang="ko-KR" altLang="en-US"/>
               <a:t>셋째 수준</a:t>
             </a:r>
           </a:p>
           <a:p>
             <a:pPr lvl="3"/>
             <a:r>
-              <a:rPr lang="ko-KR" altLang="en-US" smtClean="0"/>
+              <a:rPr lang="ko-KR" altLang="en-US"/>
               <a:t>넷째 수준</a:t>
             </a:r>
           </a:p>
           <a:p>
             <a:pPr lvl="4"/>
             <a:r>
-              <a:rPr lang="ko-KR" altLang="en-US" smtClean="0"/>
+              <a:rPr lang="ko-KR" altLang="en-US"/>
               <a:t>다섯째 수준</a:t>
             </a:r>
-            <a:endParaRPr lang="ko-KR" altLang="en-US"/>
           </a:p>
         </p:txBody>
       </p:sp>
@@ -1330,166 +1340,174 @@
 </file>
 
 <file path=ppt/notesSlides/notesSlide7.xml><?xml version="1.0" encoding="utf-8"?>
-<p:notes xmlns:a="http://schemas.openxmlformats.org/drawingml/2006/main" xmlns:r="http://schemas.openxmlformats.org/officeDocument/2006/relationships" xmlns:p="http://schemas.openxmlformats.org/presentationml/2006/main">
-  <p:cSld>
-    <p:spTree>
-      <p:nvGrpSpPr>
-        <p:cNvPr id="1" name=""/>
-        <p:cNvGrpSpPr/>
-        <p:nvPr/>
-      </p:nvGrpSpPr>
-      <p:grpSpPr>
-        <a:xfrm>
-          <a:off x="0" y="0"/>
-          <a:ext cx="0" cy="0"/>
-          <a:chOff x="0" y="0"/>
-          <a:chExt cx="0" cy="0"/>
-        </a:xfrm>
-      </p:grpSpPr>
-      <p:sp>
-        <p:nvSpPr>
-          <p:cNvPr id="2" name="Rect 0"/>
-          <p:cNvSpPr>
-            <a:spLocks noChangeAspect="1"/>
-          </p:cNvSpPr>
-          <p:nvPr>
-            <p:ph type="sldImg"/>
-          </p:nvPr>
-        </p:nvSpPr>
-        <p:spPr>
-          <a:xfrm rot="0">
-            <a:off x="685800" y="1143000"/>
-            <a:ext cx="5487035" cy="3086735"/>
-          </a:xfrm>
-          <a:prstGeom prst="rect"/>
-          <a:noFill/>
-          <a:ln w="12700" cap="flat" cmpd="sng">
-            <a:solidFill>
-              <a:srgbClr val="000000">
-                <a:alpha val="100000"/>
-              </a:srgbClr>
-            </a:solidFill>
-            <a:prstDash val="solid"/>
-          </a:ln>
-        </p:spPr>
-        <p:txBody>
-          <a:bodyPr wrap="square" lIns="0" tIns="0" rIns="0" bIns="0" vert="horz" anchor="t">
-            <a:noAutofit/>
-          </a:bodyPr>
-          <a:lstStyle/>
-          <a:p>
-            <a:pPr marL="0" indent="0" defTabSz="508000">
-              <a:lnSpc>
-                <a:spcPct val="100000"/>
-              </a:lnSpc>
-              <a:spcBef>
-                <a:spcPts val="0"/>
-              </a:spcBef>
-              <a:spcAft>
-                <a:spcPts val="0"/>
-              </a:spcAft>
-              <a:buFontTx/>
-              <a:buNone/>
-            </a:pPr>
-          </a:p>
-        </p:txBody>
-      </p:sp>
-      <p:sp>
-        <p:nvSpPr>
-          <p:cNvPr id="3" name="Rect 0"/>
-          <p:cNvSpPr txBox="1">
-            <a:spLocks/>
-          </p:cNvSpPr>
-          <p:nvPr>
-            <p:ph type="body" idx="1"/>
-          </p:nvPr>
-        </p:nvSpPr>
-        <p:spPr>
-          <a:xfrm rot="0">
-            <a:off x="685800" y="4400550"/>
-            <a:ext cx="5487035" cy="3601085"/>
-          </a:xfrm>
-          <a:prstGeom prst="rect"/>
-        </p:spPr>
-        <p:txBody>
-          <a:bodyPr wrap="square" lIns="91440" tIns="45720" rIns="91440" bIns="45720" numCol="1" vert="horz" anchor="t">
-            <a:noAutofit/>
-          </a:bodyPr>
-          <a:lstStyle/>
-          <a:p>
-            <a:pPr marL="0" indent="0" defTabSz="508000">
-              <a:lnSpc>
-                <a:spcPct val="100000"/>
-              </a:lnSpc>
-              <a:spcBef>
-                <a:spcPts val="0"/>
-              </a:spcBef>
-              <a:spcAft>
-                <a:spcPts val="0"/>
-              </a:spcAft>
-              <a:buFontTx/>
-              <a:buNone/>
-            </a:pPr>
-          </a:p>
-        </p:txBody>
-      </p:sp>
-      <p:sp>
-        <p:nvSpPr>
-          <p:cNvPr id="4" name="Rect 0"/>
-          <p:cNvSpPr txBox="1">
-            <a:spLocks/>
-          </p:cNvSpPr>
-          <p:nvPr>
-            <p:ph type="sldNum" idx="10"/>
-          </p:nvPr>
-        </p:nvSpPr>
-        <p:spPr>
-          <a:xfrm rot="0">
-            <a:off x="3884930" y="8685530"/>
-            <a:ext cx="2972435" cy="459105"/>
-          </a:xfrm>
-          <a:prstGeom prst="rect"/>
-        </p:spPr>
-        <p:txBody>
-          <a:bodyPr wrap="square" lIns="91440" tIns="45720" rIns="91440" bIns="45720" numCol="1" vert="horz" anchor="b">
-            <a:noAutofit/>
-          </a:bodyPr>
-          <a:lstStyle/>
-          <a:p>
-            <a:pPr marL="0" indent="0" defTabSz="508000">
-              <a:lnSpc>
-                <a:spcPct val="100000"/>
-              </a:lnSpc>
-              <a:spcBef>
-                <a:spcPts val="0"/>
-              </a:spcBef>
-              <a:spcAft>
-                <a:spcPts val="0"/>
-              </a:spcAft>
-              <a:buFontTx/>
-              <a:buNone/>
-            </a:pPr>
-            <a:fld id="{B9320F77-B9A0-41C5-862A-B4B631284C64}" type="slidenum">
-              <a:rPr lang="ko-KR" altLang="en-US" sz="1200"/>
-              <a:t>8</a:t>
-            </a:fld>
-          </a:p>
-        </p:txBody>
-      </p:sp>
-    </p:spTree>
-  </p:cSld>
-  <p:clrMapOvr>
-    <a:masterClrMapping/>
-  </p:clrMapOvr>
-  <mc:AlternateContent xmlns:mc="http://schemas.openxmlformats.org/markup-compatibility/2006">
-    <mc:Choice xmlns:p14="http://schemas.microsoft.com/office/powerpoint/2010/main" Requires="p14">
-      <p:transition spd="slow" p14:dur="0"/>
-    </mc:Choice>
-    <mc:Fallback>
-      <p:transition spd="slow"/>
-    </mc:Fallback>
-  </mc:AlternateContent>
-</p:notes>
+<mc:AlternateContent xmlns:mc="http://schemas.openxmlformats.org/markup-compatibility/2006" xmlns:p14="http://schemas.microsoft.com/office/powerpoint/2010/main">
+  <mc:Choice Requires="p14">
+    <p:notes xmlns:a="http://schemas.openxmlformats.org/drawingml/2006/main" xmlns:r="http://schemas.openxmlformats.org/officeDocument/2006/relationships" xmlns:p="http://schemas.openxmlformats.org/presentationml/2006/main">
+      <p:cSld>
+        <p:spTree>
+          <p:nvGrpSpPr>
+            <p:cNvPr id="1" name=""/>
+            <p:cNvGrpSpPr/>
+            <p:nvPr/>
+          </p:nvGrpSpPr>
+          <p:grpSpPr>
+            <a:xfrm>
+              <a:off x="0" y="0"/>
+              <a:ext cx="0" cy="0"/>
+              <a:chOff x="0" y="0"/>
+              <a:chExt cx="0" cy="0"/>
+            </a:xfrm>
+          </p:grpSpPr>
+          <p:sp>
+            <p:nvSpPr>
+              <p:cNvPr id="2" name="Rect 0"/>
+              <p:cNvSpPr>
+                <a:spLocks noGrp="1" noRot="1" noChangeAspect="1"/>
+              </p:cNvSpPr>
+              <p:nvPr>
+                <p:ph type="sldImg"/>
+              </p:nvPr>
+            </p:nvSpPr>
+            <p:spPr>
+              <a:xfrm>
+                <a:off x="685800" y="1143000"/>
+                <a:ext cx="5486400" cy="3086100"/>
+              </a:xfrm>
+              <a:prstGeom prst="rect">
+                <a:avLst/>
+              </a:prstGeom>
+              <a:noFill/>
+              <a:ln w="12700" cap="flat" cmpd="sng">
+                <a:solidFill>
+                  <a:srgbClr val="000000">
+                    <a:alpha val="100000"/>
+                  </a:srgbClr>
+                </a:solidFill>
+                <a:prstDash val="solid"/>
+              </a:ln>
+            </p:spPr>
+            <p:txBody>
+              <a:bodyPr vert="horz" wrap="square" lIns="0" tIns="0" rIns="0" bIns="0" anchor="t">
+                <a:noAutofit/>
+              </a:bodyPr>
+              <a:lstStyle/>
+              <a:p>
+                <a:pPr marL="0" indent="0" defTabSz="508000">
+                  <a:lnSpc>
+                    <a:spcPct val="100000"/>
+                  </a:lnSpc>
+                  <a:spcBef>
+                    <a:spcPts val="0"/>
+                  </a:spcBef>
+                  <a:spcAft>
+                    <a:spcPts val="0"/>
+                  </a:spcAft>
+                  <a:buFontTx/>
+                  <a:buNone/>
+                </a:pPr>
+                <a:endParaRPr/>
+              </a:p>
+            </p:txBody>
+          </p:sp>
+          <p:sp>
+            <p:nvSpPr>
+              <p:cNvPr id="3" name="Rect 0"/>
+              <p:cNvSpPr txBox="1">
+                <a:spLocks noGrp="1"/>
+              </p:cNvSpPr>
+              <p:nvPr>
+                <p:ph type="body" idx="1"/>
+              </p:nvPr>
+            </p:nvSpPr>
+            <p:spPr>
+              <a:xfrm>
+                <a:off x="685800" y="4400550"/>
+                <a:ext cx="5487035" cy="3601085"/>
+              </a:xfrm>
+              <a:prstGeom prst="rect">
+                <a:avLst/>
+              </a:prstGeom>
+            </p:spPr>
+            <p:txBody>
+              <a:bodyPr vert="horz" wrap="square" lIns="91440" tIns="45720" rIns="91440" bIns="45720" numCol="1" anchor="t">
+                <a:noAutofit/>
+              </a:bodyPr>
+              <a:lstStyle/>
+              <a:p>
+                <a:pPr marL="0" indent="0" defTabSz="508000">
+                  <a:lnSpc>
+                    <a:spcPct val="100000"/>
+                  </a:lnSpc>
+                  <a:spcBef>
+                    <a:spcPts val="0"/>
+                  </a:spcBef>
+                  <a:spcAft>
+                    <a:spcPts val="0"/>
+                  </a:spcAft>
+                  <a:buFontTx/>
+                  <a:buNone/>
+                </a:pPr>
+                <a:endParaRPr/>
+              </a:p>
+            </p:txBody>
+          </p:sp>
+          <p:sp>
+            <p:nvSpPr>
+              <p:cNvPr id="4" name="Rect 0"/>
+              <p:cNvSpPr txBox="1">
+                <a:spLocks noGrp="1"/>
+              </p:cNvSpPr>
+              <p:nvPr>
+                <p:ph type="sldNum" idx="10"/>
+              </p:nvPr>
+            </p:nvSpPr>
+            <p:spPr>
+              <a:xfrm>
+                <a:off x="3884930" y="8685530"/>
+                <a:ext cx="2972435" cy="459105"/>
+              </a:xfrm>
+              <a:prstGeom prst="rect">
+                <a:avLst/>
+              </a:prstGeom>
+            </p:spPr>
+            <p:txBody>
+              <a:bodyPr vert="horz" wrap="square" lIns="91440" tIns="45720" rIns="91440" bIns="45720" numCol="1" anchor="b">
+                <a:noAutofit/>
+              </a:bodyPr>
+              <a:lstStyle/>
+              <a:p>
+                <a:pPr marL="0" indent="0" defTabSz="508000">
+                  <a:lnSpc>
+                    <a:spcPct val="100000"/>
+                  </a:lnSpc>
+                  <a:spcBef>
+                    <a:spcPts val="0"/>
+                  </a:spcBef>
+                  <a:spcAft>
+                    <a:spcPts val="0"/>
+                  </a:spcAft>
+                  <a:buFontTx/>
+                  <a:buNone/>
+                </a:pPr>
+                <a:fld id="{B9320F77-B9A0-41C5-862A-B4B631284C64}" type="slidenum">
+                  <a:rPr lang="ko-KR" altLang="en-US" sz="1200"/>
+                  <a:t>7</a:t>
+                </a:fld>
+                <a:endParaRPr lang="ko-KR" altLang="en-US" sz="1200"/>
+              </a:p>
+            </p:txBody>
+          </p:sp>
+        </p:spTree>
+      </p:cSld>
+      <p:clrMapOvr>
+        <a:masterClrMapping/>
+      </p:clrMapOvr>
+    </p:notes>
+  </mc:Choice>
+  <mc:Fallback xmlns:mc="http://schemas.openxmlformats.org/markup-compatibility/2006" xmlns:p="http://schemas.openxmlformats.org/presentationml/2006/main" xmlns:r="http://schemas.openxmlformats.org/officeDocument/2006/relationships" xmlns:a="http://schemas.openxmlformats.org/drawingml/2006/main" xmlns="">
+    <p:transition spd="slow"/>
+  </mc:Fallback>
+</mc:AlternateContent>
 </file>
 
 <file path=ppt/notesSlides/notesSlide8.xml><?xml version="1.0" encoding="utf-8"?>
@@ -1702,10 +1720,9 @@
           </a:lstStyle>
           <a:p>
             <a:r>
-              <a:rPr lang="ko-KR" altLang="en-US" smtClean="0"/>
+              <a:rPr lang="ko-KR" altLang="en-US"/>
               <a:t>마스터 제목 스타일 편집</a:t>
             </a:r>
-            <a:endParaRPr lang="ko-KR" altLang="en-US"/>
           </a:p>
         </p:txBody>
       </p:sp>
@@ -1767,10 +1784,9 @@
           </a:lstStyle>
           <a:p>
             <a:r>
-              <a:rPr lang="ko-KR" altLang="en-US" smtClean="0"/>
+              <a:rPr lang="ko-KR" altLang="en-US"/>
               <a:t>클릭하여 마스터 부제목 스타일 편집</a:t>
             </a:r>
-            <a:endParaRPr lang="ko-KR" altLang="en-US"/>
           </a:p>
         </p:txBody>
       </p:sp>
@@ -1791,7 +1807,7 @@
           <a:p>
             <a:fld id="{14ED09F3-42FA-4000-BA19-9FDED2BD3142}" type="datetimeFigureOut">
               <a:rPr lang="ko-KR" altLang="en-US" smtClean="0"/>
-              <a:t>2019-09-16</a:t>
+              <a:t>2019-10-31</a:t>
             </a:fld>
             <a:endParaRPr lang="ko-KR" altLang="en-US"/>
           </a:p>
@@ -1885,10 +1901,9 @@
           <a:lstStyle/>
           <a:p>
             <a:r>
-              <a:rPr lang="ko-KR" altLang="en-US" smtClean="0"/>
+              <a:rPr lang="ko-KR" altLang="en-US"/>
               <a:t>마스터 제목 스타일 편집</a:t>
             </a:r>
-            <a:endParaRPr lang="ko-KR" altLang="en-US"/>
           </a:p>
         </p:txBody>
       </p:sp>
@@ -1909,38 +1924,37 @@
           <a:p>
             <a:pPr lvl="0"/>
             <a:r>
-              <a:rPr lang="ko-KR" altLang="en-US" smtClean="0"/>
+              <a:rPr lang="ko-KR" altLang="en-US"/>
               <a:t>마스터 텍스트 스타일 편집</a:t>
             </a:r>
           </a:p>
           <a:p>
             <a:pPr lvl="1"/>
             <a:r>
-              <a:rPr lang="ko-KR" altLang="en-US" smtClean="0"/>
+              <a:rPr lang="ko-KR" altLang="en-US"/>
               <a:t>둘째 수준</a:t>
             </a:r>
           </a:p>
           <a:p>
             <a:pPr lvl="2"/>
             <a:r>
-              <a:rPr lang="ko-KR" altLang="en-US" smtClean="0"/>
+              <a:rPr lang="ko-KR" altLang="en-US"/>
               <a:t>셋째 수준</a:t>
             </a:r>
           </a:p>
           <a:p>
             <a:pPr lvl="3"/>
             <a:r>
-              <a:rPr lang="ko-KR" altLang="en-US" smtClean="0"/>
+              <a:rPr lang="ko-KR" altLang="en-US"/>
               <a:t>넷째 수준</a:t>
             </a:r>
           </a:p>
           <a:p>
             <a:pPr lvl="4"/>
             <a:r>
-              <a:rPr lang="ko-KR" altLang="en-US" smtClean="0"/>
+              <a:rPr lang="ko-KR" altLang="en-US"/>
               <a:t>다섯째 수준</a:t>
             </a:r>
-            <a:endParaRPr lang="ko-KR" altLang="en-US"/>
           </a:p>
         </p:txBody>
       </p:sp>
@@ -1961,7 +1975,7 @@
           <a:p>
             <a:fld id="{14ED09F3-42FA-4000-BA19-9FDED2BD3142}" type="datetimeFigureOut">
               <a:rPr lang="ko-KR" altLang="en-US" smtClean="0"/>
-              <a:t>2019-09-16</a:t>
+              <a:t>2019-10-31</a:t>
             </a:fld>
             <a:endParaRPr lang="ko-KR" altLang="en-US"/>
           </a:p>
@@ -2060,10 +2074,9 @@
           <a:lstStyle/>
           <a:p>
             <a:r>
-              <a:rPr lang="ko-KR" altLang="en-US" smtClean="0"/>
+              <a:rPr lang="ko-KR" altLang="en-US"/>
               <a:t>마스터 제목 스타일 편집</a:t>
             </a:r>
-            <a:endParaRPr lang="ko-KR" altLang="en-US"/>
           </a:p>
         </p:txBody>
       </p:sp>
@@ -2089,38 +2102,37 @@
           <a:p>
             <a:pPr lvl="0"/>
             <a:r>
-              <a:rPr lang="ko-KR" altLang="en-US" smtClean="0"/>
+              <a:rPr lang="ko-KR" altLang="en-US"/>
               <a:t>마스터 텍스트 스타일 편집</a:t>
             </a:r>
           </a:p>
           <a:p>
             <a:pPr lvl="1"/>
             <a:r>
-              <a:rPr lang="ko-KR" altLang="en-US" smtClean="0"/>
+              <a:rPr lang="ko-KR" altLang="en-US"/>
               <a:t>둘째 수준</a:t>
             </a:r>
           </a:p>
           <a:p>
             <a:pPr lvl="2"/>
             <a:r>
-              <a:rPr lang="ko-KR" altLang="en-US" smtClean="0"/>
+              <a:rPr lang="ko-KR" altLang="en-US"/>
               <a:t>셋째 수준</a:t>
             </a:r>
           </a:p>
           <a:p>
             <a:pPr lvl="3"/>
             <a:r>
-              <a:rPr lang="ko-KR" altLang="en-US" smtClean="0"/>
+              <a:rPr lang="ko-KR" altLang="en-US"/>
               <a:t>넷째 수준</a:t>
             </a:r>
           </a:p>
           <a:p>
             <a:pPr lvl="4"/>
             <a:r>
-              <a:rPr lang="ko-KR" altLang="en-US" smtClean="0"/>
+              <a:rPr lang="ko-KR" altLang="en-US"/>
               <a:t>다섯째 수준</a:t>
             </a:r>
-            <a:endParaRPr lang="ko-KR" altLang="en-US"/>
           </a:p>
         </p:txBody>
       </p:sp>
@@ -2141,7 +2153,7 @@
           <a:p>
             <a:fld id="{14ED09F3-42FA-4000-BA19-9FDED2BD3142}" type="datetimeFigureOut">
               <a:rPr lang="ko-KR" altLang="en-US" smtClean="0"/>
-              <a:t>2019-09-16</a:t>
+              <a:t>2019-10-31</a:t>
             </a:fld>
             <a:endParaRPr lang="ko-KR" altLang="en-US"/>
           </a:p>
@@ -2235,10 +2247,9 @@
           <a:lstStyle/>
           <a:p>
             <a:r>
-              <a:rPr lang="ko-KR" altLang="en-US" smtClean="0"/>
+              <a:rPr lang="ko-KR" altLang="en-US"/>
               <a:t>마스터 제목 스타일 편집</a:t>
             </a:r>
-            <a:endParaRPr lang="ko-KR" altLang="en-US"/>
           </a:p>
         </p:txBody>
       </p:sp>
@@ -2259,38 +2270,37 @@
           <a:p>
             <a:pPr lvl="0"/>
             <a:r>
-              <a:rPr lang="ko-KR" altLang="en-US" smtClean="0"/>
+              <a:rPr lang="ko-KR" altLang="en-US"/>
               <a:t>마스터 텍스트 스타일 편집</a:t>
             </a:r>
           </a:p>
           <a:p>
             <a:pPr lvl="1"/>
             <a:r>
-              <a:rPr lang="ko-KR" altLang="en-US" smtClean="0"/>
+              <a:rPr lang="ko-KR" altLang="en-US"/>
               <a:t>둘째 수준</a:t>
             </a:r>
           </a:p>
           <a:p>
             <a:pPr lvl="2"/>
             <a:r>
-              <a:rPr lang="ko-KR" altLang="en-US" smtClean="0"/>
+              <a:rPr lang="ko-KR" altLang="en-US"/>
               <a:t>셋째 수준</a:t>
             </a:r>
           </a:p>
           <a:p>
             <a:pPr lvl="3"/>
             <a:r>
-              <a:rPr lang="ko-KR" altLang="en-US" smtClean="0"/>
+              <a:rPr lang="ko-KR" altLang="en-US"/>
               <a:t>넷째 수준</a:t>
             </a:r>
           </a:p>
           <a:p>
             <a:pPr lvl="4"/>
             <a:r>
-              <a:rPr lang="ko-KR" altLang="en-US" smtClean="0"/>
+              <a:rPr lang="ko-KR" altLang="en-US"/>
               <a:t>다섯째 수준</a:t>
             </a:r>
-            <a:endParaRPr lang="ko-KR" altLang="en-US"/>
           </a:p>
         </p:txBody>
       </p:sp>
@@ -2311,7 +2321,7 @@
           <a:p>
             <a:fld id="{14ED09F3-42FA-4000-BA19-9FDED2BD3142}" type="datetimeFigureOut">
               <a:rPr lang="ko-KR" altLang="en-US" smtClean="0"/>
-              <a:t>2019-09-16</a:t>
+              <a:t>2019-10-31</a:t>
             </a:fld>
             <a:endParaRPr lang="ko-KR" altLang="en-US"/>
           </a:p>
@@ -2414,10 +2424,9 @@
           </a:lstStyle>
           <a:p>
             <a:r>
-              <a:rPr lang="ko-KR" altLang="en-US" smtClean="0"/>
+              <a:rPr lang="ko-KR" altLang="en-US"/>
               <a:t>마스터 제목 스타일 편집</a:t>
             </a:r>
-            <a:endParaRPr lang="ko-KR" altLang="en-US"/>
           </a:p>
         </p:txBody>
       </p:sp>
@@ -2534,7 +2543,7 @@
           <a:p>
             <a:pPr lvl="0"/>
             <a:r>
-              <a:rPr lang="ko-KR" altLang="en-US" smtClean="0"/>
+              <a:rPr lang="ko-KR" altLang="en-US"/>
               <a:t>마스터 텍스트 스타일 편집</a:t>
             </a:r>
           </a:p>
@@ -2557,7 +2566,7 @@
           <a:p>
             <a:fld id="{14ED09F3-42FA-4000-BA19-9FDED2BD3142}" type="datetimeFigureOut">
               <a:rPr lang="ko-KR" altLang="en-US" smtClean="0"/>
-              <a:t>2019-09-16</a:t>
+              <a:t>2019-10-31</a:t>
             </a:fld>
             <a:endParaRPr lang="ko-KR" altLang="en-US"/>
           </a:p>
@@ -2651,10 +2660,9 @@
           <a:lstStyle/>
           <a:p>
             <a:r>
-              <a:rPr lang="ko-KR" altLang="en-US" smtClean="0"/>
+              <a:rPr lang="ko-KR" altLang="en-US"/>
               <a:t>마스터 제목 스타일 편집</a:t>
             </a:r>
-            <a:endParaRPr lang="ko-KR" altLang="en-US"/>
           </a:p>
         </p:txBody>
       </p:sp>
@@ -2680,38 +2688,37 @@
           <a:p>
             <a:pPr lvl="0"/>
             <a:r>
-              <a:rPr lang="ko-KR" altLang="en-US" smtClean="0"/>
+              <a:rPr lang="ko-KR" altLang="en-US"/>
               <a:t>마스터 텍스트 스타일 편집</a:t>
             </a:r>
           </a:p>
           <a:p>
             <a:pPr lvl="1"/>
             <a:r>
-              <a:rPr lang="ko-KR" altLang="en-US" smtClean="0"/>
+              <a:rPr lang="ko-KR" altLang="en-US"/>
               <a:t>둘째 수준</a:t>
             </a:r>
           </a:p>
           <a:p>
             <a:pPr lvl="2"/>
             <a:r>
-              <a:rPr lang="ko-KR" altLang="en-US" smtClean="0"/>
+              <a:rPr lang="ko-KR" altLang="en-US"/>
               <a:t>셋째 수준</a:t>
             </a:r>
           </a:p>
           <a:p>
             <a:pPr lvl="3"/>
             <a:r>
-              <a:rPr lang="ko-KR" altLang="en-US" smtClean="0"/>
+              <a:rPr lang="ko-KR" altLang="en-US"/>
               <a:t>넷째 수준</a:t>
             </a:r>
           </a:p>
           <a:p>
             <a:pPr lvl="4"/>
             <a:r>
-              <a:rPr lang="ko-KR" altLang="en-US" smtClean="0"/>
+              <a:rPr lang="ko-KR" altLang="en-US"/>
               <a:t>다섯째 수준</a:t>
             </a:r>
-            <a:endParaRPr lang="ko-KR" altLang="en-US"/>
           </a:p>
         </p:txBody>
       </p:sp>
@@ -2737,38 +2744,37 @@
           <a:p>
             <a:pPr lvl="0"/>
             <a:r>
-              <a:rPr lang="ko-KR" altLang="en-US" smtClean="0"/>
+              <a:rPr lang="ko-KR" altLang="en-US"/>
               <a:t>마스터 텍스트 스타일 편집</a:t>
             </a:r>
           </a:p>
           <a:p>
             <a:pPr lvl="1"/>
             <a:r>
-              <a:rPr lang="ko-KR" altLang="en-US" smtClean="0"/>
+              <a:rPr lang="ko-KR" altLang="en-US"/>
               <a:t>둘째 수준</a:t>
             </a:r>
           </a:p>
           <a:p>
             <a:pPr lvl="2"/>
             <a:r>
-              <a:rPr lang="ko-KR" altLang="en-US" smtClean="0"/>
+              <a:rPr lang="ko-KR" altLang="en-US"/>
               <a:t>셋째 수준</a:t>
             </a:r>
           </a:p>
           <a:p>
             <a:pPr lvl="3"/>
             <a:r>
-              <a:rPr lang="ko-KR" altLang="en-US" smtClean="0"/>
+              <a:rPr lang="ko-KR" altLang="en-US"/>
               <a:t>넷째 수준</a:t>
             </a:r>
           </a:p>
           <a:p>
             <a:pPr lvl="4"/>
             <a:r>
-              <a:rPr lang="ko-KR" altLang="en-US" smtClean="0"/>
+              <a:rPr lang="ko-KR" altLang="en-US"/>
               <a:t>다섯째 수준</a:t>
             </a:r>
-            <a:endParaRPr lang="ko-KR" altLang="en-US"/>
           </a:p>
         </p:txBody>
       </p:sp>
@@ -2789,7 +2795,7 @@
           <a:p>
             <a:fld id="{14ED09F3-42FA-4000-BA19-9FDED2BD3142}" type="datetimeFigureOut">
               <a:rPr lang="ko-KR" altLang="en-US" smtClean="0"/>
-              <a:t>2019-09-16</a:t>
+              <a:t>2019-10-31</a:t>
             </a:fld>
             <a:endParaRPr lang="ko-KR" altLang="en-US"/>
           </a:p>
@@ -2888,10 +2894,9 @@
           <a:lstStyle/>
           <a:p>
             <a:r>
-              <a:rPr lang="ko-KR" altLang="en-US" smtClean="0"/>
+              <a:rPr lang="ko-KR" altLang="en-US"/>
               <a:t>마스터 제목 스타일 편집</a:t>
             </a:r>
-            <a:endParaRPr lang="ko-KR" altLang="en-US"/>
           </a:p>
         </p:txBody>
       </p:sp>
@@ -2954,7 +2959,7 @@
           <a:p>
             <a:pPr lvl="0"/>
             <a:r>
-              <a:rPr lang="ko-KR" altLang="en-US" smtClean="0"/>
+              <a:rPr lang="ko-KR" altLang="en-US"/>
               <a:t>마스터 텍스트 스타일 편집</a:t>
             </a:r>
           </a:p>
@@ -2982,38 +2987,37 @@
           <a:p>
             <a:pPr lvl="0"/>
             <a:r>
-              <a:rPr lang="ko-KR" altLang="en-US" smtClean="0"/>
+              <a:rPr lang="ko-KR" altLang="en-US"/>
               <a:t>마스터 텍스트 스타일 편집</a:t>
             </a:r>
           </a:p>
           <a:p>
             <a:pPr lvl="1"/>
             <a:r>
-              <a:rPr lang="ko-KR" altLang="en-US" smtClean="0"/>
+              <a:rPr lang="ko-KR" altLang="en-US"/>
               <a:t>둘째 수준</a:t>
             </a:r>
           </a:p>
           <a:p>
             <a:pPr lvl="2"/>
             <a:r>
-              <a:rPr lang="ko-KR" altLang="en-US" smtClean="0"/>
+              <a:rPr lang="ko-KR" altLang="en-US"/>
               <a:t>셋째 수준</a:t>
             </a:r>
           </a:p>
           <a:p>
             <a:pPr lvl="3"/>
             <a:r>
-              <a:rPr lang="ko-KR" altLang="en-US" smtClean="0"/>
+              <a:rPr lang="ko-KR" altLang="en-US"/>
               <a:t>넷째 수준</a:t>
             </a:r>
           </a:p>
           <a:p>
             <a:pPr lvl="4"/>
             <a:r>
-              <a:rPr lang="ko-KR" altLang="en-US" smtClean="0"/>
+              <a:rPr lang="ko-KR" altLang="en-US"/>
               <a:t>다섯째 수준</a:t>
             </a:r>
-            <a:endParaRPr lang="ko-KR" altLang="en-US"/>
           </a:p>
         </p:txBody>
       </p:sp>
@@ -3076,7 +3080,7 @@
           <a:p>
             <a:pPr lvl="0"/>
             <a:r>
-              <a:rPr lang="ko-KR" altLang="en-US" smtClean="0"/>
+              <a:rPr lang="ko-KR" altLang="en-US"/>
               <a:t>마스터 텍스트 스타일 편집</a:t>
             </a:r>
           </a:p>
@@ -3104,38 +3108,37 @@
           <a:p>
             <a:pPr lvl="0"/>
             <a:r>
-              <a:rPr lang="ko-KR" altLang="en-US" smtClean="0"/>
+              <a:rPr lang="ko-KR" altLang="en-US"/>
               <a:t>마스터 텍스트 스타일 편집</a:t>
             </a:r>
           </a:p>
           <a:p>
             <a:pPr lvl="1"/>
             <a:r>
-              <a:rPr lang="ko-KR" altLang="en-US" smtClean="0"/>
+              <a:rPr lang="ko-KR" altLang="en-US"/>
               <a:t>둘째 수준</a:t>
             </a:r>
           </a:p>
           <a:p>
             <a:pPr lvl="2"/>
             <a:r>
-              <a:rPr lang="ko-KR" altLang="en-US" smtClean="0"/>
+              <a:rPr lang="ko-KR" altLang="en-US"/>
               <a:t>셋째 수준</a:t>
             </a:r>
           </a:p>
           <a:p>
             <a:pPr lvl="3"/>
             <a:r>
-              <a:rPr lang="ko-KR" altLang="en-US" smtClean="0"/>
+              <a:rPr lang="ko-KR" altLang="en-US"/>
               <a:t>넷째 수준</a:t>
             </a:r>
           </a:p>
           <a:p>
             <a:pPr lvl="4"/>
             <a:r>
-              <a:rPr lang="ko-KR" altLang="en-US" smtClean="0"/>
+              <a:rPr lang="ko-KR" altLang="en-US"/>
               <a:t>다섯째 수준</a:t>
             </a:r>
-            <a:endParaRPr lang="ko-KR" altLang="en-US"/>
           </a:p>
         </p:txBody>
       </p:sp>
@@ -3156,7 +3159,7 @@
           <a:p>
             <a:fld id="{14ED09F3-42FA-4000-BA19-9FDED2BD3142}" type="datetimeFigureOut">
               <a:rPr lang="ko-KR" altLang="en-US" smtClean="0"/>
-              <a:t>2019-09-16</a:t>
+              <a:t>2019-10-31</a:t>
             </a:fld>
             <a:endParaRPr lang="ko-KR" altLang="en-US"/>
           </a:p>
@@ -3250,10 +3253,9 @@
           <a:lstStyle/>
           <a:p>
             <a:r>
-              <a:rPr lang="ko-KR" altLang="en-US" smtClean="0"/>
+              <a:rPr lang="ko-KR" altLang="en-US"/>
               <a:t>마스터 제목 스타일 편집</a:t>
             </a:r>
-            <a:endParaRPr lang="ko-KR" altLang="en-US"/>
           </a:p>
         </p:txBody>
       </p:sp>
@@ -3274,7 +3276,7 @@
           <a:p>
             <a:fld id="{14ED09F3-42FA-4000-BA19-9FDED2BD3142}" type="datetimeFigureOut">
               <a:rPr lang="ko-KR" altLang="en-US" smtClean="0"/>
-              <a:t>2019-09-16</a:t>
+              <a:t>2019-10-31</a:t>
             </a:fld>
             <a:endParaRPr lang="ko-KR" altLang="en-US"/>
           </a:p>
@@ -3369,7 +3371,7 @@
           <a:p>
             <a:fld id="{14ED09F3-42FA-4000-BA19-9FDED2BD3142}" type="datetimeFigureOut">
               <a:rPr lang="ko-KR" altLang="en-US" smtClean="0"/>
-              <a:t>2019-09-16</a:t>
+              <a:t>2019-10-31</a:t>
             </a:fld>
             <a:endParaRPr lang="ko-KR" altLang="en-US"/>
           </a:p>
@@ -3472,10 +3474,9 @@
           </a:lstStyle>
           <a:p>
             <a:r>
-              <a:rPr lang="ko-KR" altLang="en-US" smtClean="0"/>
+              <a:rPr lang="ko-KR" altLang="en-US"/>
               <a:t>마스터 제목 스타일 편집</a:t>
             </a:r>
-            <a:endParaRPr lang="ko-KR" altLang="en-US"/>
           </a:p>
         </p:txBody>
       </p:sp>
@@ -3529,38 +3530,37 @@
           <a:p>
             <a:pPr lvl="0"/>
             <a:r>
-              <a:rPr lang="ko-KR" altLang="en-US" smtClean="0"/>
+              <a:rPr lang="ko-KR" altLang="en-US"/>
               <a:t>마스터 텍스트 스타일 편집</a:t>
             </a:r>
           </a:p>
           <a:p>
             <a:pPr lvl="1"/>
             <a:r>
-              <a:rPr lang="ko-KR" altLang="en-US" smtClean="0"/>
+              <a:rPr lang="ko-KR" altLang="en-US"/>
               <a:t>둘째 수준</a:t>
             </a:r>
           </a:p>
           <a:p>
             <a:pPr lvl="2"/>
             <a:r>
-              <a:rPr lang="ko-KR" altLang="en-US" smtClean="0"/>
+              <a:rPr lang="ko-KR" altLang="en-US"/>
               <a:t>셋째 수준</a:t>
             </a:r>
           </a:p>
           <a:p>
             <a:pPr lvl="3"/>
             <a:r>
-              <a:rPr lang="ko-KR" altLang="en-US" smtClean="0"/>
+              <a:rPr lang="ko-KR" altLang="en-US"/>
               <a:t>넷째 수준</a:t>
             </a:r>
           </a:p>
           <a:p>
             <a:pPr lvl="4"/>
             <a:r>
-              <a:rPr lang="ko-KR" altLang="en-US" smtClean="0"/>
+              <a:rPr lang="ko-KR" altLang="en-US"/>
               <a:t>다섯째 수준</a:t>
             </a:r>
-            <a:endParaRPr lang="ko-KR" altLang="en-US"/>
           </a:p>
         </p:txBody>
       </p:sp>
@@ -3623,7 +3623,7 @@
           <a:p>
             <a:pPr lvl="0"/>
             <a:r>
-              <a:rPr lang="ko-KR" altLang="en-US" smtClean="0"/>
+              <a:rPr lang="ko-KR" altLang="en-US"/>
               <a:t>마스터 텍스트 스타일 편집</a:t>
             </a:r>
           </a:p>
@@ -3646,7 +3646,7 @@
           <a:p>
             <a:fld id="{14ED09F3-42FA-4000-BA19-9FDED2BD3142}" type="datetimeFigureOut">
               <a:rPr lang="ko-KR" altLang="en-US" smtClean="0"/>
-              <a:t>2019-09-16</a:t>
+              <a:t>2019-10-31</a:t>
             </a:fld>
             <a:endParaRPr lang="ko-KR" altLang="en-US"/>
           </a:p>
@@ -3749,10 +3749,9 @@
           </a:lstStyle>
           <a:p>
             <a:r>
-              <a:rPr lang="ko-KR" altLang="en-US" smtClean="0"/>
+              <a:rPr lang="ko-KR" altLang="en-US"/>
               <a:t>마스터 제목 스타일 편집</a:t>
             </a:r>
-            <a:endParaRPr lang="ko-KR" altLang="en-US"/>
           </a:p>
         </p:txBody>
       </p:sp>
@@ -3876,7 +3875,7 @@
           <a:p>
             <a:pPr lvl="0"/>
             <a:r>
-              <a:rPr lang="ko-KR" altLang="en-US" smtClean="0"/>
+              <a:rPr lang="ko-KR" altLang="en-US"/>
               <a:t>마스터 텍스트 스타일 편집</a:t>
             </a:r>
           </a:p>
@@ -3899,7 +3898,7 @@
           <a:p>
             <a:fld id="{14ED09F3-42FA-4000-BA19-9FDED2BD3142}" type="datetimeFigureOut">
               <a:rPr lang="ko-KR" altLang="en-US" smtClean="0"/>
-              <a:t>2019-09-16</a:t>
+              <a:t>2019-10-31</a:t>
             </a:fld>
             <a:endParaRPr lang="ko-KR" altLang="en-US"/>
           </a:p>
@@ -4008,10 +4007,9 @@
           <a:lstStyle/>
           <a:p>
             <a:r>
-              <a:rPr lang="ko-KR" altLang="en-US" smtClean="0"/>
+              <a:rPr lang="ko-KR" altLang="en-US"/>
               <a:t>마스터 제목 스타일 편집</a:t>
             </a:r>
-            <a:endParaRPr lang="ko-KR" altLang="en-US"/>
           </a:p>
         </p:txBody>
       </p:sp>
@@ -4042,38 +4040,37 @@
           <a:p>
             <a:pPr lvl="0"/>
             <a:r>
-              <a:rPr lang="ko-KR" altLang="en-US" smtClean="0"/>
+              <a:rPr lang="ko-KR" altLang="en-US"/>
               <a:t>마스터 텍스트 스타일 편집</a:t>
             </a:r>
           </a:p>
           <a:p>
             <a:pPr lvl="1"/>
             <a:r>
-              <a:rPr lang="ko-KR" altLang="en-US" smtClean="0"/>
+              <a:rPr lang="ko-KR" altLang="en-US"/>
               <a:t>둘째 수준</a:t>
             </a:r>
           </a:p>
           <a:p>
             <a:pPr lvl="2"/>
             <a:r>
-              <a:rPr lang="ko-KR" altLang="en-US" smtClean="0"/>
+              <a:rPr lang="ko-KR" altLang="en-US"/>
               <a:t>셋째 수준</a:t>
             </a:r>
           </a:p>
           <a:p>
             <a:pPr lvl="3"/>
             <a:r>
-              <a:rPr lang="ko-KR" altLang="en-US" smtClean="0"/>
+              <a:rPr lang="ko-KR" altLang="en-US"/>
               <a:t>넷째 수준</a:t>
             </a:r>
           </a:p>
           <a:p>
             <a:pPr lvl="4"/>
             <a:r>
-              <a:rPr lang="ko-KR" altLang="en-US" smtClean="0"/>
+              <a:rPr lang="ko-KR" altLang="en-US"/>
               <a:t>다섯째 수준</a:t>
             </a:r>
-            <a:endParaRPr lang="ko-KR" altLang="en-US"/>
           </a:p>
         </p:txBody>
       </p:sp>
@@ -4112,7 +4109,7 @@
           <a:p>
             <a:fld id="{14ED09F3-42FA-4000-BA19-9FDED2BD3142}" type="datetimeFigureOut">
               <a:rPr lang="ko-KR" altLang="en-US" smtClean="0"/>
-              <a:t>2019-09-16</a:t>
+              <a:t>2019-10-31</a:t>
             </a:fld>
             <a:endParaRPr lang="ko-KR" altLang="en-US"/>
           </a:p>
@@ -4501,7 +4498,7 @@
 </file>
 
 <file path=ppt/slides/slide1.xml><?xml version="1.0" encoding="utf-8"?>
-<p:sld xmlns:a="http://schemas.openxmlformats.org/drawingml/2006/main" xmlns:r="http://schemas.openxmlformats.org/officeDocument/2006/relationships" xmlns:p="http://schemas.openxmlformats.org/presentationml/2006/main" xmlns:p14="http://schemas.microsoft.com/office/powerpoint/2010/main">
+<p:sld xmlns:a="http://schemas.openxmlformats.org/drawingml/2006/main" xmlns:r="http://schemas.openxmlformats.org/officeDocument/2006/relationships" xmlns:p="http://schemas.openxmlformats.org/presentationml/2006/main">
   <p:cSld>
     <p:spTree>
       <p:nvGrpSpPr>
@@ -4526,7 +4523,7 @@
           <p:nvPr>
             <p:extLst>
               <p:ext uri="{D42A27DB-BD31-4B8C-83A1-F6EECF244321}">
-                <p14:modId xmlns:p14="http://schemas.microsoft.com/office/powerpoint/2010/main" val="4032585517"/>
+                <p14:modId xmlns:p14="http://schemas.microsoft.com/office/powerpoint/2010/main" val="1959749692"/>
               </p:ext>
             </p:extLst>
           </p:nvPr>
@@ -4542,8 +4539,20 @@
                 <a:tableStyleId>{5C22544A-7EE6-4342-B048-85BDC9FD1C3A}</a:tableStyleId>
               </a:tblPr>
               <a:tblGrid>
-                <a:gridCol w="814070"/>
-                <a:gridCol w="1393825"/>
+                <a:gridCol w="814070">
+                  <a:extLst>
+                    <a:ext uri="{9D8B030D-6E8A-4147-A177-3AD203B41FA5}">
+                      <a16:colId xmlns:a16="http://schemas.microsoft.com/office/drawing/2014/main" val="20000"/>
+                    </a:ext>
+                  </a:extLst>
+                </a:gridCol>
+                <a:gridCol w="1393825">
+                  <a:extLst>
+                    <a:ext uri="{9D8B030D-6E8A-4147-A177-3AD203B41FA5}">
+                      <a16:colId xmlns:a16="http://schemas.microsoft.com/office/drawing/2014/main" val="20001"/>
+                    </a:ext>
+                  </a:extLst>
+                </a:gridCol>
               </a:tblGrid>
               <a:tr h="247650">
                 <a:tc>
@@ -4661,7 +4670,7 @@
                     <a:p>
                       <a:pPr algn="ctr" fontAlgn="ctr"/>
                       <a:r>
-                        <a:rPr lang="en-US" sz="1100" b="0" i="0" u="none" strike="noStrike" dirty="0" smtClean="0">
+                        <a:rPr lang="en-US" sz="1000" b="0" i="0" u="none" strike="noStrike" dirty="0">
                           <a:solidFill>
                             <a:srgbClr val="000000"/>
                           </a:solidFill>
@@ -4670,13 +4679,6 @@
                         </a:rPr>
                         <a:t>F-TB-TO</a:t>
                       </a:r>
-                      <a:endParaRPr lang="en-US" sz="1100" b="0" i="0" u="none" strike="noStrike" dirty="0">
-                        <a:solidFill>
-                          <a:srgbClr val="000000"/>
-                        </a:solidFill>
-                        <a:effectLst/>
-                        <a:latin typeface="맑은 고딕"/>
-                      </a:endParaRPr>
                     </a:p>
                   </a:txBody>
                   <a:tcPr marL="9525" marR="9525" marT="9525" marB="0" anchor="ctr">
@@ -4729,6 +4731,11 @@
                     </a:solidFill>
                   </a:tcPr>
                 </a:tc>
+                <a:extLst>
+                  <a:ext uri="{0D108BD9-81ED-4DB2-BD59-A6C34878D82A}">
+                    <a16:rowId xmlns:a16="http://schemas.microsoft.com/office/drawing/2014/main" val="10000"/>
+                  </a:ext>
+                </a:extLst>
               </a:tr>
               <a:tr h="247650">
                 <a:tc>
@@ -4840,7 +4847,7 @@
                         <a:buNone/>
                       </a:pPr>
                       <a:r>
-                        <a:rPr lang="ko-KR" altLang="en-US" sz="1000" b="0" i="0" kern="1200" dirty="0" smtClean="0">
+                        <a:rPr lang="ko-KR" altLang="en-US" sz="1000" b="0" i="0" kern="1200" dirty="0">
                           <a:solidFill>
                             <a:schemeClr val="tx1"/>
                           </a:solidFill>
@@ -4849,13 +4856,6 @@
                         </a:rPr>
                         <a:t>시험옵션</a:t>
                       </a:r>
-                      <a:endParaRPr lang="ko-KR" altLang="en-US" sz="1000" b="0" i="0" kern="1200" dirty="0">
-                        <a:solidFill>
-                          <a:schemeClr val="tx1"/>
-                        </a:solidFill>
-                        <a:latin typeface="맑은 고딕" charset="0"/>
-                        <a:ea typeface="맑은 고딕" charset="0"/>
-                      </a:endParaRPr>
                     </a:p>
                   </a:txBody>
                   <a:tcPr marL="90170" marR="90170" marT="46990" marB="46990">
@@ -4906,6 +4906,11 @@
                     </a:solidFill>
                   </a:tcPr>
                 </a:tc>
+                <a:extLst>
+                  <a:ext uri="{0D108BD9-81ED-4DB2-BD59-A6C34878D82A}">
+                    <a16:rowId xmlns:a16="http://schemas.microsoft.com/office/drawing/2014/main" val="10001"/>
+                  </a:ext>
+                </a:extLst>
               </a:tr>
             </a:tbl>
           </a:graphicData>
@@ -4992,14 +4997,14 @@
           <p:nvPr>
             <p:extLst>
               <p:ext uri="{D42A27DB-BD31-4B8C-83A1-F6EECF244321}">
-                <p14:modId xmlns:p14="http://schemas.microsoft.com/office/powerpoint/2010/main" val="1767970962"/>
+                <p14:modId xmlns:p14="http://schemas.microsoft.com/office/powerpoint/2010/main" val="3854965956"/>
               </p:ext>
             </p:extLst>
           </p:nvPr>
         </p:nvGraphicFramePr>
         <p:xfrm>
           <a:off x="9196070" y="718185"/>
-          <a:ext cx="2900680" cy="2879725"/>
+          <a:ext cx="2900680" cy="3477385"/>
         </p:xfrm>
         <a:graphic>
           <a:graphicData uri="http://schemas.openxmlformats.org/drawingml/2006/table">
@@ -5008,11 +5013,29 @@
                 <a:tableStyleId>{5C22544A-7EE6-4342-B048-85BDC9FD1C3A}</a:tableStyleId>
               </a:tblPr>
               <a:tblGrid>
-                <a:gridCol w="400050"/>
-                <a:gridCol w="452755"/>
-                <a:gridCol w="2047875"/>
+                <a:gridCol w="400050">
+                  <a:extLst>
+                    <a:ext uri="{9D8B030D-6E8A-4147-A177-3AD203B41FA5}">
+                      <a16:colId xmlns:a16="http://schemas.microsoft.com/office/drawing/2014/main" val="20000"/>
+                    </a:ext>
+                  </a:extLst>
+                </a:gridCol>
+                <a:gridCol w="452755">
+                  <a:extLst>
+                    <a:ext uri="{9D8B030D-6E8A-4147-A177-3AD203B41FA5}">
+                      <a16:colId xmlns:a16="http://schemas.microsoft.com/office/drawing/2014/main" val="20001"/>
+                    </a:ext>
+                  </a:extLst>
+                </a:gridCol>
+                <a:gridCol w="2047875">
+                  <a:extLst>
+                    <a:ext uri="{9D8B030D-6E8A-4147-A177-3AD203B41FA5}">
+                      <a16:colId xmlns:a16="http://schemas.microsoft.com/office/drawing/2014/main" val="20002"/>
+                    </a:ext>
+                  </a:extLst>
+                </a:gridCol>
               </a:tblGrid>
-              <a:tr h="247650">
+              <a:tr h="287087">
                 <a:tc>
                   <a:txBody>
                     <a:bodyPr/>
@@ -5279,8 +5302,13 @@
                     </a:solidFill>
                   </a:tcPr>
                 </a:tc>
+                <a:extLst>
+                  <a:ext uri="{0D108BD9-81ED-4DB2-BD59-A6C34878D82A}">
+                    <a16:rowId xmlns:a16="http://schemas.microsoft.com/office/drawing/2014/main" val="10000"/>
+                  </a:ext>
+                </a:extLst>
               </a:tr>
-              <a:tr h="526415">
+              <a:tr h="610244">
                 <a:tc>
                   <a:txBody>
                     <a:bodyPr/>
@@ -5300,7 +5328,7 @@
                         <a:buNone/>
                       </a:pPr>
                       <a:r>
-                        <a:rPr lang="en-US" altLang="ko-KR" sz="1000" b="0" i="0" kern="1200" dirty="0" smtClean="0">
+                        <a:rPr lang="en-US" altLang="ko-KR" sz="1000" b="0" i="0" kern="1200" dirty="0">
                           <a:solidFill>
                             <a:schemeClr val="tx1"/>
                           </a:solidFill>
@@ -5433,7 +5461,10 @@
                     <a:bodyPr/>
                     <a:lstStyle/>
                     <a:p>
-                      <a:pPr algn="l" fontAlgn="ctr"/>
+                      <a:pPr marL="0" indent="0" algn="l" fontAlgn="ctr">
+                        <a:buFontTx/>
+                        <a:buNone/>
+                      </a:pPr>
                       <a:r>
                         <a:rPr lang="en-US" altLang="ko-KR" sz="1100" b="0" i="0" u="none" strike="noStrike" dirty="0">
                           <a:solidFill>
@@ -5442,7 +5473,7 @@
                           <a:effectLst/>
                           <a:latin typeface="맑은 고딕"/>
                         </a:rPr>
-                        <a:t>- DB</a:t>
+                        <a:t>- </a:t>
                       </a:r>
                       <a:r>
                         <a:rPr lang="ko-KR" altLang="en-US" sz="1100" b="0" i="0" u="none" strike="noStrike" dirty="0">
@@ -5452,38 +5483,15 @@
                           <a:effectLst/>
                           <a:latin typeface="맑은 고딕"/>
                         </a:rPr>
-                        <a:t>에서 시험종류를 읽어오고</a:t>
-                      </a:r>
-                      <a:r>
-                        <a:rPr lang="en-US" altLang="ko-KR" sz="1100" b="0" i="0" u="none" strike="noStrike" dirty="0">
-                          <a:solidFill>
-                            <a:srgbClr val="000000"/>
-                          </a:solidFill>
-                          <a:effectLst/>
-                          <a:latin typeface="맑은 고딕"/>
-                        </a:rPr>
-                        <a:t>, </a:t>
-                      </a:r>
-                      <a:r>
-                        <a:rPr lang="ko-KR" altLang="en-US" sz="1100" b="0" i="0" u="none" strike="noStrike" dirty="0" err="1">
-                          <a:solidFill>
-                            <a:srgbClr val="000000"/>
-                          </a:solidFill>
-                          <a:effectLst/>
-                          <a:latin typeface="맑은 고딕"/>
-                        </a:rPr>
-                        <a:t>셀렉트박스로</a:t>
-                      </a:r>
-                      <a:r>
-                        <a:rPr lang="ko-KR" altLang="en-US" sz="1100" b="0" i="0" u="none" strike="noStrike" dirty="0">
-                          <a:solidFill>
-                            <a:srgbClr val="000000"/>
-                          </a:solidFill>
-                          <a:effectLst/>
-                          <a:latin typeface="맑은 고딕"/>
-                        </a:rPr>
-                        <a:t> 선택</a:t>
-                      </a:r>
+                        <a:t>선택한 자격증에 해당하는 기출문제 표시</a:t>
+                      </a:r>
+                      <a:endParaRPr lang="en-US" altLang="ko-KR" sz="1100" b="0" i="0" u="none" strike="noStrike" dirty="0">
+                        <a:solidFill>
+                          <a:srgbClr val="000000"/>
+                        </a:solidFill>
+                        <a:effectLst/>
+                        <a:latin typeface="맑은 고딕"/>
+                      </a:endParaRPr>
                     </a:p>
                   </a:txBody>
                   <a:tcPr marL="9525" marR="9525" marT="9525" marB="0" anchor="ctr">
@@ -5534,8 +5542,13 @@
                     </a:solidFill>
                   </a:tcPr>
                 </a:tc>
+                <a:extLst>
+                  <a:ext uri="{0D108BD9-81ED-4DB2-BD59-A6C34878D82A}">
+                    <a16:rowId xmlns:a16="http://schemas.microsoft.com/office/drawing/2014/main" val="10001"/>
+                  </a:ext>
+                </a:extLst>
               </a:tr>
-              <a:tr h="526415">
+              <a:tr h="610244">
                 <a:tc>
                   <a:txBody>
                     <a:bodyPr/>
@@ -5555,7 +5568,7 @@
                         <a:buNone/>
                       </a:pPr>
                       <a:r>
-                        <a:rPr lang="en-US" altLang="ko-KR" sz="1000" b="0" i="0" kern="1200" dirty="0" smtClean="0">
+                        <a:rPr lang="en-US" altLang="ko-KR" sz="1000" b="0" i="0" kern="1200" dirty="0">
                           <a:solidFill>
                             <a:schemeClr val="tx1"/>
                           </a:solidFill>
@@ -5690,7 +5703,7 @@
                     <a:p>
                       <a:pPr algn="l" fontAlgn="ctr"/>
                       <a:r>
-                        <a:rPr lang="en-US" altLang="ko-KR" sz="1100" b="0" i="0" u="none" strike="noStrike">
+                        <a:rPr lang="en-US" altLang="ko-KR" sz="1100" b="0" i="0" u="none" strike="noStrike" dirty="0">
                           <a:solidFill>
                             <a:srgbClr val="000000"/>
                           </a:solidFill>
@@ -5700,17 +5713,17 @@
                         <a:t>- </a:t>
                       </a:r>
                       <a:r>
-                        <a:rPr lang="ko-KR" altLang="en-US" sz="1100" b="0" i="0" u="none" strike="noStrike">
+                        <a:rPr lang="ko-KR" altLang="en-US" sz="1100" b="0" i="0" u="none" strike="noStrike" dirty="0">
                           <a:solidFill>
                             <a:srgbClr val="000000"/>
                           </a:solidFill>
                           <a:effectLst/>
                           <a:latin typeface="맑은 고딕"/>
                         </a:rPr>
-                        <a:t>자격증 선택시 보여짐</a:t>
+                        <a:t>선택한 기출문제에 해당하는 과목 표시</a:t>
                       </a:r>
                       <a:br>
-                        <a:rPr lang="ko-KR" altLang="en-US" sz="1100" b="0" i="0" u="none" strike="noStrike">
+                        <a:rPr lang="en-US" altLang="ko-KR" sz="1100" b="0" i="0" u="none" strike="noStrike" dirty="0">
                           <a:solidFill>
                             <a:srgbClr val="000000"/>
                           </a:solidFill>
@@ -5719,27 +5732,27 @@
                         </a:rPr>
                       </a:br>
                       <a:r>
-                        <a:rPr lang="en-US" altLang="ko-KR" sz="1100" b="0" i="0" u="none" strike="noStrike">
+                        <a:rPr lang="en-US" altLang="ko-KR" sz="1100" b="0" i="0" u="none" strike="noStrike" dirty="0">
                           <a:solidFill>
                             <a:srgbClr val="000000"/>
                           </a:solidFill>
                           <a:effectLst/>
                           <a:latin typeface="맑은 고딕"/>
                         </a:rPr>
-                        <a:t>- DB</a:t>
-                      </a:r>
-                      <a:r>
-                        <a:rPr lang="ko-KR" altLang="en-US" sz="1100" b="0" i="0" u="none" strike="noStrike">
+                        <a:t>- </a:t>
+                      </a:r>
+                      <a:r>
+                        <a:rPr lang="ko-KR" altLang="en-US" sz="1100" b="0" i="0" u="none" strike="noStrike" dirty="0">
                           <a:solidFill>
                             <a:srgbClr val="000000"/>
                           </a:solidFill>
                           <a:effectLst/>
                           <a:latin typeface="맑은 고딕"/>
                         </a:rPr>
-                        <a:t>에서 기출문제지를 읽어오고</a:t>
-                      </a:r>
-                      <a:r>
-                        <a:rPr lang="en-US" altLang="ko-KR" sz="1100" b="0" i="0" u="none" strike="noStrike">
+                        <a:t>시간제한 여부</a:t>
+                      </a:r>
+                      <a:r>
+                        <a:rPr lang="en-US" altLang="ko-KR" sz="1100" b="0" i="0" u="none" strike="noStrike" dirty="0">
                           <a:solidFill>
                             <a:srgbClr val="000000"/>
                           </a:solidFill>
@@ -5749,14 +5762,14 @@
                         <a:t>, </a:t>
                       </a:r>
                       <a:r>
-                        <a:rPr lang="ko-KR" altLang="en-US" sz="1100" b="0" i="0" u="none" strike="noStrike">
+                        <a:rPr lang="ko-KR" altLang="en-US" sz="1100" b="0" i="0" u="none" strike="noStrike" dirty="0">
                           <a:solidFill>
                             <a:srgbClr val="000000"/>
                           </a:solidFill>
                           <a:effectLst/>
                           <a:latin typeface="맑은 고딕"/>
                         </a:rPr>
-                        <a:t>셀렉트박스로 선택</a:t>
+                        <a:t>버튼 노출</a:t>
                       </a:r>
                     </a:p>
                   </a:txBody>
@@ -5808,8 +5821,13 @@
                     </a:solidFill>
                   </a:tcPr>
                 </a:tc>
+                <a:extLst>
+                  <a:ext uri="{0D108BD9-81ED-4DB2-BD59-A6C34878D82A}">
+                    <a16:rowId xmlns:a16="http://schemas.microsoft.com/office/drawing/2014/main" val="10002"/>
+                  </a:ext>
+                </a:extLst>
               </a:tr>
-              <a:tr h="526415">
+              <a:tr h="610244">
                 <a:tc>
                   <a:txBody>
                     <a:bodyPr/>
@@ -5829,7 +5847,7 @@
                         <a:buNone/>
                       </a:pPr>
                       <a:r>
-                        <a:rPr lang="en-US" altLang="ko-KR" sz="1000" b="0" i="0" kern="1200" dirty="0" smtClean="0">
+                        <a:rPr lang="en-US" altLang="ko-KR" sz="1000" b="0" i="0" kern="1200" dirty="0">
                           <a:solidFill>
                             <a:schemeClr val="tx1"/>
                           </a:solidFill>
@@ -5963,75 +5981,13 @@
                     <a:lstStyle/>
                     <a:p>
                       <a:pPr algn="l" fontAlgn="ctr"/>
-                      <a:r>
-                        <a:rPr lang="en-US" altLang="ko-KR" sz="1100" b="0" i="0" u="none" strike="noStrike">
-                          <a:solidFill>
-                            <a:srgbClr val="000000"/>
-                          </a:solidFill>
-                          <a:effectLst/>
-                          <a:latin typeface="맑은 고딕"/>
-                        </a:rPr>
-                        <a:t>- </a:t>
-                      </a:r>
-                      <a:r>
-                        <a:rPr lang="ko-KR" altLang="en-US" sz="1100" b="0" i="0" u="none" strike="noStrike">
-                          <a:solidFill>
-                            <a:srgbClr val="000000"/>
-                          </a:solidFill>
-                          <a:effectLst/>
-                          <a:latin typeface="맑은 고딕"/>
-                        </a:rPr>
-                        <a:t>기출문제지 선택시 보여짐</a:t>
-                      </a:r>
-                      <a:br>
-                        <a:rPr lang="ko-KR" altLang="en-US" sz="1100" b="0" i="0" u="none" strike="noStrike">
-                          <a:solidFill>
-                            <a:srgbClr val="000000"/>
-                          </a:solidFill>
-                          <a:effectLst/>
-                          <a:latin typeface="맑은 고딕"/>
-                        </a:rPr>
-                      </a:br>
-                      <a:r>
-                        <a:rPr lang="en-US" altLang="ko-KR" sz="1100" b="0" i="0" u="none" strike="noStrike">
-                          <a:solidFill>
-                            <a:srgbClr val="000000"/>
-                          </a:solidFill>
-                          <a:effectLst/>
-                          <a:latin typeface="맑은 고딕"/>
-                        </a:rPr>
-                        <a:t>- DB</a:t>
-                      </a:r>
-                      <a:r>
-                        <a:rPr lang="ko-KR" altLang="en-US" sz="1100" b="0" i="0" u="none" strike="noStrike">
-                          <a:solidFill>
-                            <a:srgbClr val="000000"/>
-                          </a:solidFill>
-                          <a:effectLst/>
-                          <a:latin typeface="맑은 고딕"/>
-                        </a:rPr>
-                        <a:t>에서 과목을 읽어오고</a:t>
-                      </a:r>
-                      <a:r>
-                        <a:rPr lang="en-US" altLang="ko-KR" sz="1100" b="0" i="0" u="none" strike="noStrike">
-                          <a:solidFill>
-                            <a:srgbClr val="000000"/>
-                          </a:solidFill>
-                          <a:effectLst/>
-                          <a:latin typeface="맑은 고딕"/>
-                        </a:rPr>
-                        <a:t>, </a:t>
-                      </a:r>
-                      <a:r>
-                        <a:rPr lang="ko-KR" altLang="en-US" sz="1100" b="0" i="0" u="none" strike="noStrike">
-                          <a:solidFill>
-                            <a:srgbClr val="000000"/>
-                          </a:solidFill>
-                          <a:effectLst/>
-                          <a:latin typeface="맑은 고딕"/>
-                        </a:rPr>
-                        <a:t>체크박스로 선택</a:t>
-                      </a:r>
+                      <a:endParaRPr lang="ko-KR" altLang="en-US" sz="1100" b="0" i="0" u="none" strike="noStrike" dirty="0">
+                        <a:solidFill>
+                          <a:srgbClr val="000000"/>
+                        </a:solidFill>
+                        <a:effectLst/>
+                        <a:latin typeface="맑은 고딕"/>
+                      </a:endParaRPr>
                     </a:p>
                   </a:txBody>
                   <a:tcPr marL="9525" marR="9525" marT="9525" marB="0" anchor="ctr">
@@ -6082,8 +6038,13 @@
                     </a:solidFill>
                   </a:tcPr>
                 </a:tc>
+                <a:extLst>
+                  <a:ext uri="{0D108BD9-81ED-4DB2-BD59-A6C34878D82A}">
+                    <a16:rowId xmlns:a16="http://schemas.microsoft.com/office/drawing/2014/main" val="10003"/>
+                  </a:ext>
+                </a:extLst>
               </a:tr>
-              <a:tr h="526415">
+              <a:tr h="322832">
                 <a:tc>
                   <a:txBody>
                     <a:bodyPr/>
@@ -6103,7 +6064,7 @@
                         <a:buNone/>
                       </a:pPr>
                       <a:r>
-                        <a:rPr lang="en-US" altLang="ko-KR" sz="1000" b="0" i="0" kern="1200" dirty="0" smtClean="0">
+                        <a:rPr lang="en-US" altLang="ko-KR" sz="1000" b="0" i="0" kern="1200" dirty="0">
                           <a:solidFill>
                             <a:schemeClr val="tx1"/>
                           </a:solidFill>
@@ -6174,7 +6135,17 @@
                     <a:p>
                       <a:pPr algn="ctr" fontAlgn="ctr"/>
                       <a:r>
-                        <a:rPr lang="ko-KR" altLang="en-US" sz="1100" b="0" i="0" u="none" strike="noStrike">
+                        <a:rPr lang="en-US" altLang="ko-KR" sz="1100" b="0" i="0" u="none" strike="noStrike" dirty="0">
+                          <a:solidFill>
+                            <a:srgbClr val="000000"/>
+                          </a:solidFill>
+                          <a:effectLst/>
+                          <a:latin typeface="맑은 고딕"/>
+                        </a:rPr>
+                        <a:t>R</a:t>
+                      </a:r>
+                      <a:r>
+                        <a:rPr lang="ko-KR" altLang="en-US" sz="1100" b="0" i="0" u="none" strike="noStrike" dirty="0">
                           <a:solidFill>
                             <a:srgbClr val="000000"/>
                           </a:solidFill>
@@ -6236,27 +6207,7 @@
                     <a:bodyPr/>
                     <a:lstStyle/>
                     <a:p>
-                      <a:pPr algn="l" fontAlgn="ctr"/>
-                      <a:r>
-                        <a:rPr lang="en-US" altLang="ko-KR" sz="1100" b="0" i="0" u="none" strike="noStrike">
-                          <a:solidFill>
-                            <a:srgbClr val="000000"/>
-                          </a:solidFill>
-                          <a:effectLst/>
-                          <a:latin typeface="맑은 고딕"/>
-                        </a:rPr>
-                        <a:t>- </a:t>
-                      </a:r>
-                      <a:r>
-                        <a:rPr lang="ko-KR" altLang="en-US" sz="1100" b="0" i="0" u="none" strike="noStrike">
-                          <a:solidFill>
-                            <a:srgbClr val="000000"/>
-                          </a:solidFill>
-                          <a:effectLst/>
-                          <a:latin typeface="맑은 고딕"/>
-                        </a:rPr>
-                        <a:t>시험치기 버튼 클릭시 옵션 값을 시험치기 페이지로 전송</a:t>
-                      </a:r>
+                      <a:endParaRPr lang="ko-KR" altLang="en-US" sz="1100" dirty="0"/>
                     </a:p>
                   </a:txBody>
                   <a:tcPr marL="9525" marR="9525" marT="9525" marB="0" anchor="ctr">
@@ -6293,9 +6244,7 @@
                     </a:lnT>
                     <a:lnB w="12700" cap="flat" cmpd="sng" algn="ctr">
                       <a:solidFill>
-                        <a:srgbClr val="000000">
-                          <a:alpha val="100000"/>
-                        </a:srgbClr>
+                        <a:srgbClr val="000000"/>
                       </a:solidFill>
                       <a:prstDash val="solid"/>
                       <a:round/>
@@ -6307,8 +6256,13 @@
                     </a:solidFill>
                   </a:tcPr>
                 </a:tc>
+                <a:extLst>
+                  <a:ext uri="{0D108BD9-81ED-4DB2-BD59-A6C34878D82A}">
+                    <a16:rowId xmlns:a16="http://schemas.microsoft.com/office/drawing/2014/main" val="10004"/>
+                  </a:ext>
+                </a:extLst>
               </a:tr>
-              <a:tr h="526415">
+              <a:tr h="460734">
                 <a:tc>
                   <a:txBody>
                     <a:bodyPr/>
@@ -6328,7 +6282,7 @@
                         <a:buNone/>
                       </a:pPr>
                       <a:r>
-                        <a:rPr lang="en-US" altLang="ko-KR" sz="1000" b="0" i="0" kern="1200" dirty="0" smtClean="0">
+                        <a:rPr lang="en-US" altLang="ko-KR" sz="1000" b="0" i="0" kern="1200" dirty="0">
                           <a:solidFill>
                             <a:schemeClr val="tx1"/>
                           </a:solidFill>
@@ -6380,9 +6334,7 @@
                     </a:lnT>
                     <a:lnB w="12700" cap="flat" cmpd="sng" algn="ctr">
                       <a:solidFill>
-                        <a:srgbClr val="000000">
-                          <a:alpha val="100000"/>
-                        </a:srgbClr>
+                        <a:srgbClr val="000000"/>
                       </a:solidFill>
                       <a:prstDash val="solid"/>
                       <a:round/>
@@ -6399,7 +6351,7 @@
                     <a:p>
                       <a:pPr algn="ctr" fontAlgn="ctr"/>
                       <a:r>
-                        <a:rPr lang="ko-KR" altLang="en-US" sz="1100" b="0" i="0" u="none" strike="noStrike">
+                        <a:rPr lang="ko-KR" altLang="en-US" sz="1100" b="0" i="0" u="none" strike="noStrike" dirty="0">
                           <a:solidFill>
                             <a:srgbClr val="000000"/>
                           </a:solidFill>
@@ -6444,9 +6396,7 @@
                     </a:lnT>
                     <a:lnB w="12700" cap="flat" cmpd="sng" algn="ctr">
                       <a:solidFill>
-                        <a:srgbClr val="000000">
-                          <a:alpha val="100000"/>
-                        </a:srgbClr>
+                        <a:srgbClr val="000000"/>
                       </a:solidFill>
                       <a:prstDash val="solid"/>
                       <a:round/>
@@ -6480,7 +6430,7 @@
                           <a:effectLst/>
                           <a:latin typeface="맑은 고딕"/>
                         </a:rPr>
-                        <a:t>물음표 버튼 </a:t>
+                        <a:t>시험치기 버튼 </a:t>
                       </a:r>
                       <a:r>
                         <a:rPr lang="ko-KR" altLang="en-US" sz="1100" b="0" i="0" u="none" strike="noStrike" dirty="0" err="1">
@@ -6500,7 +6450,7 @@
                           <a:effectLst/>
                           <a:latin typeface="맑은 고딕"/>
                         </a:rPr>
-                        <a:t> 설명문 보여줌</a:t>
+                        <a:t> 옵션 값을 시험치기 페이지로 전송</a:t>
                       </a:r>
                     </a:p>
                   </a:txBody>
@@ -6550,6 +6500,267 @@
                     </a:solidFill>
                   </a:tcPr>
                 </a:tc>
+                <a:extLst>
+                  <a:ext uri="{0D108BD9-81ED-4DB2-BD59-A6C34878D82A}">
+                    <a16:rowId xmlns:a16="http://schemas.microsoft.com/office/drawing/2014/main" val="10005"/>
+                  </a:ext>
+                </a:extLst>
+              </a:tr>
+              <a:tr h="576000">
+                <a:tc>
+                  <a:txBody>
+                    <a:bodyPr/>
+                    <a:lstStyle/>
+                    <a:p>
+                      <a:pPr marL="0" indent="0" algn="ctr" defTabSz="914400" eaLnBrk="1" latinLnBrk="1" hangingPunct="1">
+                        <a:lnSpc>
+                          <a:spcPct val="100000"/>
+                        </a:lnSpc>
+                        <a:spcBef>
+                          <a:spcPts val="0"/>
+                        </a:spcBef>
+                        <a:spcAft>
+                          <a:spcPts val="0"/>
+                        </a:spcAft>
+                        <a:buFontTx/>
+                        <a:buNone/>
+                      </a:pPr>
+                      <a:r>
+                        <a:rPr lang="en-US" altLang="ko-KR" sz="1000" b="0" i="0" kern="1200" dirty="0">
+                          <a:solidFill>
+                            <a:schemeClr val="tx1"/>
+                          </a:solidFill>
+                          <a:latin typeface="맑은 고딕" charset="0"/>
+                          <a:ea typeface="맑은 고딕" charset="0"/>
+                        </a:rPr>
+                        <a:t>06</a:t>
+                      </a:r>
+                      <a:endParaRPr lang="ko-KR" altLang="en-US" sz="1000" b="0" i="0" kern="1200" dirty="0">
+                        <a:solidFill>
+                          <a:schemeClr val="tx1"/>
+                        </a:solidFill>
+                        <a:latin typeface="맑은 고딕" charset="0"/>
+                        <a:ea typeface="맑은 고딕" charset="0"/>
+                      </a:endParaRPr>
+                    </a:p>
+                  </a:txBody>
+                  <a:tcPr marL="0" marR="0" marT="0" marB="0" anchor="ctr">
+                    <a:lnL w="12700" cap="flat" cmpd="sng" algn="ctr">
+                      <a:solidFill>
+                        <a:srgbClr val="000000"/>
+                      </a:solidFill>
+                      <a:prstDash val="solid"/>
+                      <a:round/>
+                      <a:headEnd type="none" w="med" len="med"/>
+                      <a:tailEnd type="none" w="med" len="med"/>
+                    </a:lnL>
+                    <a:lnR w="12700" cap="flat" cmpd="sng" algn="ctr">
+                      <a:solidFill>
+                        <a:srgbClr val="000000"/>
+                      </a:solidFill>
+                      <a:prstDash val="solid"/>
+                      <a:round/>
+                      <a:headEnd type="none" w="med" len="med"/>
+                      <a:tailEnd type="none" w="med" len="med"/>
+                    </a:lnR>
+                    <a:lnT w="12700" cap="flat" cmpd="sng" algn="ctr">
+                      <a:solidFill>
+                        <a:srgbClr val="000000"/>
+                      </a:solidFill>
+                      <a:prstDash val="solid"/>
+                      <a:round/>
+                      <a:headEnd type="none" w="med" len="med"/>
+                      <a:tailEnd type="none" w="med" len="med"/>
+                    </a:lnT>
+                    <a:lnB w="12700" cap="flat" cmpd="sng" algn="ctr">
+                      <a:solidFill>
+                        <a:srgbClr val="000000">
+                          <a:alpha val="100000"/>
+                        </a:srgbClr>
+                      </a:solidFill>
+                      <a:prstDash val="solid"/>
+                      <a:round/>
+                      <a:headEnd type="none" w="med" len="med"/>
+                      <a:tailEnd type="none" w="med" len="med"/>
+                    </a:lnB>
+                    <a:noFill/>
+                  </a:tcPr>
+                </a:tc>
+                <a:tc>
+                  <a:txBody>
+                    <a:bodyPr/>
+                    <a:lstStyle/>
+                    <a:p>
+                      <a:pPr algn="ctr" fontAlgn="ctr"/>
+                      <a:endParaRPr lang="ko-KR" altLang="en-US" sz="1100" b="0" i="0" u="none" strike="noStrike" dirty="0">
+                        <a:solidFill>
+                          <a:srgbClr val="000000"/>
+                        </a:solidFill>
+                        <a:effectLst/>
+                        <a:latin typeface="맑은 고딕"/>
+                      </a:endParaRPr>
+                    </a:p>
+                  </a:txBody>
+                  <a:tcPr marL="9525" marR="9525" marT="9525" marB="0" anchor="ctr">
+                    <a:lnL w="12700" cap="flat" cmpd="sng" algn="ctr">
+                      <a:solidFill>
+                        <a:srgbClr val="000000"/>
+                      </a:solidFill>
+                      <a:prstDash val="solid"/>
+                      <a:round/>
+                      <a:headEnd type="none" w="med" len="med"/>
+                      <a:tailEnd type="none" w="med" len="med"/>
+                    </a:lnL>
+                    <a:lnR w="12700" cap="flat" cmpd="sng" algn="ctr">
+                      <a:solidFill>
+                        <a:srgbClr val="000000"/>
+                      </a:solidFill>
+                      <a:prstDash val="solid"/>
+                      <a:round/>
+                      <a:headEnd type="none" w="med" len="med"/>
+                      <a:tailEnd type="none" w="med" len="med"/>
+                    </a:lnR>
+                    <a:lnT w="12700" cap="flat" cmpd="sng" algn="ctr">
+                      <a:solidFill>
+                        <a:srgbClr val="000000"/>
+                      </a:solidFill>
+                      <a:prstDash val="solid"/>
+                      <a:round/>
+                      <a:headEnd type="none" w="med" len="med"/>
+                      <a:tailEnd type="none" w="med" len="med"/>
+                    </a:lnT>
+                    <a:lnB w="12700" cap="flat" cmpd="sng" algn="ctr">
+                      <a:solidFill>
+                        <a:srgbClr val="000000">
+                          <a:alpha val="100000"/>
+                        </a:srgbClr>
+                      </a:solidFill>
+                      <a:prstDash val="solid"/>
+                      <a:round/>
+                      <a:headEnd type="none" w="med" len="med"/>
+                      <a:tailEnd type="none" w="med" len="med"/>
+                    </a:lnB>
+                    <a:noFill/>
+                  </a:tcPr>
+                </a:tc>
+                <a:tc>
+                  <a:txBody>
+                    <a:bodyPr/>
+                    <a:lstStyle/>
+                    <a:p>
+                      <a:pPr marL="0" indent="0" algn="l" fontAlgn="ctr">
+                        <a:buFontTx/>
+                        <a:buNone/>
+                      </a:pPr>
+                      <a:r>
+                        <a:rPr lang="en-US" altLang="ko-KR" sz="1100" b="0" i="0" u="none" strike="noStrike" dirty="0">
+                          <a:solidFill>
+                            <a:srgbClr val="000000"/>
+                          </a:solidFill>
+                          <a:effectLst/>
+                          <a:latin typeface="맑은 고딕"/>
+                        </a:rPr>
+                        <a:t>- </a:t>
+                      </a:r>
+                      <a:r>
+                        <a:rPr lang="ko-KR" altLang="en-US" sz="1100" b="0" i="0" u="none" strike="noStrike" dirty="0">
+                          <a:solidFill>
+                            <a:srgbClr val="000000"/>
+                          </a:solidFill>
+                          <a:effectLst/>
+                          <a:latin typeface="맑은 고딕"/>
+                        </a:rPr>
+                        <a:t>물음표 버튼 </a:t>
+                      </a:r>
+                      <a:r>
+                        <a:rPr lang="ko-KR" altLang="en-US" sz="1100" b="0" i="0" u="none" strike="noStrike" dirty="0" err="1">
+                          <a:solidFill>
+                            <a:srgbClr val="000000"/>
+                          </a:solidFill>
+                          <a:effectLst/>
+                          <a:latin typeface="맑은 고딕"/>
+                        </a:rPr>
+                        <a:t>클릭시</a:t>
+                      </a:r>
+                      <a:r>
+                        <a:rPr lang="ko-KR" altLang="en-US" sz="1100" b="0" i="0" u="none" strike="noStrike" dirty="0">
+                          <a:solidFill>
+                            <a:srgbClr val="000000"/>
+                          </a:solidFill>
+                          <a:effectLst/>
+                          <a:latin typeface="맑은 고딕"/>
+                        </a:rPr>
+                        <a:t> 설명문 노출</a:t>
+                      </a:r>
+                      <a:r>
+                        <a:rPr lang="en-US" altLang="ko-KR" sz="1100" b="0" i="0" u="none" strike="noStrike" dirty="0">
+                          <a:solidFill>
+                            <a:srgbClr val="000000"/>
+                          </a:solidFill>
+                          <a:effectLst/>
+                          <a:latin typeface="맑은 고딕"/>
+                        </a:rPr>
+                        <a:t>/</a:t>
+                      </a:r>
+                      <a:r>
+                        <a:rPr lang="ko-KR" altLang="en-US" sz="1100" b="0" i="0" u="none" strike="noStrike" dirty="0">
+                          <a:solidFill>
+                            <a:srgbClr val="000000"/>
+                          </a:solidFill>
+                          <a:effectLst/>
+                          <a:latin typeface="맑은 고딕"/>
+                        </a:rPr>
+                        <a:t>은닉</a:t>
+                      </a:r>
+                    </a:p>
+                  </a:txBody>
+                  <a:tcPr marL="9525" marR="9525" marT="9525" marB="0" anchor="ctr">
+                    <a:lnL w="12700" cap="flat" cmpd="sng" algn="ctr">
+                      <a:solidFill>
+                        <a:srgbClr val="000000"/>
+                      </a:solidFill>
+                      <a:prstDash val="solid"/>
+                      <a:round/>
+                      <a:headEnd type="none" w="med" len="med"/>
+                      <a:tailEnd type="none" w="med" len="med"/>
+                    </a:lnL>
+                    <a:lnR w="12700" cap="flat" cmpd="sng" algn="ctr">
+                      <a:solidFill>
+                        <a:srgbClr val="000000"/>
+                      </a:solidFill>
+                      <a:prstDash val="solid"/>
+                      <a:round/>
+                      <a:headEnd type="none" w="med" len="med"/>
+                      <a:tailEnd type="none" w="med" len="med"/>
+                    </a:lnR>
+                    <a:lnT w="12700" cap="flat" cmpd="sng" algn="ctr">
+                      <a:solidFill>
+                        <a:srgbClr val="000000"/>
+                      </a:solidFill>
+                      <a:prstDash val="solid"/>
+                      <a:round/>
+                      <a:headEnd type="none" w="med" len="med"/>
+                      <a:tailEnd type="none" w="med" len="med"/>
+                    </a:lnT>
+                    <a:lnB w="12700" cap="flat" cmpd="sng" algn="ctr">
+                      <a:solidFill>
+                        <a:srgbClr val="000000"/>
+                      </a:solidFill>
+                      <a:prstDash val="solid"/>
+                      <a:round/>
+                      <a:headEnd type="none" w="med" len="med"/>
+                      <a:tailEnd type="none" w="med" len="med"/>
+                    </a:lnB>
+                    <a:solidFill>
+                      <a:schemeClr val="bg1"/>
+                    </a:solidFill>
+                  </a:tcPr>
+                </a:tc>
+                <a:extLst>
+                  <a:ext uri="{0D108BD9-81ED-4DB2-BD59-A6C34878D82A}">
+                    <a16:rowId xmlns:a16="http://schemas.microsoft.com/office/drawing/2014/main" val="1786310904"/>
+                  </a:ext>
+                </a:extLst>
               </a:tr>
             </a:tbl>
           </a:graphicData>
@@ -6580,8 +6791,20 @@
                 <a:tableStyleId>{5C22544A-7EE6-4342-B048-85BDC9FD1C3A}</a:tableStyleId>
               </a:tblPr>
               <a:tblGrid>
-                <a:gridCol w="735330"/>
-                <a:gridCol w="1257935"/>
+                <a:gridCol w="735330">
+                  <a:extLst>
+                    <a:ext uri="{9D8B030D-6E8A-4147-A177-3AD203B41FA5}">
+                      <a16:colId xmlns:a16="http://schemas.microsoft.com/office/drawing/2014/main" val="20000"/>
+                    </a:ext>
+                  </a:extLst>
+                </a:gridCol>
+                <a:gridCol w="1257935">
+                  <a:extLst>
+                    <a:ext uri="{9D8B030D-6E8A-4147-A177-3AD203B41FA5}">
+                      <a16:colId xmlns:a16="http://schemas.microsoft.com/office/drawing/2014/main" val="20001"/>
+                    </a:ext>
+                  </a:extLst>
+                </a:gridCol>
               </a:tblGrid>
               <a:tr h="247650">
                 <a:tc>
@@ -6713,7 +6936,7 @@
                         <a:buNone/>
                       </a:pPr>
                       <a:r>
-                        <a:rPr lang="en-US" altLang="ko-KR" sz="1000" b="1" i="0" kern="1200" dirty="0" smtClean="0">
+                        <a:rPr lang="en-US" altLang="ko-KR" sz="1000" b="1" i="0" kern="1200" dirty="0">
                           <a:solidFill>
                             <a:schemeClr val="tx1"/>
                           </a:solidFill>
@@ -6781,6 +7004,11 @@
                     </a:solidFill>
                   </a:tcPr>
                 </a:tc>
+                <a:extLst>
+                  <a:ext uri="{0D108BD9-81ED-4DB2-BD59-A6C34878D82A}">
+                    <a16:rowId xmlns:a16="http://schemas.microsoft.com/office/drawing/2014/main" val="10000"/>
+                  </a:ext>
+                </a:extLst>
               </a:tr>
             </a:tbl>
           </a:graphicData>
@@ -6811,8 +7039,20 @@
                 <a:tableStyleId>{5C22544A-7EE6-4342-B048-85BDC9FD1C3A}</a:tableStyleId>
               </a:tblPr>
               <a:tblGrid>
-                <a:gridCol w="698500"/>
-                <a:gridCol w="1294765"/>
+                <a:gridCol w="698500">
+                  <a:extLst>
+                    <a:ext uri="{9D8B030D-6E8A-4147-A177-3AD203B41FA5}">
+                      <a16:colId xmlns:a16="http://schemas.microsoft.com/office/drawing/2014/main" val="20000"/>
+                    </a:ext>
+                  </a:extLst>
+                </a:gridCol>
+                <a:gridCol w="1294765">
+                  <a:extLst>
+                    <a:ext uri="{9D8B030D-6E8A-4147-A177-3AD203B41FA5}">
+                      <a16:colId xmlns:a16="http://schemas.microsoft.com/office/drawing/2014/main" val="20001"/>
+                    </a:ext>
+                  </a:extLst>
+                </a:gridCol>
               </a:tblGrid>
               <a:tr h="247650">
                 <a:tc>
@@ -6924,7 +7164,7 @@
                         <a:buNone/>
                       </a:pPr>
                       <a:r>
-                        <a:rPr lang="ko-KR" altLang="en-US" sz="1000" b="1" i="0" kern="1200" dirty="0" smtClean="0">
+                        <a:rPr lang="ko-KR" altLang="en-US" sz="1000" b="1" i="0" kern="1200" dirty="0">
                           <a:solidFill>
                             <a:schemeClr val="tx1"/>
                           </a:solidFill>
@@ -6933,13 +7173,6 @@
                         </a:rPr>
                         <a:t>안영우</a:t>
                       </a:r>
-                      <a:endParaRPr lang="ko-KR" altLang="en-US" sz="1000" b="1" i="0" kern="1200" dirty="0">
-                        <a:solidFill>
-                          <a:schemeClr val="tx1"/>
-                        </a:solidFill>
-                        <a:latin typeface="맑은 고딕" charset="0"/>
-                        <a:ea typeface="맑은 고딕" charset="0"/>
-                      </a:endParaRPr>
                     </a:p>
                   </a:txBody>
                   <a:tcPr marL="90170" marR="90170" marT="46990" marB="46990">
@@ -6992,6 +7225,11 @@
                     </a:solidFill>
                   </a:tcPr>
                 </a:tc>
+                <a:extLst>
+                  <a:ext uri="{0D108BD9-81ED-4DB2-BD59-A6C34878D82A}">
+                    <a16:rowId xmlns:a16="http://schemas.microsoft.com/office/drawing/2014/main" val="10000"/>
+                  </a:ext>
+                </a:extLst>
               </a:tr>
             </a:tbl>
           </a:graphicData>
@@ -6999,66 +7237,32 @@
       </p:graphicFrame>
       <p:pic>
         <p:nvPicPr>
-          <p:cNvPr id="1026" name="Picture 2"/>
+          <p:cNvPr id="8" name="그림 7">
+            <a:extLst>
+              <a:ext uri="{FF2B5EF4-FFF2-40B4-BE49-F238E27FC236}">
+                <a16:creationId xmlns:a16="http://schemas.microsoft.com/office/drawing/2014/main" id="{21472884-F44E-4412-A389-4A90D850A267}"/>
+              </a:ext>
+            </a:extLst>
+          </p:cNvPr>
           <p:cNvPicPr>
-            <a:picLocks noChangeAspect="1" noChangeArrowheads="1"/>
+            <a:picLocks noChangeAspect="1"/>
           </p:cNvPicPr>
           <p:nvPr/>
         </p:nvPicPr>
         <p:blipFill>
-          <a:blip r:embed="rId3">
-            <a:extLst>
-              <a:ext uri="{28A0092B-C50C-407E-A947-70E740481C1C}">
-                <a14:useLocalDpi xmlns:a14="http://schemas.microsoft.com/office/drawing/2010/main" val="0"/>
-              </a:ext>
-            </a:extLst>
-          </a:blip>
-          <a:srcRect/>
+          <a:blip r:embed="rId3"/>
           <a:stretch>
             <a:fillRect/>
           </a:stretch>
         </p:blipFill>
-        <p:spPr bwMode="auto">
+        <p:spPr>
           <a:xfrm>
-            <a:off x="2154555" y="1167130"/>
-            <a:ext cx="5591175" cy="5038725"/>
+            <a:off x="2006871" y="1143284"/>
+            <a:ext cx="4800327" cy="5000341"/>
           </a:xfrm>
           <a:prstGeom prst="rect">
             <a:avLst/>
           </a:prstGeom>
-          <a:noFill/>
-          <a:ln>
-            <a:noFill/>
-          </a:ln>
-          <a:effectLst/>
-          <a:extLst>
-            <a:ext uri="{909E8E84-426E-40DD-AFC4-6F175D3DCCD1}">
-              <a14:hiddenFill xmlns:a14="http://schemas.microsoft.com/office/drawing/2010/main">
-                <a:solidFill>
-                  <a:schemeClr val="accent1"/>
-                </a:solidFill>
-              </a14:hiddenFill>
-            </a:ext>
-            <a:ext uri="{91240B29-F687-4F45-9708-019B960494DF}">
-              <a14:hiddenLine xmlns:a14="http://schemas.microsoft.com/office/drawing/2010/main" w="9525">
-                <a:solidFill>
-                  <a:schemeClr val="tx1"/>
-                </a:solidFill>
-                <a:miter lim="800000"/>
-                <a:headEnd/>
-                <a:tailEnd/>
-              </a14:hiddenLine>
-            </a:ext>
-            <a:ext uri="{AF507438-7753-43E0-B8FC-AC1667EBCBE1}">
-              <a14:hiddenEffects xmlns:a14="http://schemas.microsoft.com/office/drawing/2010/main">
-                <a:effectLst>
-                  <a:outerShdw dist="35921" dir="2700000" algn="ctr" rotWithShape="0">
-                    <a:schemeClr val="bg2"/>
-                  </a:outerShdw>
-                </a:effectLst>
-              </a14:hiddenEffects>
-            </a:ext>
-          </a:extLst>
         </p:spPr>
       </p:pic>
     </p:spTree>
@@ -7071,26 +7275,11 @@
   <p:clrMapOvr>
     <a:masterClrMapping/>
   </p:clrMapOvr>
-  <mc:AlternateContent xmlns:mc="http://schemas.openxmlformats.org/markup-compatibility/2006">
-    <mc:Choice xmlns:p14="http://schemas.microsoft.com/office/powerpoint/2010/main" Requires="p14">
-      <p:transition spd="slow" p14:dur="2000"/>
-    </mc:Choice>
-    <mc:Fallback>
-      <p:transition spd="slow"/>
-    </mc:Fallback>
-  </mc:AlternateContent>
-  <p:timing>
-    <p:tnLst>
-      <p:par>
-        <p:cTn id="1" dur="indefinite" restart="never" nodeType="tmRoot"/>
-      </p:par>
-    </p:tnLst>
-  </p:timing>
 </p:sld>
 </file>
 
 <file path=ppt/slides/slide10.xml><?xml version="1.0" encoding="utf-8"?>
-<p:sld xmlns:a="http://schemas.openxmlformats.org/drawingml/2006/main" xmlns:r="http://schemas.openxmlformats.org/officeDocument/2006/relationships" xmlns:p="http://schemas.openxmlformats.org/presentationml/2006/main" xmlns:p14="http://schemas.microsoft.com/office/powerpoint/2010/main">
+<p:sld xmlns:a="http://schemas.openxmlformats.org/drawingml/2006/main" xmlns:r="http://schemas.openxmlformats.org/officeDocument/2006/relationships" xmlns:p="http://schemas.openxmlformats.org/presentationml/2006/main">
   <p:cSld>
     <p:spTree>
       <p:nvGrpSpPr>
@@ -7115,7 +7304,7 @@
           <p:nvPr>
             <p:extLst>
               <p:ext uri="{D42A27DB-BD31-4B8C-83A1-F6EECF244321}">
-                <p14:modId xmlns:p14="http://schemas.microsoft.com/office/powerpoint/2010/main" val="1572730848"/>
+                <p14:modId xmlns:p14="http://schemas.microsoft.com/office/powerpoint/2010/main" val="3411006786"/>
               </p:ext>
             </p:extLst>
           </p:nvPr>
@@ -7131,8 +7320,20 @@
                 <a:tableStyleId>{5C22544A-7EE6-4342-B048-85BDC9FD1C3A}</a:tableStyleId>
               </a:tblPr>
               <a:tblGrid>
-                <a:gridCol w="814070"/>
-                <a:gridCol w="1393825"/>
+                <a:gridCol w="814070">
+                  <a:extLst>
+                    <a:ext uri="{9D8B030D-6E8A-4147-A177-3AD203B41FA5}">
+                      <a16:colId xmlns:a16="http://schemas.microsoft.com/office/drawing/2014/main" val="20000"/>
+                    </a:ext>
+                  </a:extLst>
+                </a:gridCol>
+                <a:gridCol w="1393825">
+                  <a:extLst>
+                    <a:ext uri="{9D8B030D-6E8A-4147-A177-3AD203B41FA5}">
+                      <a16:colId xmlns:a16="http://schemas.microsoft.com/office/drawing/2014/main" val="20001"/>
+                    </a:ext>
+                  </a:extLst>
+                </a:gridCol>
               </a:tblGrid>
               <a:tr h="247650">
                 <a:tc>
@@ -7250,7 +7451,7 @@
                     <a:p>
                       <a:pPr algn="ctr" fontAlgn="ctr"/>
                       <a:r>
-                        <a:rPr lang="en-US" sz="1100" b="0" i="0" u="none" strike="noStrike" dirty="0" smtClean="0">
+                        <a:rPr lang="en-US" sz="1000" b="0" i="0" u="none" strike="noStrike" dirty="0">
                           <a:solidFill>
                             <a:srgbClr val="000000"/>
                           </a:solidFill>
@@ -7259,13 +7460,6 @@
                         </a:rPr>
                         <a:t>F-BC-PM</a:t>
                       </a:r>
-                      <a:endParaRPr lang="en-US" sz="1100" b="0" i="0" u="none" strike="noStrike" dirty="0">
-                        <a:solidFill>
-                          <a:srgbClr val="000000"/>
-                        </a:solidFill>
-                        <a:effectLst/>
-                        <a:latin typeface="맑은 고딕"/>
-                      </a:endParaRPr>
                     </a:p>
                   </a:txBody>
                   <a:tcPr marL="9525" marR="9525" marT="9525" marB="0" anchor="ctr">
@@ -7316,6 +7510,11 @@
                     </a:solidFill>
                   </a:tcPr>
                 </a:tc>
+                <a:extLst>
+                  <a:ext uri="{0D108BD9-81ED-4DB2-BD59-A6C34878D82A}">
+                    <a16:rowId xmlns:a16="http://schemas.microsoft.com/office/drawing/2014/main" val="10000"/>
+                  </a:ext>
+                </a:extLst>
               </a:tr>
               <a:tr h="247650">
                 <a:tc>
@@ -7413,7 +7612,7 @@
                     <a:p>
                       <a:pPr algn="ctr" fontAlgn="ctr"/>
                       <a:r>
-                        <a:rPr lang="ko-KR" altLang="en-US" sz="1100" b="0" i="0" u="none" strike="noStrike" dirty="0" err="1">
+                        <a:rPr lang="ko-KR" altLang="en-US" sz="1000" b="0" i="0" u="none" strike="noStrike" dirty="0" err="1">
                           <a:solidFill>
                             <a:srgbClr val="000000"/>
                           </a:solidFill>
@@ -7422,7 +7621,7 @@
                         </a:rPr>
                         <a:t>게시글수정</a:t>
                       </a:r>
-                      <a:endParaRPr lang="ko-KR" altLang="en-US" sz="1100" b="0" i="0" u="none" strike="noStrike" dirty="0">
+                      <a:endParaRPr lang="ko-KR" altLang="en-US" sz="1000" b="0" i="0" u="none" strike="noStrike" dirty="0">
                         <a:solidFill>
                           <a:srgbClr val="000000"/>
                         </a:solidFill>
@@ -7479,6 +7678,11 @@
                     </a:solidFill>
                   </a:tcPr>
                 </a:tc>
+                <a:extLst>
+                  <a:ext uri="{0D108BD9-81ED-4DB2-BD59-A6C34878D82A}">
+                    <a16:rowId xmlns:a16="http://schemas.microsoft.com/office/drawing/2014/main" val="10001"/>
+                  </a:ext>
+                </a:extLst>
               </a:tr>
             </a:tbl>
           </a:graphicData>
@@ -7575,9 +7779,27 @@
                 <a:tableStyleId>{5C22544A-7EE6-4342-B048-85BDC9FD1C3A}</a:tableStyleId>
               </a:tblPr>
               <a:tblGrid>
-                <a:gridCol w="400050"/>
-                <a:gridCol w="452755"/>
-                <a:gridCol w="2047875"/>
+                <a:gridCol w="400050">
+                  <a:extLst>
+                    <a:ext uri="{9D8B030D-6E8A-4147-A177-3AD203B41FA5}">
+                      <a16:colId xmlns:a16="http://schemas.microsoft.com/office/drawing/2014/main" val="20000"/>
+                    </a:ext>
+                  </a:extLst>
+                </a:gridCol>
+                <a:gridCol w="452755">
+                  <a:extLst>
+                    <a:ext uri="{9D8B030D-6E8A-4147-A177-3AD203B41FA5}">
+                      <a16:colId xmlns:a16="http://schemas.microsoft.com/office/drawing/2014/main" val="20001"/>
+                    </a:ext>
+                  </a:extLst>
+                </a:gridCol>
+                <a:gridCol w="2047875">
+                  <a:extLst>
+                    <a:ext uri="{9D8B030D-6E8A-4147-A177-3AD203B41FA5}">
+                      <a16:colId xmlns:a16="http://schemas.microsoft.com/office/drawing/2014/main" val="20002"/>
+                    </a:ext>
+                  </a:extLst>
+                </a:gridCol>
               </a:tblGrid>
               <a:tr h="247650">
                 <a:tc>
@@ -7599,7 +7821,7 @@
                         <a:buNone/>
                       </a:pPr>
                       <a:r>
-                        <a:rPr lang="en-US" altLang="ko-KR" sz="1000" kern="1200" i="0" b="1">
+                        <a:rPr lang="en-US" altLang="ko-KR" sz="1000" b="1" i="0" kern="1200">
                           <a:solidFill>
                             <a:schemeClr val="tx1"/>
                           </a:solidFill>
@@ -7608,7 +7830,7 @@
                         </a:rPr>
                         <a:t>No.</a:t>
                       </a:r>
-                      <a:endParaRPr lang="ko-KR" altLang="en-US" sz="1000" kern="1200" i="0" b="1">
+                      <a:endParaRPr lang="ko-KR" altLang="en-US" sz="1000" b="1" i="0" kern="1200">
                         <a:solidFill>
                           <a:schemeClr val="tx1"/>
                         </a:solidFill>
@@ -7689,7 +7911,7 @@
                         <a:buNone/>
                       </a:pPr>
                       <a:r>
-                        <a:rPr lang="en-US" altLang="ko-KR" sz="1000" kern="1200" i="0" b="1">
+                        <a:rPr lang="en-US" altLang="ko-KR" sz="1000" b="1" i="0" kern="1200">
                           <a:solidFill>
                             <a:schemeClr val="tx1"/>
                           </a:solidFill>
@@ -7698,7 +7920,7 @@
                         </a:rPr>
                         <a:t>CRUD</a:t>
                       </a:r>
-                      <a:endParaRPr lang="ko-KR" altLang="en-US" sz="1000" kern="1200" i="0" b="1">
+                      <a:endParaRPr lang="ko-KR" altLang="en-US" sz="1000" b="1" i="0" kern="1200">
                         <a:solidFill>
                           <a:schemeClr val="tx1"/>
                         </a:solidFill>
@@ -7779,7 +8001,7 @@
                         <a:buNone/>
                       </a:pPr>
                       <a:r>
-                        <a:rPr lang="en-US" altLang="ko-KR" sz="1000" kern="1200" i="0" b="1">
+                        <a:rPr lang="en-US" altLang="ko-KR" sz="1000" b="1" i="0" kern="1200">
                           <a:solidFill>
                             <a:schemeClr val="tx1"/>
                           </a:solidFill>
@@ -7788,7 +8010,7 @@
                         </a:rPr>
                         <a:t>기능</a:t>
                       </a:r>
-                      <a:endParaRPr lang="ko-KR" altLang="en-US" sz="1000" kern="1200" i="0" b="1">
+                      <a:endParaRPr lang="ko-KR" altLang="en-US" sz="1000" b="1" i="0" kern="1200">
                         <a:solidFill>
                           <a:schemeClr val="tx1"/>
                         </a:solidFill>
@@ -7850,6 +8072,11 @@
                     </a:solidFill>
                   </a:tcPr>
                 </a:tc>
+                <a:extLst>
+                  <a:ext uri="{0D108BD9-81ED-4DB2-BD59-A6C34878D82A}">
+                    <a16:rowId xmlns:a16="http://schemas.microsoft.com/office/drawing/2014/main" val="10000"/>
+                  </a:ext>
+                </a:extLst>
               </a:tr>
               <a:tr h="526415">
                 <a:tc>
@@ -7871,7 +8098,7 @@
                         <a:buNone/>
                       </a:pPr>
                       <a:r>
-                        <a:rPr lang="en-US" altLang="ko-KR" sz="1000" kern="1200" i="0" b="0">
+                        <a:rPr lang="en-US" altLang="ko-KR" sz="1000" b="0" i="0" kern="1200">
                           <a:solidFill>
                             <a:schemeClr val="tx1"/>
                           </a:solidFill>
@@ -7880,7 +8107,7 @@
                         </a:rPr>
                         <a:t>01</a:t>
                       </a:r>
-                      <a:endParaRPr lang="ko-KR" altLang="en-US" sz="1000" kern="1200" i="0" b="0">
+                      <a:endParaRPr lang="ko-KR" altLang="en-US" sz="1000" b="0" i="0" kern="1200">
                         <a:solidFill>
                           <a:schemeClr val="tx1"/>
                         </a:solidFill>
@@ -7942,7 +8169,7 @@
                     <a:bodyPr/>
                     <a:lstStyle/>
                     <a:p>
-                      <a:pPr marL="0" indent="0" algn="ctr" fontAlgn="ctr" defTabSz="914400" eaLnBrk="1" latinLnBrk="1" hangingPunct="1">
+                      <a:pPr marL="0" indent="0" algn="ctr" defTabSz="914400" eaLnBrk="1" fontAlgn="ctr" latinLnBrk="1" hangingPunct="1">
                         <a:lnSpc>
                           <a:spcPct val="100000"/>
                         </a:lnSpc>
@@ -7956,7 +8183,7 @@
                         <a:buNone/>
                       </a:pPr>
                       <a:r>
-                        <a:rPr lang="en-US" sz="1100" kern="1200" i="0" b="0" strike="noStrike">
+                        <a:rPr lang="en-US" sz="1100" b="0" i="0" strike="noStrike" kern="1200">
                           <a:solidFill>
                             <a:srgbClr val="000000"/>
                           </a:solidFill>
@@ -7965,7 +8192,7 @@
                         </a:rPr>
                         <a:t>R</a:t>
                       </a:r>
-                      <a:endParaRPr lang="ko-KR" altLang="en-US" sz="1100" kern="1200" i="0" b="0" strike="noStrike">
+                      <a:endParaRPr lang="ko-KR" altLang="en-US" sz="1100" b="0" i="0" strike="noStrike" kern="1200">
                         <a:solidFill>
                           <a:srgbClr val="000000"/>
                         </a:solidFill>
@@ -8027,7 +8254,7 @@
                     <a:bodyPr/>
                     <a:lstStyle/>
                     <a:p>
-                      <a:pPr marL="0" indent="0" algn="l" fontAlgn="ctr" defTabSz="914400" eaLnBrk="1" latinLnBrk="1" hangingPunct="1">
+                      <a:pPr marL="0" indent="0" algn="l" defTabSz="914400" eaLnBrk="1" fontAlgn="ctr" latinLnBrk="1" hangingPunct="1">
                         <a:lnSpc>
                           <a:spcPct val="100000"/>
                         </a:lnSpc>
@@ -8041,7 +8268,7 @@
                         <a:buNone/>
                       </a:pPr>
                       <a:r>
-                        <a:rPr lang="en-US" altLang="ko-KR" sz="1100" kern="1200" i="0" b="0" strike="noStrike">
+                        <a:rPr lang="en-US" altLang="ko-KR" sz="1100" b="0" i="0" strike="noStrike" kern="1200">
                           <a:solidFill>
                             <a:srgbClr val="000000"/>
                           </a:solidFill>
@@ -8051,7 +8278,7 @@
                         <a:t>- DB</a:t>
                       </a:r>
                       <a:r>
-                        <a:rPr lang="ko-KR" altLang="en-US" sz="1100" kern="1200" i="0" b="0" strike="noStrike">
+                        <a:rPr lang="ko-KR" altLang="en-US" sz="1100" b="0" i="0" strike="noStrike" kern="1200">
                           <a:solidFill>
                             <a:srgbClr val="000000"/>
                           </a:solidFill>
@@ -8062,7 +8289,7 @@
                         <a:t>에서</a:t>
                       </a:r>
                       <a:r>
-                        <a:rPr lang="ko-KR" altLang="en-US" sz="1100" kern="1200" i="0" b="0" strike="noStrike">
+                        <a:rPr lang="ko-KR" altLang="en-US" sz="1100" b="0" i="0" strike="noStrike" kern="1200">
                           <a:solidFill>
                             <a:srgbClr val="000000"/>
                           </a:solidFill>
@@ -8072,7 +8299,7 @@
                         <a:t> </a:t>
                       </a:r>
                       <a:r>
-                        <a:rPr lang="ko-KR" altLang="en-US" sz="1100" kern="1200" i="0" b="0" strike="noStrike">
+                        <a:rPr lang="ko-KR" altLang="en-US" sz="1100" b="0" i="0" strike="noStrike" kern="1200">
                           <a:solidFill>
                             <a:srgbClr val="000000"/>
                           </a:solidFill>
@@ -8083,7 +8310,7 @@
                         <a:t>수정할</a:t>
                       </a:r>
                       <a:r>
-                        <a:rPr lang="ko-KR" altLang="en-US" sz="1100" kern="1200" i="0" b="0" strike="noStrike">
+                        <a:rPr lang="ko-KR" altLang="en-US" sz="1100" b="0" i="0" strike="noStrike" kern="1200">
                           <a:solidFill>
                             <a:srgbClr val="000000"/>
                           </a:solidFill>
@@ -8093,7 +8320,7 @@
                         <a:t> </a:t>
                       </a:r>
                       <a:r>
-                        <a:rPr lang="ko-KR" altLang="en-US" sz="1100" kern="1200" i="0" b="0" strike="noStrike">
+                        <a:rPr lang="ko-KR" altLang="en-US" sz="1100" b="0" i="0" strike="noStrike" kern="1200">
                           <a:solidFill>
                             <a:srgbClr val="000000"/>
                           </a:solidFill>
@@ -8103,8 +8330,8 @@
                         </a:rPr>
                         <a:t>게시글의 제목 가져오기</a:t>
                       </a:r>
-                      <a:r>
-                        <a:rPr lang="ko-KR" altLang="en-US" sz="1100" kern="1200" i="0" b="0" strike="noStrike">
+                      <a:br>
+                        <a:rPr lang="ko-KR" altLang="en-US" sz="1100" b="0" i="0" strike="noStrike" kern="1200">
                           <a:solidFill>
                             <a:srgbClr val="000000"/>
                           </a:solidFill>
@@ -8112,10 +8339,9 @@
                           <a:ea typeface="맑은 고딕" charset="0"/>
                           <a:cs typeface="+mn-cs"/>
                         </a:rPr>
-                        <a:t/>
-                      </a:r>
-                      <a:br>
-                        <a:rPr lang="ko-KR" altLang="en-US" sz="1100" kern="1200" i="0" b="0" strike="noStrike">
+                      </a:br>
+                      <a:r>
+                        <a:rPr lang="ko-KR" altLang="en-US" sz="1100" b="0" i="0" strike="noStrike" kern="1200">
                           <a:solidFill>
                             <a:srgbClr val="000000"/>
                           </a:solidFill>
@@ -8123,26 +8349,8 @@
                           <a:ea typeface="맑은 고딕" charset="0"/>
                           <a:cs typeface="+mn-cs"/>
                         </a:rPr>
-                      </a:br>
-                      <a:r>
-                        <a:rPr lang="ko-KR" altLang="en-US" sz="1100" kern="1200" i="0" b="0" strike="noStrike">
-                          <a:solidFill>
-                            <a:srgbClr val="000000"/>
-                          </a:solidFill>
-                          <a:latin typeface="맑은 고딕" charset="0"/>
-                          <a:ea typeface="맑은 고딕" charset="0"/>
-                          <a:cs typeface="+mn-cs"/>
-                        </a:rPr>
                         <a:t>- 게시글 제목 삽입</a:t>
                       </a:r>
-                      <a:endParaRPr lang="ko-KR" altLang="en-US" sz="1100" kern="1200" i="0" b="0" strike="noStrike">
-                        <a:solidFill>
-                          <a:srgbClr val="000000"/>
-                        </a:solidFill>
-                        <a:latin typeface="맑은 고딕" charset="0"/>
-                        <a:ea typeface="맑은 고딕" charset="0"/>
-                        <a:cs typeface="+mn-cs"/>
-                      </a:endParaRPr>
                     </a:p>
                   </a:txBody>
                   <a:tcPr marL="9525" marR="9525" marT="9525" marB="0" anchor="ctr">
@@ -8195,6 +8403,11 @@
                     </a:solidFill>
                   </a:tcPr>
                 </a:tc>
+                <a:extLst>
+                  <a:ext uri="{0D108BD9-81ED-4DB2-BD59-A6C34878D82A}">
+                    <a16:rowId xmlns:a16="http://schemas.microsoft.com/office/drawing/2014/main" val="10001"/>
+                  </a:ext>
+                </a:extLst>
               </a:tr>
               <a:tr h="526415">
                 <a:tc>
@@ -8216,7 +8429,7 @@
                         <a:buNone/>
                       </a:pPr>
                       <a:r>
-                        <a:rPr lang="en-US" altLang="ko-KR" sz="1000" kern="1200" i="0" b="0">
+                        <a:rPr lang="en-US" altLang="ko-KR" sz="1000" b="0" i="0" kern="1200">
                           <a:solidFill>
                             <a:schemeClr val="tx1"/>
                           </a:solidFill>
@@ -8225,7 +8438,7 @@
                         </a:rPr>
                         <a:t>02</a:t>
                       </a:r>
-                      <a:endParaRPr lang="ko-KR" altLang="en-US" sz="1000" kern="1200" i="0" b="0">
+                      <a:endParaRPr lang="ko-KR" altLang="en-US" sz="1000" b="0" i="0" kern="1200">
                         <a:solidFill>
                           <a:schemeClr val="tx1"/>
                         </a:solidFill>
@@ -8287,7 +8500,7 @@
                     <a:bodyPr/>
                     <a:lstStyle/>
                     <a:p>
-                      <a:pPr marL="0" indent="0" algn="ctr" fontAlgn="ctr" defTabSz="914400" eaLnBrk="1" latinLnBrk="1" hangingPunct="1">
+                      <a:pPr marL="0" indent="0" algn="ctr" defTabSz="914400" eaLnBrk="1" fontAlgn="ctr" latinLnBrk="1" hangingPunct="1">
                         <a:lnSpc>
                           <a:spcPct val="100000"/>
                         </a:lnSpc>
@@ -8301,7 +8514,7 @@
                         <a:buNone/>
                       </a:pPr>
                       <a:r>
-                        <a:rPr lang="en-US" sz="1100" kern="1200" i="0" b="0" strike="noStrike">
+                        <a:rPr lang="en-US" sz="1100" b="0" i="0" strike="noStrike" kern="1200">
                           <a:solidFill>
                             <a:srgbClr val="000000"/>
                           </a:solidFill>
@@ -8310,7 +8523,7 @@
                         </a:rPr>
                         <a:t>R</a:t>
                       </a:r>
-                      <a:endParaRPr lang="ko-KR" altLang="en-US" sz="1100" kern="1200" i="0" b="0" strike="noStrike">
+                      <a:endParaRPr lang="ko-KR" altLang="en-US" sz="1100" b="0" i="0" strike="noStrike" kern="1200">
                         <a:solidFill>
                           <a:srgbClr val="000000"/>
                         </a:solidFill>
@@ -8372,7 +8585,7 @@
                     <a:bodyPr/>
                     <a:lstStyle/>
                     <a:p>
-                      <a:pPr marL="0" indent="0" algn="l" fontAlgn="ctr" defTabSz="914400" eaLnBrk="1" latinLnBrk="1" hangingPunct="1">
+                      <a:pPr marL="0" indent="0" algn="l" defTabSz="914400" eaLnBrk="1" fontAlgn="ctr" latinLnBrk="1" hangingPunct="1">
                         <a:lnSpc>
                           <a:spcPct val="100000"/>
                         </a:lnSpc>
@@ -8386,7 +8599,7 @@
                         <a:buNone/>
                       </a:pPr>
                       <a:r>
-                        <a:rPr lang="en-US" altLang="ko-KR" sz="1100" kern="1200" i="0" b="0" strike="noStrike">
+                        <a:rPr lang="en-US" altLang="ko-KR" sz="1100" b="0" i="0" strike="noStrike" kern="1200">
                           <a:solidFill>
                             <a:srgbClr val="000000"/>
                           </a:solidFill>
@@ -8396,7 +8609,7 @@
                         <a:t>- DB</a:t>
                       </a:r>
                       <a:r>
-                        <a:rPr lang="ko-KR" altLang="en-US" sz="1100" kern="1200" i="0" b="0" strike="noStrike">
+                        <a:rPr lang="ko-KR" altLang="en-US" sz="1100" b="0" i="0" strike="noStrike" kern="1200">
                           <a:solidFill>
                             <a:srgbClr val="000000"/>
                           </a:solidFill>
@@ -8407,7 +8620,7 @@
                         <a:t>에서</a:t>
                       </a:r>
                       <a:r>
-                        <a:rPr lang="ko-KR" altLang="en-US" sz="1100" kern="1200" i="0" b="0" strike="noStrike">
+                        <a:rPr lang="ko-KR" altLang="en-US" sz="1100" b="0" i="0" strike="noStrike" kern="1200">
                           <a:solidFill>
                             <a:srgbClr val="000000"/>
                           </a:solidFill>
@@ -8417,7 +8630,7 @@
                         <a:t> </a:t>
                       </a:r>
                       <a:r>
-                        <a:rPr lang="ko-KR" altLang="en-US" sz="1100" kern="1200" i="0" b="0" strike="noStrike">
+                        <a:rPr lang="ko-KR" altLang="en-US" sz="1100" b="0" i="0" strike="noStrike" kern="1200">
                           <a:solidFill>
                             <a:srgbClr val="000000"/>
                           </a:solidFill>
@@ -8428,7 +8641,7 @@
                         <a:t>수정할</a:t>
                       </a:r>
                       <a:r>
-                        <a:rPr lang="ko-KR" altLang="en-US" sz="1100" kern="1200" i="0" b="0" strike="noStrike">
+                        <a:rPr lang="ko-KR" altLang="en-US" sz="1100" b="0" i="0" strike="noStrike" kern="1200">
                           <a:solidFill>
                             <a:srgbClr val="000000"/>
                           </a:solidFill>
@@ -8438,7 +8651,7 @@
                         <a:t> </a:t>
                       </a:r>
                       <a:r>
-                        <a:rPr lang="ko-KR" altLang="en-US" sz="1100" kern="1200" i="0" b="0" strike="noStrike">
+                        <a:rPr lang="ko-KR" altLang="en-US" sz="1100" b="0" i="0" strike="noStrike" kern="1200">
                           <a:solidFill>
                             <a:srgbClr val="000000"/>
                           </a:solidFill>
@@ -8448,17 +8661,9 @@
                         </a:rPr>
                         <a:t>게시글의</a:t>
                       </a:r>
-                      <a:endParaRPr lang="ko-KR" altLang="en-US" sz="1100" kern="1200" i="0" b="0" strike="noStrike">
-                        <a:solidFill>
-                          <a:srgbClr val="000000"/>
-                        </a:solidFill>
-                        <a:latin typeface="맑은 고딕" charset="0"/>
-                        <a:ea typeface="맑은 고딕" charset="0"/>
-                        <a:cs typeface="+mn-cs"/>
-                      </a:endParaRPr>
                     </a:p>
                     <a:p>
-                      <a:pPr marL="0" indent="0" algn="l" fontAlgn="ctr" defTabSz="914400" eaLnBrk="1" latinLnBrk="1" hangingPunct="1">
+                      <a:pPr marL="0" indent="0" algn="l" defTabSz="914400" eaLnBrk="1" fontAlgn="ctr" latinLnBrk="1" hangingPunct="1">
                         <a:lnSpc>
                           <a:spcPct val="100000"/>
                         </a:lnSpc>
@@ -8472,7 +8677,7 @@
                         <a:buNone/>
                       </a:pPr>
                       <a:r>
-                        <a:rPr lang="ko-KR" altLang="en-US" sz="1100" kern="1200" i="0" b="0" strike="noStrike">
+                        <a:rPr lang="ko-KR" altLang="en-US" sz="1100" b="0" i="0" strike="noStrike" kern="1200">
                           <a:solidFill>
                             <a:srgbClr val="000000"/>
                           </a:solidFill>
@@ -8482,8 +8687,8 @@
                         </a:rPr>
                         <a:t> 내용 가져져오기</a:t>
                       </a:r>
-                      <a:r>
-                        <a:rPr lang="ko-KR" altLang="en-US" sz="1100" kern="1200" i="0" b="0" strike="noStrike">
+                      <a:br>
+                        <a:rPr lang="ko-KR" altLang="en-US" sz="1100" b="0" i="0" strike="noStrike" kern="1200">
                           <a:solidFill>
                             <a:srgbClr val="000000"/>
                           </a:solidFill>
@@ -8491,10 +8696,9 @@
                           <a:ea typeface="맑은 고딕" charset="0"/>
                           <a:cs typeface="+mn-cs"/>
                         </a:rPr>
-                        <a:t/>
-                      </a:r>
-                      <a:br>
-                        <a:rPr lang="ko-KR" altLang="en-US" sz="1100" kern="1200" i="0" b="0" strike="noStrike">
+                      </a:br>
+                      <a:r>
+                        <a:rPr lang="ko-KR" altLang="en-US" sz="1100" b="0" i="0" strike="noStrike" kern="1200">
                           <a:solidFill>
                             <a:srgbClr val="000000"/>
                           </a:solidFill>
@@ -8502,26 +8706,8 @@
                           <a:ea typeface="맑은 고딕" charset="0"/>
                           <a:cs typeface="+mn-cs"/>
                         </a:rPr>
-                      </a:br>
-                      <a:r>
-                        <a:rPr lang="ko-KR" altLang="en-US" sz="1100" kern="1200" i="0" b="0" strike="noStrike">
-                          <a:solidFill>
-                            <a:srgbClr val="000000"/>
-                          </a:solidFill>
-                          <a:latin typeface="맑은 고딕" charset="0"/>
-                          <a:ea typeface="맑은 고딕" charset="0"/>
-                          <a:cs typeface="+mn-cs"/>
-                        </a:rPr>
                         <a:t>- 게시글 내용 삽입</a:t>
                       </a:r>
-                      <a:endParaRPr lang="ko-KR" altLang="en-US" sz="1100" kern="1200" i="0" b="0" strike="noStrike">
-                        <a:solidFill>
-                          <a:srgbClr val="000000"/>
-                        </a:solidFill>
-                        <a:latin typeface="맑은 고딕" charset="0"/>
-                        <a:ea typeface="맑은 고딕" charset="0"/>
-                        <a:cs typeface="+mn-cs"/>
-                      </a:endParaRPr>
                     </a:p>
                   </a:txBody>
                   <a:tcPr marL="9525" marR="9525" marT="9525" marB="0" anchor="ctr">
@@ -8574,6 +8760,11 @@
                     </a:solidFill>
                   </a:tcPr>
                 </a:tc>
+                <a:extLst>
+                  <a:ext uri="{0D108BD9-81ED-4DB2-BD59-A6C34878D82A}">
+                    <a16:rowId xmlns:a16="http://schemas.microsoft.com/office/drawing/2014/main" val="10002"/>
+                  </a:ext>
+                </a:extLst>
               </a:tr>
               <a:tr h="526415">
                 <a:tc>
@@ -8595,7 +8786,7 @@
                         <a:buNone/>
                       </a:pPr>
                       <a:r>
-                        <a:rPr lang="en-US" altLang="ko-KR" sz="1000" kern="1200" i="0" b="0">
+                        <a:rPr lang="en-US" altLang="ko-KR" sz="1000" b="0" i="0" kern="1200">
                           <a:solidFill>
                             <a:schemeClr val="tx1"/>
                           </a:solidFill>
@@ -8604,7 +8795,7 @@
                         </a:rPr>
                         <a:t>03</a:t>
                       </a:r>
-                      <a:endParaRPr lang="ko-KR" altLang="en-US" sz="1000" kern="1200" i="0" b="0">
+                      <a:endParaRPr lang="ko-KR" altLang="en-US" sz="1000" b="0" i="0" kern="1200">
                         <a:solidFill>
                           <a:schemeClr val="tx1"/>
                         </a:solidFill>
@@ -8666,7 +8857,7 @@
                     <a:bodyPr/>
                     <a:lstStyle/>
                     <a:p>
-                      <a:pPr marL="0" indent="0" algn="ctr" fontAlgn="ctr" defTabSz="914400" eaLnBrk="1" latinLnBrk="1" hangingPunct="1">
+                      <a:pPr marL="0" indent="0" algn="ctr" defTabSz="914400" eaLnBrk="1" fontAlgn="ctr" latinLnBrk="1" hangingPunct="1">
                         <a:lnSpc>
                           <a:spcPct val="100000"/>
                         </a:lnSpc>
@@ -8680,7 +8871,7 @@
                         <a:buNone/>
                       </a:pPr>
                       <a:r>
-                        <a:rPr lang="en-US" sz="1100" kern="1200" i="0" b="0" strike="noStrike">
+                        <a:rPr lang="en-US" sz="1100" b="0" i="0" strike="noStrike" kern="1200">
                           <a:solidFill>
                             <a:srgbClr val="000000"/>
                           </a:solidFill>
@@ -8689,7 +8880,7 @@
                         </a:rPr>
                         <a:t>U</a:t>
                       </a:r>
-                      <a:endParaRPr lang="ko-KR" altLang="en-US" sz="1100" kern="1200" i="0" b="0" strike="noStrike">
+                      <a:endParaRPr lang="ko-KR" altLang="en-US" sz="1100" b="0" i="0" strike="noStrike" kern="1200">
                         <a:solidFill>
                           <a:srgbClr val="000000"/>
                         </a:solidFill>
@@ -8752,7 +8943,7 @@
                     <a:bodyPr/>
                     <a:lstStyle/>
                     <a:p>
-                      <a:pPr marL="0" indent="0" algn="l" fontAlgn="ctr" defTabSz="914400" eaLnBrk="1" latinLnBrk="1" hangingPunct="1">
+                      <a:pPr marL="0" indent="0" algn="l" defTabSz="914400" eaLnBrk="1" fontAlgn="ctr" latinLnBrk="1" hangingPunct="1">
                         <a:lnSpc>
                           <a:spcPct val="100000"/>
                         </a:lnSpc>
@@ -8766,7 +8957,7 @@
                         <a:buNone/>
                       </a:pPr>
                       <a:r>
-                        <a:rPr lang="en-US" altLang="ko-KR" sz="1100" kern="1200" i="0" b="0" strike="noStrike">
+                        <a:rPr lang="en-US" altLang="ko-KR" sz="1100" b="0" i="0" strike="noStrike" kern="1200">
                           <a:solidFill>
                             <a:srgbClr val="000000"/>
                           </a:solidFill>
@@ -8776,7 +8967,7 @@
                         <a:t>- </a:t>
                       </a:r>
                       <a:r>
-                        <a:rPr lang="ko-KR" altLang="en-US" sz="1100" kern="1200" i="0" b="0" strike="noStrike">
+                        <a:rPr lang="ko-KR" altLang="en-US" sz="1100" b="0" i="0" strike="noStrike" kern="1200">
                           <a:solidFill>
                             <a:srgbClr val="000000"/>
                           </a:solidFill>
@@ -8787,7 +8978,7 @@
                         <a:t>완료</a:t>
                       </a:r>
                       <a:r>
-                        <a:rPr lang="ko-KR" altLang="en-US" sz="1100" kern="1200" i="0" b="0" strike="noStrike">
+                        <a:rPr lang="ko-KR" altLang="en-US" sz="1100" b="0" i="0" strike="noStrike" kern="1200">
                           <a:solidFill>
                             <a:srgbClr val="000000"/>
                           </a:solidFill>
@@ -8797,7 +8988,7 @@
                         <a:t> </a:t>
                       </a:r>
                       <a:r>
-                        <a:rPr lang="ko-KR" altLang="en-US" sz="1100" kern="1200" i="0" b="0" strike="noStrike">
+                        <a:rPr lang="ko-KR" altLang="en-US" sz="1100" b="0" i="0" strike="noStrike" kern="1200">
                           <a:solidFill>
                             <a:srgbClr val="000000"/>
                           </a:solidFill>
@@ -8808,7 +8999,7 @@
                         <a:t>버튼</a:t>
                       </a:r>
                       <a:r>
-                        <a:rPr lang="ko-KR" altLang="en-US" sz="1100" kern="1200" i="0" b="0" strike="noStrike">
+                        <a:rPr lang="ko-KR" altLang="en-US" sz="1100" b="0" i="0" strike="noStrike" kern="1200">
                           <a:solidFill>
                             <a:srgbClr val="000000"/>
                           </a:solidFill>
@@ -8818,7 +9009,7 @@
                         <a:t> </a:t>
                       </a:r>
                       <a:r>
-                        <a:rPr lang="ko-KR" altLang="en-US" sz="1100" kern="1200" i="0" b="0" strike="noStrike">
+                        <a:rPr lang="ko-KR" altLang="en-US" sz="1100" b="0" i="0" strike="noStrike" kern="1200">
                           <a:solidFill>
                             <a:srgbClr val="000000"/>
                           </a:solidFill>
@@ -8829,7 +9020,7 @@
                         <a:t>클릭시</a:t>
                       </a:r>
                       <a:r>
-                        <a:rPr lang="ko-KR" altLang="en-US" sz="1100" kern="1200" i="0" b="0" strike="noStrike">
+                        <a:rPr lang="ko-KR" altLang="en-US" sz="1100" b="0" i="0" strike="noStrike" kern="1200">
                           <a:solidFill>
                             <a:srgbClr val="000000"/>
                           </a:solidFill>
@@ -8839,7 +9030,7 @@
                         <a:t> </a:t>
                       </a:r>
                       <a:r>
-                        <a:rPr lang="en-US" altLang="ko-KR" sz="1100" kern="1200" i="0" b="0" strike="noStrike">
+                        <a:rPr lang="en-US" altLang="ko-KR" sz="1100" b="0" i="0" strike="noStrike" kern="1200">
                           <a:solidFill>
                             <a:srgbClr val="000000"/>
                           </a:solidFill>
@@ -8849,7 +9040,7 @@
                         <a:t>DB</a:t>
                       </a:r>
                       <a:r>
-                        <a:rPr lang="ko-KR" altLang="en-US" sz="1100" kern="1200" i="0" b="0" strike="noStrike">
+                        <a:rPr lang="ko-KR" altLang="en-US" sz="1100" b="0" i="0" strike="noStrike" kern="1200">
                           <a:solidFill>
                             <a:srgbClr val="000000"/>
                           </a:solidFill>
@@ -8860,7 +9051,7 @@
                         <a:t>에</a:t>
                       </a:r>
                       <a:r>
-                        <a:rPr lang="ko-KR" altLang="en-US" sz="1100" kern="1200" i="0" b="0" strike="noStrike">
+                        <a:rPr lang="ko-KR" altLang="en-US" sz="1100" b="0" i="0" strike="noStrike" kern="1200">
                           <a:solidFill>
                             <a:srgbClr val="000000"/>
                           </a:solidFill>
@@ -8870,7 +9061,7 @@
                         <a:t> </a:t>
                       </a:r>
                       <a:r>
-                        <a:rPr lang="en-US" altLang="ko-KR" sz="1100" kern="1200" i="0" b="0" strike="noStrike">
+                        <a:rPr lang="en-US" altLang="ko-KR" sz="1100" b="0" i="0" strike="noStrike" kern="1200">
                           <a:solidFill>
                             <a:srgbClr val="000000"/>
                           </a:solidFill>
@@ -8880,7 +9071,7 @@
                         <a:t>UPDATE </a:t>
                       </a:r>
                       <a:r>
-                        <a:rPr lang="ko-KR" altLang="en-US" sz="1100" kern="1200" i="0" b="0" strike="noStrike">
+                        <a:rPr lang="ko-KR" altLang="en-US" sz="1100" b="0" i="0" strike="noStrike" kern="1200">
                           <a:solidFill>
                             <a:srgbClr val="000000"/>
                           </a:solidFill>
@@ -8891,7 +9082,7 @@
                         <a:t>후</a:t>
                       </a:r>
                       <a:r>
-                        <a:rPr lang="ko-KR" altLang="en-US" sz="1100" kern="1200" i="0" b="0" strike="noStrike">
+                        <a:rPr lang="ko-KR" altLang="en-US" sz="1100" b="0" i="0" strike="noStrike" kern="1200">
                           <a:solidFill>
                             <a:srgbClr val="000000"/>
                           </a:solidFill>
@@ -8901,7 +9092,7 @@
                         <a:t> </a:t>
                       </a:r>
                       <a:r>
-                        <a:rPr lang="ko-KR" altLang="en-US" sz="1100" kern="1200" i="0" b="0" strike="noStrike">
+                        <a:rPr lang="ko-KR" altLang="en-US" sz="1100" b="0" i="0" strike="noStrike" kern="1200">
                           <a:solidFill>
                             <a:srgbClr val="000000"/>
                           </a:solidFill>
@@ -8912,7 +9103,7 @@
                         <a:t>게시글읽기</a:t>
                       </a:r>
                       <a:r>
-                        <a:rPr lang="ko-KR" altLang="en-US" sz="1100" kern="1200" i="0" b="0" strike="noStrike">
+                        <a:rPr lang="ko-KR" altLang="en-US" sz="1100" b="0" i="0" strike="noStrike" kern="1200">
                           <a:solidFill>
                             <a:srgbClr val="000000"/>
                           </a:solidFill>
@@ -8922,7 +9113,7 @@
                         <a:t> </a:t>
                       </a:r>
                       <a:r>
-                        <a:rPr lang="ko-KR" altLang="en-US" sz="1100" kern="1200" i="0" b="0" strike="noStrike">
+                        <a:rPr lang="ko-KR" altLang="en-US" sz="1100" b="0" i="0" strike="noStrike" kern="1200">
                           <a:solidFill>
                             <a:srgbClr val="000000"/>
                           </a:solidFill>
@@ -8933,7 +9124,7 @@
                         <a:t>페이지로</a:t>
                       </a:r>
                       <a:r>
-                        <a:rPr lang="ko-KR" altLang="en-US" sz="1100" kern="1200" i="0" b="0" strike="noStrike">
+                        <a:rPr lang="ko-KR" altLang="en-US" sz="1100" b="0" i="0" strike="noStrike" kern="1200">
                           <a:solidFill>
                             <a:srgbClr val="000000"/>
                           </a:solidFill>
@@ -8943,7 +9134,7 @@
                         <a:t> </a:t>
                       </a:r>
                       <a:r>
-                        <a:rPr lang="ko-KR" altLang="en-US" sz="1100" kern="1200" i="0" b="0" strike="noStrike">
+                        <a:rPr lang="ko-KR" altLang="en-US" sz="1100" b="0" i="0" strike="noStrike" kern="1200">
                           <a:solidFill>
                             <a:srgbClr val="000000"/>
                           </a:solidFill>
@@ -8953,14 +9144,6 @@
                         </a:rPr>
                         <a:t>이동</a:t>
                       </a:r>
-                      <a:endParaRPr lang="ko-KR" altLang="en-US" sz="1100" kern="1200" i="0" b="0" strike="noStrike">
-                        <a:solidFill>
-                          <a:srgbClr val="000000"/>
-                        </a:solidFill>
-                        <a:latin typeface="맑은 고딕" charset="0"/>
-                        <a:ea typeface="맑은 고딕" charset="0"/>
-                        <a:cs typeface="+mn-cs"/>
-                      </a:endParaRPr>
                     </a:p>
                   </a:txBody>
                   <a:tcPr marL="9525" marR="9525" marT="9525" marB="0" anchor="ctr">
@@ -9013,6 +9196,11 @@
                     </a:solidFill>
                   </a:tcPr>
                 </a:tc>
+                <a:extLst>
+                  <a:ext uri="{0D108BD9-81ED-4DB2-BD59-A6C34878D82A}">
+                    <a16:rowId xmlns:a16="http://schemas.microsoft.com/office/drawing/2014/main" val="10003"/>
+                  </a:ext>
+                </a:extLst>
               </a:tr>
               <a:tr h="526415">
                 <a:tc>
@@ -9033,7 +9221,7 @@
                         <a:buFontTx/>
                         <a:buNone/>
                       </a:pPr>
-                      <a:endParaRPr lang="ko-KR" altLang="en-US" sz="1000" kern="1200" i="0" b="0">
+                      <a:endParaRPr lang="ko-KR" altLang="en-US" sz="1000" b="0" i="0" kern="1200">
                         <a:solidFill>
                           <a:schemeClr val="tx1"/>
                         </a:solidFill>
@@ -9108,7 +9296,7 @@
                         <a:buFontTx/>
                         <a:buNone/>
                       </a:pPr>
-                      <a:endParaRPr lang="ko-KR" altLang="en-US" sz="1000" kern="1200" i="0" b="0">
+                      <a:endParaRPr lang="ko-KR" altLang="en-US" sz="1000" b="0" i="0" kern="1200">
                         <a:solidFill>
                           <a:schemeClr val="tx1"/>
                         </a:solidFill>
@@ -9170,7 +9358,7 @@
                     <a:bodyPr/>
                     <a:lstStyle/>
                     <a:p>
-                      <a:pPr marL="0" indent="0" algn="l" fontAlgn="ctr" defTabSz="914400" eaLnBrk="1" latinLnBrk="1" hangingPunct="1">
+                      <a:pPr marL="0" indent="0" algn="l" defTabSz="914400" eaLnBrk="1" fontAlgn="ctr" latinLnBrk="1" hangingPunct="1">
                         <a:lnSpc>
                           <a:spcPct val="100000"/>
                         </a:lnSpc>
@@ -9184,7 +9372,7 @@
                         <a:buNone/>
                       </a:pPr>
                       <a:r>
-                        <a:rPr lang="en-US" altLang="ko-KR" sz="1100" kern="1200" i="0" b="0" strike="noStrike">
+                        <a:rPr lang="en-US" altLang="ko-KR" sz="1100" b="0" i="0" strike="noStrike" kern="1200">
                           <a:solidFill>
                             <a:srgbClr val="000000"/>
                           </a:solidFill>
@@ -9194,7 +9382,7 @@
                         <a:t>- </a:t>
                       </a:r>
                       <a:r>
-                        <a:rPr lang="ko-KR" altLang="en-US" sz="1100" kern="1200" i="0" b="0" strike="noStrike">
+                        <a:rPr lang="ko-KR" altLang="en-US" sz="1100" b="0" i="0" strike="noStrike" kern="1200">
                           <a:solidFill>
                             <a:srgbClr val="000000"/>
                           </a:solidFill>
@@ -9205,7 +9393,7 @@
                         <a:t>목록</a:t>
                       </a:r>
                       <a:r>
-                        <a:rPr lang="ko-KR" altLang="en-US" sz="1100" kern="1200" i="0" b="0" strike="noStrike">
+                        <a:rPr lang="ko-KR" altLang="en-US" sz="1100" b="0" i="0" strike="noStrike" kern="1200">
                           <a:solidFill>
                             <a:srgbClr val="000000"/>
                           </a:solidFill>
@@ -9215,7 +9403,7 @@
                         <a:t> </a:t>
                       </a:r>
                       <a:r>
-                        <a:rPr lang="ko-KR" altLang="en-US" sz="1100" kern="1200" i="0" b="0" strike="noStrike">
+                        <a:rPr lang="ko-KR" altLang="en-US" sz="1100" b="0" i="0" strike="noStrike" kern="1200">
                           <a:solidFill>
                             <a:srgbClr val="000000"/>
                           </a:solidFill>
@@ -9226,7 +9414,7 @@
                         <a:t>버튼</a:t>
                       </a:r>
                       <a:r>
-                        <a:rPr lang="ko-KR" altLang="en-US" sz="1100" kern="1200" i="0" b="0" strike="noStrike">
+                        <a:rPr lang="ko-KR" altLang="en-US" sz="1100" b="0" i="0" strike="noStrike" kern="1200">
                           <a:solidFill>
                             <a:srgbClr val="000000"/>
                           </a:solidFill>
@@ -9236,7 +9424,7 @@
                         <a:t> </a:t>
                       </a:r>
                       <a:r>
-                        <a:rPr lang="ko-KR" altLang="en-US" sz="1100" kern="1200" i="0" b="0" strike="noStrike">
+                        <a:rPr lang="ko-KR" altLang="en-US" sz="1100" b="0" i="0" strike="noStrike" kern="1200">
                           <a:solidFill>
                             <a:srgbClr val="000000"/>
                           </a:solidFill>
@@ -9247,7 +9435,7 @@
                         <a:t>클릭시</a:t>
                       </a:r>
                       <a:r>
-                        <a:rPr lang="ko-KR" altLang="en-US" sz="1100" kern="1200" i="0" b="0" strike="noStrike">
+                        <a:rPr lang="ko-KR" altLang="en-US" sz="1100" b="0" i="0" strike="noStrike" kern="1200">
                           <a:solidFill>
                             <a:srgbClr val="000000"/>
                           </a:solidFill>
@@ -9257,7 +9445,7 @@
                         <a:t> </a:t>
                       </a:r>
                       <a:r>
-                        <a:rPr lang="ko-KR" altLang="en-US" sz="1100" kern="1200" i="0" b="0" strike="noStrike">
+                        <a:rPr lang="ko-KR" altLang="en-US" sz="1100" b="0" i="0" strike="noStrike" kern="1200">
                           <a:solidFill>
                             <a:srgbClr val="000000"/>
                           </a:solidFill>
@@ -9268,7 +9456,7 @@
                         <a:t>게시글목록으로</a:t>
                       </a:r>
                       <a:r>
-                        <a:rPr lang="ko-KR" altLang="en-US" sz="1100" kern="1200" i="0" b="0" strike="noStrike">
+                        <a:rPr lang="ko-KR" altLang="en-US" sz="1100" b="0" i="0" strike="noStrike" kern="1200">
                           <a:solidFill>
                             <a:srgbClr val="000000"/>
                           </a:solidFill>
@@ -9278,7 +9466,7 @@
                         <a:t> </a:t>
                       </a:r>
                       <a:r>
-                        <a:rPr lang="ko-KR" altLang="en-US" sz="1100" kern="1200" i="0" b="0" strike="noStrike">
+                        <a:rPr lang="ko-KR" altLang="en-US" sz="1100" b="0" i="0" strike="noStrike" kern="1200">
                           <a:solidFill>
                             <a:srgbClr val="000000"/>
                           </a:solidFill>
@@ -9288,7 +9476,7 @@
                         </a:rPr>
                         <a:t>이동</a:t>
                       </a:r>
-                      <a:endParaRPr lang="ko-KR" altLang="en-US" sz="1000" kern="1200" i="0" b="0">
+                      <a:endParaRPr lang="ko-KR" altLang="en-US" sz="1000" b="0" i="0" kern="1200">
                         <a:solidFill>
                           <a:schemeClr val="tx1"/>
                         </a:solidFill>
@@ -9347,6 +9535,11 @@
                     </a:solidFill>
                   </a:tcPr>
                 </a:tc>
+                <a:extLst>
+                  <a:ext uri="{0D108BD9-81ED-4DB2-BD59-A6C34878D82A}">
+                    <a16:rowId xmlns:a16="http://schemas.microsoft.com/office/drawing/2014/main" val="10004"/>
+                  </a:ext>
+                </a:extLst>
               </a:tr>
             </a:tbl>
           </a:graphicData>
@@ -9371,8 +9564,20 @@
                 <a:tableStyleId>{5C22544A-7EE6-4342-B048-85BDC9FD1C3A}</a:tableStyleId>
               </a:tblPr>
               <a:tblGrid>
-                <a:gridCol w="735330"/>
-                <a:gridCol w="1257935"/>
+                <a:gridCol w="735330">
+                  <a:extLst>
+                    <a:ext uri="{9D8B030D-6E8A-4147-A177-3AD203B41FA5}">
+                      <a16:colId xmlns:a16="http://schemas.microsoft.com/office/drawing/2014/main" val="20000"/>
+                    </a:ext>
+                  </a:extLst>
+                </a:gridCol>
+                <a:gridCol w="1257935">
+                  <a:extLst>
+                    <a:ext uri="{9D8B030D-6E8A-4147-A177-3AD203B41FA5}">
+                      <a16:colId xmlns:a16="http://schemas.microsoft.com/office/drawing/2014/main" val="20001"/>
+                    </a:ext>
+                  </a:extLst>
+                </a:gridCol>
               </a:tblGrid>
               <a:tr h="247650">
                 <a:tc>
@@ -9542,6 +9747,11 @@
                     </a:solidFill>
                   </a:tcPr>
                 </a:tc>
+                <a:extLst>
+                  <a:ext uri="{0D108BD9-81ED-4DB2-BD59-A6C34878D82A}">
+                    <a16:rowId xmlns:a16="http://schemas.microsoft.com/office/drawing/2014/main" val="10000"/>
+                  </a:ext>
+                </a:extLst>
               </a:tr>
             </a:tbl>
           </a:graphicData>
@@ -9566,8 +9776,20 @@
                 <a:tableStyleId>{5C22544A-7EE6-4342-B048-85BDC9FD1C3A}</a:tableStyleId>
               </a:tblPr>
               <a:tblGrid>
-                <a:gridCol w="698500"/>
-                <a:gridCol w="1294765"/>
+                <a:gridCol w="698500">
+                  <a:extLst>
+                    <a:ext uri="{9D8B030D-6E8A-4147-A177-3AD203B41FA5}">
+                      <a16:colId xmlns:a16="http://schemas.microsoft.com/office/drawing/2014/main" val="20000"/>
+                    </a:ext>
+                  </a:extLst>
+                </a:gridCol>
+                <a:gridCol w="1294765">
+                  <a:extLst>
+                    <a:ext uri="{9D8B030D-6E8A-4147-A177-3AD203B41FA5}">
+                      <a16:colId xmlns:a16="http://schemas.microsoft.com/office/drawing/2014/main" val="20001"/>
+                    </a:ext>
+                  </a:extLst>
+                </a:gridCol>
               </a:tblGrid>
               <a:tr h="247650">
                 <a:tc>
@@ -9589,7 +9811,7 @@
                         <a:buNone/>
                       </a:pPr>
                       <a:r>
-                        <a:rPr lang="en-US" altLang="ko-KR" sz="1000" kern="1200" i="0" b="0">
+                        <a:rPr lang="en-US" altLang="ko-KR" sz="1000" b="0" i="0" kern="1200">
                           <a:solidFill>
                             <a:schemeClr val="tx1"/>
                           </a:solidFill>
@@ -9598,7 +9820,7 @@
                         </a:rPr>
                         <a:t>작성자</a:t>
                       </a:r>
-                      <a:endParaRPr lang="ko-KR" altLang="en-US" sz="1000" kern="1200" i="0" b="0">
+                      <a:endParaRPr lang="ko-KR" altLang="en-US" sz="1000" b="0" i="0" kern="1200">
                         <a:solidFill>
                           <a:schemeClr val="tx1"/>
                         </a:solidFill>
@@ -9607,7 +9829,7 @@
                       </a:endParaRPr>
                     </a:p>
                   </a:txBody>
-                  <a:tcPr marL="90170" marR="90170" marT="46990" marB="46990" anchor="t">
+                  <a:tcPr marL="90170" marR="90170" marT="46990" marB="46990">
                     <a:lnL w="12700" cap="flat" cmpd="sng" algn="ctr">
                       <a:solidFill>
                         <a:srgbClr val="000000">
@@ -9679,7 +9901,7 @@
                         <a:buNone/>
                       </a:pPr>
                       <a:r>
-                        <a:rPr lang="ko-KR" altLang="en-US" sz="1000" kern="1200" i="0" b="1">
+                        <a:rPr lang="ko-KR" altLang="en-US" sz="1000" b="1" i="0" kern="1200">
                           <a:solidFill>
                             <a:schemeClr val="tx1"/>
                           </a:solidFill>
@@ -9688,16 +9910,9 @@
                         </a:rPr>
                         <a:t>안영우</a:t>
                       </a:r>
-                      <a:endParaRPr lang="ko-KR" altLang="en-US" sz="1000" kern="1200" i="0" b="1">
-                        <a:solidFill>
-                          <a:schemeClr val="tx1"/>
-                        </a:solidFill>
-                        <a:latin typeface="맑은 고딕" charset="0"/>
-                        <a:ea typeface="맑은 고딕" charset="0"/>
-                      </a:endParaRPr>
                     </a:p>
                   </a:txBody>
-                  <a:tcPr marL="90170" marR="90170" marT="46990" marB="46990" anchor="t">
+                  <a:tcPr marL="90170" marR="90170" marT="46990" marB="46990">
                     <a:lnL w="12700" cap="flat" cmpd="sng" algn="ctr">
                       <a:solidFill>
                         <a:srgbClr val="000000">
@@ -9747,6 +9962,11 @@
                     </a:solidFill>
                   </a:tcPr>
                 </a:tc>
+                <a:extLst>
+                  <a:ext uri="{0D108BD9-81ED-4DB2-BD59-A6C34878D82A}">
+                    <a16:rowId xmlns:a16="http://schemas.microsoft.com/office/drawing/2014/main" val="10000"/>
+                  </a:ext>
+                </a:extLst>
               </a:tr>
             </a:tbl>
           </a:graphicData>
@@ -9761,7 +9981,7 @@
           <p:nvPr/>
         </p:nvPicPr>
         <p:blipFill rotWithShape="1">
-          <a:blip r:embed="rId4" cstate="print">
+          <a:blip r:embed="rId3" cstate="print">
             <a:extLst>
               <a:ext uri="{28A0092B-C50C-407E-A947-70E740481C1C}">
                 <a14:useLocalDpi xmlns:a14="http://schemas.microsoft.com/office/drawing/2010/main" val="0"/>
@@ -9773,11 +9993,13 @@
           </a:stretch>
         </p:blipFill>
         <p:spPr>
-          <a:xfrm rot="0">
+          <a:xfrm>
             <a:off x="1703070" y="1070610"/>
             <a:ext cx="5887720" cy="5231130"/>
           </a:xfrm>
-          <a:prstGeom prst="rect"/>
+          <a:prstGeom prst="rect">
+            <a:avLst/>
+          </a:prstGeom>
           <a:noFill/>
         </p:spPr>
       </p:pic>
@@ -9791,26 +10013,11 @@
   <p:clrMapOvr>
     <a:masterClrMapping/>
   </p:clrMapOvr>
-  <mc:AlternateContent xmlns:mc="http://schemas.openxmlformats.org/markup-compatibility/2006">
-    <mc:Choice xmlns:p14="http://schemas.microsoft.com/office/powerpoint/2010/main" Requires="p14">
-      <p:transition spd="slow" p14:dur="2000"/>
-    </mc:Choice>
-    <mc:Fallback>
-      <p:transition spd="slow"/>
-    </mc:Fallback>
-  </mc:AlternateContent>
-  <p:timing>
-    <p:tnLst>
-      <p:par>
-        <p:cTn id="1" dur="indefinite" restart="never" nodeType="tmRoot"/>
-      </p:par>
-    </p:tnLst>
-  </p:timing>
 </p:sld>
 </file>
 
 <file path=ppt/slides/slide11.xml><?xml version="1.0" encoding="utf-8"?>
-<p:sld xmlns:a="http://schemas.openxmlformats.org/drawingml/2006/main" xmlns:r="http://schemas.openxmlformats.org/officeDocument/2006/relationships" xmlns:p="http://schemas.openxmlformats.org/presentationml/2006/main" xmlns:p14="http://schemas.microsoft.com/office/powerpoint/2010/main">
+<p:sld xmlns:a="http://schemas.openxmlformats.org/drawingml/2006/main" xmlns:r="http://schemas.openxmlformats.org/officeDocument/2006/relationships" xmlns:p="http://schemas.openxmlformats.org/presentationml/2006/main">
   <p:cSld>
     <p:spTree>
       <p:nvGrpSpPr>
@@ -9835,7 +10042,7 @@
           <p:nvPr>
             <p:extLst>
               <p:ext uri="{D42A27DB-BD31-4B8C-83A1-F6EECF244321}">
-                <p14:modId xmlns:p14="http://schemas.microsoft.com/office/powerpoint/2010/main" val="2756897897"/>
+                <p14:modId xmlns:p14="http://schemas.microsoft.com/office/powerpoint/2010/main" val="3762727001"/>
               </p:ext>
             </p:extLst>
           </p:nvPr>
@@ -9851,8 +10058,20 @@
                 <a:tableStyleId>{5C22544A-7EE6-4342-B048-85BDC9FD1C3A}</a:tableStyleId>
               </a:tblPr>
               <a:tblGrid>
-                <a:gridCol w="814070"/>
-                <a:gridCol w="1393825"/>
+                <a:gridCol w="814070">
+                  <a:extLst>
+                    <a:ext uri="{9D8B030D-6E8A-4147-A177-3AD203B41FA5}">
+                      <a16:colId xmlns:a16="http://schemas.microsoft.com/office/drawing/2014/main" val="20000"/>
+                    </a:ext>
+                  </a:extLst>
+                </a:gridCol>
+                <a:gridCol w="1393825">
+                  <a:extLst>
+                    <a:ext uri="{9D8B030D-6E8A-4147-A177-3AD203B41FA5}">
+                      <a16:colId xmlns:a16="http://schemas.microsoft.com/office/drawing/2014/main" val="20001"/>
+                    </a:ext>
+                  </a:extLst>
+                </a:gridCol>
               </a:tblGrid>
               <a:tr h="247650">
                 <a:tc>
@@ -9970,7 +10189,7 @@
                     <a:p>
                       <a:pPr algn="ctr" fontAlgn="ctr"/>
                       <a:r>
-                        <a:rPr lang="en-US" sz="1100" b="0" i="0" u="none" strike="noStrike" dirty="0" smtClean="0">
+                        <a:rPr lang="en-US" sz="1000" b="0" i="0" u="none" strike="noStrike" dirty="0">
                           <a:solidFill>
                             <a:srgbClr val="000000"/>
                           </a:solidFill>
@@ -9979,13 +10198,6 @@
                         </a:rPr>
                         <a:t>B-BC-PD</a:t>
                       </a:r>
-                      <a:endParaRPr lang="en-US" sz="1100" b="0" i="0" u="none" strike="noStrike" dirty="0">
-                        <a:solidFill>
-                          <a:srgbClr val="000000"/>
-                        </a:solidFill>
-                        <a:effectLst/>
-                        <a:latin typeface="맑은 고딕"/>
-                      </a:endParaRPr>
                     </a:p>
                   </a:txBody>
                   <a:tcPr marL="9525" marR="9525" marT="9525" marB="0" anchor="ctr">
@@ -10038,6 +10250,11 @@
                     </a:solidFill>
                   </a:tcPr>
                 </a:tc>
+                <a:extLst>
+                  <a:ext uri="{0D108BD9-81ED-4DB2-BD59-A6C34878D82A}">
+                    <a16:rowId xmlns:a16="http://schemas.microsoft.com/office/drawing/2014/main" val="10000"/>
+                  </a:ext>
+                </a:extLst>
               </a:tr>
               <a:tr h="247650">
                 <a:tc>
@@ -10149,7 +10366,7 @@
                         <a:buNone/>
                       </a:pPr>
                       <a:r>
-                        <a:rPr lang="ko-KR" altLang="en-US" sz="1000" b="0" i="0" kern="1200" dirty="0" err="1" smtClean="0">
+                        <a:rPr lang="ko-KR" altLang="en-US" sz="1000" b="0" i="0" kern="1200" dirty="0" err="1">
                           <a:solidFill>
                             <a:schemeClr val="tx1"/>
                           </a:solidFill>
@@ -10215,6 +10432,11 @@
                     </a:solidFill>
                   </a:tcPr>
                 </a:tc>
+                <a:extLst>
+                  <a:ext uri="{0D108BD9-81ED-4DB2-BD59-A6C34878D82A}">
+                    <a16:rowId xmlns:a16="http://schemas.microsoft.com/office/drawing/2014/main" val="10001"/>
+                  </a:ext>
+                </a:extLst>
               </a:tr>
             </a:tbl>
           </a:graphicData>
@@ -10317,9 +10539,27 @@
                 <a:tableStyleId>{5C22544A-7EE6-4342-B048-85BDC9FD1C3A}</a:tableStyleId>
               </a:tblPr>
               <a:tblGrid>
-                <a:gridCol w="400050"/>
-                <a:gridCol w="452755"/>
-                <a:gridCol w="2047875"/>
+                <a:gridCol w="400050">
+                  <a:extLst>
+                    <a:ext uri="{9D8B030D-6E8A-4147-A177-3AD203B41FA5}">
+                      <a16:colId xmlns:a16="http://schemas.microsoft.com/office/drawing/2014/main" val="20000"/>
+                    </a:ext>
+                  </a:extLst>
+                </a:gridCol>
+                <a:gridCol w="452755">
+                  <a:extLst>
+                    <a:ext uri="{9D8B030D-6E8A-4147-A177-3AD203B41FA5}">
+                      <a16:colId xmlns:a16="http://schemas.microsoft.com/office/drawing/2014/main" val="20001"/>
+                    </a:ext>
+                  </a:extLst>
+                </a:gridCol>
+                <a:gridCol w="2047875">
+                  <a:extLst>
+                    <a:ext uri="{9D8B030D-6E8A-4147-A177-3AD203B41FA5}">
+                      <a16:colId xmlns:a16="http://schemas.microsoft.com/office/drawing/2014/main" val="20002"/>
+                    </a:ext>
+                  </a:extLst>
+                </a:gridCol>
               </a:tblGrid>
               <a:tr h="247650">
                 <a:tc>
@@ -10590,6 +10830,11 @@
                     </a:solidFill>
                   </a:tcPr>
                 </a:tc>
+                <a:extLst>
+                  <a:ext uri="{0D108BD9-81ED-4DB2-BD59-A6C34878D82A}">
+                    <a16:rowId xmlns:a16="http://schemas.microsoft.com/office/drawing/2014/main" val="10000"/>
+                  </a:ext>
+                </a:extLst>
               </a:tr>
               <a:tr h="526415">
                 <a:tc>
@@ -10611,7 +10856,7 @@
                         <a:buNone/>
                       </a:pPr>
                       <a:r>
-                        <a:rPr lang="en-US" altLang="ko-KR" sz="1000" b="0" i="0" kern="1200" dirty="0" smtClean="0">
+                        <a:rPr lang="en-US" altLang="ko-KR" sz="1000" b="0" i="0" kern="1200" dirty="0">
                           <a:solidFill>
                             <a:schemeClr val="tx1"/>
                           </a:solidFill>
@@ -10696,7 +10941,7 @@
                         <a:buNone/>
                       </a:pPr>
                       <a:r>
-                        <a:rPr lang="en-US" altLang="ko-KR" sz="1000" b="0" i="0" kern="1200" dirty="0" smtClean="0">
+                        <a:rPr lang="en-US" altLang="ko-KR" sz="1000" b="0" i="0" kern="1200" dirty="0">
                           <a:solidFill>
                             <a:schemeClr val="tx1"/>
                           </a:solidFill>
@@ -10817,20 +11062,10 @@
                           <a:effectLst/>
                           <a:latin typeface="맑은 고딕"/>
                         </a:rPr>
-                        <a:t> 페이지로 </a:t>
-                      </a:r>
-                      <a:r>
-                        <a:rPr lang="ko-KR" altLang="en-US" sz="1100" b="0" i="0" u="none" strike="noStrike" dirty="0" smtClean="0">
-                          <a:solidFill>
-                            <a:srgbClr val="000000"/>
-                          </a:solidFill>
-                          <a:effectLst/>
-                          <a:latin typeface="맑은 고딕"/>
-                        </a:rPr>
-                        <a:t>이동</a:t>
-                      </a:r>
-                      <a:r>
-                        <a:rPr lang="en-US" altLang="ko-KR" sz="1100" b="0" i="0" u="none" strike="noStrike" dirty="0" smtClean="0">
+                        <a:t> 페이지로 이동</a:t>
+                      </a:r>
+                      <a:r>
+                        <a:rPr lang="en-US" altLang="ko-KR" sz="1100" b="0" i="0" u="none" strike="noStrike" dirty="0">
                           <a:solidFill>
                             <a:srgbClr val="000000"/>
                           </a:solidFill>
@@ -10840,7 +11075,7 @@
                         <a:t>, </a:t>
                       </a:r>
                       <a:r>
-                        <a:rPr lang="ko-KR" altLang="en-US" sz="1100" b="0" i="0" u="none" strike="noStrike" dirty="0" smtClean="0">
+                        <a:rPr lang="ko-KR" altLang="en-US" sz="1100" b="0" i="0" u="none" strike="noStrike" dirty="0">
                           <a:solidFill>
                             <a:srgbClr val="000000"/>
                           </a:solidFill>
@@ -10908,6 +11143,11 @@
                     </a:solidFill>
                   </a:tcPr>
                 </a:tc>
+                <a:extLst>
+                  <a:ext uri="{0D108BD9-81ED-4DB2-BD59-A6C34878D82A}">
+                    <a16:rowId xmlns:a16="http://schemas.microsoft.com/office/drawing/2014/main" val="10001"/>
+                  </a:ext>
+                </a:extLst>
               </a:tr>
               <a:tr h="526415">
                 <a:tc>
@@ -11135,6 +11375,11 @@
                     </a:solidFill>
                   </a:tcPr>
                 </a:tc>
+                <a:extLst>
+                  <a:ext uri="{0D108BD9-81ED-4DB2-BD59-A6C34878D82A}">
+                    <a16:rowId xmlns:a16="http://schemas.microsoft.com/office/drawing/2014/main" val="10002"/>
+                  </a:ext>
+                </a:extLst>
               </a:tr>
               <a:tr h="526415">
                 <a:tc>
@@ -11364,6 +11609,11 @@
                     </a:solidFill>
                   </a:tcPr>
                 </a:tc>
+                <a:extLst>
+                  <a:ext uri="{0D108BD9-81ED-4DB2-BD59-A6C34878D82A}">
+                    <a16:rowId xmlns:a16="http://schemas.microsoft.com/office/drawing/2014/main" val="10003"/>
+                  </a:ext>
+                </a:extLst>
               </a:tr>
               <a:tr h="526415">
                 <a:tc>
@@ -11593,6 +11843,11 @@
                     </a:solidFill>
                   </a:tcPr>
                 </a:tc>
+                <a:extLst>
+                  <a:ext uri="{0D108BD9-81ED-4DB2-BD59-A6C34878D82A}">
+                    <a16:rowId xmlns:a16="http://schemas.microsoft.com/office/drawing/2014/main" val="10004"/>
+                  </a:ext>
+                </a:extLst>
               </a:tr>
               <a:tr h="526415">
                 <a:tc>
@@ -11822,6 +12077,11 @@
                     </a:solidFill>
                   </a:tcPr>
                 </a:tc>
+                <a:extLst>
+                  <a:ext uri="{0D108BD9-81ED-4DB2-BD59-A6C34878D82A}">
+                    <a16:rowId xmlns:a16="http://schemas.microsoft.com/office/drawing/2014/main" val="10005"/>
+                  </a:ext>
+                </a:extLst>
               </a:tr>
               <a:tr h="526415">
                 <a:tc>
@@ -12051,6 +12311,11 @@
                     </a:solidFill>
                   </a:tcPr>
                 </a:tc>
+                <a:extLst>
+                  <a:ext uri="{0D108BD9-81ED-4DB2-BD59-A6C34878D82A}">
+                    <a16:rowId xmlns:a16="http://schemas.microsoft.com/office/drawing/2014/main" val="10006"/>
+                  </a:ext>
+                </a:extLst>
               </a:tr>
               <a:tr h="500380">
                 <a:tc>
@@ -12280,6 +12545,11 @@
                     </a:solidFill>
                   </a:tcPr>
                 </a:tc>
+                <a:extLst>
+                  <a:ext uri="{0D108BD9-81ED-4DB2-BD59-A6C34878D82A}">
+                    <a16:rowId xmlns:a16="http://schemas.microsoft.com/office/drawing/2014/main" val="10007"/>
+                  </a:ext>
+                </a:extLst>
               </a:tr>
               <a:tr h="509270">
                 <a:tc>
@@ -12509,6 +12779,11 @@
                     </a:solidFill>
                   </a:tcPr>
                 </a:tc>
+                <a:extLst>
+                  <a:ext uri="{0D108BD9-81ED-4DB2-BD59-A6C34878D82A}">
+                    <a16:rowId xmlns:a16="http://schemas.microsoft.com/office/drawing/2014/main" val="10008"/>
+                  </a:ext>
+                </a:extLst>
               </a:tr>
               <a:tr h="509270">
                 <a:tc>
@@ -12738,6 +13013,11 @@
                     </a:solidFill>
                   </a:tcPr>
                 </a:tc>
+                <a:extLst>
+                  <a:ext uri="{0D108BD9-81ED-4DB2-BD59-A6C34878D82A}">
+                    <a16:rowId xmlns:a16="http://schemas.microsoft.com/office/drawing/2014/main" val="10009"/>
+                  </a:ext>
+                </a:extLst>
               </a:tr>
               <a:tr h="509270">
                 <a:tc>
@@ -12967,6 +13247,11 @@
                     </a:solidFill>
                   </a:tcPr>
                 </a:tc>
+                <a:extLst>
+                  <a:ext uri="{0D108BD9-81ED-4DB2-BD59-A6C34878D82A}">
+                    <a16:rowId xmlns:a16="http://schemas.microsoft.com/office/drawing/2014/main" val="10010"/>
+                  </a:ext>
+                </a:extLst>
               </a:tr>
               <a:tr h="491490">
                 <a:tc>
@@ -13196,6 +13481,11 @@
                     </a:solidFill>
                   </a:tcPr>
                 </a:tc>
+                <a:extLst>
+                  <a:ext uri="{0D108BD9-81ED-4DB2-BD59-A6C34878D82A}">
+                    <a16:rowId xmlns:a16="http://schemas.microsoft.com/office/drawing/2014/main" val="10011"/>
+                  </a:ext>
+                </a:extLst>
               </a:tr>
             </a:tbl>
           </a:graphicData>
@@ -13220,8 +13510,20 @@
                 <a:tableStyleId>{5C22544A-7EE6-4342-B048-85BDC9FD1C3A}</a:tableStyleId>
               </a:tblPr>
               <a:tblGrid>
-                <a:gridCol w="735330"/>
-                <a:gridCol w="1257935"/>
+                <a:gridCol w="735330">
+                  <a:extLst>
+                    <a:ext uri="{9D8B030D-6E8A-4147-A177-3AD203B41FA5}">
+                      <a16:colId xmlns:a16="http://schemas.microsoft.com/office/drawing/2014/main" val="20000"/>
+                    </a:ext>
+                  </a:extLst>
+                </a:gridCol>
+                <a:gridCol w="1257935">
+                  <a:extLst>
+                    <a:ext uri="{9D8B030D-6E8A-4147-A177-3AD203B41FA5}">
+                      <a16:colId xmlns:a16="http://schemas.microsoft.com/office/drawing/2014/main" val="20001"/>
+                    </a:ext>
+                  </a:extLst>
+                </a:gridCol>
               </a:tblGrid>
               <a:tr h="247650">
                 <a:tc>
@@ -13391,6 +13693,11 @@
                     </a:solidFill>
                   </a:tcPr>
                 </a:tc>
+                <a:extLst>
+                  <a:ext uri="{0D108BD9-81ED-4DB2-BD59-A6C34878D82A}">
+                    <a16:rowId xmlns:a16="http://schemas.microsoft.com/office/drawing/2014/main" val="10000"/>
+                  </a:ext>
+                </a:extLst>
               </a:tr>
             </a:tbl>
           </a:graphicData>
@@ -13454,8 +13761,20 @@
                 <a:tableStyleId>{5C22544A-7EE6-4342-B048-85BDC9FD1C3A}</a:tableStyleId>
               </a:tblPr>
               <a:tblGrid>
-                <a:gridCol w="698500"/>
-                <a:gridCol w="1294765"/>
+                <a:gridCol w="698500">
+                  <a:extLst>
+                    <a:ext uri="{9D8B030D-6E8A-4147-A177-3AD203B41FA5}">
+                      <a16:colId xmlns:a16="http://schemas.microsoft.com/office/drawing/2014/main" val="20000"/>
+                    </a:ext>
+                  </a:extLst>
+                </a:gridCol>
+                <a:gridCol w="1294765">
+                  <a:extLst>
+                    <a:ext uri="{9D8B030D-6E8A-4147-A177-3AD203B41FA5}">
+                      <a16:colId xmlns:a16="http://schemas.microsoft.com/office/drawing/2014/main" val="20001"/>
+                    </a:ext>
+                  </a:extLst>
+                </a:gridCol>
               </a:tblGrid>
               <a:tr h="247650">
                 <a:tc>
@@ -13477,7 +13796,7 @@
                         <a:buNone/>
                       </a:pPr>
                       <a:r>
-                        <a:rPr lang="en-US" altLang="ko-KR" sz="1000" kern="1200" i="0" b="0">
+                        <a:rPr lang="en-US" altLang="ko-KR" sz="1000" b="0" i="0" kern="1200">
                           <a:solidFill>
                             <a:schemeClr val="tx1"/>
                           </a:solidFill>
@@ -13486,7 +13805,7 @@
                         </a:rPr>
                         <a:t>작성자</a:t>
                       </a:r>
-                      <a:endParaRPr lang="ko-KR" altLang="en-US" sz="1000" kern="1200" i="0" b="0">
+                      <a:endParaRPr lang="ko-KR" altLang="en-US" sz="1000" b="0" i="0" kern="1200">
                         <a:solidFill>
                           <a:schemeClr val="tx1"/>
                         </a:solidFill>
@@ -13495,7 +13814,7 @@
                       </a:endParaRPr>
                     </a:p>
                   </a:txBody>
-                  <a:tcPr marL="90170" marR="90170" marT="46990" marB="46990" anchor="t">
+                  <a:tcPr marL="90170" marR="90170" marT="46990" marB="46990">
                     <a:lnL w="12700" cap="flat" cmpd="sng" algn="ctr">
                       <a:solidFill>
                         <a:srgbClr val="000000">
@@ -13567,7 +13886,7 @@
                         <a:buNone/>
                       </a:pPr>
                       <a:r>
-                        <a:rPr lang="ko-KR" altLang="en-US" sz="1000" kern="1200" i="0" b="1">
+                        <a:rPr lang="ko-KR" altLang="en-US" sz="1000" b="1" i="0" kern="1200">
                           <a:solidFill>
                             <a:schemeClr val="tx1"/>
                           </a:solidFill>
@@ -13576,16 +13895,9 @@
                         </a:rPr>
                         <a:t>안영우</a:t>
                       </a:r>
-                      <a:endParaRPr lang="ko-KR" altLang="en-US" sz="1000" kern="1200" i="0" b="1">
-                        <a:solidFill>
-                          <a:schemeClr val="tx1"/>
-                        </a:solidFill>
-                        <a:latin typeface="맑은 고딕" charset="0"/>
-                        <a:ea typeface="맑은 고딕" charset="0"/>
-                      </a:endParaRPr>
                     </a:p>
                   </a:txBody>
-                  <a:tcPr marL="90170" marR="90170" marT="46990" marB="46990" anchor="t">
+                  <a:tcPr marL="90170" marR="90170" marT="46990" marB="46990">
                     <a:lnL w="12700" cap="flat" cmpd="sng" algn="ctr">
                       <a:solidFill>
                         <a:srgbClr val="000000">
@@ -13635,6 +13947,11 @@
                     </a:solidFill>
                   </a:tcPr>
                 </a:tc>
+                <a:extLst>
+                  <a:ext uri="{0D108BD9-81ED-4DB2-BD59-A6C34878D82A}">
+                    <a16:rowId xmlns:a16="http://schemas.microsoft.com/office/drawing/2014/main" val="10000"/>
+                  </a:ext>
+                </a:extLst>
               </a:tr>
             </a:tbl>
           </a:graphicData>
@@ -13650,26 +13967,11 @@
   <p:clrMapOvr>
     <a:masterClrMapping/>
   </p:clrMapOvr>
-  <mc:AlternateContent xmlns:mc="http://schemas.openxmlformats.org/markup-compatibility/2006">
-    <mc:Choice xmlns:p14="http://schemas.microsoft.com/office/powerpoint/2010/main" Requires="p14">
-      <p:transition spd="slow" p14:dur="2000"/>
-    </mc:Choice>
-    <mc:Fallback>
-      <p:transition spd="slow"/>
-    </mc:Fallback>
-  </mc:AlternateContent>
-  <p:timing>
-    <p:tnLst>
-      <p:par>
-        <p:cTn id="1" dur="indefinite" restart="never" nodeType="tmRoot"/>
-      </p:par>
-    </p:tnLst>
-  </p:timing>
 </p:sld>
 </file>
 
 <file path=ppt/slides/slide2.xml><?xml version="1.0" encoding="utf-8"?>
-<p:sld xmlns:a="http://schemas.openxmlformats.org/drawingml/2006/main" xmlns:r="http://schemas.openxmlformats.org/officeDocument/2006/relationships" xmlns:p="http://schemas.openxmlformats.org/presentationml/2006/main" xmlns:p14="http://schemas.microsoft.com/office/powerpoint/2010/main">
+<p:sld xmlns:a="http://schemas.openxmlformats.org/drawingml/2006/main" xmlns:r="http://schemas.openxmlformats.org/officeDocument/2006/relationships" xmlns:p="http://schemas.openxmlformats.org/presentationml/2006/main">
   <p:cSld>
     <p:spTree>
       <p:nvGrpSpPr>
@@ -13710,8 +14012,20 @@
                 <a:tableStyleId>{5C22544A-7EE6-4342-B048-85BDC9FD1C3A}</a:tableStyleId>
               </a:tblPr>
               <a:tblGrid>
-                <a:gridCol w="814070"/>
-                <a:gridCol w="1393825"/>
+                <a:gridCol w="814070">
+                  <a:extLst>
+                    <a:ext uri="{9D8B030D-6E8A-4147-A177-3AD203B41FA5}">
+                      <a16:colId xmlns:a16="http://schemas.microsoft.com/office/drawing/2014/main" val="20000"/>
+                    </a:ext>
+                  </a:extLst>
+                </a:gridCol>
+                <a:gridCol w="1393825">
+                  <a:extLst>
+                    <a:ext uri="{9D8B030D-6E8A-4147-A177-3AD203B41FA5}">
+                      <a16:colId xmlns:a16="http://schemas.microsoft.com/office/drawing/2014/main" val="20001"/>
+                    </a:ext>
+                  </a:extLst>
+                </a:gridCol>
               </a:tblGrid>
               <a:tr h="247650">
                 <a:tc>
@@ -13843,7 +14157,7 @@
                         <a:buNone/>
                       </a:pPr>
                       <a:r>
-                        <a:rPr lang="en-US" altLang="ko-KR" sz="1000" b="0" i="0" kern="1200" dirty="0" smtClean="0">
+                        <a:rPr lang="en-US" altLang="ko-KR" sz="1000" b="0" i="0" kern="1200" dirty="0">
                           <a:solidFill>
                             <a:schemeClr val="tx1"/>
                           </a:solidFill>
@@ -13911,6 +14225,11 @@
                     </a:solidFill>
                   </a:tcPr>
                 </a:tc>
+                <a:extLst>
+                  <a:ext uri="{0D108BD9-81ED-4DB2-BD59-A6C34878D82A}">
+                    <a16:rowId xmlns:a16="http://schemas.microsoft.com/office/drawing/2014/main" val="10000"/>
+                  </a:ext>
+                </a:extLst>
               </a:tr>
               <a:tr h="247650">
                 <a:tc>
@@ -14022,7 +14341,7 @@
                         <a:buNone/>
                       </a:pPr>
                       <a:r>
-                        <a:rPr lang="ko-KR" altLang="en-US" sz="1000" b="0" i="0" kern="1200" dirty="0" smtClean="0">
+                        <a:rPr lang="ko-KR" altLang="en-US" sz="1000" b="0" i="0" kern="1200" dirty="0">
                           <a:solidFill>
                             <a:schemeClr val="tx1"/>
                           </a:solidFill>
@@ -14031,13 +14350,6 @@
                         </a:rPr>
                         <a:t>시험풀기</a:t>
                       </a:r>
-                      <a:endParaRPr lang="ko-KR" altLang="en-US" sz="1000" b="0" i="0" kern="1200" dirty="0">
-                        <a:solidFill>
-                          <a:schemeClr val="tx1"/>
-                        </a:solidFill>
-                        <a:latin typeface="맑은 고딕" charset="0"/>
-                        <a:ea typeface="맑은 고딕" charset="0"/>
-                      </a:endParaRPr>
                     </a:p>
                   </a:txBody>
                   <a:tcPr marL="90170" marR="90170" marT="46990" marB="46990">
@@ -14090,6 +14402,11 @@
                     </a:solidFill>
                   </a:tcPr>
                 </a:tc>
+                <a:extLst>
+                  <a:ext uri="{0D108BD9-81ED-4DB2-BD59-A6C34878D82A}">
+                    <a16:rowId xmlns:a16="http://schemas.microsoft.com/office/drawing/2014/main" val="10001"/>
+                  </a:ext>
+                </a:extLst>
               </a:tr>
             </a:tbl>
           </a:graphicData>
@@ -14192,9 +14509,27 @@
                 <a:tableStyleId>{5C22544A-7EE6-4342-B048-85BDC9FD1C3A}</a:tableStyleId>
               </a:tblPr>
               <a:tblGrid>
-                <a:gridCol w="400050"/>
-                <a:gridCol w="452755"/>
-                <a:gridCol w="2047875"/>
+                <a:gridCol w="400050">
+                  <a:extLst>
+                    <a:ext uri="{9D8B030D-6E8A-4147-A177-3AD203B41FA5}">
+                      <a16:colId xmlns:a16="http://schemas.microsoft.com/office/drawing/2014/main" val="20000"/>
+                    </a:ext>
+                  </a:extLst>
+                </a:gridCol>
+                <a:gridCol w="452755">
+                  <a:extLst>
+                    <a:ext uri="{9D8B030D-6E8A-4147-A177-3AD203B41FA5}">
+                      <a16:colId xmlns:a16="http://schemas.microsoft.com/office/drawing/2014/main" val="20001"/>
+                    </a:ext>
+                  </a:extLst>
+                </a:gridCol>
+                <a:gridCol w="2047875">
+                  <a:extLst>
+                    <a:ext uri="{9D8B030D-6E8A-4147-A177-3AD203B41FA5}">
+                      <a16:colId xmlns:a16="http://schemas.microsoft.com/office/drawing/2014/main" val="20002"/>
+                    </a:ext>
+                  </a:extLst>
+                </a:gridCol>
               </a:tblGrid>
               <a:tr h="247650">
                 <a:tc>
@@ -14463,6 +14798,11 @@
                     </a:solidFill>
                   </a:tcPr>
                 </a:tc>
+                <a:extLst>
+                  <a:ext uri="{0D108BD9-81ED-4DB2-BD59-A6C34878D82A}">
+                    <a16:rowId xmlns:a16="http://schemas.microsoft.com/office/drawing/2014/main" val="10000"/>
+                  </a:ext>
+                </a:extLst>
               </a:tr>
               <a:tr h="526415">
                 <a:tc>
@@ -14484,7 +14824,7 @@
                         <a:buNone/>
                       </a:pPr>
                       <a:r>
-                        <a:rPr lang="en-US" altLang="ko-KR" sz="1000" b="0" i="0" kern="1200" dirty="0" smtClean="0">
+                        <a:rPr lang="en-US" altLang="ko-KR" sz="1000" b="0" i="0" kern="1200" dirty="0">
                           <a:solidFill>
                             <a:schemeClr val="tx1"/>
                           </a:solidFill>
@@ -14688,6 +15028,11 @@
                     </a:solidFill>
                   </a:tcPr>
                 </a:tc>
+                <a:extLst>
+                  <a:ext uri="{0D108BD9-81ED-4DB2-BD59-A6C34878D82A}">
+                    <a16:rowId xmlns:a16="http://schemas.microsoft.com/office/drawing/2014/main" val="10001"/>
+                  </a:ext>
+                </a:extLst>
               </a:tr>
               <a:tr h="526415">
                 <a:tc>
@@ -14709,7 +15054,7 @@
                         <a:buNone/>
                       </a:pPr>
                       <a:r>
-                        <a:rPr lang="en-US" altLang="ko-KR" sz="1000" b="0" i="0" kern="1200" dirty="0" smtClean="0">
+                        <a:rPr lang="en-US" altLang="ko-KR" sz="1000" b="0" i="0" kern="1200" dirty="0">
                           <a:solidFill>
                             <a:schemeClr val="tx1"/>
                           </a:solidFill>
@@ -15010,6 +15355,11 @@
                     </a:solidFill>
                   </a:tcPr>
                 </a:tc>
+                <a:extLst>
+                  <a:ext uri="{0D108BD9-81ED-4DB2-BD59-A6C34878D82A}">
+                    <a16:rowId xmlns:a16="http://schemas.microsoft.com/office/drawing/2014/main" val="10002"/>
+                  </a:ext>
+                </a:extLst>
               </a:tr>
               <a:tr h="526415">
                 <a:tc>
@@ -15031,7 +15381,7 @@
                         <a:buNone/>
                       </a:pPr>
                       <a:r>
-                        <a:rPr lang="en-US" altLang="ko-KR" sz="1000" b="0" i="0" kern="1200" dirty="0" smtClean="0">
+                        <a:rPr lang="en-US" altLang="ko-KR" sz="1000" b="0" i="0" kern="1200" dirty="0">
                           <a:solidFill>
                             <a:schemeClr val="tx1"/>
                           </a:solidFill>
@@ -15235,6 +15585,11 @@
                     </a:solidFill>
                   </a:tcPr>
                 </a:tc>
+                <a:extLst>
+                  <a:ext uri="{0D108BD9-81ED-4DB2-BD59-A6C34878D82A}">
+                    <a16:rowId xmlns:a16="http://schemas.microsoft.com/office/drawing/2014/main" val="10003"/>
+                  </a:ext>
+                </a:extLst>
               </a:tr>
               <a:tr h="526415">
                 <a:tc>
@@ -15256,7 +15611,7 @@
                         <a:buNone/>
                       </a:pPr>
                       <a:r>
-                        <a:rPr lang="en-US" altLang="ko-KR" sz="1000" b="0" i="0" kern="1200" dirty="0" smtClean="0">
+                        <a:rPr lang="en-US" altLang="ko-KR" sz="1000" b="0" i="0" kern="1200" dirty="0">
                           <a:solidFill>
                             <a:schemeClr val="tx1"/>
                           </a:solidFill>
@@ -15556,6 +15911,11 @@
                     </a:solidFill>
                   </a:tcPr>
                 </a:tc>
+                <a:extLst>
+                  <a:ext uri="{0D108BD9-81ED-4DB2-BD59-A6C34878D82A}">
+                    <a16:rowId xmlns:a16="http://schemas.microsoft.com/office/drawing/2014/main" val="10004"/>
+                  </a:ext>
+                </a:extLst>
               </a:tr>
             </a:tbl>
           </a:graphicData>
@@ -15580,8 +15940,20 @@
                 <a:tableStyleId>{5C22544A-7EE6-4342-B048-85BDC9FD1C3A}</a:tableStyleId>
               </a:tblPr>
               <a:tblGrid>
-                <a:gridCol w="735330"/>
-                <a:gridCol w="1257935"/>
+                <a:gridCol w="735330">
+                  <a:extLst>
+                    <a:ext uri="{9D8B030D-6E8A-4147-A177-3AD203B41FA5}">
+                      <a16:colId xmlns:a16="http://schemas.microsoft.com/office/drawing/2014/main" val="20000"/>
+                    </a:ext>
+                  </a:extLst>
+                </a:gridCol>
+                <a:gridCol w="1257935">
+                  <a:extLst>
+                    <a:ext uri="{9D8B030D-6E8A-4147-A177-3AD203B41FA5}">
+                      <a16:colId xmlns:a16="http://schemas.microsoft.com/office/drawing/2014/main" val="20001"/>
+                    </a:ext>
+                  </a:extLst>
+                </a:gridCol>
               </a:tblGrid>
               <a:tr h="247650">
                 <a:tc>
@@ -15751,6 +16123,11 @@
                     </a:solidFill>
                   </a:tcPr>
                 </a:tc>
+                <a:extLst>
+                  <a:ext uri="{0D108BD9-81ED-4DB2-BD59-A6C34878D82A}">
+                    <a16:rowId xmlns:a16="http://schemas.microsoft.com/office/drawing/2014/main" val="10000"/>
+                  </a:ext>
+                </a:extLst>
               </a:tr>
             </a:tbl>
           </a:graphicData>
@@ -15775,8 +16152,20 @@
                 <a:tableStyleId>{5C22544A-7EE6-4342-B048-85BDC9FD1C3A}</a:tableStyleId>
               </a:tblPr>
               <a:tblGrid>
-                <a:gridCol w="698500"/>
-                <a:gridCol w="1294765"/>
+                <a:gridCol w="698500">
+                  <a:extLst>
+                    <a:ext uri="{9D8B030D-6E8A-4147-A177-3AD203B41FA5}">
+                      <a16:colId xmlns:a16="http://schemas.microsoft.com/office/drawing/2014/main" val="20000"/>
+                    </a:ext>
+                  </a:extLst>
+                </a:gridCol>
+                <a:gridCol w="1294765">
+                  <a:extLst>
+                    <a:ext uri="{9D8B030D-6E8A-4147-A177-3AD203B41FA5}">
+                      <a16:colId xmlns:a16="http://schemas.microsoft.com/office/drawing/2014/main" val="20001"/>
+                    </a:ext>
+                  </a:extLst>
+                </a:gridCol>
               </a:tblGrid>
               <a:tr h="247650">
                 <a:tc>
@@ -15798,7 +16187,7 @@
                         <a:buNone/>
                       </a:pPr>
                       <a:r>
-                        <a:rPr lang="en-US" altLang="ko-KR" sz="1000" kern="1200" i="0" b="0">
+                        <a:rPr lang="en-US" altLang="ko-KR" sz="1000" b="0" i="0" kern="1200">
                           <a:solidFill>
                             <a:schemeClr val="tx1"/>
                           </a:solidFill>
@@ -15807,7 +16196,7 @@
                         </a:rPr>
                         <a:t>작성자</a:t>
                       </a:r>
-                      <a:endParaRPr lang="ko-KR" altLang="en-US" sz="1000" kern="1200" i="0" b="0">
+                      <a:endParaRPr lang="ko-KR" altLang="en-US" sz="1000" b="0" i="0" kern="1200">
                         <a:solidFill>
                           <a:schemeClr val="tx1"/>
                         </a:solidFill>
@@ -15816,7 +16205,7 @@
                       </a:endParaRPr>
                     </a:p>
                   </a:txBody>
-                  <a:tcPr marL="90170" marR="90170" marT="46990" marB="46990" anchor="t">
+                  <a:tcPr marL="90170" marR="90170" marT="46990" marB="46990">
                     <a:lnL w="12700" cap="flat" cmpd="sng" algn="ctr">
                       <a:solidFill>
                         <a:srgbClr val="000000">
@@ -15888,7 +16277,7 @@
                         <a:buNone/>
                       </a:pPr>
                       <a:r>
-                        <a:rPr lang="ko-KR" altLang="en-US" sz="1000" kern="1200" i="0" b="1">
+                        <a:rPr lang="ko-KR" altLang="en-US" sz="1000" b="1" i="0" kern="1200">
                           <a:solidFill>
                             <a:schemeClr val="tx1"/>
                           </a:solidFill>
@@ -15897,16 +16286,9 @@
                         </a:rPr>
                         <a:t>안영우</a:t>
                       </a:r>
-                      <a:endParaRPr lang="ko-KR" altLang="en-US" sz="1000" kern="1200" i="0" b="1">
-                        <a:solidFill>
-                          <a:schemeClr val="tx1"/>
-                        </a:solidFill>
-                        <a:latin typeface="맑은 고딕" charset="0"/>
-                        <a:ea typeface="맑은 고딕" charset="0"/>
-                      </a:endParaRPr>
                     </a:p>
                   </a:txBody>
-                  <a:tcPr marL="90170" marR="90170" marT="46990" marB="46990" anchor="t">
+                  <a:tcPr marL="90170" marR="90170" marT="46990" marB="46990">
                     <a:lnL w="12700" cap="flat" cmpd="sng" algn="ctr">
                       <a:solidFill>
                         <a:srgbClr val="000000">
@@ -15956,6 +16338,11 @@
                     </a:solidFill>
                   </a:tcPr>
                 </a:tc>
+                <a:extLst>
+                  <a:ext uri="{0D108BD9-81ED-4DB2-BD59-A6C34878D82A}">
+                    <a16:rowId xmlns:a16="http://schemas.microsoft.com/office/drawing/2014/main" val="10000"/>
+                  </a:ext>
+                </a:extLst>
               </a:tr>
             </a:tbl>
           </a:graphicData>
@@ -16033,26 +16420,11 @@
   <p:clrMapOvr>
     <a:masterClrMapping/>
   </p:clrMapOvr>
-  <mc:AlternateContent xmlns:mc="http://schemas.openxmlformats.org/markup-compatibility/2006">
-    <mc:Choice xmlns:p14="http://schemas.microsoft.com/office/powerpoint/2010/main" Requires="p14">
-      <p:transition spd="slow" p14:dur="2000"/>
-    </mc:Choice>
-    <mc:Fallback>
-      <p:transition spd="slow"/>
-    </mc:Fallback>
-  </mc:AlternateContent>
-  <p:timing>
-    <p:tnLst>
-      <p:par>
-        <p:cTn id="1" dur="indefinite" restart="never" nodeType="tmRoot"/>
-      </p:par>
-    </p:tnLst>
-  </p:timing>
 </p:sld>
 </file>
 
 <file path=ppt/slides/slide3.xml><?xml version="1.0" encoding="utf-8"?>
-<p:sld xmlns:a="http://schemas.openxmlformats.org/drawingml/2006/main" xmlns:r="http://schemas.openxmlformats.org/officeDocument/2006/relationships" xmlns:p="http://schemas.openxmlformats.org/presentationml/2006/main" xmlns:p14="http://schemas.microsoft.com/office/powerpoint/2010/main">
+<p:sld xmlns:a="http://schemas.openxmlformats.org/drawingml/2006/main" xmlns:r="http://schemas.openxmlformats.org/officeDocument/2006/relationships" xmlns:p="http://schemas.openxmlformats.org/presentationml/2006/main">
   <p:cSld>
     <p:spTree>
       <p:nvGrpSpPr>
@@ -16093,8 +16465,20 @@
                 <a:tableStyleId>{5C22544A-7EE6-4342-B048-85BDC9FD1C3A}</a:tableStyleId>
               </a:tblPr>
               <a:tblGrid>
-                <a:gridCol w="814070"/>
-                <a:gridCol w="1393825"/>
+                <a:gridCol w="814070">
+                  <a:extLst>
+                    <a:ext uri="{9D8B030D-6E8A-4147-A177-3AD203B41FA5}">
+                      <a16:colId xmlns:a16="http://schemas.microsoft.com/office/drawing/2014/main" val="20000"/>
+                    </a:ext>
+                  </a:extLst>
+                </a:gridCol>
+                <a:gridCol w="1393825">
+                  <a:extLst>
+                    <a:ext uri="{9D8B030D-6E8A-4147-A177-3AD203B41FA5}">
+                      <a16:colId xmlns:a16="http://schemas.microsoft.com/office/drawing/2014/main" val="20001"/>
+                    </a:ext>
+                  </a:extLst>
+                </a:gridCol>
               </a:tblGrid>
               <a:tr h="247650">
                 <a:tc>
@@ -16226,7 +16610,7 @@
                         <a:buNone/>
                       </a:pPr>
                       <a:r>
-                        <a:rPr lang="en-US" altLang="ko-KR" sz="1000" b="0" i="0" kern="1200" dirty="0" smtClean="0">
+                        <a:rPr lang="en-US" altLang="ko-KR" sz="1000" b="0" i="0" kern="1200" dirty="0">
                           <a:solidFill>
                             <a:schemeClr val="tx1"/>
                           </a:solidFill>
@@ -16294,6 +16678,11 @@
                     </a:solidFill>
                   </a:tcPr>
                 </a:tc>
+                <a:extLst>
+                  <a:ext uri="{0D108BD9-81ED-4DB2-BD59-A6C34878D82A}">
+                    <a16:rowId xmlns:a16="http://schemas.microsoft.com/office/drawing/2014/main" val="10000"/>
+                  </a:ext>
+                </a:extLst>
               </a:tr>
               <a:tr h="247650">
                 <a:tc>
@@ -16405,7 +16794,7 @@
                         <a:buNone/>
                       </a:pPr>
                       <a:r>
-                        <a:rPr lang="ko-KR" altLang="en-US" sz="1000" b="0" i="0" kern="1200" dirty="0" smtClean="0">
+                        <a:rPr lang="ko-KR" altLang="en-US" sz="1000" b="0" i="0" kern="1200" dirty="0">
                           <a:solidFill>
                             <a:schemeClr val="tx1"/>
                           </a:solidFill>
@@ -16414,13 +16803,6 @@
                         </a:rPr>
                         <a:t>시험풀기</a:t>
                       </a:r>
-                      <a:endParaRPr lang="ko-KR" altLang="en-US" sz="1000" b="0" i="0" kern="1200" dirty="0">
-                        <a:solidFill>
-                          <a:schemeClr val="tx1"/>
-                        </a:solidFill>
-                        <a:latin typeface="맑은 고딕" charset="0"/>
-                        <a:ea typeface="맑은 고딕" charset="0"/>
-                      </a:endParaRPr>
                     </a:p>
                   </a:txBody>
                   <a:tcPr marL="90170" marR="90170" marT="46990" marB="46990">
@@ -16473,6 +16855,11 @@
                     </a:solidFill>
                   </a:tcPr>
                 </a:tc>
+                <a:extLst>
+                  <a:ext uri="{0D108BD9-81ED-4DB2-BD59-A6C34878D82A}">
+                    <a16:rowId xmlns:a16="http://schemas.microsoft.com/office/drawing/2014/main" val="10001"/>
+                  </a:ext>
+                </a:extLst>
               </a:tr>
             </a:tbl>
           </a:graphicData>
@@ -16575,9 +16962,27 @@
                 <a:tableStyleId>{5C22544A-7EE6-4342-B048-85BDC9FD1C3A}</a:tableStyleId>
               </a:tblPr>
               <a:tblGrid>
-                <a:gridCol w="400050"/>
-                <a:gridCol w="452755"/>
-                <a:gridCol w="2047875"/>
+                <a:gridCol w="400050">
+                  <a:extLst>
+                    <a:ext uri="{9D8B030D-6E8A-4147-A177-3AD203B41FA5}">
+                      <a16:colId xmlns:a16="http://schemas.microsoft.com/office/drawing/2014/main" val="20000"/>
+                    </a:ext>
+                  </a:extLst>
+                </a:gridCol>
+                <a:gridCol w="452755">
+                  <a:extLst>
+                    <a:ext uri="{9D8B030D-6E8A-4147-A177-3AD203B41FA5}">
+                      <a16:colId xmlns:a16="http://schemas.microsoft.com/office/drawing/2014/main" val="20001"/>
+                    </a:ext>
+                  </a:extLst>
+                </a:gridCol>
+                <a:gridCol w="2047875">
+                  <a:extLst>
+                    <a:ext uri="{9D8B030D-6E8A-4147-A177-3AD203B41FA5}">
+                      <a16:colId xmlns:a16="http://schemas.microsoft.com/office/drawing/2014/main" val="20002"/>
+                    </a:ext>
+                  </a:extLst>
+                </a:gridCol>
               </a:tblGrid>
               <a:tr h="247650">
                 <a:tc>
@@ -16844,6 +17249,11 @@
                     </a:solidFill>
                   </a:tcPr>
                 </a:tc>
+                <a:extLst>
+                  <a:ext uri="{0D108BD9-81ED-4DB2-BD59-A6C34878D82A}">
+                    <a16:rowId xmlns:a16="http://schemas.microsoft.com/office/drawing/2014/main" val="10000"/>
+                  </a:ext>
+                </a:extLst>
               </a:tr>
               <a:tr h="500380">
                 <a:tc>
@@ -17062,6 +17472,11 @@
                     </a:solidFill>
                   </a:tcPr>
                 </a:tc>
+                <a:extLst>
+                  <a:ext uri="{0D108BD9-81ED-4DB2-BD59-A6C34878D82A}">
+                    <a16:rowId xmlns:a16="http://schemas.microsoft.com/office/drawing/2014/main" val="10001"/>
+                  </a:ext>
+                </a:extLst>
               </a:tr>
               <a:tr h="509270">
                 <a:tc>
@@ -17266,6 +17681,11 @@
                     </a:solidFill>
                   </a:tcPr>
                 </a:tc>
+                <a:extLst>
+                  <a:ext uri="{0D108BD9-81ED-4DB2-BD59-A6C34878D82A}">
+                    <a16:rowId xmlns:a16="http://schemas.microsoft.com/office/drawing/2014/main" val="10002"/>
+                  </a:ext>
+                </a:extLst>
               </a:tr>
               <a:tr h="509270">
                 <a:tc>
@@ -17569,6 +17989,11 @@
                     </a:solidFill>
                   </a:tcPr>
                 </a:tc>
+                <a:extLst>
+                  <a:ext uri="{0D108BD9-81ED-4DB2-BD59-A6C34878D82A}">
+                    <a16:rowId xmlns:a16="http://schemas.microsoft.com/office/drawing/2014/main" val="10003"/>
+                  </a:ext>
+                </a:extLst>
               </a:tr>
               <a:tr h="509270">
                 <a:tc>
@@ -17704,7 +18129,7 @@
                     <a:p>
                       <a:pPr algn="l" fontAlgn="ctr"/>
                       <a:r>
-                        <a:rPr lang="en-US" altLang="ko-KR" sz="1100" b="0" i="0" u="none" strike="noStrike">
+                        <a:rPr lang="en-US" altLang="ko-KR" sz="1100" b="0" i="0" u="none" strike="noStrike" dirty="0">
                           <a:solidFill>
                             <a:srgbClr val="000000"/>
                           </a:solidFill>
@@ -17714,14 +18139,34 @@
                         <a:t>- </a:t>
                       </a:r>
                       <a:r>
-                        <a:rPr lang="ko-KR" altLang="en-US" sz="1100" b="0" i="0" u="none" strike="noStrike">
+                        <a:rPr lang="ko-KR" altLang="en-US" sz="1100" b="0" i="0" u="none" strike="noStrike" dirty="0">
                           <a:solidFill>
                             <a:srgbClr val="000000"/>
                           </a:solidFill>
                           <a:effectLst/>
                           <a:latin typeface="맑은 고딕"/>
                         </a:rPr>
-                        <a:t>시험선택 버튼 클릭시 시험선택 페이지로 이동</a:t>
+                        <a:t>시험선택 버튼 </a:t>
+                      </a:r>
+                      <a:r>
+                        <a:rPr lang="ko-KR" altLang="en-US" sz="1100" b="0" i="0" u="none" strike="noStrike" dirty="0" err="1">
+                          <a:solidFill>
+                            <a:srgbClr val="000000"/>
+                          </a:solidFill>
+                          <a:effectLst/>
+                          <a:latin typeface="맑은 고딕"/>
+                        </a:rPr>
+                        <a:t>클릭시</a:t>
+                      </a:r>
+                      <a:r>
+                        <a:rPr lang="ko-KR" altLang="en-US" sz="1100" b="0" i="0" u="none" strike="noStrike" dirty="0">
+                          <a:solidFill>
+                            <a:srgbClr val="000000"/>
+                          </a:solidFill>
+                          <a:effectLst/>
+                          <a:latin typeface="맑은 고딕"/>
+                        </a:rPr>
+                        <a:t> 시험선택 페이지로 이동</a:t>
                       </a:r>
                     </a:p>
                   </a:txBody>
@@ -17773,6 +18218,11 @@
                     </a:solidFill>
                   </a:tcPr>
                 </a:tc>
+                <a:extLst>
+                  <a:ext uri="{0D108BD9-81ED-4DB2-BD59-A6C34878D82A}">
+                    <a16:rowId xmlns:a16="http://schemas.microsoft.com/office/drawing/2014/main" val="10004"/>
+                  </a:ext>
+                </a:extLst>
               </a:tr>
               <a:tr h="491490">
                 <a:tc>
@@ -18026,6 +18476,11 @@
                     </a:solidFill>
                   </a:tcPr>
                 </a:tc>
+                <a:extLst>
+                  <a:ext uri="{0D108BD9-81ED-4DB2-BD59-A6C34878D82A}">
+                    <a16:rowId xmlns:a16="http://schemas.microsoft.com/office/drawing/2014/main" val="10005"/>
+                  </a:ext>
+                </a:extLst>
               </a:tr>
             </a:tbl>
           </a:graphicData>
@@ -18050,8 +18505,20 @@
                 <a:tableStyleId>{5C22544A-7EE6-4342-B048-85BDC9FD1C3A}</a:tableStyleId>
               </a:tblPr>
               <a:tblGrid>
-                <a:gridCol w="735330"/>
-                <a:gridCol w="1257935"/>
+                <a:gridCol w="735330">
+                  <a:extLst>
+                    <a:ext uri="{9D8B030D-6E8A-4147-A177-3AD203B41FA5}">
+                      <a16:colId xmlns:a16="http://schemas.microsoft.com/office/drawing/2014/main" val="20000"/>
+                    </a:ext>
+                  </a:extLst>
+                </a:gridCol>
+                <a:gridCol w="1257935">
+                  <a:extLst>
+                    <a:ext uri="{9D8B030D-6E8A-4147-A177-3AD203B41FA5}">
+                      <a16:colId xmlns:a16="http://schemas.microsoft.com/office/drawing/2014/main" val="20001"/>
+                    </a:ext>
+                  </a:extLst>
+                </a:gridCol>
               </a:tblGrid>
               <a:tr h="247650">
                 <a:tc>
@@ -18221,6 +18688,11 @@
                     </a:solidFill>
                   </a:tcPr>
                 </a:tc>
+                <a:extLst>
+                  <a:ext uri="{0D108BD9-81ED-4DB2-BD59-A6C34878D82A}">
+                    <a16:rowId xmlns:a16="http://schemas.microsoft.com/office/drawing/2014/main" val="10000"/>
+                  </a:ext>
+                </a:extLst>
               </a:tr>
             </a:tbl>
           </a:graphicData>
@@ -18307,8 +18779,20 @@
                 <a:tableStyleId>{5C22544A-7EE6-4342-B048-85BDC9FD1C3A}</a:tableStyleId>
               </a:tblPr>
               <a:tblGrid>
-                <a:gridCol w="698500"/>
-                <a:gridCol w="1294765"/>
+                <a:gridCol w="698500">
+                  <a:extLst>
+                    <a:ext uri="{9D8B030D-6E8A-4147-A177-3AD203B41FA5}">
+                      <a16:colId xmlns:a16="http://schemas.microsoft.com/office/drawing/2014/main" val="20000"/>
+                    </a:ext>
+                  </a:extLst>
+                </a:gridCol>
+                <a:gridCol w="1294765">
+                  <a:extLst>
+                    <a:ext uri="{9D8B030D-6E8A-4147-A177-3AD203B41FA5}">
+                      <a16:colId xmlns:a16="http://schemas.microsoft.com/office/drawing/2014/main" val="20001"/>
+                    </a:ext>
+                  </a:extLst>
+                </a:gridCol>
               </a:tblGrid>
               <a:tr h="247650">
                 <a:tc>
@@ -18330,7 +18814,7 @@
                         <a:buNone/>
                       </a:pPr>
                       <a:r>
-                        <a:rPr lang="en-US" altLang="ko-KR" sz="1000" kern="1200" i="0" b="0">
+                        <a:rPr lang="en-US" altLang="ko-KR" sz="1000" b="0" i="0" kern="1200">
                           <a:solidFill>
                             <a:schemeClr val="tx1"/>
                           </a:solidFill>
@@ -18339,7 +18823,7 @@
                         </a:rPr>
                         <a:t>작성자</a:t>
                       </a:r>
-                      <a:endParaRPr lang="ko-KR" altLang="en-US" sz="1000" kern="1200" i="0" b="0">
+                      <a:endParaRPr lang="ko-KR" altLang="en-US" sz="1000" b="0" i="0" kern="1200">
                         <a:solidFill>
                           <a:schemeClr val="tx1"/>
                         </a:solidFill>
@@ -18348,7 +18832,7 @@
                       </a:endParaRPr>
                     </a:p>
                   </a:txBody>
-                  <a:tcPr marL="90170" marR="90170" marT="46990" marB="46990" anchor="t">
+                  <a:tcPr marL="90170" marR="90170" marT="46990" marB="46990">
                     <a:lnL w="12700" cap="flat" cmpd="sng" algn="ctr">
                       <a:solidFill>
                         <a:srgbClr val="000000">
@@ -18420,7 +18904,7 @@
                         <a:buNone/>
                       </a:pPr>
                       <a:r>
-                        <a:rPr lang="ko-KR" altLang="en-US" sz="1000" kern="1200" i="0" b="1">
+                        <a:rPr lang="ko-KR" altLang="en-US" sz="1000" b="1" i="0" kern="1200">
                           <a:solidFill>
                             <a:schemeClr val="tx1"/>
                           </a:solidFill>
@@ -18429,16 +18913,9 @@
                         </a:rPr>
                         <a:t>안영우</a:t>
                       </a:r>
-                      <a:endParaRPr lang="ko-KR" altLang="en-US" sz="1000" kern="1200" i="0" b="1">
-                        <a:solidFill>
-                          <a:schemeClr val="tx1"/>
-                        </a:solidFill>
-                        <a:latin typeface="맑은 고딕" charset="0"/>
-                        <a:ea typeface="맑은 고딕" charset="0"/>
-                      </a:endParaRPr>
                     </a:p>
                   </a:txBody>
-                  <a:tcPr marL="90170" marR="90170" marT="46990" marB="46990" anchor="t">
+                  <a:tcPr marL="90170" marR="90170" marT="46990" marB="46990">
                     <a:lnL w="12700" cap="flat" cmpd="sng" algn="ctr">
                       <a:solidFill>
                         <a:srgbClr val="000000">
@@ -18488,6 +18965,11 @@
                     </a:solidFill>
                   </a:tcPr>
                 </a:tc>
+                <a:extLst>
+                  <a:ext uri="{0D108BD9-81ED-4DB2-BD59-A6C34878D82A}">
+                    <a16:rowId xmlns:a16="http://schemas.microsoft.com/office/drawing/2014/main" val="10000"/>
+                  </a:ext>
+                </a:extLst>
               </a:tr>
             </a:tbl>
           </a:graphicData>
@@ -18503,26 +18985,11 @@
   <p:clrMapOvr>
     <a:masterClrMapping/>
   </p:clrMapOvr>
-  <mc:AlternateContent xmlns:mc="http://schemas.openxmlformats.org/markup-compatibility/2006">
-    <mc:Choice xmlns:p14="http://schemas.microsoft.com/office/powerpoint/2010/main" Requires="p14">
-      <p:transition spd="slow" p14:dur="2000"/>
-    </mc:Choice>
-    <mc:Fallback>
-      <p:transition spd="slow"/>
-    </mc:Fallback>
-  </mc:AlternateContent>
-  <p:timing>
-    <p:tnLst>
-      <p:par>
-        <p:cTn id="1" dur="indefinite" restart="never" nodeType="tmRoot"/>
-      </p:par>
-    </p:tnLst>
-  </p:timing>
 </p:sld>
 </file>
 
 <file path=ppt/slides/slide4.xml><?xml version="1.0" encoding="utf-8"?>
-<p:sld xmlns:a="http://schemas.openxmlformats.org/drawingml/2006/main" xmlns:r="http://schemas.openxmlformats.org/officeDocument/2006/relationships" xmlns:p="http://schemas.openxmlformats.org/presentationml/2006/main" xmlns:p14="http://schemas.microsoft.com/office/powerpoint/2010/main">
+<p:sld xmlns:a="http://schemas.openxmlformats.org/drawingml/2006/main" xmlns:r="http://schemas.openxmlformats.org/officeDocument/2006/relationships" xmlns:p="http://schemas.openxmlformats.org/presentationml/2006/main">
   <p:cSld>
     <p:spTree>
       <p:nvGrpSpPr>
@@ -18547,7 +19014,7 @@
           <p:nvPr>
             <p:extLst>
               <p:ext uri="{D42A27DB-BD31-4B8C-83A1-F6EECF244321}">
-                <p14:modId xmlns:p14="http://schemas.microsoft.com/office/powerpoint/2010/main" val="2248862674"/>
+                <p14:modId xmlns:p14="http://schemas.microsoft.com/office/powerpoint/2010/main" val="171020023"/>
               </p:ext>
             </p:extLst>
           </p:nvPr>
@@ -18563,8 +19030,20 @@
                 <a:tableStyleId>{5C22544A-7EE6-4342-B048-85BDC9FD1C3A}</a:tableStyleId>
               </a:tblPr>
               <a:tblGrid>
-                <a:gridCol w="814070"/>
-                <a:gridCol w="1393825"/>
+                <a:gridCol w="814070">
+                  <a:extLst>
+                    <a:ext uri="{9D8B030D-6E8A-4147-A177-3AD203B41FA5}">
+                      <a16:colId xmlns:a16="http://schemas.microsoft.com/office/drawing/2014/main" val="20000"/>
+                    </a:ext>
+                  </a:extLst>
+                </a:gridCol>
+                <a:gridCol w="1393825">
+                  <a:extLst>
+                    <a:ext uri="{9D8B030D-6E8A-4147-A177-3AD203B41FA5}">
+                      <a16:colId xmlns:a16="http://schemas.microsoft.com/office/drawing/2014/main" val="20001"/>
+                    </a:ext>
+                  </a:extLst>
+                </a:gridCol>
               </a:tblGrid>
               <a:tr h="247650">
                 <a:tc>
@@ -18682,7 +19161,7 @@
                     <a:p>
                       <a:pPr algn="ctr" fontAlgn="ctr"/>
                       <a:r>
-                        <a:rPr lang="en-US" sz="1100" b="0" i="0" u="none" strike="noStrike" dirty="0" smtClean="0">
+                        <a:rPr lang="en-US" sz="1000" b="0" i="0" u="none" strike="noStrike" dirty="0">
                           <a:solidFill>
                             <a:srgbClr val="000000"/>
                           </a:solidFill>
@@ -18691,13 +19170,6 @@
                         </a:rPr>
                         <a:t>F-TB-TR</a:t>
                       </a:r>
-                      <a:endParaRPr lang="en-US" sz="1100" b="0" i="0" u="none" strike="noStrike" dirty="0">
-                        <a:solidFill>
-                          <a:srgbClr val="000000"/>
-                        </a:solidFill>
-                        <a:effectLst/>
-                        <a:latin typeface="맑은 고딕"/>
-                      </a:endParaRPr>
                     </a:p>
                   </a:txBody>
                   <a:tcPr marL="9525" marR="9525" marT="9525" marB="0" anchor="ctr">
@@ -18750,6 +19222,11 @@
                     </a:solidFill>
                   </a:tcPr>
                 </a:tc>
+                <a:extLst>
+                  <a:ext uri="{0D108BD9-81ED-4DB2-BD59-A6C34878D82A}">
+                    <a16:rowId xmlns:a16="http://schemas.microsoft.com/office/drawing/2014/main" val="10000"/>
+                  </a:ext>
+                </a:extLst>
               </a:tr>
               <a:tr h="247650">
                 <a:tc>
@@ -18771,7 +19248,7 @@
                         <a:buNone/>
                       </a:pPr>
                       <a:r>
-                        <a:rPr lang="en-US" altLang="ko-KR" sz="1000" b="0" i="0" kern="1200">
+                        <a:rPr lang="en-US" altLang="ko-KR" sz="1000" b="0" i="0" kern="1200" dirty="0" err="1">
                           <a:solidFill>
                             <a:schemeClr val="tx1"/>
                           </a:solidFill>
@@ -18780,7 +19257,7 @@
                         </a:rPr>
                         <a:t>화면명</a:t>
                       </a:r>
-                      <a:endParaRPr lang="ko-KR" altLang="en-US" sz="1000" b="0" i="0" kern="1200">
+                      <a:endParaRPr lang="ko-KR" altLang="en-US" sz="1000" b="0" i="0" kern="1200" dirty="0">
                         <a:solidFill>
                           <a:schemeClr val="tx1"/>
                         </a:solidFill>
@@ -18861,7 +19338,7 @@
                         <a:buNone/>
                       </a:pPr>
                       <a:r>
-                        <a:rPr lang="ko-KR" altLang="en-US" sz="1000" b="0" i="0" kern="1200" dirty="0" smtClean="0">
+                        <a:rPr lang="ko-KR" altLang="en-US" sz="1000" b="0" i="0" kern="1200" dirty="0">
                           <a:solidFill>
                             <a:schemeClr val="tx1"/>
                           </a:solidFill>
@@ -18870,13 +19347,6 @@
                         </a:rPr>
                         <a:t>시험결과</a:t>
                       </a:r>
-                      <a:endParaRPr lang="ko-KR" altLang="en-US" sz="1000" b="0" i="0" kern="1200" dirty="0">
-                        <a:solidFill>
-                          <a:schemeClr val="tx1"/>
-                        </a:solidFill>
-                        <a:latin typeface="맑은 고딕" charset="0"/>
-                        <a:ea typeface="맑은 고딕" charset="0"/>
-                      </a:endParaRPr>
                     </a:p>
                   </a:txBody>
                   <a:tcPr marL="90170" marR="90170" marT="46990" marB="46990">
@@ -18927,6 +19397,11 @@
                     </a:solidFill>
                   </a:tcPr>
                 </a:tc>
+                <a:extLst>
+                  <a:ext uri="{0D108BD9-81ED-4DB2-BD59-A6C34878D82A}">
+                    <a16:rowId xmlns:a16="http://schemas.microsoft.com/office/drawing/2014/main" val="10001"/>
+                  </a:ext>
+                </a:extLst>
               </a:tr>
             </a:tbl>
           </a:graphicData>
@@ -19029,9 +19504,27 @@
                 <a:tableStyleId>{5C22544A-7EE6-4342-B048-85BDC9FD1C3A}</a:tableStyleId>
               </a:tblPr>
               <a:tblGrid>
-                <a:gridCol w="400050"/>
-                <a:gridCol w="452755"/>
-                <a:gridCol w="2047875"/>
+                <a:gridCol w="400050">
+                  <a:extLst>
+                    <a:ext uri="{9D8B030D-6E8A-4147-A177-3AD203B41FA5}">
+                      <a16:colId xmlns:a16="http://schemas.microsoft.com/office/drawing/2014/main" val="20000"/>
+                    </a:ext>
+                  </a:extLst>
+                </a:gridCol>
+                <a:gridCol w="452755">
+                  <a:extLst>
+                    <a:ext uri="{9D8B030D-6E8A-4147-A177-3AD203B41FA5}">
+                      <a16:colId xmlns:a16="http://schemas.microsoft.com/office/drawing/2014/main" val="20001"/>
+                    </a:ext>
+                  </a:extLst>
+                </a:gridCol>
+                <a:gridCol w="2047875">
+                  <a:extLst>
+                    <a:ext uri="{9D8B030D-6E8A-4147-A177-3AD203B41FA5}">
+                      <a16:colId xmlns:a16="http://schemas.microsoft.com/office/drawing/2014/main" val="20002"/>
+                    </a:ext>
+                  </a:extLst>
+                </a:gridCol>
               </a:tblGrid>
               <a:tr h="247650">
                 <a:tc>
@@ -19300,6 +19793,11 @@
                     </a:solidFill>
                   </a:tcPr>
                 </a:tc>
+                <a:extLst>
+                  <a:ext uri="{0D108BD9-81ED-4DB2-BD59-A6C34878D82A}">
+                    <a16:rowId xmlns:a16="http://schemas.microsoft.com/office/drawing/2014/main" val="10000"/>
+                  </a:ext>
+                </a:extLst>
               </a:tr>
               <a:tr h="526415">
                 <a:tc>
@@ -19321,7 +19819,7 @@
                         <a:buNone/>
                       </a:pPr>
                       <a:r>
-                        <a:rPr lang="en-US" altLang="ko-KR" sz="1000" b="0" i="0" kern="1200" dirty="0" smtClean="0">
+                        <a:rPr lang="en-US" altLang="ko-KR" sz="1000" b="0" i="0" kern="1200" dirty="0">
                           <a:solidFill>
                             <a:schemeClr val="tx1"/>
                           </a:solidFill>
@@ -19525,6 +20023,11 @@
                     </a:solidFill>
                   </a:tcPr>
                 </a:tc>
+                <a:extLst>
+                  <a:ext uri="{0D108BD9-81ED-4DB2-BD59-A6C34878D82A}">
+                    <a16:rowId xmlns:a16="http://schemas.microsoft.com/office/drawing/2014/main" val="10001"/>
+                  </a:ext>
+                </a:extLst>
               </a:tr>
               <a:tr h="526415">
                 <a:tc>
@@ -19546,7 +20049,7 @@
                         <a:buNone/>
                       </a:pPr>
                       <a:r>
-                        <a:rPr lang="en-US" altLang="ko-KR" sz="1000" b="0" i="0" kern="1200" dirty="0" smtClean="0">
+                        <a:rPr lang="en-US" altLang="ko-KR" sz="1000" b="0" i="0" kern="1200" dirty="0">
                           <a:solidFill>
                             <a:schemeClr val="tx1"/>
                           </a:solidFill>
@@ -19750,6 +20253,11 @@
                     </a:solidFill>
                   </a:tcPr>
                 </a:tc>
+                <a:extLst>
+                  <a:ext uri="{0D108BD9-81ED-4DB2-BD59-A6C34878D82A}">
+                    <a16:rowId xmlns:a16="http://schemas.microsoft.com/office/drawing/2014/main" val="10002"/>
+                  </a:ext>
+                </a:extLst>
               </a:tr>
               <a:tr h="526415">
                 <a:tc>
@@ -19771,7 +20279,7 @@
                         <a:buNone/>
                       </a:pPr>
                       <a:r>
-                        <a:rPr lang="en-US" altLang="ko-KR" sz="1000" b="0" i="0" kern="1200" dirty="0" smtClean="0">
+                        <a:rPr lang="en-US" altLang="ko-KR" sz="1000" b="0" i="0" kern="1200" dirty="0">
                           <a:solidFill>
                             <a:schemeClr val="tx1"/>
                           </a:solidFill>
@@ -19956,7 +20464,7 @@
                         <a:t> </a:t>
                       </a:r>
                       <a:r>
-                        <a:rPr lang="en-US" altLang="ko-KR" sz="1100" b="0" i="0" u="none" strike="noStrike" dirty="0" smtClean="0">
+                        <a:rPr lang="en-US" altLang="ko-KR" sz="1100" b="0" i="0" u="none" strike="noStrike" dirty="0">
                           <a:solidFill>
                             <a:srgbClr val="000000"/>
                           </a:solidFill>
@@ -19966,7 +20474,7 @@
                         <a:t>, </a:t>
                       </a:r>
                       <a:r>
-                        <a:rPr lang="ko-KR" altLang="en-US" sz="1100" b="0" i="0" u="none" strike="noStrike" dirty="0" smtClean="0">
+                        <a:rPr lang="ko-KR" altLang="en-US" sz="1100" b="0" i="0" u="none" strike="noStrike" dirty="0">
                           <a:solidFill>
                             <a:srgbClr val="000000"/>
                           </a:solidFill>
@@ -19975,13 +20483,6 @@
                         </a:rPr>
                         <a:t>점수 표시</a:t>
                       </a:r>
-                      <a:endParaRPr lang="ko-KR" altLang="en-US" sz="1100" b="0" i="0" u="none" strike="noStrike" dirty="0">
-                        <a:solidFill>
-                          <a:srgbClr val="000000"/>
-                        </a:solidFill>
-                        <a:effectLst/>
-                        <a:latin typeface="맑은 고딕"/>
-                      </a:endParaRPr>
                     </a:p>
                   </a:txBody>
                   <a:tcPr marL="9525" marR="9525" marT="9525" marB="0" anchor="ctr">
@@ -20032,6 +20533,11 @@
                     </a:solidFill>
                   </a:tcPr>
                 </a:tc>
+                <a:extLst>
+                  <a:ext uri="{0D108BD9-81ED-4DB2-BD59-A6C34878D82A}">
+                    <a16:rowId xmlns:a16="http://schemas.microsoft.com/office/drawing/2014/main" val="10003"/>
+                  </a:ext>
+                </a:extLst>
               </a:tr>
               <a:tr h="526415">
                 <a:tc>
@@ -20053,7 +20559,7 @@
                         <a:buNone/>
                       </a:pPr>
                       <a:r>
-                        <a:rPr lang="en-US" altLang="ko-KR" sz="1000" b="0" i="0" kern="1200" dirty="0" smtClean="0">
+                        <a:rPr lang="en-US" altLang="ko-KR" sz="1000" b="0" i="0" kern="1200" dirty="0">
                           <a:solidFill>
                             <a:schemeClr val="tx1"/>
                           </a:solidFill>
@@ -20257,6 +20763,11 @@
                     </a:solidFill>
                   </a:tcPr>
                 </a:tc>
+                <a:extLst>
+                  <a:ext uri="{0D108BD9-81ED-4DB2-BD59-A6C34878D82A}">
+                    <a16:rowId xmlns:a16="http://schemas.microsoft.com/office/drawing/2014/main" val="10004"/>
+                  </a:ext>
+                </a:extLst>
               </a:tr>
               <a:tr h="526415">
                 <a:tc>
@@ -20278,7 +20789,7 @@
                         <a:buNone/>
                       </a:pPr>
                       <a:r>
-                        <a:rPr lang="en-US" altLang="ko-KR" sz="1000" b="0" i="0" kern="1200" dirty="0" smtClean="0">
+                        <a:rPr lang="en-US" altLang="ko-KR" sz="1000" b="0" i="0" kern="1200" dirty="0">
                           <a:solidFill>
                             <a:schemeClr val="tx1"/>
                           </a:solidFill>
@@ -20502,6 +21013,11 @@
                     </a:solidFill>
                   </a:tcPr>
                 </a:tc>
+                <a:extLst>
+                  <a:ext uri="{0D108BD9-81ED-4DB2-BD59-A6C34878D82A}">
+                    <a16:rowId xmlns:a16="http://schemas.microsoft.com/office/drawing/2014/main" val="10005"/>
+                  </a:ext>
+                </a:extLst>
               </a:tr>
               <a:tr h="526415">
                 <a:tc>
@@ -20727,6 +21243,11 @@
                     </a:solidFill>
                   </a:tcPr>
                 </a:tc>
+                <a:extLst>
+                  <a:ext uri="{0D108BD9-81ED-4DB2-BD59-A6C34878D82A}">
+                    <a16:rowId xmlns:a16="http://schemas.microsoft.com/office/drawing/2014/main" val="10006"/>
+                  </a:ext>
+                </a:extLst>
               </a:tr>
               <a:tr h="500380">
                 <a:tc>
@@ -20956,6 +21477,11 @@
                     </a:solidFill>
                   </a:tcPr>
                 </a:tc>
+                <a:extLst>
+                  <a:ext uri="{0D108BD9-81ED-4DB2-BD59-A6C34878D82A}">
+                    <a16:rowId xmlns:a16="http://schemas.microsoft.com/office/drawing/2014/main" val="10007"/>
+                  </a:ext>
+                </a:extLst>
               </a:tr>
               <a:tr h="509270">
                 <a:tc>
@@ -21185,6 +21711,11 @@
                     </a:solidFill>
                   </a:tcPr>
                 </a:tc>
+                <a:extLst>
+                  <a:ext uri="{0D108BD9-81ED-4DB2-BD59-A6C34878D82A}">
+                    <a16:rowId xmlns:a16="http://schemas.microsoft.com/office/drawing/2014/main" val="10008"/>
+                  </a:ext>
+                </a:extLst>
               </a:tr>
               <a:tr h="509270">
                 <a:tc>
@@ -21414,6 +21945,11 @@
                     </a:solidFill>
                   </a:tcPr>
                 </a:tc>
+                <a:extLst>
+                  <a:ext uri="{0D108BD9-81ED-4DB2-BD59-A6C34878D82A}">
+                    <a16:rowId xmlns:a16="http://schemas.microsoft.com/office/drawing/2014/main" val="10009"/>
+                  </a:ext>
+                </a:extLst>
               </a:tr>
               <a:tr h="509270">
                 <a:tc>
@@ -21643,6 +22179,11 @@
                     </a:solidFill>
                   </a:tcPr>
                 </a:tc>
+                <a:extLst>
+                  <a:ext uri="{0D108BD9-81ED-4DB2-BD59-A6C34878D82A}">
+                    <a16:rowId xmlns:a16="http://schemas.microsoft.com/office/drawing/2014/main" val="10010"/>
+                  </a:ext>
+                </a:extLst>
               </a:tr>
               <a:tr h="491490">
                 <a:tc>
@@ -21872,6 +22413,11 @@
                     </a:solidFill>
                   </a:tcPr>
                 </a:tc>
+                <a:extLst>
+                  <a:ext uri="{0D108BD9-81ED-4DB2-BD59-A6C34878D82A}">
+                    <a16:rowId xmlns:a16="http://schemas.microsoft.com/office/drawing/2014/main" val="10011"/>
+                  </a:ext>
+                </a:extLst>
               </a:tr>
             </a:tbl>
           </a:graphicData>
@@ -21896,8 +22442,20 @@
                 <a:tableStyleId>{5C22544A-7EE6-4342-B048-85BDC9FD1C3A}</a:tableStyleId>
               </a:tblPr>
               <a:tblGrid>
-                <a:gridCol w="735330"/>
-                <a:gridCol w="1257935"/>
+                <a:gridCol w="735330">
+                  <a:extLst>
+                    <a:ext uri="{9D8B030D-6E8A-4147-A177-3AD203B41FA5}">
+                      <a16:colId xmlns:a16="http://schemas.microsoft.com/office/drawing/2014/main" val="20000"/>
+                    </a:ext>
+                  </a:extLst>
+                </a:gridCol>
+                <a:gridCol w="1257935">
+                  <a:extLst>
+                    <a:ext uri="{9D8B030D-6E8A-4147-A177-3AD203B41FA5}">
+                      <a16:colId xmlns:a16="http://schemas.microsoft.com/office/drawing/2014/main" val="20001"/>
+                    </a:ext>
+                  </a:extLst>
+                </a:gridCol>
               </a:tblGrid>
               <a:tr h="247650">
                 <a:tc>
@@ -22067,6 +22625,11 @@
                     </a:solidFill>
                   </a:tcPr>
                 </a:tc>
+                <a:extLst>
+                  <a:ext uri="{0D108BD9-81ED-4DB2-BD59-A6C34878D82A}">
+                    <a16:rowId xmlns:a16="http://schemas.microsoft.com/office/drawing/2014/main" val="10000"/>
+                  </a:ext>
+                </a:extLst>
               </a:tr>
             </a:tbl>
           </a:graphicData>
@@ -22155,8 +22718,20 @@
                 <a:tableStyleId>{5C22544A-7EE6-4342-B048-85BDC9FD1C3A}</a:tableStyleId>
               </a:tblPr>
               <a:tblGrid>
-                <a:gridCol w="698500"/>
-                <a:gridCol w="1294765"/>
+                <a:gridCol w="698500">
+                  <a:extLst>
+                    <a:ext uri="{9D8B030D-6E8A-4147-A177-3AD203B41FA5}">
+                      <a16:colId xmlns:a16="http://schemas.microsoft.com/office/drawing/2014/main" val="20000"/>
+                    </a:ext>
+                  </a:extLst>
+                </a:gridCol>
+                <a:gridCol w="1294765">
+                  <a:extLst>
+                    <a:ext uri="{9D8B030D-6E8A-4147-A177-3AD203B41FA5}">
+                      <a16:colId xmlns:a16="http://schemas.microsoft.com/office/drawing/2014/main" val="20001"/>
+                    </a:ext>
+                  </a:extLst>
+                </a:gridCol>
               </a:tblGrid>
               <a:tr h="247650">
                 <a:tc>
@@ -22178,7 +22753,7 @@
                         <a:buNone/>
                       </a:pPr>
                       <a:r>
-                        <a:rPr lang="en-US" altLang="ko-KR" sz="1000" kern="1200" i="0" b="0">
+                        <a:rPr lang="en-US" altLang="ko-KR" sz="1000" b="0" i="0" kern="1200">
                           <a:solidFill>
                             <a:schemeClr val="tx1"/>
                           </a:solidFill>
@@ -22187,7 +22762,7 @@
                         </a:rPr>
                         <a:t>작성자</a:t>
                       </a:r>
-                      <a:endParaRPr lang="ko-KR" altLang="en-US" sz="1000" kern="1200" i="0" b="0">
+                      <a:endParaRPr lang="ko-KR" altLang="en-US" sz="1000" b="0" i="0" kern="1200">
                         <a:solidFill>
                           <a:schemeClr val="tx1"/>
                         </a:solidFill>
@@ -22196,7 +22771,7 @@
                       </a:endParaRPr>
                     </a:p>
                   </a:txBody>
-                  <a:tcPr marL="90170" marR="90170" marT="46990" marB="46990" anchor="t">
+                  <a:tcPr marL="90170" marR="90170" marT="46990" marB="46990">
                     <a:lnL w="12700" cap="flat" cmpd="sng" algn="ctr">
                       <a:solidFill>
                         <a:srgbClr val="000000">
@@ -22268,7 +22843,7 @@
                         <a:buNone/>
                       </a:pPr>
                       <a:r>
-                        <a:rPr lang="ko-KR" altLang="en-US" sz="1000" kern="1200" i="0" b="1">
+                        <a:rPr lang="ko-KR" altLang="en-US" sz="1000" b="1" i="0" kern="1200">
                           <a:solidFill>
                             <a:schemeClr val="tx1"/>
                           </a:solidFill>
@@ -22277,16 +22852,9 @@
                         </a:rPr>
                         <a:t>안영우</a:t>
                       </a:r>
-                      <a:endParaRPr lang="ko-KR" altLang="en-US" sz="1000" kern="1200" i="0" b="1">
-                        <a:solidFill>
-                          <a:schemeClr val="tx1"/>
-                        </a:solidFill>
-                        <a:latin typeface="맑은 고딕" charset="0"/>
-                        <a:ea typeface="맑은 고딕" charset="0"/>
-                      </a:endParaRPr>
                     </a:p>
                   </a:txBody>
-                  <a:tcPr marL="90170" marR="90170" marT="46990" marB="46990" anchor="t">
+                  <a:tcPr marL="90170" marR="90170" marT="46990" marB="46990">
                     <a:lnL w="12700" cap="flat" cmpd="sng" algn="ctr">
                       <a:solidFill>
                         <a:srgbClr val="000000">
@@ -22336,6 +22904,11 @@
                     </a:solidFill>
                   </a:tcPr>
                 </a:tc>
+                <a:extLst>
+                  <a:ext uri="{0D108BD9-81ED-4DB2-BD59-A6C34878D82A}">
+                    <a16:rowId xmlns:a16="http://schemas.microsoft.com/office/drawing/2014/main" val="10000"/>
+                  </a:ext>
+                </a:extLst>
               </a:tr>
             </a:tbl>
           </a:graphicData>
@@ -22351,26 +22924,11 @@
   <p:clrMapOvr>
     <a:masterClrMapping/>
   </p:clrMapOvr>
-  <mc:AlternateContent xmlns:mc="http://schemas.openxmlformats.org/markup-compatibility/2006">
-    <mc:Choice xmlns:p14="http://schemas.microsoft.com/office/powerpoint/2010/main" Requires="p14">
-      <p:transition spd="slow" p14:dur="2000"/>
-    </mc:Choice>
-    <mc:Fallback>
-      <p:transition spd="slow"/>
-    </mc:Fallback>
-  </mc:AlternateContent>
-  <p:timing>
-    <p:tnLst>
-      <p:par>
-        <p:cTn id="1" dur="indefinite" restart="never" nodeType="tmRoot"/>
-      </p:par>
-    </p:tnLst>
-  </p:timing>
 </p:sld>
 </file>
 
 <file path=ppt/slides/slide5.xml><?xml version="1.0" encoding="utf-8"?>
-<p:sld xmlns:a="http://schemas.openxmlformats.org/drawingml/2006/main" xmlns:r="http://schemas.openxmlformats.org/officeDocument/2006/relationships" xmlns:p="http://schemas.openxmlformats.org/presentationml/2006/main" xmlns:p14="http://schemas.microsoft.com/office/powerpoint/2010/main">
+<p:sld xmlns:a="http://schemas.openxmlformats.org/drawingml/2006/main" xmlns:r="http://schemas.openxmlformats.org/officeDocument/2006/relationships" xmlns:p="http://schemas.openxmlformats.org/presentationml/2006/main">
   <p:cSld>
     <p:spTree>
       <p:nvGrpSpPr>
@@ -22395,7 +22953,7 @@
           <p:nvPr>
             <p:extLst>
               <p:ext uri="{D42A27DB-BD31-4B8C-83A1-F6EECF244321}">
-                <p14:modId xmlns:p14="http://schemas.microsoft.com/office/powerpoint/2010/main" val="3421937240"/>
+                <p14:modId xmlns:p14="http://schemas.microsoft.com/office/powerpoint/2010/main" val="895438147"/>
               </p:ext>
             </p:extLst>
           </p:nvPr>
@@ -22411,8 +22969,20 @@
                 <a:tableStyleId>{5C22544A-7EE6-4342-B048-85BDC9FD1C3A}</a:tableStyleId>
               </a:tblPr>
               <a:tblGrid>
-                <a:gridCol w="814070"/>
-                <a:gridCol w="1393825"/>
+                <a:gridCol w="814070">
+                  <a:extLst>
+                    <a:ext uri="{9D8B030D-6E8A-4147-A177-3AD203B41FA5}">
+                      <a16:colId xmlns:a16="http://schemas.microsoft.com/office/drawing/2014/main" val="20000"/>
+                    </a:ext>
+                  </a:extLst>
+                </a:gridCol>
+                <a:gridCol w="1393825">
+                  <a:extLst>
+                    <a:ext uri="{9D8B030D-6E8A-4147-A177-3AD203B41FA5}">
+                      <a16:colId xmlns:a16="http://schemas.microsoft.com/office/drawing/2014/main" val="20001"/>
+                    </a:ext>
+                  </a:extLst>
+                </a:gridCol>
               </a:tblGrid>
               <a:tr h="247650">
                 <a:tc>
@@ -22530,7 +23100,7 @@
                     <a:p>
                       <a:pPr algn="ctr" fontAlgn="ctr"/>
                       <a:r>
-                        <a:rPr lang="en-US" sz="1100" b="0" i="0" u="none" strike="noStrike" dirty="0" smtClean="0">
+                        <a:rPr lang="en-US" sz="1000" b="0" i="0" u="none" strike="noStrike" dirty="0">
                           <a:solidFill>
                             <a:srgbClr val="000000"/>
                           </a:solidFill>
@@ -22539,13 +23109,6 @@
                         </a:rPr>
                         <a:t>F-TB-TE</a:t>
                       </a:r>
-                      <a:endParaRPr lang="en-US" sz="1100" b="0" i="0" u="none" strike="noStrike" dirty="0">
-                        <a:solidFill>
-                          <a:srgbClr val="000000"/>
-                        </a:solidFill>
-                        <a:effectLst/>
-                        <a:latin typeface="맑은 고딕"/>
-                      </a:endParaRPr>
                     </a:p>
                   </a:txBody>
                   <a:tcPr marL="9525" marR="9525" marT="9525" marB="0" anchor="ctr">
@@ -22598,6 +23161,11 @@
                     </a:solidFill>
                   </a:tcPr>
                 </a:tc>
+                <a:extLst>
+                  <a:ext uri="{0D108BD9-81ED-4DB2-BD59-A6C34878D82A}">
+                    <a16:rowId xmlns:a16="http://schemas.microsoft.com/office/drawing/2014/main" val="10000"/>
+                  </a:ext>
+                </a:extLst>
               </a:tr>
               <a:tr h="247650">
                 <a:tc>
@@ -22709,7 +23277,7 @@
                         <a:buNone/>
                       </a:pPr>
                       <a:r>
-                        <a:rPr lang="ko-KR" altLang="en-US" sz="1000" b="0" i="0" kern="1200" dirty="0" smtClean="0">
+                        <a:rPr lang="ko-KR" altLang="en-US" sz="1000" b="0" i="0" kern="1200" dirty="0">
                           <a:solidFill>
                             <a:schemeClr val="tx1"/>
                           </a:solidFill>
@@ -22718,13 +23286,6 @@
                         </a:rPr>
                         <a:t>정답해설</a:t>
                       </a:r>
-                      <a:endParaRPr lang="ko-KR" altLang="en-US" sz="1000" b="0" i="0" kern="1200" dirty="0">
-                        <a:solidFill>
-                          <a:schemeClr val="tx1"/>
-                        </a:solidFill>
-                        <a:latin typeface="맑은 고딕" charset="0"/>
-                        <a:ea typeface="맑은 고딕" charset="0"/>
-                      </a:endParaRPr>
                     </a:p>
                   </a:txBody>
                   <a:tcPr marL="90170" marR="90170" marT="46990" marB="46990">
@@ -22775,6 +23336,11 @@
                     </a:solidFill>
                   </a:tcPr>
                 </a:tc>
+                <a:extLst>
+                  <a:ext uri="{0D108BD9-81ED-4DB2-BD59-A6C34878D82A}">
+                    <a16:rowId xmlns:a16="http://schemas.microsoft.com/office/drawing/2014/main" val="10001"/>
+                  </a:ext>
+                </a:extLst>
               </a:tr>
             </a:tbl>
           </a:graphicData>
@@ -22877,9 +23443,27 @@
                 <a:tableStyleId>{5C22544A-7EE6-4342-B048-85BDC9FD1C3A}</a:tableStyleId>
               </a:tblPr>
               <a:tblGrid>
-                <a:gridCol w="400050"/>
-                <a:gridCol w="452755"/>
-                <a:gridCol w="2047875"/>
+                <a:gridCol w="400050">
+                  <a:extLst>
+                    <a:ext uri="{9D8B030D-6E8A-4147-A177-3AD203B41FA5}">
+                      <a16:colId xmlns:a16="http://schemas.microsoft.com/office/drawing/2014/main" val="20000"/>
+                    </a:ext>
+                  </a:extLst>
+                </a:gridCol>
+                <a:gridCol w="452755">
+                  <a:extLst>
+                    <a:ext uri="{9D8B030D-6E8A-4147-A177-3AD203B41FA5}">
+                      <a16:colId xmlns:a16="http://schemas.microsoft.com/office/drawing/2014/main" val="20001"/>
+                    </a:ext>
+                  </a:extLst>
+                </a:gridCol>
+                <a:gridCol w="2047875">
+                  <a:extLst>
+                    <a:ext uri="{9D8B030D-6E8A-4147-A177-3AD203B41FA5}">
+                      <a16:colId xmlns:a16="http://schemas.microsoft.com/office/drawing/2014/main" val="20002"/>
+                    </a:ext>
+                  </a:extLst>
+                </a:gridCol>
               </a:tblGrid>
               <a:tr h="247650">
                 <a:tc>
@@ -23148,6 +23732,11 @@
                     </a:solidFill>
                   </a:tcPr>
                 </a:tc>
+                <a:extLst>
+                  <a:ext uri="{0D108BD9-81ED-4DB2-BD59-A6C34878D82A}">
+                    <a16:rowId xmlns:a16="http://schemas.microsoft.com/office/drawing/2014/main" val="10000"/>
+                  </a:ext>
+                </a:extLst>
               </a:tr>
               <a:tr h="526415">
                 <a:tc>
@@ -23169,7 +23758,7 @@
                         <a:buNone/>
                       </a:pPr>
                       <a:r>
-                        <a:rPr lang="en-US" altLang="ko-KR" sz="1000" b="0" i="0" kern="1200" dirty="0" smtClean="0">
+                        <a:rPr lang="en-US" altLang="ko-KR" sz="1000" b="0" i="0" kern="1200" dirty="0">
                           <a:solidFill>
                             <a:schemeClr val="tx1"/>
                           </a:solidFill>
@@ -23373,6 +23962,11 @@
                     </a:solidFill>
                   </a:tcPr>
                 </a:tc>
+                <a:extLst>
+                  <a:ext uri="{0D108BD9-81ED-4DB2-BD59-A6C34878D82A}">
+                    <a16:rowId xmlns:a16="http://schemas.microsoft.com/office/drawing/2014/main" val="10001"/>
+                  </a:ext>
+                </a:extLst>
               </a:tr>
               <a:tr h="526415">
                 <a:tc>
@@ -23394,7 +23988,7 @@
                         <a:buNone/>
                       </a:pPr>
                       <a:r>
-                        <a:rPr lang="en-US" altLang="ko-KR" sz="1000" b="0" i="0" kern="1200" dirty="0" smtClean="0">
+                        <a:rPr lang="en-US" altLang="ko-KR" sz="1000" b="0" i="0" kern="1200" dirty="0">
                           <a:solidFill>
                             <a:schemeClr val="tx1"/>
                           </a:solidFill>
@@ -23598,6 +24192,11 @@
                     </a:solidFill>
                   </a:tcPr>
                 </a:tc>
+                <a:extLst>
+                  <a:ext uri="{0D108BD9-81ED-4DB2-BD59-A6C34878D82A}">
+                    <a16:rowId xmlns:a16="http://schemas.microsoft.com/office/drawing/2014/main" val="10002"/>
+                  </a:ext>
+                </a:extLst>
               </a:tr>
               <a:tr h="526415">
                 <a:tc>
@@ -23619,7 +24218,7 @@
                         <a:buNone/>
                       </a:pPr>
                       <a:r>
-                        <a:rPr lang="en-US" altLang="ko-KR" sz="1000" b="0" i="0" kern="1200" dirty="0" smtClean="0">
+                        <a:rPr lang="en-US" altLang="ko-KR" sz="1000" b="0" i="0" kern="1200" dirty="0">
                           <a:solidFill>
                             <a:schemeClr val="tx1"/>
                           </a:solidFill>
@@ -23843,6 +24442,11 @@
                     </a:solidFill>
                   </a:tcPr>
                 </a:tc>
+                <a:extLst>
+                  <a:ext uri="{0D108BD9-81ED-4DB2-BD59-A6C34878D82A}">
+                    <a16:rowId xmlns:a16="http://schemas.microsoft.com/office/drawing/2014/main" val="10003"/>
+                  </a:ext>
+                </a:extLst>
               </a:tr>
               <a:tr h="526415">
                 <a:tc>
@@ -23864,7 +24468,7 @@
                         <a:buNone/>
                       </a:pPr>
                       <a:r>
-                        <a:rPr lang="en-US" altLang="ko-KR" sz="1000" b="0" i="0" kern="1200" dirty="0" smtClean="0">
+                        <a:rPr lang="en-US" altLang="ko-KR" sz="1000" b="0" i="0" kern="1200" dirty="0">
                           <a:solidFill>
                             <a:schemeClr val="tx1"/>
                           </a:solidFill>
@@ -24088,6 +24692,11 @@
                     </a:solidFill>
                   </a:tcPr>
                 </a:tc>
+                <a:extLst>
+                  <a:ext uri="{0D108BD9-81ED-4DB2-BD59-A6C34878D82A}">
+                    <a16:rowId xmlns:a16="http://schemas.microsoft.com/office/drawing/2014/main" val="10004"/>
+                  </a:ext>
+                </a:extLst>
               </a:tr>
               <a:tr h="526415">
                 <a:tc>
@@ -24109,7 +24718,7 @@
                         <a:buNone/>
                       </a:pPr>
                       <a:r>
-                        <a:rPr lang="en-US" altLang="ko-KR" sz="1000" b="0" i="0" kern="1200" dirty="0" smtClean="0">
+                        <a:rPr lang="en-US" altLang="ko-KR" sz="1000" b="0" i="0" kern="1200" dirty="0">
                           <a:solidFill>
                             <a:schemeClr val="tx1"/>
                           </a:solidFill>
@@ -24451,6 +25060,11 @@
                     </a:solidFill>
                   </a:tcPr>
                 </a:tc>
+                <a:extLst>
+                  <a:ext uri="{0D108BD9-81ED-4DB2-BD59-A6C34878D82A}">
+                    <a16:rowId xmlns:a16="http://schemas.microsoft.com/office/drawing/2014/main" val="10005"/>
+                  </a:ext>
+                </a:extLst>
               </a:tr>
             </a:tbl>
           </a:graphicData>
@@ -24475,8 +25089,20 @@
                 <a:tableStyleId>{5C22544A-7EE6-4342-B048-85BDC9FD1C3A}</a:tableStyleId>
               </a:tblPr>
               <a:tblGrid>
-                <a:gridCol w="735330"/>
-                <a:gridCol w="1257935"/>
+                <a:gridCol w="735330">
+                  <a:extLst>
+                    <a:ext uri="{9D8B030D-6E8A-4147-A177-3AD203B41FA5}">
+                      <a16:colId xmlns:a16="http://schemas.microsoft.com/office/drawing/2014/main" val="20000"/>
+                    </a:ext>
+                  </a:extLst>
+                </a:gridCol>
+                <a:gridCol w="1257935">
+                  <a:extLst>
+                    <a:ext uri="{9D8B030D-6E8A-4147-A177-3AD203B41FA5}">
+                      <a16:colId xmlns:a16="http://schemas.microsoft.com/office/drawing/2014/main" val="20001"/>
+                    </a:ext>
+                  </a:extLst>
+                </a:gridCol>
               </a:tblGrid>
               <a:tr h="247650">
                 <a:tc>
@@ -24646,6 +25272,11 @@
                     </a:solidFill>
                   </a:tcPr>
                 </a:tc>
+                <a:extLst>
+                  <a:ext uri="{0D108BD9-81ED-4DB2-BD59-A6C34878D82A}">
+                    <a16:rowId xmlns:a16="http://schemas.microsoft.com/office/drawing/2014/main" val="10000"/>
+                  </a:ext>
+                </a:extLst>
               </a:tr>
             </a:tbl>
           </a:graphicData>
@@ -24734,8 +25365,20 @@
                 <a:tableStyleId>{5C22544A-7EE6-4342-B048-85BDC9FD1C3A}</a:tableStyleId>
               </a:tblPr>
               <a:tblGrid>
-                <a:gridCol w="698500"/>
-                <a:gridCol w="1294765"/>
+                <a:gridCol w="698500">
+                  <a:extLst>
+                    <a:ext uri="{9D8B030D-6E8A-4147-A177-3AD203B41FA5}">
+                      <a16:colId xmlns:a16="http://schemas.microsoft.com/office/drawing/2014/main" val="20000"/>
+                    </a:ext>
+                  </a:extLst>
+                </a:gridCol>
+                <a:gridCol w="1294765">
+                  <a:extLst>
+                    <a:ext uri="{9D8B030D-6E8A-4147-A177-3AD203B41FA5}">
+                      <a16:colId xmlns:a16="http://schemas.microsoft.com/office/drawing/2014/main" val="20001"/>
+                    </a:ext>
+                  </a:extLst>
+                </a:gridCol>
               </a:tblGrid>
               <a:tr h="247650">
                 <a:tc>
@@ -24757,7 +25400,7 @@
                         <a:buNone/>
                       </a:pPr>
                       <a:r>
-                        <a:rPr lang="en-US" altLang="ko-KR" sz="1000" kern="1200" i="0" b="0">
+                        <a:rPr lang="en-US" altLang="ko-KR" sz="1000" b="0" i="0" kern="1200">
                           <a:solidFill>
                             <a:schemeClr val="tx1"/>
                           </a:solidFill>
@@ -24766,7 +25409,7 @@
                         </a:rPr>
                         <a:t>작성자</a:t>
                       </a:r>
-                      <a:endParaRPr lang="ko-KR" altLang="en-US" sz="1000" kern="1200" i="0" b="0">
+                      <a:endParaRPr lang="ko-KR" altLang="en-US" sz="1000" b="0" i="0" kern="1200">
                         <a:solidFill>
                           <a:schemeClr val="tx1"/>
                         </a:solidFill>
@@ -24775,7 +25418,7 @@
                       </a:endParaRPr>
                     </a:p>
                   </a:txBody>
-                  <a:tcPr marL="90170" marR="90170" marT="46990" marB="46990" anchor="t">
+                  <a:tcPr marL="90170" marR="90170" marT="46990" marB="46990">
                     <a:lnL w="12700" cap="flat" cmpd="sng" algn="ctr">
                       <a:solidFill>
                         <a:srgbClr val="000000">
@@ -24847,7 +25490,7 @@
                         <a:buNone/>
                       </a:pPr>
                       <a:r>
-                        <a:rPr lang="ko-KR" altLang="en-US" sz="1000" kern="1200" i="0" b="1">
+                        <a:rPr lang="ko-KR" altLang="en-US" sz="1000" b="1" i="0" kern="1200">
                           <a:solidFill>
                             <a:schemeClr val="tx1"/>
                           </a:solidFill>
@@ -24856,16 +25499,9 @@
                         </a:rPr>
                         <a:t>안영우</a:t>
                       </a:r>
-                      <a:endParaRPr lang="ko-KR" altLang="en-US" sz="1000" kern="1200" i="0" b="1">
-                        <a:solidFill>
-                          <a:schemeClr val="tx1"/>
-                        </a:solidFill>
-                        <a:latin typeface="맑은 고딕" charset="0"/>
-                        <a:ea typeface="맑은 고딕" charset="0"/>
-                      </a:endParaRPr>
                     </a:p>
                   </a:txBody>
-                  <a:tcPr marL="90170" marR="90170" marT="46990" marB="46990" anchor="t">
+                  <a:tcPr marL="90170" marR="90170" marT="46990" marB="46990">
                     <a:lnL w="12700" cap="flat" cmpd="sng" algn="ctr">
                       <a:solidFill>
                         <a:srgbClr val="000000">
@@ -24915,6 +25551,11 @@
                     </a:solidFill>
                   </a:tcPr>
                 </a:tc>
+                <a:extLst>
+                  <a:ext uri="{0D108BD9-81ED-4DB2-BD59-A6C34878D82A}">
+                    <a16:rowId xmlns:a16="http://schemas.microsoft.com/office/drawing/2014/main" val="10000"/>
+                  </a:ext>
+                </a:extLst>
               </a:tr>
             </a:tbl>
           </a:graphicData>
@@ -24930,26 +25571,11 @@
   <p:clrMapOvr>
     <a:masterClrMapping/>
   </p:clrMapOvr>
-  <mc:AlternateContent xmlns:mc="http://schemas.openxmlformats.org/markup-compatibility/2006">
-    <mc:Choice xmlns:p14="http://schemas.microsoft.com/office/powerpoint/2010/main" Requires="p14">
-      <p:transition spd="slow" p14:dur="2000"/>
-    </mc:Choice>
-    <mc:Fallback>
-      <p:transition spd="slow"/>
-    </mc:Fallback>
-  </mc:AlternateContent>
-  <p:timing>
-    <p:tnLst>
-      <p:par>
-        <p:cTn id="1" dur="indefinite" restart="never" nodeType="tmRoot"/>
-      </p:par>
-    </p:tnLst>
-  </p:timing>
 </p:sld>
 </file>
 
 <file path=ppt/slides/slide6.xml><?xml version="1.0" encoding="utf-8"?>
-<p:sld xmlns:a="http://schemas.openxmlformats.org/drawingml/2006/main" xmlns:r="http://schemas.openxmlformats.org/officeDocument/2006/relationships" xmlns:p="http://schemas.openxmlformats.org/presentationml/2006/main" xmlns:p14="http://schemas.microsoft.com/office/powerpoint/2010/main">
+<p:sld xmlns:a="http://schemas.openxmlformats.org/drawingml/2006/main" xmlns:r="http://schemas.openxmlformats.org/officeDocument/2006/relationships" xmlns:p="http://schemas.openxmlformats.org/presentationml/2006/main">
   <p:cSld>
     <p:spTree>
       <p:nvGrpSpPr>
@@ -24974,7 +25600,7 @@
           <p:nvPr>
             <p:extLst>
               <p:ext uri="{D42A27DB-BD31-4B8C-83A1-F6EECF244321}">
-                <p14:modId xmlns:p14="http://schemas.microsoft.com/office/powerpoint/2010/main" val="2780835022"/>
+                <p14:modId xmlns:p14="http://schemas.microsoft.com/office/powerpoint/2010/main" val="2205309412"/>
               </p:ext>
             </p:extLst>
           </p:nvPr>
@@ -24990,8 +25616,20 @@
                 <a:tableStyleId>{5C22544A-7EE6-4342-B048-85BDC9FD1C3A}</a:tableStyleId>
               </a:tblPr>
               <a:tblGrid>
-                <a:gridCol w="814070"/>
-                <a:gridCol w="1393825"/>
+                <a:gridCol w="814070">
+                  <a:extLst>
+                    <a:ext uri="{9D8B030D-6E8A-4147-A177-3AD203B41FA5}">
+                      <a16:colId xmlns:a16="http://schemas.microsoft.com/office/drawing/2014/main" val="20000"/>
+                    </a:ext>
+                  </a:extLst>
+                </a:gridCol>
+                <a:gridCol w="1393825">
+                  <a:extLst>
+                    <a:ext uri="{9D8B030D-6E8A-4147-A177-3AD203B41FA5}">
+                      <a16:colId xmlns:a16="http://schemas.microsoft.com/office/drawing/2014/main" val="20001"/>
+                    </a:ext>
+                  </a:extLst>
+                </a:gridCol>
               </a:tblGrid>
               <a:tr h="247650">
                 <a:tc>
@@ -25109,7 +25747,7 @@
                     <a:p>
                       <a:pPr algn="ctr" fontAlgn="ctr"/>
                       <a:r>
-                        <a:rPr lang="en-US" sz="1100" b="0" i="0" u="none" strike="noStrike" dirty="0" smtClean="0">
+                        <a:rPr lang="en-US" sz="1000" b="0" i="0" u="none" strike="noStrike" dirty="0">
                           <a:solidFill>
                             <a:srgbClr val="000000"/>
                           </a:solidFill>
@@ -25118,13 +25756,6 @@
                         </a:rPr>
                         <a:t>F-TB-TE</a:t>
                       </a:r>
-                      <a:endParaRPr lang="en-US" sz="1100" b="0" i="0" u="none" strike="noStrike" dirty="0">
-                        <a:solidFill>
-                          <a:srgbClr val="000000"/>
-                        </a:solidFill>
-                        <a:effectLst/>
-                        <a:latin typeface="맑은 고딕"/>
-                      </a:endParaRPr>
                     </a:p>
                   </a:txBody>
                   <a:tcPr marL="9525" marR="9525" marT="9525" marB="0" anchor="ctr">
@@ -25177,6 +25808,11 @@
                     </a:solidFill>
                   </a:tcPr>
                 </a:tc>
+                <a:extLst>
+                  <a:ext uri="{0D108BD9-81ED-4DB2-BD59-A6C34878D82A}">
+                    <a16:rowId xmlns:a16="http://schemas.microsoft.com/office/drawing/2014/main" val="10000"/>
+                  </a:ext>
+                </a:extLst>
               </a:tr>
               <a:tr h="247650">
                 <a:tc>
@@ -25288,7 +25924,7 @@
                         <a:buNone/>
                       </a:pPr>
                       <a:r>
-                        <a:rPr lang="ko-KR" altLang="en-US" sz="1000" b="0" i="0" kern="1200" dirty="0" smtClean="0">
+                        <a:rPr lang="ko-KR" altLang="en-US" sz="1000" b="0" i="0" kern="1200" dirty="0">
                           <a:solidFill>
                             <a:schemeClr val="tx1"/>
                           </a:solidFill>
@@ -25297,13 +25933,6 @@
                         </a:rPr>
                         <a:t>정답해설</a:t>
                       </a:r>
-                      <a:endParaRPr lang="ko-KR" altLang="en-US" sz="1000" b="0" i="0" kern="1200" dirty="0">
-                        <a:solidFill>
-                          <a:schemeClr val="tx1"/>
-                        </a:solidFill>
-                        <a:latin typeface="맑은 고딕" charset="0"/>
-                        <a:ea typeface="맑은 고딕" charset="0"/>
-                      </a:endParaRPr>
                     </a:p>
                   </a:txBody>
                   <a:tcPr marL="90170" marR="90170" marT="46990" marB="46990">
@@ -25354,6 +25983,11 @@
                     </a:solidFill>
                   </a:tcPr>
                 </a:tc>
+                <a:extLst>
+                  <a:ext uri="{0D108BD9-81ED-4DB2-BD59-A6C34878D82A}">
+                    <a16:rowId xmlns:a16="http://schemas.microsoft.com/office/drawing/2014/main" val="10001"/>
+                  </a:ext>
+                </a:extLst>
               </a:tr>
             </a:tbl>
           </a:graphicData>
@@ -25456,9 +26090,27 @@
                 <a:tableStyleId>{5C22544A-7EE6-4342-B048-85BDC9FD1C3A}</a:tableStyleId>
               </a:tblPr>
               <a:tblGrid>
-                <a:gridCol w="400050"/>
-                <a:gridCol w="452755"/>
-                <a:gridCol w="2047875"/>
+                <a:gridCol w="400050">
+                  <a:extLst>
+                    <a:ext uri="{9D8B030D-6E8A-4147-A177-3AD203B41FA5}">
+                      <a16:colId xmlns:a16="http://schemas.microsoft.com/office/drawing/2014/main" val="20000"/>
+                    </a:ext>
+                  </a:extLst>
+                </a:gridCol>
+                <a:gridCol w="452755">
+                  <a:extLst>
+                    <a:ext uri="{9D8B030D-6E8A-4147-A177-3AD203B41FA5}">
+                      <a16:colId xmlns:a16="http://schemas.microsoft.com/office/drawing/2014/main" val="20001"/>
+                    </a:ext>
+                  </a:extLst>
+                </a:gridCol>
+                <a:gridCol w="2047875">
+                  <a:extLst>
+                    <a:ext uri="{9D8B030D-6E8A-4147-A177-3AD203B41FA5}">
+                      <a16:colId xmlns:a16="http://schemas.microsoft.com/office/drawing/2014/main" val="20002"/>
+                    </a:ext>
+                  </a:extLst>
+                </a:gridCol>
               </a:tblGrid>
               <a:tr h="247650">
                 <a:tc>
@@ -25727,6 +26379,11 @@
                     </a:solidFill>
                   </a:tcPr>
                 </a:tc>
+                <a:extLst>
+                  <a:ext uri="{0D108BD9-81ED-4DB2-BD59-A6C34878D82A}">
+                    <a16:rowId xmlns:a16="http://schemas.microsoft.com/office/drawing/2014/main" val="10000"/>
+                  </a:ext>
+                </a:extLst>
               </a:tr>
               <a:tr h="526415">
                 <a:tc>
@@ -25748,7 +26405,7 @@
                         <a:buNone/>
                       </a:pPr>
                       <a:r>
-                        <a:rPr lang="en-US" altLang="ko-KR" sz="1000" b="0" i="0" kern="1200" dirty="0" smtClean="0">
+                        <a:rPr lang="en-US" altLang="ko-KR" sz="1000" b="0" i="0" kern="1200" dirty="0">
                           <a:solidFill>
                             <a:schemeClr val="tx1"/>
                           </a:solidFill>
@@ -25969,6 +26626,11 @@
                     </a:solidFill>
                   </a:tcPr>
                 </a:tc>
+                <a:extLst>
+                  <a:ext uri="{0D108BD9-81ED-4DB2-BD59-A6C34878D82A}">
+                    <a16:rowId xmlns:a16="http://schemas.microsoft.com/office/drawing/2014/main" val="10001"/>
+                  </a:ext>
+                </a:extLst>
               </a:tr>
               <a:tr h="526415">
                 <a:tc>
@@ -25990,7 +26652,7 @@
                         <a:buNone/>
                       </a:pPr>
                       <a:r>
-                        <a:rPr lang="en-US" altLang="ko-KR" sz="1000" b="0" i="0" kern="1200" dirty="0" smtClean="0">
+                        <a:rPr lang="en-US" altLang="ko-KR" sz="1000" b="0" i="0" kern="1200" dirty="0">
                           <a:solidFill>
                             <a:schemeClr val="tx1"/>
                           </a:solidFill>
@@ -26191,6 +26853,11 @@
                     </a:solidFill>
                   </a:tcPr>
                 </a:tc>
+                <a:extLst>
+                  <a:ext uri="{0D108BD9-81ED-4DB2-BD59-A6C34878D82A}">
+                    <a16:rowId xmlns:a16="http://schemas.microsoft.com/office/drawing/2014/main" val="10002"/>
+                  </a:ext>
+                </a:extLst>
               </a:tr>
               <a:tr h="526415">
                 <a:tc>
@@ -26212,7 +26879,7 @@
                         <a:buNone/>
                       </a:pPr>
                       <a:r>
-                        <a:rPr lang="en-US" altLang="ko-KR" sz="1000" b="0" i="0" kern="1200" dirty="0" smtClean="0">
+                        <a:rPr lang="en-US" altLang="ko-KR" sz="1000" b="0" i="0" kern="1200" dirty="0">
                           <a:solidFill>
                             <a:schemeClr val="tx1"/>
                           </a:solidFill>
@@ -26413,6 +27080,11 @@
                     </a:solidFill>
                   </a:tcPr>
                 </a:tc>
+                <a:extLst>
+                  <a:ext uri="{0D108BD9-81ED-4DB2-BD59-A6C34878D82A}">
+                    <a16:rowId xmlns:a16="http://schemas.microsoft.com/office/drawing/2014/main" val="10003"/>
+                  </a:ext>
+                </a:extLst>
               </a:tr>
               <a:tr h="526415">
                 <a:tc>
@@ -26434,7 +27106,7 @@
                         <a:buNone/>
                       </a:pPr>
                       <a:r>
-                        <a:rPr lang="en-US" altLang="ko-KR" sz="1000" b="0" i="0" kern="1200" dirty="0" smtClean="0">
+                        <a:rPr lang="en-US" altLang="ko-KR" sz="1000" b="0" i="0" kern="1200" dirty="0">
                           <a:solidFill>
                             <a:schemeClr val="tx1"/>
                           </a:solidFill>
@@ -26635,6 +27307,11 @@
                     </a:solidFill>
                   </a:tcPr>
                 </a:tc>
+                <a:extLst>
+                  <a:ext uri="{0D108BD9-81ED-4DB2-BD59-A6C34878D82A}">
+                    <a16:rowId xmlns:a16="http://schemas.microsoft.com/office/drawing/2014/main" val="10004"/>
+                  </a:ext>
+                </a:extLst>
               </a:tr>
               <a:tr h="526415">
                 <a:tc>
@@ -26656,7 +27333,7 @@
                         <a:buNone/>
                       </a:pPr>
                       <a:r>
-                        <a:rPr lang="en-US" altLang="ko-KR" sz="1000" b="0" i="0" kern="1200" dirty="0" smtClean="0">
+                        <a:rPr lang="en-US" altLang="ko-KR" sz="1000" b="0" i="0" kern="1200" dirty="0">
                           <a:solidFill>
                             <a:schemeClr val="tx1"/>
                           </a:solidFill>
@@ -26877,6 +27554,11 @@
                     </a:solidFill>
                   </a:tcPr>
                 </a:tc>
+                <a:extLst>
+                  <a:ext uri="{0D108BD9-81ED-4DB2-BD59-A6C34878D82A}">
+                    <a16:rowId xmlns:a16="http://schemas.microsoft.com/office/drawing/2014/main" val="10005"/>
+                  </a:ext>
+                </a:extLst>
               </a:tr>
             </a:tbl>
           </a:graphicData>
@@ -26901,8 +27583,20 @@
                 <a:tableStyleId>{5C22544A-7EE6-4342-B048-85BDC9FD1C3A}</a:tableStyleId>
               </a:tblPr>
               <a:tblGrid>
-                <a:gridCol w="735330"/>
-                <a:gridCol w="1257935"/>
+                <a:gridCol w="735330">
+                  <a:extLst>
+                    <a:ext uri="{9D8B030D-6E8A-4147-A177-3AD203B41FA5}">
+                      <a16:colId xmlns:a16="http://schemas.microsoft.com/office/drawing/2014/main" val="20000"/>
+                    </a:ext>
+                  </a:extLst>
+                </a:gridCol>
+                <a:gridCol w="1257935">
+                  <a:extLst>
+                    <a:ext uri="{9D8B030D-6E8A-4147-A177-3AD203B41FA5}">
+                      <a16:colId xmlns:a16="http://schemas.microsoft.com/office/drawing/2014/main" val="20001"/>
+                    </a:ext>
+                  </a:extLst>
+                </a:gridCol>
               </a:tblGrid>
               <a:tr h="247650">
                 <a:tc>
@@ -27072,6 +27766,11 @@
                     </a:solidFill>
                   </a:tcPr>
                 </a:tc>
+                <a:extLst>
+                  <a:ext uri="{0D108BD9-81ED-4DB2-BD59-A6C34878D82A}">
+                    <a16:rowId xmlns:a16="http://schemas.microsoft.com/office/drawing/2014/main" val="10000"/>
+                  </a:ext>
+                </a:extLst>
               </a:tr>
             </a:tbl>
           </a:graphicData>
@@ -27160,8 +27859,20 @@
                 <a:tableStyleId>{5C22544A-7EE6-4342-B048-85BDC9FD1C3A}</a:tableStyleId>
               </a:tblPr>
               <a:tblGrid>
-                <a:gridCol w="698500"/>
-                <a:gridCol w="1294765"/>
+                <a:gridCol w="698500">
+                  <a:extLst>
+                    <a:ext uri="{9D8B030D-6E8A-4147-A177-3AD203B41FA5}">
+                      <a16:colId xmlns:a16="http://schemas.microsoft.com/office/drawing/2014/main" val="20000"/>
+                    </a:ext>
+                  </a:extLst>
+                </a:gridCol>
+                <a:gridCol w="1294765">
+                  <a:extLst>
+                    <a:ext uri="{9D8B030D-6E8A-4147-A177-3AD203B41FA5}">
+                      <a16:colId xmlns:a16="http://schemas.microsoft.com/office/drawing/2014/main" val="20001"/>
+                    </a:ext>
+                  </a:extLst>
+                </a:gridCol>
               </a:tblGrid>
               <a:tr h="247650">
                 <a:tc>
@@ -27183,7 +27894,7 @@
                         <a:buNone/>
                       </a:pPr>
                       <a:r>
-                        <a:rPr lang="en-US" altLang="ko-KR" sz="1000" kern="1200" i="0" b="0">
+                        <a:rPr lang="en-US" altLang="ko-KR" sz="1000" b="0" i="0" kern="1200">
                           <a:solidFill>
                             <a:schemeClr val="tx1"/>
                           </a:solidFill>
@@ -27192,7 +27903,7 @@
                         </a:rPr>
                         <a:t>작성자</a:t>
                       </a:r>
-                      <a:endParaRPr lang="ko-KR" altLang="en-US" sz="1000" kern="1200" i="0" b="0">
+                      <a:endParaRPr lang="ko-KR" altLang="en-US" sz="1000" b="0" i="0" kern="1200">
                         <a:solidFill>
                           <a:schemeClr val="tx1"/>
                         </a:solidFill>
@@ -27201,7 +27912,7 @@
                       </a:endParaRPr>
                     </a:p>
                   </a:txBody>
-                  <a:tcPr marL="90170" marR="90170" marT="46990" marB="46990" anchor="t">
+                  <a:tcPr marL="90170" marR="90170" marT="46990" marB="46990">
                     <a:lnL w="12700" cap="flat" cmpd="sng" algn="ctr">
                       <a:solidFill>
                         <a:srgbClr val="000000">
@@ -27273,7 +27984,7 @@
                         <a:buNone/>
                       </a:pPr>
                       <a:r>
-                        <a:rPr lang="ko-KR" altLang="en-US" sz="1000" kern="1200" i="0" b="1">
+                        <a:rPr lang="ko-KR" altLang="en-US" sz="1000" b="1" i="0" kern="1200">
                           <a:solidFill>
                             <a:schemeClr val="tx1"/>
                           </a:solidFill>
@@ -27282,16 +27993,9 @@
                         </a:rPr>
                         <a:t>안영우</a:t>
                       </a:r>
-                      <a:endParaRPr lang="ko-KR" altLang="en-US" sz="1000" kern="1200" i="0" b="1">
-                        <a:solidFill>
-                          <a:schemeClr val="tx1"/>
-                        </a:solidFill>
-                        <a:latin typeface="맑은 고딕" charset="0"/>
-                        <a:ea typeface="맑은 고딕" charset="0"/>
-                      </a:endParaRPr>
                     </a:p>
                   </a:txBody>
-                  <a:tcPr marL="90170" marR="90170" marT="46990" marB="46990" anchor="t">
+                  <a:tcPr marL="90170" marR="90170" marT="46990" marB="46990">
                     <a:lnL w="12700" cap="flat" cmpd="sng" algn="ctr">
                       <a:solidFill>
                         <a:srgbClr val="000000">
@@ -27341,6 +28045,11 @@
                     </a:solidFill>
                   </a:tcPr>
                 </a:tc>
+                <a:extLst>
+                  <a:ext uri="{0D108BD9-81ED-4DB2-BD59-A6C34878D82A}">
+                    <a16:rowId xmlns:a16="http://schemas.microsoft.com/office/drawing/2014/main" val="10000"/>
+                  </a:ext>
+                </a:extLst>
               </a:tr>
             </a:tbl>
           </a:graphicData>
@@ -27356,21 +28065,6 @@
   <p:clrMapOvr>
     <a:masterClrMapping/>
   </p:clrMapOvr>
-  <mc:AlternateContent xmlns:mc="http://schemas.openxmlformats.org/markup-compatibility/2006">
-    <mc:Choice xmlns:p14="http://schemas.microsoft.com/office/powerpoint/2010/main" Requires="p14">
-      <p:transition spd="slow" p14:dur="2000"/>
-    </mc:Choice>
-    <mc:Fallback>
-      <p:transition spd="slow"/>
-    </mc:Fallback>
-  </mc:AlternateContent>
-  <p:timing>
-    <p:tnLst>
-      <p:par>
-        <p:cTn id="1" dur="indefinite" restart="never" nodeType="tmRoot"/>
-      </p:par>
-    </p:tnLst>
-  </p:timing>
 </p:sld>
 </file>
 
@@ -27397,7 +28091,13 @@
           <p:cNvGraphicFramePr>
             <a:graphicFrameLocks noGrp="1"/>
           </p:cNvGraphicFramePr>
-          <p:nvPr/>
+          <p:nvPr>
+            <p:extLst>
+              <p:ext uri="{D42A27DB-BD31-4B8C-83A1-F6EECF244321}">
+                <p14:modId xmlns:p14="http://schemas.microsoft.com/office/powerpoint/2010/main" val="3744184127"/>
+              </p:ext>
+            </p:extLst>
+          </p:nvPr>
         </p:nvGraphicFramePr>
         <p:xfrm>
           <a:off x="147320" y="152400"/>
@@ -27410,8 +28110,20 @@
                 <a:tableStyleId>{5C22544A-7EE6-4342-B048-85BDC9FD1C3A}</a:tableStyleId>
               </a:tblPr>
               <a:tblGrid>
-                <a:gridCol w="814070"/>
-                <a:gridCol w="1393825"/>
+                <a:gridCol w="814070">
+                  <a:extLst>
+                    <a:ext uri="{9D8B030D-6E8A-4147-A177-3AD203B41FA5}">
+                      <a16:colId xmlns:a16="http://schemas.microsoft.com/office/drawing/2014/main" val="20000"/>
+                    </a:ext>
+                  </a:extLst>
+                </a:gridCol>
+                <a:gridCol w="1393825">
+                  <a:extLst>
+                    <a:ext uri="{9D8B030D-6E8A-4147-A177-3AD203B41FA5}">
+                      <a16:colId xmlns:a16="http://schemas.microsoft.com/office/drawing/2014/main" val="20001"/>
+                    </a:ext>
+                  </a:extLst>
+                </a:gridCol>
               </a:tblGrid>
               <a:tr h="247650">
                 <a:tc>
@@ -27433,7 +28145,7 @@
                         <a:buNone/>
                       </a:pPr>
                       <a:r>
-                        <a:rPr lang="en-US" altLang="ko-KR" sz="1000" kern="1200" i="0" b="0">
+                        <a:rPr lang="en-US" altLang="ko-KR" sz="1000" b="0" i="0" kern="1200">
                           <a:solidFill>
                             <a:schemeClr val="tx1"/>
                           </a:solidFill>
@@ -27442,7 +28154,7 @@
                         </a:rPr>
                         <a:t>화면 코드</a:t>
                       </a:r>
-                      <a:endParaRPr lang="ko-KR" altLang="en-US" sz="1000" kern="1200" i="0" b="0">
+                      <a:endParaRPr lang="ko-KR" altLang="en-US" sz="1000" b="0" i="0" kern="1200">
                         <a:solidFill>
                           <a:schemeClr val="tx1"/>
                         </a:solidFill>
@@ -27451,7 +28163,7 @@
                       </a:endParaRPr>
                     </a:p>
                   </a:txBody>
-                  <a:tcPr marL="90170" marR="90170" marT="46990" marB="46990" anchor="t">
+                  <a:tcPr marL="90170" marR="90170" marT="46990" marB="46990">
                     <a:lnL w="12700" cap="flat" cmpd="sng" algn="ctr">
                       <a:solidFill>
                         <a:srgbClr val="000000">
@@ -27509,7 +28221,7 @@
                     <a:bodyPr/>
                     <a:lstStyle/>
                     <a:p>
-                      <a:pPr marL="0" indent="0" algn="ctr" fontAlgn="ctr" defTabSz="914400" eaLnBrk="1" latinLnBrk="1" hangingPunct="1">
+                      <a:pPr marL="0" indent="0" algn="ctr" defTabSz="914400" eaLnBrk="1" fontAlgn="ctr" latinLnBrk="1" hangingPunct="1">
                         <a:lnSpc>
                           <a:spcPct val="100000"/>
                         </a:lnSpc>
@@ -27523,26 +28235,16 @@
                         <a:buNone/>
                       </a:pPr>
                       <a:r>
-                        <a:rPr lang="en-US" sz="1100" kern="1200" i="0" b="0" strike="noStrike">
+                        <a:rPr lang="en-US" sz="1000" b="0" i="0" strike="noStrike" kern="1200" dirty="0">
                           <a:solidFill>
                             <a:srgbClr val="000000"/>
                           </a:solidFill>
                           <a:latin typeface="맑은 고딕" charset="0"/>
                           <a:ea typeface="맑은 고딕" charset="0"/>
                         </a:rPr>
-                        <a:t>F-BC-P</a:t>
-                      </a:r>
-                      <a:r>
-                        <a:rPr lang="en-US" sz="1100" kern="1200" i="0" b="0" strike="noStrike">
-                          <a:solidFill>
-                            <a:srgbClr val="000000"/>
-                          </a:solidFill>
-                          <a:latin typeface="맑은 고딕" charset="0"/>
-                          <a:ea typeface="맑은 고딕" charset="0"/>
-                        </a:rPr>
-                        <a:t>R</a:t>
-                      </a:r>
-                      <a:endParaRPr lang="ko-KR" altLang="en-US" sz="1100" kern="1200" i="0" b="0" strike="noStrike">
+                        <a:t>F-BC-PR</a:t>
+                      </a:r>
+                      <a:endParaRPr lang="ko-KR" altLang="en-US" sz="1000" b="0" i="0" strike="noStrike" kern="1200" dirty="0">
                         <a:solidFill>
                           <a:srgbClr val="000000"/>
                         </a:solidFill>
@@ -27601,6 +28303,11 @@
                     </a:solidFill>
                   </a:tcPr>
                 </a:tc>
+                <a:extLst>
+                  <a:ext uri="{0D108BD9-81ED-4DB2-BD59-A6C34878D82A}">
+                    <a16:rowId xmlns:a16="http://schemas.microsoft.com/office/drawing/2014/main" val="10000"/>
+                  </a:ext>
+                </a:extLst>
               </a:tr>
               <a:tr h="247650">
                 <a:tc>
@@ -27622,7 +28329,7 @@
                         <a:buNone/>
                       </a:pPr>
                       <a:r>
-                        <a:rPr lang="en-US" altLang="ko-KR" sz="1000" kern="1200" i="0" b="0">
+                        <a:rPr lang="en-US" altLang="ko-KR" sz="1000" b="0" i="0" kern="1200">
                           <a:solidFill>
                             <a:schemeClr val="tx1"/>
                           </a:solidFill>
@@ -27631,7 +28338,7 @@
                         </a:rPr>
                         <a:t>화면명</a:t>
                       </a:r>
-                      <a:endParaRPr lang="ko-KR" altLang="en-US" sz="1000" kern="1200" i="0" b="0">
+                      <a:endParaRPr lang="ko-KR" altLang="en-US" sz="1000" b="0" i="0" kern="1200">
                         <a:solidFill>
                           <a:schemeClr val="tx1"/>
                         </a:solidFill>
@@ -27640,7 +28347,7 @@
                       </a:endParaRPr>
                     </a:p>
                   </a:txBody>
-                  <a:tcPr marL="90170" marR="90170" marT="46990" marB="46990" anchor="t">
+                  <a:tcPr marL="90170" marR="90170" marT="46990" marB="46990">
                     <a:lnL w="12700" cap="flat" cmpd="sng" algn="ctr">
                       <a:solidFill>
                         <a:srgbClr val="000000">
@@ -27712,26 +28419,16 @@
                         <a:buNone/>
                       </a:pPr>
                       <a:r>
-                        <a:rPr lang="ko-KR" altLang="en-US" sz="1000" kern="1200" i="0" b="0">
+                        <a:rPr lang="ko-KR" altLang="en-US" sz="1000" b="0" i="0" kern="1200" dirty="0" err="1">
                           <a:solidFill>
                             <a:schemeClr val="tx1"/>
                           </a:solidFill>
                           <a:latin typeface="맑은 고딕" charset="0"/>
                           <a:ea typeface="맑은 고딕" charset="0"/>
                         </a:rPr>
-                        <a:t>게시글</a:t>
-                      </a:r>
-                      <a:r>
-                        <a:rPr lang="ko-KR" altLang="en-US" sz="1000" kern="1200" i="0" b="0">
-                          <a:solidFill>
-                            <a:schemeClr val="tx1"/>
-                          </a:solidFill>
-                          <a:latin typeface="맑은 고딕" charset="0"/>
-                          <a:ea typeface="맑은 고딕" charset="0"/>
-                        </a:rPr>
-                        <a:t>읽기</a:t>
-                      </a:r>
-                      <a:endParaRPr lang="ko-KR" altLang="en-US" sz="1000" kern="1200" i="0" b="0">
+                        <a:t>게시글읽기</a:t>
+                      </a:r>
+                      <a:endParaRPr lang="ko-KR" altLang="en-US" sz="1000" b="0" i="0" kern="1200" dirty="0">
                         <a:solidFill>
                           <a:schemeClr val="tx1"/>
                         </a:solidFill>
@@ -27740,7 +28437,7 @@
                       </a:endParaRPr>
                     </a:p>
                   </a:txBody>
-                  <a:tcPr marL="90170" marR="90170" marT="46990" marB="46990" anchor="t">
+                  <a:tcPr marL="90170" marR="90170" marT="46990" marB="46990">
                     <a:lnL w="12700" cap="flat" cmpd="sng" algn="ctr">
                       <a:solidFill>
                         <a:srgbClr val="000000">
@@ -27790,6 +28487,11 @@
                     </a:solidFill>
                   </a:tcPr>
                 </a:tc>
+                <a:extLst>
+                  <a:ext uri="{0D108BD9-81ED-4DB2-BD59-A6C34878D82A}">
+                    <a16:rowId xmlns:a16="http://schemas.microsoft.com/office/drawing/2014/main" val="10001"/>
+                  </a:ext>
+                </a:extLst>
               </a:tr>
             </a:tbl>
           </a:graphicData>
@@ -27804,11 +28506,13 @@
           <p:nvPr/>
         </p:nvSpPr>
         <p:spPr>
-          <a:xfrm rot="0">
+          <a:xfrm>
             <a:off x="142875" y="714375"/>
             <a:ext cx="8993505" cy="5945505"/>
           </a:xfrm>
-          <a:prstGeom prst="rect"/>
+          <a:prstGeom prst="rect">
+            <a:avLst/>
+          </a:prstGeom>
           <a:noFill/>
           <a:ln w="12700" cap="flat" cmpd="sng">
             <a:solidFill>
@@ -27837,7 +28541,7 @@
           </a:fontRef>
         </p:style>
         <p:txBody>
-          <a:bodyPr wrap="square" lIns="91440" tIns="45720" rIns="91440" bIns="45720" numCol="1" vert="horz" anchor="ctr">
+          <a:bodyPr vert="horz" wrap="square" lIns="91440" tIns="45720" rIns="91440" bIns="45720" numCol="1" anchor="ctr">
             <a:noAutofit/>
           </a:bodyPr>
           <a:lstStyle/>
@@ -27884,9 +28588,27 @@
                 <a:tableStyleId>{5C22544A-7EE6-4342-B048-85BDC9FD1C3A}</a:tableStyleId>
               </a:tblPr>
               <a:tblGrid>
-                <a:gridCol w="400050"/>
-                <a:gridCol w="452755"/>
-                <a:gridCol w="2047875"/>
+                <a:gridCol w="400050">
+                  <a:extLst>
+                    <a:ext uri="{9D8B030D-6E8A-4147-A177-3AD203B41FA5}">
+                      <a16:colId xmlns:a16="http://schemas.microsoft.com/office/drawing/2014/main" val="20000"/>
+                    </a:ext>
+                  </a:extLst>
+                </a:gridCol>
+                <a:gridCol w="452755">
+                  <a:extLst>
+                    <a:ext uri="{9D8B030D-6E8A-4147-A177-3AD203B41FA5}">
+                      <a16:colId xmlns:a16="http://schemas.microsoft.com/office/drawing/2014/main" val="20001"/>
+                    </a:ext>
+                  </a:extLst>
+                </a:gridCol>
+                <a:gridCol w="2047875">
+                  <a:extLst>
+                    <a:ext uri="{9D8B030D-6E8A-4147-A177-3AD203B41FA5}">
+                      <a16:colId xmlns:a16="http://schemas.microsoft.com/office/drawing/2014/main" val="20002"/>
+                    </a:ext>
+                  </a:extLst>
+                </a:gridCol>
               </a:tblGrid>
               <a:tr h="247650">
                 <a:tc>
@@ -27908,7 +28630,7 @@
                         <a:buNone/>
                       </a:pPr>
                       <a:r>
-                        <a:rPr lang="en-US" altLang="ko-KR" sz="1000" kern="1200" i="0" b="1">
+                        <a:rPr lang="en-US" altLang="ko-KR" sz="1000" b="1" i="0" kern="1200">
                           <a:solidFill>
                             <a:schemeClr val="tx1"/>
                           </a:solidFill>
@@ -27917,7 +28639,7 @@
                         </a:rPr>
                         <a:t>No.</a:t>
                       </a:r>
-                      <a:endParaRPr lang="ko-KR" altLang="en-US" sz="1000" kern="1200" i="0" b="1">
+                      <a:endParaRPr lang="ko-KR" altLang="en-US" sz="1000" b="1" i="0" kern="1200">
                         <a:solidFill>
                           <a:schemeClr val="tx1"/>
                         </a:solidFill>
@@ -27998,7 +28720,7 @@
                         <a:buNone/>
                       </a:pPr>
                       <a:r>
-                        <a:rPr lang="en-US" altLang="ko-KR" sz="1000" kern="1200" i="0" b="1">
+                        <a:rPr lang="en-US" altLang="ko-KR" sz="1000" b="1" i="0" kern="1200">
                           <a:solidFill>
                             <a:schemeClr val="tx1"/>
                           </a:solidFill>
@@ -28007,7 +28729,7 @@
                         </a:rPr>
                         <a:t>CRUD</a:t>
                       </a:r>
-                      <a:endParaRPr lang="ko-KR" altLang="en-US" sz="1000" kern="1200" i="0" b="1">
+                      <a:endParaRPr lang="ko-KR" altLang="en-US" sz="1000" b="1" i="0" kern="1200">
                         <a:solidFill>
                           <a:schemeClr val="tx1"/>
                         </a:solidFill>
@@ -28088,7 +28810,7 @@
                         <a:buNone/>
                       </a:pPr>
                       <a:r>
-                        <a:rPr lang="en-US" altLang="ko-KR" sz="1000" kern="1200" i="0" b="1">
+                        <a:rPr lang="en-US" altLang="ko-KR" sz="1000" b="1" i="0" kern="1200">
                           <a:solidFill>
                             <a:schemeClr val="tx1"/>
                           </a:solidFill>
@@ -28097,7 +28819,7 @@
                         </a:rPr>
                         <a:t>기능</a:t>
                       </a:r>
-                      <a:endParaRPr lang="ko-KR" altLang="en-US" sz="1000" kern="1200" i="0" b="1">
+                      <a:endParaRPr lang="ko-KR" altLang="en-US" sz="1000" b="1" i="0" kern="1200">
                         <a:solidFill>
                           <a:schemeClr val="tx1"/>
                         </a:solidFill>
@@ -28159,6 +28881,11 @@
                     </a:solidFill>
                   </a:tcPr>
                 </a:tc>
+                <a:extLst>
+                  <a:ext uri="{0D108BD9-81ED-4DB2-BD59-A6C34878D82A}">
+                    <a16:rowId xmlns:a16="http://schemas.microsoft.com/office/drawing/2014/main" val="10000"/>
+                  </a:ext>
+                </a:extLst>
               </a:tr>
               <a:tr h="526415">
                 <a:tc>
@@ -28180,7 +28907,7 @@
                         <a:buNone/>
                       </a:pPr>
                       <a:r>
-                        <a:rPr lang="en-US" altLang="ko-KR" sz="1000" kern="1200" i="0" b="0">
+                        <a:rPr lang="en-US" altLang="ko-KR" sz="1000" b="0" i="0" kern="1200">
                           <a:solidFill>
                             <a:schemeClr val="tx1"/>
                           </a:solidFill>
@@ -28189,7 +28916,7 @@
                         </a:rPr>
                         <a:t>06</a:t>
                       </a:r>
-                      <a:endParaRPr lang="ko-KR" altLang="en-US" sz="1000" kern="1200" i="0" b="0">
+                      <a:endParaRPr lang="ko-KR" altLang="en-US" sz="1000" b="0" i="0" kern="1200">
                         <a:solidFill>
                           <a:schemeClr val="tx1"/>
                         </a:solidFill>
@@ -28251,7 +28978,7 @@
                     <a:bodyPr/>
                     <a:lstStyle/>
                     <a:p>
-                      <a:pPr marL="0" indent="0" algn="ctr" fontAlgn="ctr" defTabSz="914400" eaLnBrk="1" latinLnBrk="1" hangingPunct="1">
+                      <a:pPr marL="0" indent="0" algn="ctr" defTabSz="914400" eaLnBrk="1" fontAlgn="ctr" latinLnBrk="1" hangingPunct="1">
                         <a:lnSpc>
                           <a:spcPct val="100000"/>
                         </a:lnSpc>
@@ -28265,7 +28992,7 @@
                         <a:buNone/>
                       </a:pPr>
                       <a:r>
-                        <a:rPr lang="en-US" sz="1100" kern="1200" i="0" b="0" strike="noStrike">
+                        <a:rPr lang="en-US" sz="1100" b="0" i="0" strike="noStrike" kern="1200">
                           <a:solidFill>
                             <a:srgbClr val="000000"/>
                           </a:solidFill>
@@ -28274,7 +29001,7 @@
                         </a:rPr>
                         <a:t>R</a:t>
                       </a:r>
-                      <a:endParaRPr lang="ko-KR" altLang="en-US" sz="1100" kern="1200" i="0" b="0" strike="noStrike">
+                      <a:endParaRPr lang="ko-KR" altLang="en-US" sz="1100" b="0" i="0" strike="noStrike" kern="1200">
                         <a:solidFill>
                           <a:srgbClr val="000000"/>
                         </a:solidFill>
@@ -28350,7 +29077,7 @@
                         <a:buNone/>
                       </a:pPr>
                       <a:r>
-                        <a:rPr lang="ko-KR" altLang="en-US" sz="1100" kern="1200" i="0" b="0" strike="noStrike">
+                        <a:rPr lang="ko-KR" altLang="en-US" sz="1100" b="0" i="0" strike="noStrike" kern="1200">
                           <a:solidFill>
                             <a:srgbClr val="000000"/>
                           </a:solidFill>
@@ -28360,14 +29087,6 @@
                         </a:rPr>
                         <a:t>- 제목 READ 후 표시</a:t>
                       </a:r>
-                      <a:endParaRPr lang="ko-KR" altLang="en-US" sz="1100" kern="1200" i="0" b="0" strike="noStrike">
-                        <a:solidFill>
-                          <a:srgbClr val="000000"/>
-                        </a:solidFill>
-                        <a:latin typeface="맑은 고딕" charset="0"/>
-                        <a:ea typeface="맑은 고딕" charset="0"/>
-                        <a:cs typeface="+mn-cs"/>
-                      </a:endParaRPr>
                     </a:p>
                   </a:txBody>
                   <a:tcPr marL="9525" marR="9525" marT="9525" marB="0" anchor="ctr">
@@ -28420,6 +29139,11 @@
                     </a:solidFill>
                   </a:tcPr>
                 </a:tc>
+                <a:extLst>
+                  <a:ext uri="{0D108BD9-81ED-4DB2-BD59-A6C34878D82A}">
+                    <a16:rowId xmlns:a16="http://schemas.microsoft.com/office/drawing/2014/main" val="10001"/>
+                  </a:ext>
+                </a:extLst>
               </a:tr>
               <a:tr h="526415">
                 <a:tc>
@@ -28441,7 +29165,7 @@
                         <a:buNone/>
                       </a:pPr>
                       <a:r>
-                        <a:rPr lang="en-US" altLang="ko-KR" sz="1000" kern="1200" i="0" b="0">
+                        <a:rPr lang="en-US" altLang="ko-KR" sz="1000" b="0" i="0" kern="1200">
                           <a:solidFill>
                             <a:schemeClr val="tx1"/>
                           </a:solidFill>
@@ -28450,7 +29174,7 @@
                         </a:rPr>
                         <a:t>07</a:t>
                       </a:r>
-                      <a:endParaRPr lang="ko-KR" altLang="en-US" sz="1000" kern="1200" i="0" b="0">
+                      <a:endParaRPr lang="ko-KR" altLang="en-US" sz="1000" b="0" i="0" kern="1200">
                         <a:solidFill>
                           <a:schemeClr val="tx1"/>
                         </a:solidFill>
@@ -28512,7 +29236,7 @@
                     <a:bodyPr/>
                     <a:lstStyle/>
                     <a:p>
-                      <a:pPr marL="0" indent="0" algn="ctr" fontAlgn="ctr" defTabSz="914400" eaLnBrk="1" latinLnBrk="1" hangingPunct="1">
+                      <a:pPr marL="0" indent="0" algn="ctr" defTabSz="914400" eaLnBrk="1" fontAlgn="ctr" latinLnBrk="1" hangingPunct="1">
                         <a:lnSpc>
                           <a:spcPct val="100000"/>
                         </a:lnSpc>
@@ -28526,7 +29250,7 @@
                         <a:buNone/>
                       </a:pPr>
                       <a:r>
-                        <a:rPr lang="ko-KR" altLang="en-US" sz="1100" kern="1200" i="0" b="0" strike="noStrike">
+                        <a:rPr lang="ko-KR" altLang="en-US" sz="1100" b="0" i="0" strike="noStrike" kern="1200">
                           <a:solidFill>
                             <a:srgbClr val="000000"/>
                           </a:solidFill>
@@ -28536,14 +29260,6 @@
                         </a:rPr>
                         <a:t>R</a:t>
                       </a:r>
-                      <a:endParaRPr lang="ko-KR" altLang="en-US" sz="1100" kern="1200" i="0" b="0" strike="noStrike">
-                        <a:solidFill>
-                          <a:srgbClr val="000000"/>
-                        </a:solidFill>
-                        <a:latin typeface="맑은 고딕" charset="0"/>
-                        <a:ea typeface="맑은 고딕" charset="0"/>
-                        <a:cs typeface="+mn-cs"/>
-                      </a:endParaRPr>
                     </a:p>
                   </a:txBody>
                   <a:tcPr marL="9525" marR="9525" marT="9525" marB="0" anchor="ctr">
@@ -28613,7 +29329,7 @@
                         <a:buNone/>
                       </a:pPr>
                       <a:r>
-                        <a:rPr lang="ko-KR" altLang="en-US" sz="1100" kern="1200" i="0" b="0" strike="noStrike">
+                        <a:rPr lang="ko-KR" altLang="en-US" sz="1100" b="0" i="0" strike="noStrike" kern="1200">
                           <a:solidFill>
                             <a:srgbClr val="000000"/>
                           </a:solidFill>
@@ -28623,14 +29339,6 @@
                         </a:rPr>
                         <a:t>- 작성자 READ 후 표시</a:t>
                       </a:r>
-                      <a:endParaRPr lang="ko-KR" altLang="en-US" sz="1100" kern="1200" i="0" b="0" strike="noStrike">
-                        <a:solidFill>
-                          <a:srgbClr val="000000"/>
-                        </a:solidFill>
-                        <a:latin typeface="맑은 고딕" charset="0"/>
-                        <a:ea typeface="맑은 고딕" charset="0"/>
-                        <a:cs typeface="+mn-cs"/>
-                      </a:endParaRPr>
                     </a:p>
                   </a:txBody>
                   <a:tcPr marL="9525" marR="9525" marT="9525" marB="0" anchor="ctr">
@@ -28683,6 +29391,11 @@
                     </a:solidFill>
                   </a:tcPr>
                 </a:tc>
+                <a:extLst>
+                  <a:ext uri="{0D108BD9-81ED-4DB2-BD59-A6C34878D82A}">
+                    <a16:rowId xmlns:a16="http://schemas.microsoft.com/office/drawing/2014/main" val="10002"/>
+                  </a:ext>
+                </a:extLst>
               </a:tr>
               <a:tr h="526415">
                 <a:tc>
@@ -28704,7 +29417,7 @@
                         <a:buNone/>
                       </a:pPr>
                       <a:r>
-                        <a:rPr lang="ko-KR" altLang="en-US" sz="1000" kern="1200" i="0" b="0">
+                        <a:rPr lang="ko-KR" altLang="en-US" sz="1000" b="0" i="0" kern="1200">
                           <a:solidFill>
                             <a:schemeClr val="tx1"/>
                           </a:solidFill>
@@ -28713,13 +29426,6 @@
                         </a:rPr>
                         <a:t>08</a:t>
                       </a:r>
-                      <a:endParaRPr lang="ko-KR" altLang="en-US" sz="1000" kern="1200" i="0" b="0">
-                        <a:solidFill>
-                          <a:schemeClr val="tx1"/>
-                        </a:solidFill>
-                        <a:latin typeface="맑은 고딕" charset="0"/>
-                        <a:ea typeface="맑은 고딕" charset="0"/>
-                      </a:endParaRPr>
                     </a:p>
                   </a:txBody>
                   <a:tcPr marL="0" marR="0" marT="0" marB="0" anchor="ctr">
@@ -28789,7 +29495,7 @@
                         <a:buNone/>
                       </a:pPr>
                       <a:r>
-                        <a:rPr lang="ko-KR" altLang="en-US" sz="1000" kern="1200" i="0" b="0">
+                        <a:rPr lang="ko-KR" altLang="en-US" sz="1000" b="0" i="0" kern="1200">
                           <a:solidFill>
                             <a:schemeClr val="tx1"/>
                           </a:solidFill>
@@ -28798,13 +29504,6 @@
                         </a:rPr>
                         <a:t>R</a:t>
                       </a:r>
-                      <a:endParaRPr lang="ko-KR" altLang="en-US" sz="1000" kern="1200" i="0" b="0">
-                        <a:solidFill>
-                          <a:schemeClr val="tx1"/>
-                        </a:solidFill>
-                        <a:latin typeface="맑은 고딕" charset="0"/>
-                        <a:ea typeface="맑은 고딕" charset="0"/>
-                      </a:endParaRPr>
                     </a:p>
                   </a:txBody>
                   <a:tcPr marL="0" marR="0" marT="0" marB="0" anchor="ctr">
@@ -28874,7 +29573,7 @@
                         <a:buNone/>
                       </a:pPr>
                       <a:r>
-                        <a:rPr lang="ko-KR" altLang="en-US" sz="1100" kern="1200" i="0" b="0" strike="noStrike">
+                        <a:rPr lang="ko-KR" altLang="en-US" sz="1100" b="0" i="0" strike="noStrike" kern="1200">
                           <a:solidFill>
                             <a:srgbClr val="000000"/>
                           </a:solidFill>
@@ -28884,14 +29583,6 @@
                         </a:rPr>
                         <a:t>- 작성일 READ 후 표시</a:t>
                       </a:r>
-                      <a:endParaRPr lang="ko-KR" altLang="en-US" sz="1100" kern="1200" i="0" b="0" strike="noStrike">
-                        <a:solidFill>
-                          <a:srgbClr val="000000"/>
-                        </a:solidFill>
-                        <a:latin typeface="맑은 고딕" charset="0"/>
-                        <a:ea typeface="맑은 고딕" charset="0"/>
-                        <a:cs typeface="+mn-cs"/>
-                      </a:endParaRPr>
                     </a:p>
                   </a:txBody>
                   <a:tcPr marL="0" marR="0" marT="0" marB="0" anchor="ctr">
@@ -28944,6 +29635,11 @@
                     </a:solidFill>
                   </a:tcPr>
                 </a:tc>
+                <a:extLst>
+                  <a:ext uri="{0D108BD9-81ED-4DB2-BD59-A6C34878D82A}">
+                    <a16:rowId xmlns:a16="http://schemas.microsoft.com/office/drawing/2014/main" val="10003"/>
+                  </a:ext>
+                </a:extLst>
               </a:tr>
               <a:tr h="526415">
                 <a:tc>
@@ -28965,7 +29661,7 @@
                         <a:buNone/>
                       </a:pPr>
                       <a:r>
-                        <a:rPr lang="ko-KR" altLang="en-US" sz="1000" kern="1200" i="0" b="0">
+                        <a:rPr lang="ko-KR" altLang="en-US" sz="1000" b="0" i="0" kern="1200">
                           <a:solidFill>
                             <a:schemeClr val="tx1"/>
                           </a:solidFill>
@@ -28974,13 +29670,6 @@
                         </a:rPr>
                         <a:t>09</a:t>
                       </a:r>
-                      <a:endParaRPr lang="ko-KR" altLang="en-US" sz="1000" kern="1200" i="0" b="0">
-                        <a:solidFill>
-                          <a:schemeClr val="tx1"/>
-                        </a:solidFill>
-                        <a:latin typeface="맑은 고딕" charset="0"/>
-                        <a:ea typeface="맑은 고딕" charset="0"/>
-                      </a:endParaRPr>
                     </a:p>
                   </a:txBody>
                   <a:tcPr marL="0" marR="0" marT="0" marB="0" anchor="ctr">
@@ -29050,7 +29739,7 @@
                         <a:buNone/>
                       </a:pPr>
                       <a:r>
-                        <a:rPr lang="ko-KR" altLang="en-US" sz="1000" kern="1200" i="0" b="0">
+                        <a:rPr lang="ko-KR" altLang="en-US" sz="1000" b="0" i="0" kern="1200">
                           <a:solidFill>
                             <a:schemeClr val="tx1"/>
                           </a:solidFill>
@@ -29059,13 +29748,6 @@
                         </a:rPr>
                         <a:t>R</a:t>
                       </a:r>
-                      <a:endParaRPr lang="ko-KR" altLang="en-US" sz="1000" kern="1200" i="0" b="0">
-                        <a:solidFill>
-                          <a:schemeClr val="tx1"/>
-                        </a:solidFill>
-                        <a:latin typeface="맑은 고딕" charset="0"/>
-                        <a:ea typeface="맑은 고딕" charset="0"/>
-                      </a:endParaRPr>
                     </a:p>
                   </a:txBody>
                   <a:tcPr marL="0" marR="0" marT="0" marB="0" anchor="ctr">
@@ -29135,7 +29817,7 @@
                         <a:buNone/>
                       </a:pPr>
                       <a:r>
-                        <a:rPr lang="ko-KR" altLang="en-US" sz="1100" kern="1200" i="0" b="0" strike="noStrike">
+                        <a:rPr lang="ko-KR" altLang="en-US" sz="1100" b="0" i="0" strike="noStrike" kern="1200">
                           <a:solidFill>
                             <a:srgbClr val="000000"/>
                           </a:solidFill>
@@ -29145,14 +29827,6 @@
                         </a:rPr>
                         <a:t>- 내용 READ 후 표시</a:t>
                       </a:r>
-                      <a:endParaRPr lang="ko-KR" altLang="en-US" sz="1100" kern="1200" i="0" b="0" strike="noStrike">
-                        <a:solidFill>
-                          <a:srgbClr val="000000"/>
-                        </a:solidFill>
-                        <a:latin typeface="맑은 고딕" charset="0"/>
-                        <a:ea typeface="맑은 고딕" charset="0"/>
-                        <a:cs typeface="+mn-cs"/>
-                      </a:endParaRPr>
                     </a:p>
                   </a:txBody>
                   <a:tcPr marL="0" marR="0" marT="0" marB="0" anchor="ctr">
@@ -29205,6 +29879,11 @@
                     </a:solidFill>
                   </a:tcPr>
                 </a:tc>
+                <a:extLst>
+                  <a:ext uri="{0D108BD9-81ED-4DB2-BD59-A6C34878D82A}">
+                    <a16:rowId xmlns:a16="http://schemas.microsoft.com/office/drawing/2014/main" val="10004"/>
+                  </a:ext>
+                </a:extLst>
               </a:tr>
               <a:tr h="526415">
                 <a:tc>
@@ -29226,7 +29905,7 @@
                         <a:buNone/>
                       </a:pPr>
                       <a:r>
-                        <a:rPr lang="ko-KR" altLang="en-US" sz="1000" kern="1200" i="0" b="0">
+                        <a:rPr lang="ko-KR" altLang="en-US" sz="1000" b="0" i="0" kern="1200">
                           <a:solidFill>
                             <a:schemeClr val="tx1"/>
                           </a:solidFill>
@@ -29235,13 +29914,6 @@
                         </a:rPr>
                         <a:t>10</a:t>
                       </a:r>
-                      <a:endParaRPr lang="ko-KR" altLang="en-US" sz="1000" kern="1200" i="0" b="0">
-                        <a:solidFill>
-                          <a:schemeClr val="tx1"/>
-                        </a:solidFill>
-                        <a:latin typeface="맑은 고딕" charset="0"/>
-                        <a:ea typeface="맑은 고딕" charset="0"/>
-                      </a:endParaRPr>
                     </a:p>
                   </a:txBody>
                   <a:tcPr marL="0" marR="0" marT="0" marB="0" anchor="ctr">
@@ -29310,7 +29982,7 @@
                         <a:buFontTx/>
                         <a:buNone/>
                       </a:pPr>
-                      <a:endParaRPr lang="ko-KR" altLang="en-US" sz="1000" kern="1200" i="0" b="0">
+                      <a:endParaRPr lang="ko-KR" altLang="en-US" sz="1000" b="0" i="0" kern="1200">
                         <a:solidFill>
                           <a:schemeClr val="tx1"/>
                         </a:solidFill>
@@ -29386,7 +30058,7 @@
                         <a:buNone/>
                       </a:pPr>
                       <a:r>
-                        <a:rPr lang="ko-KR" altLang="en-US" sz="1000" kern="1200" i="0" b="0">
+                        <a:rPr lang="ko-KR" altLang="en-US" sz="1000" b="0" i="0" kern="1200">
                           <a:solidFill>
                             <a:schemeClr val="tx1"/>
                           </a:solidFill>
@@ -29395,13 +30067,6 @@
                         </a:rPr>
                         <a:t>- 답글 버튼 클릭시 게시글답글 페이지로 이동</a:t>
                       </a:r>
-                      <a:endParaRPr lang="ko-KR" altLang="en-US" sz="1000" kern="1200" i="0" b="0">
-                        <a:solidFill>
-                          <a:schemeClr val="tx1"/>
-                        </a:solidFill>
-                        <a:latin typeface="맑은 고딕" charset="0"/>
-                        <a:ea typeface="맑은 고딕" charset="0"/>
-                      </a:endParaRPr>
                     </a:p>
                   </a:txBody>
                   <a:tcPr marL="0" marR="0" marT="0" marB="0" anchor="ctr">
@@ -29454,6 +30119,11 @@
                     </a:solidFill>
                   </a:tcPr>
                 </a:tc>
+                <a:extLst>
+                  <a:ext uri="{0D108BD9-81ED-4DB2-BD59-A6C34878D82A}">
+                    <a16:rowId xmlns:a16="http://schemas.microsoft.com/office/drawing/2014/main" val="10005"/>
+                  </a:ext>
+                </a:extLst>
               </a:tr>
               <a:tr h="526415">
                 <a:tc>
@@ -29475,7 +30145,7 @@
                         <a:buNone/>
                       </a:pPr>
                       <a:r>
-                        <a:rPr lang="ko-KR" altLang="en-US" sz="1000" kern="1200" i="0" b="0">
+                        <a:rPr lang="ko-KR" altLang="en-US" sz="1000" b="0" i="0" kern="1200">
                           <a:solidFill>
                             <a:schemeClr val="tx1"/>
                           </a:solidFill>
@@ -29484,13 +30154,6 @@
                         </a:rPr>
                         <a:t>11</a:t>
                       </a:r>
-                      <a:endParaRPr lang="ko-KR" altLang="en-US" sz="1000" kern="1200" i="0" b="0">
-                        <a:solidFill>
-                          <a:schemeClr val="tx1"/>
-                        </a:solidFill>
-                        <a:latin typeface="맑은 고딕" charset="0"/>
-                        <a:ea typeface="맑은 고딕" charset="0"/>
-                      </a:endParaRPr>
                     </a:p>
                   </a:txBody>
                   <a:tcPr marL="0" marR="0" marT="0" marB="0" anchor="ctr">
@@ -29559,7 +30222,7 @@
                         <a:buFontTx/>
                         <a:buNone/>
                       </a:pPr>
-                      <a:endParaRPr lang="ko-KR" altLang="en-US" sz="1000" kern="1200" i="0" b="0">
+                      <a:endParaRPr lang="ko-KR" altLang="en-US" sz="1000" b="0" i="0" kern="1200">
                         <a:solidFill>
                           <a:schemeClr val="tx1"/>
                         </a:solidFill>
@@ -29635,7 +30298,7 @@
                         <a:buNone/>
                       </a:pPr>
                       <a:r>
-                        <a:rPr lang="ko-KR" altLang="en-US" sz="1000" kern="1200" i="0" b="0">
+                        <a:rPr lang="ko-KR" altLang="en-US" sz="1000" b="0" i="0" kern="1200">
                           <a:solidFill>
                             <a:schemeClr val="tx1"/>
                           </a:solidFill>
@@ -29644,13 +30307,6 @@
                         </a:rPr>
                         <a:t>- 작성자 본인일 경우에만 표시</a:t>
                       </a:r>
-                      <a:endParaRPr lang="ko-KR" altLang="en-US" sz="1000" kern="1200" i="0" b="0">
-                        <a:solidFill>
-                          <a:schemeClr val="tx1"/>
-                        </a:solidFill>
-                        <a:latin typeface="맑은 고딕" charset="0"/>
-                        <a:ea typeface="맑은 고딕" charset="0"/>
-                      </a:endParaRPr>
                     </a:p>
                     <a:p>
                       <a:pPr marL="0" indent="0" algn="l" defTabSz="914400" eaLnBrk="1" latinLnBrk="1" hangingPunct="1">
@@ -29667,7 +30323,7 @@
                         <a:buNone/>
                       </a:pPr>
                       <a:r>
-                        <a:rPr lang="ko-KR" altLang="en-US" sz="1000" kern="1200" i="0" b="0">
+                        <a:rPr lang="ko-KR" altLang="en-US" sz="1000" b="0" i="0" kern="1200">
                           <a:solidFill>
                             <a:schemeClr val="tx1"/>
                           </a:solidFill>
@@ -29676,13 +30332,6 @@
                         </a:rPr>
                         <a:t>- 수정 버튼 클릭시 게시글수정 페이지로 이동</a:t>
                       </a:r>
-                      <a:endParaRPr lang="ko-KR" altLang="en-US" sz="1000" kern="1200" i="0" b="0">
-                        <a:solidFill>
-                          <a:schemeClr val="tx1"/>
-                        </a:solidFill>
-                        <a:latin typeface="맑은 고딕" charset="0"/>
-                        <a:ea typeface="맑은 고딕" charset="0"/>
-                      </a:endParaRPr>
                     </a:p>
                   </a:txBody>
                   <a:tcPr marL="0" marR="0" marT="0" marB="0" anchor="ctr">
@@ -29735,6 +30384,11 @@
                     </a:solidFill>
                   </a:tcPr>
                 </a:tc>
+                <a:extLst>
+                  <a:ext uri="{0D108BD9-81ED-4DB2-BD59-A6C34878D82A}">
+                    <a16:rowId xmlns:a16="http://schemas.microsoft.com/office/drawing/2014/main" val="10006"/>
+                  </a:ext>
+                </a:extLst>
               </a:tr>
               <a:tr h="922020">
                 <a:tc>
@@ -29756,7 +30410,7 @@
                         <a:buNone/>
                       </a:pPr>
                       <a:r>
-                        <a:rPr lang="ko-KR" altLang="en-US" sz="1000" kern="1200" i="0" b="0">
+                        <a:rPr lang="ko-KR" altLang="en-US" sz="1000" b="0" i="0" kern="1200">
                           <a:solidFill>
                             <a:schemeClr val="tx1"/>
                           </a:solidFill>
@@ -29765,13 +30419,6 @@
                         </a:rPr>
                         <a:t>12</a:t>
                       </a:r>
-                      <a:endParaRPr lang="ko-KR" altLang="en-US" sz="1000" kern="1200" i="0" b="0">
-                        <a:solidFill>
-                          <a:schemeClr val="tx1"/>
-                        </a:solidFill>
-                        <a:latin typeface="맑은 고딕" charset="0"/>
-                        <a:ea typeface="맑은 고딕" charset="0"/>
-                      </a:endParaRPr>
                     </a:p>
                   </a:txBody>
                   <a:tcPr marL="0" marR="0" marT="0" marB="0" anchor="ctr">
@@ -29840,7 +30487,7 @@
                         <a:buFontTx/>
                         <a:buNone/>
                       </a:pPr>
-                      <a:endParaRPr lang="ko-KR" altLang="en-US" sz="1000" kern="1200" i="0" b="0">
+                      <a:endParaRPr lang="ko-KR" altLang="en-US" sz="1000" b="0" i="0" kern="1200">
                         <a:solidFill>
                           <a:schemeClr val="tx1"/>
                         </a:solidFill>
@@ -29916,7 +30563,7 @@
                         <a:buNone/>
                       </a:pPr>
                       <a:r>
-                        <a:rPr lang="ko-KR" altLang="en-US" sz="1000" kern="1200" i="0" b="0">
+                        <a:rPr lang="ko-KR" altLang="en-US" sz="1000" b="0" i="0" kern="1200">
                           <a:solidFill>
                             <a:schemeClr val="tx1"/>
                           </a:solidFill>
@@ -29925,13 +30572,6 @@
                         </a:rPr>
                         <a:t>- 작성자 본인 or 관리자인 경우에만 표시</a:t>
                       </a:r>
-                      <a:endParaRPr lang="ko-KR" altLang="en-US" sz="1000" kern="1200" i="0" b="0">
-                        <a:solidFill>
-                          <a:schemeClr val="tx1"/>
-                        </a:solidFill>
-                        <a:latin typeface="맑은 고딕" charset="0"/>
-                        <a:ea typeface="맑은 고딕" charset="0"/>
-                      </a:endParaRPr>
                     </a:p>
                     <a:p>
                       <a:pPr marL="0" indent="0" algn="l" defTabSz="914400" eaLnBrk="1" latinLnBrk="1" hangingPunct="1">
@@ -29948,7 +30588,7 @@
                         <a:buNone/>
                       </a:pPr>
                       <a:r>
-                        <a:rPr lang="ko-KR" altLang="en-US" sz="1000" kern="1200" i="0" b="0">
+                        <a:rPr lang="ko-KR" altLang="en-US" sz="1000" b="0" i="0" kern="1200">
                           <a:solidFill>
                             <a:schemeClr val="tx1"/>
                           </a:solidFill>
@@ -29957,13 +30597,6 @@
                         </a:rPr>
                         <a:t>- 삭제 버튼 클릭시 confirm("정말 삭제 하시겠습니까?")창 띄우고 확인을 누르면 게시글삭제 페이지로 이동</a:t>
                       </a:r>
-                      <a:endParaRPr lang="ko-KR" altLang="en-US" sz="1000" kern="1200" i="0" b="0">
-                        <a:solidFill>
-                          <a:schemeClr val="tx1"/>
-                        </a:solidFill>
-                        <a:latin typeface="맑은 고딕" charset="0"/>
-                        <a:ea typeface="맑은 고딕" charset="0"/>
-                      </a:endParaRPr>
                     </a:p>
                   </a:txBody>
                   <a:tcPr marL="0" marR="0" marT="0" marB="0" anchor="ctr">
@@ -30016,6 +30649,11 @@
                     </a:solidFill>
                   </a:tcPr>
                 </a:tc>
+                <a:extLst>
+                  <a:ext uri="{0D108BD9-81ED-4DB2-BD59-A6C34878D82A}">
+                    <a16:rowId xmlns:a16="http://schemas.microsoft.com/office/drawing/2014/main" val="10007"/>
+                  </a:ext>
+                </a:extLst>
               </a:tr>
               <a:tr h="509270">
                 <a:tc>
@@ -30037,7 +30675,7 @@
                         <a:buNone/>
                       </a:pPr>
                       <a:r>
-                        <a:rPr lang="ko-KR" altLang="en-US" sz="1000" kern="1200" i="0" b="0">
+                        <a:rPr lang="ko-KR" altLang="en-US" sz="1000" b="0" i="0" kern="1200">
                           <a:solidFill>
                             <a:schemeClr val="tx1"/>
                           </a:solidFill>
@@ -30046,13 +30684,6 @@
                         </a:rPr>
                         <a:t>13</a:t>
                       </a:r>
-                      <a:endParaRPr lang="ko-KR" altLang="en-US" sz="1000" kern="1200" i="0" b="0">
-                        <a:solidFill>
-                          <a:schemeClr val="tx1"/>
-                        </a:solidFill>
-                        <a:latin typeface="맑은 고딕" charset="0"/>
-                        <a:ea typeface="맑은 고딕" charset="0"/>
-                      </a:endParaRPr>
                     </a:p>
                   </a:txBody>
                   <a:tcPr marL="0" marR="0" marT="0" marB="0" anchor="ctr">
@@ -30121,7 +30752,7 @@
                         <a:buFontTx/>
                         <a:buNone/>
                       </a:pPr>
-                      <a:endParaRPr lang="ko-KR" altLang="en-US" sz="1000" kern="1200" i="0" b="0">
+                      <a:endParaRPr lang="ko-KR" altLang="en-US" sz="1000" b="0" i="0" kern="1200">
                         <a:solidFill>
                           <a:schemeClr val="tx1"/>
                         </a:solidFill>
@@ -30197,32 +30828,15 @@
                         <a:buNone/>
                       </a:pPr>
                       <a:r>
-                        <a:rPr lang="ko-KR" altLang="en-US" sz="1000" kern="1200" i="0" b="0">
+                        <a:rPr lang="ko-KR" altLang="en-US" sz="1000" b="0" i="0" kern="1200">
                           <a:solidFill>
                             <a:schemeClr val="tx1"/>
                           </a:solidFill>
                           <a:latin typeface="맑은 고딕" charset="0"/>
                           <a:ea typeface="맑은 고딕" charset="0"/>
                         </a:rPr>
-                        <a:t>- </a:t>
-                      </a:r>
-                      <a:r>
-                        <a:rPr lang="ko-KR" altLang="en-US" sz="1000" kern="1200" i="0" b="0">
-                          <a:solidFill>
-                            <a:schemeClr val="tx1"/>
-                          </a:solidFill>
-                          <a:latin typeface="맑은 고딕" charset="0"/>
-                          <a:ea typeface="맑은 고딕" charset="0"/>
-                        </a:rPr>
-                        <a:t> 목록 버튼 클릭시 게시판으로 이동</a:t>
-                      </a:r>
-                      <a:endParaRPr lang="ko-KR" altLang="en-US" sz="1000" kern="1200" i="0" b="0">
-                        <a:solidFill>
-                          <a:schemeClr val="tx1"/>
-                        </a:solidFill>
-                        <a:latin typeface="맑은 고딕" charset="0"/>
-                        <a:ea typeface="맑은 고딕" charset="0"/>
-                      </a:endParaRPr>
+                        <a:t>-  목록 버튼 클릭시 게시판으로 이동</a:t>
+                      </a:r>
                     </a:p>
                   </a:txBody>
                   <a:tcPr marL="0" marR="0" marT="0" marB="0" anchor="ctr">
@@ -30275,6 +30889,11 @@
                     </a:solidFill>
                   </a:tcPr>
                 </a:tc>
+                <a:extLst>
+                  <a:ext uri="{0D108BD9-81ED-4DB2-BD59-A6C34878D82A}">
+                    <a16:rowId xmlns:a16="http://schemas.microsoft.com/office/drawing/2014/main" val="10008"/>
+                  </a:ext>
+                </a:extLst>
               </a:tr>
             </a:tbl>
           </a:graphicData>
@@ -30299,8 +30918,20 @@
                 <a:tableStyleId>{5C22544A-7EE6-4342-B048-85BDC9FD1C3A}</a:tableStyleId>
               </a:tblPr>
               <a:tblGrid>
-                <a:gridCol w="735330"/>
-                <a:gridCol w="1257935"/>
+                <a:gridCol w="735330">
+                  <a:extLst>
+                    <a:ext uri="{9D8B030D-6E8A-4147-A177-3AD203B41FA5}">
+                      <a16:colId xmlns:a16="http://schemas.microsoft.com/office/drawing/2014/main" val="20000"/>
+                    </a:ext>
+                  </a:extLst>
+                </a:gridCol>
+                <a:gridCol w="1257935">
+                  <a:extLst>
+                    <a:ext uri="{9D8B030D-6E8A-4147-A177-3AD203B41FA5}">
+                      <a16:colId xmlns:a16="http://schemas.microsoft.com/office/drawing/2014/main" val="20001"/>
+                    </a:ext>
+                  </a:extLst>
+                </a:gridCol>
               </a:tblGrid>
               <a:tr h="247650">
                 <a:tc>
@@ -30322,7 +30953,7 @@
                         <a:buNone/>
                       </a:pPr>
                       <a:r>
-                        <a:rPr lang="en-US" altLang="ko-KR" sz="1000" kern="1200" i="0" b="0">
+                        <a:rPr lang="en-US" altLang="ko-KR" sz="1000" b="0" i="0" kern="1200">
                           <a:solidFill>
                             <a:schemeClr val="tx1"/>
                           </a:solidFill>
@@ -30331,7 +30962,7 @@
                         </a:rPr>
                         <a:t>현재 버전</a:t>
                       </a:r>
-                      <a:endParaRPr lang="ko-KR" altLang="en-US" sz="1000" kern="1200" i="0" b="0">
+                      <a:endParaRPr lang="ko-KR" altLang="en-US" sz="1000" b="0" i="0" kern="1200">
                         <a:solidFill>
                           <a:schemeClr val="tx1"/>
                         </a:solidFill>
@@ -30340,7 +30971,7 @@
                       </a:endParaRPr>
                     </a:p>
                   </a:txBody>
-                  <a:tcPr marL="90170" marR="90170" marT="46990" marB="46990" anchor="t">
+                  <a:tcPr marL="90170" marR="90170" marT="46990" marB="46990">
                     <a:lnL w="12700" cap="flat" cmpd="sng" algn="ctr">
                       <a:solidFill>
                         <a:srgbClr val="000000">
@@ -30411,7 +31042,7 @@
                         <a:buFontTx/>
                         <a:buNone/>
                       </a:pPr>
-                      <a:endParaRPr lang="ko-KR" altLang="en-US" sz="1000" kern="1200" i="0" b="1">
+                      <a:endParaRPr lang="ko-KR" altLang="en-US" sz="1000" b="1" i="0" kern="1200">
                         <a:solidFill>
                           <a:schemeClr val="tx1"/>
                         </a:solidFill>
@@ -30420,7 +31051,7 @@
                       </a:endParaRPr>
                     </a:p>
                   </a:txBody>
-                  <a:tcPr marL="90170" marR="90170" marT="46990" marB="46990" anchor="t">
+                  <a:tcPr marL="90170" marR="90170" marT="46990" marB="46990">
                     <a:lnL w="12700" cap="flat" cmpd="sng" algn="ctr">
                       <a:solidFill>
                         <a:srgbClr val="000000">
@@ -30470,6 +31101,11 @@
                     </a:solidFill>
                   </a:tcPr>
                 </a:tc>
+                <a:extLst>
+                  <a:ext uri="{0D108BD9-81ED-4DB2-BD59-A6C34878D82A}">
+                    <a16:rowId xmlns:a16="http://schemas.microsoft.com/office/drawing/2014/main" val="10000"/>
+                  </a:ext>
+                </a:extLst>
               </a:tr>
             </a:tbl>
           </a:graphicData>
@@ -30494,8 +31130,20 @@
                 <a:tableStyleId>{5C22544A-7EE6-4342-B048-85BDC9FD1C3A}</a:tableStyleId>
               </a:tblPr>
               <a:tblGrid>
-                <a:gridCol w="698500"/>
-                <a:gridCol w="1294765"/>
+                <a:gridCol w="698500">
+                  <a:extLst>
+                    <a:ext uri="{9D8B030D-6E8A-4147-A177-3AD203B41FA5}">
+                      <a16:colId xmlns:a16="http://schemas.microsoft.com/office/drawing/2014/main" val="20000"/>
+                    </a:ext>
+                  </a:extLst>
+                </a:gridCol>
+                <a:gridCol w="1294765">
+                  <a:extLst>
+                    <a:ext uri="{9D8B030D-6E8A-4147-A177-3AD203B41FA5}">
+                      <a16:colId xmlns:a16="http://schemas.microsoft.com/office/drawing/2014/main" val="20001"/>
+                    </a:ext>
+                  </a:extLst>
+                </a:gridCol>
               </a:tblGrid>
               <a:tr h="247650">
                 <a:tc>
@@ -30517,7 +31165,7 @@
                         <a:buNone/>
                       </a:pPr>
                       <a:r>
-                        <a:rPr lang="en-US" altLang="ko-KR" sz="1000" kern="1200" i="0" b="0">
+                        <a:rPr lang="en-US" altLang="ko-KR" sz="1000" b="0" i="0" kern="1200">
                           <a:solidFill>
                             <a:schemeClr val="tx1"/>
                           </a:solidFill>
@@ -30526,7 +31174,7 @@
                         </a:rPr>
                         <a:t>작성자</a:t>
                       </a:r>
-                      <a:endParaRPr lang="ko-KR" altLang="en-US" sz="1000" kern="1200" i="0" b="0">
+                      <a:endParaRPr lang="ko-KR" altLang="en-US" sz="1000" b="0" i="0" kern="1200">
                         <a:solidFill>
                           <a:schemeClr val="tx1"/>
                         </a:solidFill>
@@ -30535,7 +31183,7 @@
                       </a:endParaRPr>
                     </a:p>
                   </a:txBody>
-                  <a:tcPr marL="90170" marR="90170" marT="46990" marB="46990" anchor="t">
+                  <a:tcPr marL="90170" marR="90170" marT="46990" marB="46990">
                     <a:lnL w="12700" cap="flat" cmpd="sng" algn="ctr">
                       <a:solidFill>
                         <a:srgbClr val="000000">
@@ -30607,7 +31255,7 @@
                         <a:buNone/>
                       </a:pPr>
                       <a:r>
-                        <a:rPr lang="ko-KR" altLang="en-US" sz="1000" kern="1200" i="0" b="1">
+                        <a:rPr lang="ko-KR" altLang="en-US" sz="1000" b="1" i="0" kern="1200">
                           <a:solidFill>
                             <a:schemeClr val="tx1"/>
                           </a:solidFill>
@@ -30616,16 +31264,9 @@
                         </a:rPr>
                         <a:t>안영우</a:t>
                       </a:r>
-                      <a:endParaRPr lang="ko-KR" altLang="en-US" sz="1000" kern="1200" i="0" b="1">
-                        <a:solidFill>
-                          <a:schemeClr val="tx1"/>
-                        </a:solidFill>
-                        <a:latin typeface="맑은 고딕" charset="0"/>
-                        <a:ea typeface="맑은 고딕" charset="0"/>
-                      </a:endParaRPr>
                     </a:p>
                   </a:txBody>
-                  <a:tcPr marL="90170" marR="90170" marT="46990" marB="46990" anchor="t">
+                  <a:tcPr marL="90170" marR="90170" marT="46990" marB="46990">
                     <a:lnL w="12700" cap="flat" cmpd="sng" algn="ctr">
                       <a:solidFill>
                         <a:srgbClr val="000000">
@@ -30675,6 +31316,11 @@
                     </a:solidFill>
                   </a:tcPr>
                 </a:tc>
+                <a:extLst>
+                  <a:ext uri="{0D108BD9-81ED-4DB2-BD59-A6C34878D82A}">
+                    <a16:rowId xmlns:a16="http://schemas.microsoft.com/office/drawing/2014/main" val="10000"/>
+                  </a:ext>
+                </a:extLst>
               </a:tr>
             </a:tbl>
           </a:graphicData>
@@ -30689,7 +31335,7 @@
           <p:nvPr/>
         </p:nvPicPr>
         <p:blipFill rotWithShape="1">
-          <a:blip r:embed="rId2" cstate="print">
+          <a:blip r:embed="rId3" cstate="print">
             <a:extLst>
               <a:ext uri="{28A0092B-C50C-407E-A947-70E740481C1C}">
                 <a14:useLocalDpi xmlns:a14="http://schemas.microsoft.com/office/drawing/2010/main" val="0"/>
@@ -30701,11 +31347,13 @@
           </a:stretch>
         </p:blipFill>
         <p:spPr>
-          <a:xfrm rot="0">
+          <a:xfrm>
             <a:off x="1226820" y="1461770"/>
             <a:ext cx="6725285" cy="4086860"/>
           </a:xfrm>
-          <a:prstGeom prst="rect"/>
+          <a:prstGeom prst="rect">
+            <a:avLst/>
+          </a:prstGeom>
           <a:noFill/>
         </p:spPr>
       </p:pic>
@@ -30714,26 +31362,11 @@
   <p:clrMapOvr>
     <a:masterClrMapping/>
   </p:clrMapOvr>
-  <mc:AlternateContent xmlns:mc="http://schemas.openxmlformats.org/markup-compatibility/2006">
-    <mc:Choice xmlns:p14="http://schemas.microsoft.com/office/powerpoint/2010/main" Requires="p14">
-      <p:transition spd="slow" p14:dur="2000"/>
-    </mc:Choice>
-    <mc:Fallback>
-      <p:transition spd="slow"/>
-    </mc:Fallback>
-  </mc:AlternateContent>
-  <p:timing>
-    <p:tnLst>
-      <p:par>
-        <p:cTn id="1" dur="indefinite" restart="never" nodeType="tmRoot"/>
-      </p:par>
-    </p:tnLst>
-  </p:timing>
 </p:sld>
 </file>
 
 <file path=ppt/slides/slide8.xml><?xml version="1.0" encoding="utf-8"?>
-<p:sld xmlns:a="http://schemas.openxmlformats.org/drawingml/2006/main" xmlns:r="http://schemas.openxmlformats.org/officeDocument/2006/relationships" xmlns:p="http://schemas.openxmlformats.org/presentationml/2006/main" xmlns:p14="http://schemas.microsoft.com/office/powerpoint/2010/main">
+<p:sld xmlns:a="http://schemas.openxmlformats.org/drawingml/2006/main" xmlns:r="http://schemas.openxmlformats.org/officeDocument/2006/relationships" xmlns:p="http://schemas.openxmlformats.org/presentationml/2006/main">
   <p:cSld>
     <p:spTree>
       <p:nvGrpSpPr>
@@ -30758,7 +31391,7 @@
           <p:nvPr>
             <p:extLst>
               <p:ext uri="{D42A27DB-BD31-4B8C-83A1-F6EECF244321}">
-                <p14:modId xmlns:p14="http://schemas.microsoft.com/office/powerpoint/2010/main" val="1332706965"/>
+                <p14:modId xmlns:p14="http://schemas.microsoft.com/office/powerpoint/2010/main" val="361577076"/>
               </p:ext>
             </p:extLst>
           </p:nvPr>
@@ -30774,8 +31407,20 @@
                 <a:tableStyleId>{5C22544A-7EE6-4342-B048-85BDC9FD1C3A}</a:tableStyleId>
               </a:tblPr>
               <a:tblGrid>
-                <a:gridCol w="814070"/>
-                <a:gridCol w="1393825"/>
+                <a:gridCol w="814070">
+                  <a:extLst>
+                    <a:ext uri="{9D8B030D-6E8A-4147-A177-3AD203B41FA5}">
+                      <a16:colId xmlns:a16="http://schemas.microsoft.com/office/drawing/2014/main" val="20000"/>
+                    </a:ext>
+                  </a:extLst>
+                </a:gridCol>
+                <a:gridCol w="1393825">
+                  <a:extLst>
+                    <a:ext uri="{9D8B030D-6E8A-4147-A177-3AD203B41FA5}">
+                      <a16:colId xmlns:a16="http://schemas.microsoft.com/office/drawing/2014/main" val="20001"/>
+                    </a:ext>
+                  </a:extLst>
+                </a:gridCol>
               </a:tblGrid>
               <a:tr h="247650">
                 <a:tc>
@@ -30893,7 +31538,7 @@
                     <a:p>
                       <a:pPr algn="ctr" fontAlgn="ctr"/>
                       <a:r>
-                        <a:rPr lang="en-US" sz="1100" b="0" i="0" u="none" strike="noStrike" dirty="0" smtClean="0">
+                        <a:rPr lang="en-US" sz="1000" b="0" i="0" u="none" strike="noStrike" dirty="0">
                           <a:solidFill>
                             <a:srgbClr val="000000"/>
                           </a:solidFill>
@@ -30902,13 +31547,6 @@
                         </a:rPr>
                         <a:t>F-BC-PW</a:t>
                       </a:r>
-                      <a:endParaRPr lang="en-US" sz="1100" b="0" i="0" u="none" strike="noStrike" dirty="0">
-                        <a:solidFill>
-                          <a:srgbClr val="000000"/>
-                        </a:solidFill>
-                        <a:effectLst/>
-                        <a:latin typeface="맑은 고딕"/>
-                      </a:endParaRPr>
                     </a:p>
                   </a:txBody>
                   <a:tcPr marL="9525" marR="9525" marT="9525" marB="0" anchor="ctr">
@@ -30961,6 +31599,11 @@
                     </a:solidFill>
                   </a:tcPr>
                 </a:tc>
+                <a:extLst>
+                  <a:ext uri="{0D108BD9-81ED-4DB2-BD59-A6C34878D82A}">
+                    <a16:rowId xmlns:a16="http://schemas.microsoft.com/office/drawing/2014/main" val="10000"/>
+                  </a:ext>
+                </a:extLst>
               </a:tr>
               <a:tr h="247650">
                 <a:tc>
@@ -31072,7 +31715,7 @@
                         <a:buNone/>
                       </a:pPr>
                       <a:r>
-                        <a:rPr lang="ko-KR" altLang="en-US" sz="1000" b="0" i="0" kern="1200" dirty="0" smtClean="0">
+                        <a:rPr lang="ko-KR" altLang="en-US" sz="1000" b="0" i="0" kern="1200" dirty="0">
                           <a:solidFill>
                             <a:schemeClr val="tx1"/>
                           </a:solidFill>
@@ -31081,13 +31724,6 @@
                         </a:rPr>
                         <a:t>게시글쓰기</a:t>
                       </a:r>
-                      <a:endParaRPr lang="ko-KR" altLang="en-US" sz="1000" b="0" i="0" kern="1200" dirty="0">
-                        <a:solidFill>
-                          <a:schemeClr val="tx1"/>
-                        </a:solidFill>
-                        <a:latin typeface="맑은 고딕" charset="0"/>
-                        <a:ea typeface="맑은 고딕" charset="0"/>
-                      </a:endParaRPr>
                     </a:p>
                   </a:txBody>
                   <a:tcPr marL="90170" marR="90170" marT="46990" marB="46990">
@@ -31138,6 +31774,11 @@
                     </a:solidFill>
                   </a:tcPr>
                 </a:tc>
+                <a:extLst>
+                  <a:ext uri="{0D108BD9-81ED-4DB2-BD59-A6C34878D82A}">
+                    <a16:rowId xmlns:a16="http://schemas.microsoft.com/office/drawing/2014/main" val="10001"/>
+                  </a:ext>
+                </a:extLst>
               </a:tr>
             </a:tbl>
           </a:graphicData>
@@ -31234,9 +31875,27 @@
                 <a:tableStyleId>{5C22544A-7EE6-4342-B048-85BDC9FD1C3A}</a:tableStyleId>
               </a:tblPr>
               <a:tblGrid>
-                <a:gridCol w="400050"/>
-                <a:gridCol w="452755"/>
-                <a:gridCol w="2047875"/>
+                <a:gridCol w="400050">
+                  <a:extLst>
+                    <a:ext uri="{9D8B030D-6E8A-4147-A177-3AD203B41FA5}">
+                      <a16:colId xmlns:a16="http://schemas.microsoft.com/office/drawing/2014/main" val="20000"/>
+                    </a:ext>
+                  </a:extLst>
+                </a:gridCol>
+                <a:gridCol w="452755">
+                  <a:extLst>
+                    <a:ext uri="{9D8B030D-6E8A-4147-A177-3AD203B41FA5}">
+                      <a16:colId xmlns:a16="http://schemas.microsoft.com/office/drawing/2014/main" val="20001"/>
+                    </a:ext>
+                  </a:extLst>
+                </a:gridCol>
+                <a:gridCol w="2047875">
+                  <a:extLst>
+                    <a:ext uri="{9D8B030D-6E8A-4147-A177-3AD203B41FA5}">
+                      <a16:colId xmlns:a16="http://schemas.microsoft.com/office/drawing/2014/main" val="20002"/>
+                    </a:ext>
+                  </a:extLst>
+                </a:gridCol>
               </a:tblGrid>
               <a:tr h="247650">
                 <a:tc>
@@ -31258,7 +31917,7 @@
                         <a:buNone/>
                       </a:pPr>
                       <a:r>
-                        <a:rPr lang="en-US" altLang="ko-KR" sz="1000" kern="1200" i="0" b="1">
+                        <a:rPr lang="en-US" altLang="ko-KR" sz="1000" b="1" i="0" kern="1200">
                           <a:solidFill>
                             <a:schemeClr val="tx1"/>
                           </a:solidFill>
@@ -31267,7 +31926,7 @@
                         </a:rPr>
                         <a:t>No.</a:t>
                       </a:r>
-                      <a:endParaRPr lang="ko-KR" altLang="en-US" sz="1000" kern="1200" i="0" b="1">
+                      <a:endParaRPr lang="ko-KR" altLang="en-US" sz="1000" b="1" i="0" kern="1200">
                         <a:solidFill>
                           <a:schemeClr val="tx1"/>
                         </a:solidFill>
@@ -31348,7 +32007,7 @@
                         <a:buNone/>
                       </a:pPr>
                       <a:r>
-                        <a:rPr lang="en-US" altLang="ko-KR" sz="1000" kern="1200" i="0" b="1">
+                        <a:rPr lang="en-US" altLang="ko-KR" sz="1000" b="1" i="0" kern="1200">
                           <a:solidFill>
                             <a:schemeClr val="tx1"/>
                           </a:solidFill>
@@ -31357,7 +32016,7 @@
                         </a:rPr>
                         <a:t>CRUD</a:t>
                       </a:r>
-                      <a:endParaRPr lang="ko-KR" altLang="en-US" sz="1000" kern="1200" i="0" b="1">
+                      <a:endParaRPr lang="ko-KR" altLang="en-US" sz="1000" b="1" i="0" kern="1200">
                         <a:solidFill>
                           <a:schemeClr val="tx1"/>
                         </a:solidFill>
@@ -31438,7 +32097,7 @@
                         <a:buNone/>
                       </a:pPr>
                       <a:r>
-                        <a:rPr lang="en-US" altLang="ko-KR" sz="1000" kern="1200" i="0" b="1">
+                        <a:rPr lang="en-US" altLang="ko-KR" sz="1000" b="1" i="0" kern="1200">
                           <a:solidFill>
                             <a:schemeClr val="tx1"/>
                           </a:solidFill>
@@ -31447,7 +32106,7 @@
                         </a:rPr>
                         <a:t>기능</a:t>
                       </a:r>
-                      <a:endParaRPr lang="ko-KR" altLang="en-US" sz="1000" kern="1200" i="0" b="1">
+                      <a:endParaRPr lang="ko-KR" altLang="en-US" sz="1000" b="1" i="0" kern="1200">
                         <a:solidFill>
                           <a:schemeClr val="tx1"/>
                         </a:solidFill>
@@ -31509,6 +32168,11 @@
                     </a:solidFill>
                   </a:tcPr>
                 </a:tc>
+                <a:extLst>
+                  <a:ext uri="{0D108BD9-81ED-4DB2-BD59-A6C34878D82A}">
+                    <a16:rowId xmlns:a16="http://schemas.microsoft.com/office/drawing/2014/main" val="10000"/>
+                  </a:ext>
+                </a:extLst>
               </a:tr>
               <a:tr h="526415">
                 <a:tc>
@@ -31530,7 +32194,7 @@
                         <a:buNone/>
                       </a:pPr>
                       <a:r>
-                        <a:rPr lang="en-US" altLang="ko-KR" sz="1000" kern="1200" i="0" b="0">
+                        <a:rPr lang="en-US" altLang="ko-KR" sz="1000" b="0" i="0" kern="1200">
                           <a:solidFill>
                             <a:schemeClr val="tx1"/>
                           </a:solidFill>
@@ -31539,7 +32203,7 @@
                         </a:rPr>
                         <a:t>01</a:t>
                       </a:r>
-                      <a:endParaRPr lang="ko-KR" altLang="en-US" sz="1000" kern="1200" i="0" b="0">
+                      <a:endParaRPr lang="ko-KR" altLang="en-US" sz="1000" b="0" i="0" kern="1200">
                         <a:solidFill>
                           <a:schemeClr val="tx1"/>
                         </a:solidFill>
@@ -31601,7 +32265,7 @@
                     <a:bodyPr/>
                     <a:lstStyle/>
                     <a:p>
-                      <a:pPr marL="0" indent="0" algn="ctr" fontAlgn="ctr" defTabSz="914400" eaLnBrk="1" latinLnBrk="1" hangingPunct="1">
+                      <a:pPr marL="0" indent="0" algn="ctr" defTabSz="914400" eaLnBrk="1" fontAlgn="ctr" latinLnBrk="1" hangingPunct="1">
                         <a:lnSpc>
                           <a:spcPct val="100000"/>
                         </a:lnSpc>
@@ -31615,7 +32279,7 @@
                         <a:buNone/>
                       </a:pPr>
                       <a:r>
-                        <a:rPr lang="en-US" sz="1100" kern="1200" i="0" b="0" strike="noStrike">
+                        <a:rPr lang="en-US" sz="1100" b="0" i="0" strike="noStrike" kern="1200">
                           <a:solidFill>
                             <a:srgbClr val="000000"/>
                           </a:solidFill>
@@ -31624,7 +32288,7 @@
                         </a:rPr>
                         <a:t>C</a:t>
                       </a:r>
-                      <a:endParaRPr lang="ko-KR" altLang="en-US" sz="1100" kern="1200" i="0" b="0" strike="noStrike">
+                      <a:endParaRPr lang="ko-KR" altLang="en-US" sz="1100" b="0" i="0" strike="noStrike" kern="1200">
                         <a:solidFill>
                           <a:srgbClr val="000000"/>
                         </a:solidFill>
@@ -31686,7 +32350,7 @@
                     <a:bodyPr/>
                     <a:lstStyle/>
                     <a:p>
-                      <a:pPr marL="0" indent="0" algn="l" fontAlgn="ctr" defTabSz="914400" eaLnBrk="1" latinLnBrk="1" hangingPunct="1">
+                      <a:pPr marL="0" indent="0" algn="l" defTabSz="914400" eaLnBrk="1" fontAlgn="ctr" latinLnBrk="1" hangingPunct="1">
                         <a:lnSpc>
                           <a:spcPct val="100000"/>
                         </a:lnSpc>
@@ -31700,7 +32364,7 @@
                         <a:buNone/>
                       </a:pPr>
                       <a:r>
-                        <a:rPr lang="en-US" altLang="ko-KR" sz="1100" kern="1200" i="0" b="0" strike="noStrike">
+                        <a:rPr lang="en-US" altLang="ko-KR" sz="1100" b="0" i="0" strike="noStrike" kern="1200">
                           <a:solidFill>
                             <a:srgbClr val="000000"/>
                           </a:solidFill>
@@ -31710,7 +32374,7 @@
                         <a:t>- </a:t>
                       </a:r>
                       <a:r>
-                        <a:rPr lang="ko-KR" altLang="en-US" sz="1100" kern="1200" i="0" b="0" strike="noStrike">
+                        <a:rPr lang="ko-KR" altLang="en-US" sz="1100" b="0" i="0" strike="noStrike" kern="1200">
                           <a:solidFill>
                             <a:srgbClr val="000000"/>
                           </a:solidFill>
@@ -31721,7 +32385,7 @@
                         <a:t>완료</a:t>
                       </a:r>
                       <a:r>
-                        <a:rPr lang="ko-KR" altLang="en-US" sz="1100" kern="1200" i="0" b="0" strike="noStrike">
+                        <a:rPr lang="ko-KR" altLang="en-US" sz="1100" b="0" i="0" strike="noStrike" kern="1200">
                           <a:solidFill>
                             <a:srgbClr val="000000"/>
                           </a:solidFill>
@@ -31731,7 +32395,7 @@
                         <a:t> </a:t>
                       </a:r>
                       <a:r>
-                        <a:rPr lang="ko-KR" altLang="en-US" sz="1100" kern="1200" i="0" b="0" strike="noStrike">
+                        <a:rPr lang="ko-KR" altLang="en-US" sz="1100" b="0" i="0" strike="noStrike" kern="1200">
                           <a:solidFill>
                             <a:srgbClr val="000000"/>
                           </a:solidFill>
@@ -31742,7 +32406,7 @@
                         <a:t>버튼</a:t>
                       </a:r>
                       <a:r>
-                        <a:rPr lang="ko-KR" altLang="en-US" sz="1100" kern="1200" i="0" b="0" strike="noStrike">
+                        <a:rPr lang="ko-KR" altLang="en-US" sz="1100" b="0" i="0" strike="noStrike" kern="1200">
                           <a:solidFill>
                             <a:srgbClr val="000000"/>
                           </a:solidFill>
@@ -31752,7 +32416,7 @@
                         <a:t> </a:t>
                       </a:r>
                       <a:r>
-                        <a:rPr lang="ko-KR" altLang="en-US" sz="1100" kern="1200" i="0" b="0" strike="noStrike">
+                        <a:rPr lang="ko-KR" altLang="en-US" sz="1100" b="0" i="0" strike="noStrike" kern="1200">
                           <a:solidFill>
                             <a:srgbClr val="000000"/>
                           </a:solidFill>
@@ -31763,7 +32427,7 @@
                         <a:t>클릭시</a:t>
                       </a:r>
                       <a:r>
-                        <a:rPr lang="ko-KR" altLang="en-US" sz="1100" kern="1200" i="0" b="0" strike="noStrike">
+                        <a:rPr lang="ko-KR" altLang="en-US" sz="1100" b="0" i="0" strike="noStrike" kern="1200">
                           <a:solidFill>
                             <a:srgbClr val="000000"/>
                           </a:solidFill>
@@ -31773,7 +32437,7 @@
                         <a:t> </a:t>
                       </a:r>
                       <a:r>
-                        <a:rPr lang="en-US" altLang="ko-KR" sz="1100" kern="1200" i="0" b="0" strike="noStrike">
+                        <a:rPr lang="en-US" altLang="ko-KR" sz="1100" b="0" i="0" strike="noStrike" kern="1200">
                           <a:solidFill>
                             <a:srgbClr val="000000"/>
                           </a:solidFill>
@@ -31783,7 +32447,7 @@
                         <a:t>DB</a:t>
                       </a:r>
                       <a:r>
-                        <a:rPr lang="ko-KR" altLang="en-US" sz="1100" kern="1200" i="0" b="0" strike="noStrike">
+                        <a:rPr lang="ko-KR" altLang="en-US" sz="1100" b="0" i="0" strike="noStrike" kern="1200">
                           <a:solidFill>
                             <a:srgbClr val="000000"/>
                           </a:solidFill>
@@ -31794,7 +32458,7 @@
                         <a:t>에</a:t>
                       </a:r>
                       <a:r>
-                        <a:rPr lang="ko-KR" altLang="en-US" sz="1100" kern="1200" i="0" b="0" strike="noStrike">
+                        <a:rPr lang="ko-KR" altLang="en-US" sz="1100" b="0" i="0" strike="noStrike" kern="1200">
                           <a:solidFill>
                             <a:srgbClr val="000000"/>
                           </a:solidFill>
@@ -31804,7 +32468,7 @@
                         <a:t> </a:t>
                       </a:r>
                       <a:r>
-                        <a:rPr lang="en-US" altLang="ko-KR" sz="1100" kern="1200" i="0" b="0" strike="noStrike">
+                        <a:rPr lang="en-US" altLang="ko-KR" sz="1100" b="0" i="0" strike="noStrike" kern="1200">
                           <a:solidFill>
                             <a:srgbClr val="000000"/>
                           </a:solidFill>
@@ -31814,7 +32478,7 @@
                         <a:t>CREATE </a:t>
                       </a:r>
                       <a:r>
-                        <a:rPr lang="ko-KR" altLang="en-US" sz="1100" kern="1200" i="0" b="0" strike="noStrike">
+                        <a:rPr lang="ko-KR" altLang="en-US" sz="1100" b="0" i="0" strike="noStrike" kern="1200">
                           <a:solidFill>
                             <a:srgbClr val="000000"/>
                           </a:solidFill>
@@ -31825,7 +32489,7 @@
                         <a:t>후</a:t>
                       </a:r>
                       <a:r>
-                        <a:rPr lang="ko-KR" altLang="en-US" sz="1100" kern="1200" i="0" b="0" strike="noStrike">
+                        <a:rPr lang="ko-KR" altLang="en-US" sz="1100" b="0" i="0" strike="noStrike" kern="1200">
                           <a:solidFill>
                             <a:srgbClr val="000000"/>
                           </a:solidFill>
@@ -31835,7 +32499,7 @@
                         <a:t> </a:t>
                       </a:r>
                       <a:r>
-                        <a:rPr lang="ko-KR" altLang="en-US" sz="1100" kern="1200" i="0" b="0" strike="noStrike">
+                        <a:rPr lang="ko-KR" altLang="en-US" sz="1100" b="0" i="0" strike="noStrike" kern="1200">
                           <a:solidFill>
                             <a:srgbClr val="000000"/>
                           </a:solidFill>
@@ -31846,7 +32510,7 @@
                         <a:t>게시글읽기</a:t>
                       </a:r>
                       <a:r>
-                        <a:rPr lang="ko-KR" altLang="en-US" sz="1100" kern="1200" i="0" b="0" strike="noStrike">
+                        <a:rPr lang="ko-KR" altLang="en-US" sz="1100" b="0" i="0" strike="noStrike" kern="1200">
                           <a:solidFill>
                             <a:srgbClr val="000000"/>
                           </a:solidFill>
@@ -31856,7 +32520,7 @@
                         <a:t> </a:t>
                       </a:r>
                       <a:r>
-                        <a:rPr lang="ko-KR" altLang="en-US" sz="1100" kern="1200" i="0" b="0" strike="noStrike">
+                        <a:rPr lang="ko-KR" altLang="en-US" sz="1100" b="0" i="0" strike="noStrike" kern="1200">
                           <a:solidFill>
                             <a:srgbClr val="000000"/>
                           </a:solidFill>
@@ -31867,7 +32531,7 @@
                         <a:t>페이지로</a:t>
                       </a:r>
                       <a:r>
-                        <a:rPr lang="ko-KR" altLang="en-US" sz="1100" kern="1200" i="0" b="0" strike="noStrike">
+                        <a:rPr lang="ko-KR" altLang="en-US" sz="1100" b="0" i="0" strike="noStrike" kern="1200">
                           <a:solidFill>
                             <a:srgbClr val="000000"/>
                           </a:solidFill>
@@ -31877,7 +32541,7 @@
                         <a:t> </a:t>
                       </a:r>
                       <a:r>
-                        <a:rPr lang="ko-KR" altLang="en-US" sz="1100" kern="1200" i="0" b="0" strike="noStrike">
+                        <a:rPr lang="ko-KR" altLang="en-US" sz="1100" b="0" i="0" strike="noStrike" kern="1200">
                           <a:solidFill>
                             <a:srgbClr val="000000"/>
                           </a:solidFill>
@@ -31887,14 +32551,6 @@
                         </a:rPr>
                         <a:t>이동</a:t>
                       </a:r>
-                      <a:endParaRPr lang="ko-KR" altLang="en-US" sz="1100" kern="1200" i="0" b="0" strike="noStrike">
-                        <a:solidFill>
-                          <a:srgbClr val="000000"/>
-                        </a:solidFill>
-                        <a:latin typeface="맑은 고딕" charset="0"/>
-                        <a:ea typeface="맑은 고딕" charset="0"/>
-                        <a:cs typeface="+mn-cs"/>
-                      </a:endParaRPr>
                     </a:p>
                   </a:txBody>
                   <a:tcPr marL="9525" marR="9525" marT="9525" marB="0" anchor="ctr">
@@ -31947,6 +32603,11 @@
                     </a:solidFill>
                   </a:tcPr>
                 </a:tc>
+                <a:extLst>
+                  <a:ext uri="{0D108BD9-81ED-4DB2-BD59-A6C34878D82A}">
+                    <a16:rowId xmlns:a16="http://schemas.microsoft.com/office/drawing/2014/main" val="10001"/>
+                  </a:ext>
+                </a:extLst>
               </a:tr>
               <a:tr h="526415">
                 <a:tc>
@@ -31968,7 +32629,7 @@
                         <a:buNone/>
                       </a:pPr>
                       <a:r>
-                        <a:rPr lang="en-US" altLang="ko-KR" sz="1000" kern="1200" i="0" b="0">
+                        <a:rPr lang="en-US" altLang="ko-KR" sz="1000" b="0" i="0" kern="1200">
                           <a:solidFill>
                             <a:schemeClr val="tx1"/>
                           </a:solidFill>
@@ -31977,7 +32638,7 @@
                         </a:rPr>
                         <a:t>02</a:t>
                       </a:r>
-                      <a:endParaRPr lang="ko-KR" altLang="en-US" sz="1000" kern="1200" i="0" b="0">
+                      <a:endParaRPr lang="ko-KR" altLang="en-US" sz="1000" b="0" i="0" kern="1200">
                         <a:solidFill>
                           <a:schemeClr val="tx1"/>
                         </a:solidFill>
@@ -32039,7 +32700,7 @@
                     <a:bodyPr/>
                     <a:lstStyle/>
                     <a:p>
-                      <a:pPr marL="0" indent="0" algn="ctr" fontAlgn="ctr" defTabSz="914400" eaLnBrk="1" latinLnBrk="1" hangingPunct="1">
+                      <a:pPr marL="0" indent="0" algn="ctr" defTabSz="914400" eaLnBrk="1" fontAlgn="ctr" latinLnBrk="1" hangingPunct="1">
                         <a:lnSpc>
                           <a:spcPct val="100000"/>
                         </a:lnSpc>
@@ -32053,7 +32714,7 @@
                         <a:buNone/>
                       </a:pPr>
                       <a:r>
-                        <a:rPr lang="ko-KR" altLang="en-US" sz="1100" kern="1200" i="0" b="0" strike="noStrike">
+                        <a:rPr lang="ko-KR" altLang="en-US" sz="1100" b="0" i="0" strike="noStrike" kern="1200">
                           <a:solidFill>
                             <a:srgbClr val="000000"/>
                           </a:solidFill>
@@ -32063,14 +32724,6 @@
                         </a:rPr>
                         <a:t>　</a:t>
                       </a:r>
-                      <a:endParaRPr lang="ko-KR" altLang="en-US" sz="1100" kern="1200" i="0" b="0" strike="noStrike">
-                        <a:solidFill>
-                          <a:srgbClr val="000000"/>
-                        </a:solidFill>
-                        <a:latin typeface="맑은 고딕" charset="0"/>
-                        <a:ea typeface="맑은 고딕" charset="0"/>
-                        <a:cs typeface="+mn-cs"/>
-                      </a:endParaRPr>
                     </a:p>
                   </a:txBody>
                   <a:tcPr marL="9525" marR="9525" marT="9525" marB="0" anchor="ctr">
@@ -32126,7 +32779,7 @@
                     <a:bodyPr/>
                     <a:lstStyle/>
                     <a:p>
-                      <a:pPr marL="0" indent="0" algn="l" fontAlgn="ctr" defTabSz="914400" eaLnBrk="1" latinLnBrk="1" hangingPunct="1">
+                      <a:pPr marL="0" indent="0" algn="l" defTabSz="914400" eaLnBrk="1" fontAlgn="ctr" latinLnBrk="1" hangingPunct="1">
                         <a:lnSpc>
                           <a:spcPct val="100000"/>
                         </a:lnSpc>
@@ -32140,7 +32793,7 @@
                         <a:buNone/>
                       </a:pPr>
                       <a:r>
-                        <a:rPr lang="en-US" altLang="ko-KR" sz="1100" kern="1200" i="0" b="0" strike="noStrike">
+                        <a:rPr lang="en-US" altLang="ko-KR" sz="1100" b="0" i="0" strike="noStrike" kern="1200">
                           <a:solidFill>
                             <a:srgbClr val="000000"/>
                           </a:solidFill>
@@ -32150,7 +32803,7 @@
                         <a:t>- </a:t>
                       </a:r>
                       <a:r>
-                        <a:rPr lang="ko-KR" altLang="en-US" sz="1100" kern="1200" i="0" b="0" strike="noStrike">
+                        <a:rPr lang="ko-KR" altLang="en-US" sz="1100" b="0" i="0" strike="noStrike" kern="1200">
                           <a:solidFill>
                             <a:srgbClr val="000000"/>
                           </a:solidFill>
@@ -32161,7 +32814,7 @@
                         <a:t>목록</a:t>
                       </a:r>
                       <a:r>
-                        <a:rPr lang="ko-KR" altLang="en-US" sz="1100" kern="1200" i="0" b="0" strike="noStrike">
+                        <a:rPr lang="ko-KR" altLang="en-US" sz="1100" b="0" i="0" strike="noStrike" kern="1200">
                           <a:solidFill>
                             <a:srgbClr val="000000"/>
                           </a:solidFill>
@@ -32171,7 +32824,7 @@
                         <a:t> </a:t>
                       </a:r>
                       <a:r>
-                        <a:rPr lang="ko-KR" altLang="en-US" sz="1100" kern="1200" i="0" b="0" strike="noStrike">
+                        <a:rPr lang="ko-KR" altLang="en-US" sz="1100" b="0" i="0" strike="noStrike" kern="1200">
                           <a:solidFill>
                             <a:srgbClr val="000000"/>
                           </a:solidFill>
@@ -32182,7 +32835,7 @@
                         <a:t>버튼</a:t>
                       </a:r>
                       <a:r>
-                        <a:rPr lang="ko-KR" altLang="en-US" sz="1100" kern="1200" i="0" b="0" strike="noStrike">
+                        <a:rPr lang="ko-KR" altLang="en-US" sz="1100" b="0" i="0" strike="noStrike" kern="1200">
                           <a:solidFill>
                             <a:srgbClr val="000000"/>
                           </a:solidFill>
@@ -32192,7 +32845,7 @@
                         <a:t> </a:t>
                       </a:r>
                       <a:r>
-                        <a:rPr lang="ko-KR" altLang="en-US" sz="1100" kern="1200" i="0" b="0" strike="noStrike">
+                        <a:rPr lang="ko-KR" altLang="en-US" sz="1100" b="0" i="0" strike="noStrike" kern="1200">
                           <a:solidFill>
                             <a:srgbClr val="000000"/>
                           </a:solidFill>
@@ -32203,7 +32856,7 @@
                         <a:t>클릭시</a:t>
                       </a:r>
                       <a:r>
-                        <a:rPr lang="ko-KR" altLang="en-US" sz="1100" kern="1200" i="0" b="0" strike="noStrike">
+                        <a:rPr lang="ko-KR" altLang="en-US" sz="1100" b="0" i="0" strike="noStrike" kern="1200">
                           <a:solidFill>
                             <a:srgbClr val="000000"/>
                           </a:solidFill>
@@ -32213,7 +32866,7 @@
                         <a:t> </a:t>
                       </a:r>
                       <a:r>
-                        <a:rPr lang="ko-KR" altLang="en-US" sz="1100" kern="1200" i="0" b="0" strike="noStrike">
+                        <a:rPr lang="ko-KR" altLang="en-US" sz="1100" b="0" i="0" strike="noStrike" kern="1200">
                           <a:solidFill>
                             <a:srgbClr val="000000"/>
                           </a:solidFill>
@@ -32224,7 +32877,7 @@
                         <a:t>게시글목록으로</a:t>
                       </a:r>
                       <a:r>
-                        <a:rPr lang="ko-KR" altLang="en-US" sz="1100" kern="1200" i="0" b="0" strike="noStrike">
+                        <a:rPr lang="ko-KR" altLang="en-US" sz="1100" b="0" i="0" strike="noStrike" kern="1200">
                           <a:solidFill>
                             <a:srgbClr val="000000"/>
                           </a:solidFill>
@@ -32234,7 +32887,7 @@
                         <a:t> </a:t>
                       </a:r>
                       <a:r>
-                        <a:rPr lang="ko-KR" altLang="en-US" sz="1100" kern="1200" i="0" b="0" strike="noStrike">
+                        <a:rPr lang="ko-KR" altLang="en-US" sz="1100" b="0" i="0" strike="noStrike" kern="1200">
                           <a:solidFill>
                             <a:srgbClr val="000000"/>
                           </a:solidFill>
@@ -32244,14 +32897,6 @@
                         </a:rPr>
                         <a:t>이동</a:t>
                       </a:r>
-                      <a:endParaRPr lang="ko-KR" altLang="en-US" sz="1100" kern="1200" i="0" b="0" strike="noStrike">
-                        <a:solidFill>
-                          <a:srgbClr val="000000"/>
-                        </a:solidFill>
-                        <a:latin typeface="맑은 고딕" charset="0"/>
-                        <a:ea typeface="맑은 고딕" charset="0"/>
-                        <a:cs typeface="+mn-cs"/>
-                      </a:endParaRPr>
                     </a:p>
                   </a:txBody>
                   <a:tcPr marL="9525" marR="9525" marT="9525" marB="0" anchor="ctr">
@@ -32304,6 +32949,11 @@
                     </a:solidFill>
                   </a:tcPr>
                 </a:tc>
+                <a:extLst>
+                  <a:ext uri="{0D108BD9-81ED-4DB2-BD59-A6C34878D82A}">
+                    <a16:rowId xmlns:a16="http://schemas.microsoft.com/office/drawing/2014/main" val="10002"/>
+                  </a:ext>
+                </a:extLst>
               </a:tr>
             </a:tbl>
           </a:graphicData>
@@ -32328,8 +32978,20 @@
                 <a:tableStyleId>{5C22544A-7EE6-4342-B048-85BDC9FD1C3A}</a:tableStyleId>
               </a:tblPr>
               <a:tblGrid>
-                <a:gridCol w="735330"/>
-                <a:gridCol w="1257935"/>
+                <a:gridCol w="735330">
+                  <a:extLst>
+                    <a:ext uri="{9D8B030D-6E8A-4147-A177-3AD203B41FA5}">
+                      <a16:colId xmlns:a16="http://schemas.microsoft.com/office/drawing/2014/main" val="20000"/>
+                    </a:ext>
+                  </a:extLst>
+                </a:gridCol>
+                <a:gridCol w="1257935">
+                  <a:extLst>
+                    <a:ext uri="{9D8B030D-6E8A-4147-A177-3AD203B41FA5}">
+                      <a16:colId xmlns:a16="http://schemas.microsoft.com/office/drawing/2014/main" val="20001"/>
+                    </a:ext>
+                  </a:extLst>
+                </a:gridCol>
               </a:tblGrid>
               <a:tr h="247650">
                 <a:tc>
@@ -32499,6 +33161,11 @@
                     </a:solidFill>
                   </a:tcPr>
                 </a:tc>
+                <a:extLst>
+                  <a:ext uri="{0D108BD9-81ED-4DB2-BD59-A6C34878D82A}">
+                    <a16:rowId xmlns:a16="http://schemas.microsoft.com/office/drawing/2014/main" val="10000"/>
+                  </a:ext>
+                </a:extLst>
               </a:tr>
             </a:tbl>
           </a:graphicData>
@@ -32523,8 +33190,20 @@
                 <a:tableStyleId>{5C22544A-7EE6-4342-B048-85BDC9FD1C3A}</a:tableStyleId>
               </a:tblPr>
               <a:tblGrid>
-                <a:gridCol w="698500"/>
-                <a:gridCol w="1294765"/>
+                <a:gridCol w="698500">
+                  <a:extLst>
+                    <a:ext uri="{9D8B030D-6E8A-4147-A177-3AD203B41FA5}">
+                      <a16:colId xmlns:a16="http://schemas.microsoft.com/office/drawing/2014/main" val="20000"/>
+                    </a:ext>
+                  </a:extLst>
+                </a:gridCol>
+                <a:gridCol w="1294765">
+                  <a:extLst>
+                    <a:ext uri="{9D8B030D-6E8A-4147-A177-3AD203B41FA5}">
+                      <a16:colId xmlns:a16="http://schemas.microsoft.com/office/drawing/2014/main" val="20001"/>
+                    </a:ext>
+                  </a:extLst>
+                </a:gridCol>
               </a:tblGrid>
               <a:tr h="247650">
                 <a:tc>
@@ -32546,7 +33225,7 @@
                         <a:buNone/>
                       </a:pPr>
                       <a:r>
-                        <a:rPr lang="en-US" altLang="ko-KR" sz="1000" kern="1200" i="0" b="0">
+                        <a:rPr lang="en-US" altLang="ko-KR" sz="1000" b="0" i="0" kern="1200">
                           <a:solidFill>
                             <a:schemeClr val="tx1"/>
                           </a:solidFill>
@@ -32555,7 +33234,7 @@
                         </a:rPr>
                         <a:t>작성자</a:t>
                       </a:r>
-                      <a:endParaRPr lang="ko-KR" altLang="en-US" sz="1000" kern="1200" i="0" b="0">
+                      <a:endParaRPr lang="ko-KR" altLang="en-US" sz="1000" b="0" i="0" kern="1200">
                         <a:solidFill>
                           <a:schemeClr val="tx1"/>
                         </a:solidFill>
@@ -32564,7 +33243,7 @@
                       </a:endParaRPr>
                     </a:p>
                   </a:txBody>
-                  <a:tcPr marL="90170" marR="90170" marT="46990" marB="46990" anchor="t">
+                  <a:tcPr marL="90170" marR="90170" marT="46990" marB="46990">
                     <a:lnL w="12700" cap="flat" cmpd="sng" algn="ctr">
                       <a:solidFill>
                         <a:srgbClr val="000000">
@@ -32636,7 +33315,7 @@
                         <a:buNone/>
                       </a:pPr>
                       <a:r>
-                        <a:rPr lang="ko-KR" altLang="en-US" sz="1000" kern="1200" i="0" b="1">
+                        <a:rPr lang="ko-KR" altLang="en-US" sz="1000" b="1" i="0" kern="1200">
                           <a:solidFill>
                             <a:schemeClr val="tx1"/>
                           </a:solidFill>
@@ -32645,16 +33324,9 @@
                         </a:rPr>
                         <a:t>안영우</a:t>
                       </a:r>
-                      <a:endParaRPr lang="ko-KR" altLang="en-US" sz="1000" kern="1200" i="0" b="1">
-                        <a:solidFill>
-                          <a:schemeClr val="tx1"/>
-                        </a:solidFill>
-                        <a:latin typeface="맑은 고딕" charset="0"/>
-                        <a:ea typeface="맑은 고딕" charset="0"/>
-                      </a:endParaRPr>
                     </a:p>
                   </a:txBody>
-                  <a:tcPr marL="90170" marR="90170" marT="46990" marB="46990" anchor="t">
+                  <a:tcPr marL="90170" marR="90170" marT="46990" marB="46990">
                     <a:lnL w="12700" cap="flat" cmpd="sng" algn="ctr">
                       <a:solidFill>
                         <a:srgbClr val="000000">
@@ -32704,6 +33376,11 @@
                     </a:solidFill>
                   </a:tcPr>
                 </a:tc>
+                <a:extLst>
+                  <a:ext uri="{0D108BD9-81ED-4DB2-BD59-A6C34878D82A}">
+                    <a16:rowId xmlns:a16="http://schemas.microsoft.com/office/drawing/2014/main" val="10000"/>
+                  </a:ext>
+                </a:extLst>
               </a:tr>
             </a:tbl>
           </a:graphicData>
@@ -32718,7 +33395,7 @@
           <p:nvPr/>
         </p:nvPicPr>
         <p:blipFill rotWithShape="1">
-          <a:blip r:embed="rId4" cstate="print">
+          <a:blip r:embed="rId3" cstate="print">
             <a:extLst>
               <a:ext uri="{28A0092B-C50C-407E-A947-70E740481C1C}">
                 <a14:useLocalDpi xmlns:a14="http://schemas.microsoft.com/office/drawing/2010/main" val="0"/>
@@ -32730,11 +33407,13 @@
           </a:stretch>
         </p:blipFill>
         <p:spPr>
-          <a:xfrm rot="0">
+          <a:xfrm>
             <a:off x="1922780" y="1169670"/>
             <a:ext cx="5438775" cy="5033645"/>
           </a:xfrm>
-          <a:prstGeom prst="rect"/>
+          <a:prstGeom prst="rect">
+            <a:avLst/>
+          </a:prstGeom>
           <a:noFill/>
         </p:spPr>
       </p:pic>
@@ -32748,26 +33427,11 @@
   <p:clrMapOvr>
     <a:masterClrMapping/>
   </p:clrMapOvr>
-  <mc:AlternateContent xmlns:mc="http://schemas.openxmlformats.org/markup-compatibility/2006">
-    <mc:Choice xmlns:p14="http://schemas.microsoft.com/office/powerpoint/2010/main" Requires="p14">
-      <p:transition spd="slow" p14:dur="2000"/>
-    </mc:Choice>
-    <mc:Fallback>
-      <p:transition spd="slow"/>
-    </mc:Fallback>
-  </mc:AlternateContent>
-  <p:timing>
-    <p:tnLst>
-      <p:par>
-        <p:cTn id="1" dur="indefinite" restart="never" nodeType="tmRoot"/>
-      </p:par>
-    </p:tnLst>
-  </p:timing>
 </p:sld>
 </file>
 
 <file path=ppt/slides/slide9.xml><?xml version="1.0" encoding="utf-8"?>
-<p:sld xmlns:a="http://schemas.openxmlformats.org/drawingml/2006/main" xmlns:r="http://schemas.openxmlformats.org/officeDocument/2006/relationships" xmlns:p="http://schemas.openxmlformats.org/presentationml/2006/main" xmlns:p14="http://schemas.microsoft.com/office/powerpoint/2010/main">
+<p:sld xmlns:a="http://schemas.openxmlformats.org/drawingml/2006/main" xmlns:r="http://schemas.openxmlformats.org/officeDocument/2006/relationships" xmlns:p="http://schemas.openxmlformats.org/presentationml/2006/main">
   <p:cSld>
     <p:spTree>
       <p:nvGrpSpPr>
@@ -32792,7 +33456,7 @@
           <p:nvPr>
             <p:extLst>
               <p:ext uri="{D42A27DB-BD31-4B8C-83A1-F6EECF244321}">
-                <p14:modId xmlns:p14="http://schemas.microsoft.com/office/powerpoint/2010/main" val="2565157599"/>
+                <p14:modId xmlns:p14="http://schemas.microsoft.com/office/powerpoint/2010/main" val="3341284140"/>
               </p:ext>
             </p:extLst>
           </p:nvPr>
@@ -32808,8 +33472,20 @@
                 <a:tableStyleId>{5C22544A-7EE6-4342-B048-85BDC9FD1C3A}</a:tableStyleId>
               </a:tblPr>
               <a:tblGrid>
-                <a:gridCol w="814070"/>
-                <a:gridCol w="1393825"/>
+                <a:gridCol w="814070">
+                  <a:extLst>
+                    <a:ext uri="{9D8B030D-6E8A-4147-A177-3AD203B41FA5}">
+                      <a16:colId xmlns:a16="http://schemas.microsoft.com/office/drawing/2014/main" val="20000"/>
+                    </a:ext>
+                  </a:extLst>
+                </a:gridCol>
+                <a:gridCol w="1393825">
+                  <a:extLst>
+                    <a:ext uri="{9D8B030D-6E8A-4147-A177-3AD203B41FA5}">
+                      <a16:colId xmlns:a16="http://schemas.microsoft.com/office/drawing/2014/main" val="20001"/>
+                    </a:ext>
+                  </a:extLst>
+                </a:gridCol>
               </a:tblGrid>
               <a:tr h="247650">
                 <a:tc>
@@ -32927,7 +33603,7 @@
                     <a:p>
                       <a:pPr algn="ctr" fontAlgn="ctr"/>
                       <a:r>
-                        <a:rPr lang="en-US" sz="1100" b="0" i="0" u="none" strike="noStrike" dirty="0" smtClean="0">
+                        <a:rPr lang="en-US" sz="1000" b="0" i="0" u="none" strike="noStrike" dirty="0">
                           <a:solidFill>
                             <a:srgbClr val="000000"/>
                           </a:solidFill>
@@ -32936,13 +33612,6 @@
                         </a:rPr>
                         <a:t>F-BC-PR</a:t>
                       </a:r>
-                      <a:endParaRPr lang="en-US" sz="1100" b="0" i="0" u="none" strike="noStrike" dirty="0">
-                        <a:solidFill>
-                          <a:srgbClr val="000000"/>
-                        </a:solidFill>
-                        <a:effectLst/>
-                        <a:latin typeface="맑은 고딕"/>
-                      </a:endParaRPr>
                     </a:p>
                   </a:txBody>
                   <a:tcPr marL="9525" marR="9525" marT="9525" marB="0" anchor="ctr">
@@ -32993,6 +33662,11 @@
                     </a:solidFill>
                   </a:tcPr>
                 </a:tc>
+                <a:extLst>
+                  <a:ext uri="{0D108BD9-81ED-4DB2-BD59-A6C34878D82A}">
+                    <a16:rowId xmlns:a16="http://schemas.microsoft.com/office/drawing/2014/main" val="10000"/>
+                  </a:ext>
+                </a:extLst>
               </a:tr>
               <a:tr h="247650">
                 <a:tc>
@@ -33090,7 +33764,7 @@
                     <a:p>
                       <a:pPr algn="ctr" fontAlgn="ctr"/>
                       <a:r>
-                        <a:rPr lang="ko-KR" altLang="en-US" sz="1100" b="0" i="0" u="none" strike="noStrike" dirty="0" err="1">
+                        <a:rPr lang="ko-KR" altLang="en-US" sz="1000" b="0" i="0" u="none" strike="noStrike" dirty="0" err="1">
                           <a:solidFill>
                             <a:srgbClr val="000000"/>
                           </a:solidFill>
@@ -33099,7 +33773,7 @@
                         </a:rPr>
                         <a:t>게시글답변</a:t>
                       </a:r>
-                      <a:endParaRPr lang="ko-KR" altLang="en-US" sz="1100" b="0" i="0" u="none" strike="noStrike" dirty="0">
+                      <a:endParaRPr lang="ko-KR" altLang="en-US" sz="1000" b="0" i="0" u="none" strike="noStrike" dirty="0">
                         <a:solidFill>
                           <a:srgbClr val="000000"/>
                         </a:solidFill>
@@ -33156,6 +33830,11 @@
                     </a:solidFill>
                   </a:tcPr>
                 </a:tc>
+                <a:extLst>
+                  <a:ext uri="{0D108BD9-81ED-4DB2-BD59-A6C34878D82A}">
+                    <a16:rowId xmlns:a16="http://schemas.microsoft.com/office/drawing/2014/main" val="10001"/>
+                  </a:ext>
+                </a:extLst>
               </a:tr>
             </a:tbl>
           </a:graphicData>
@@ -33252,9 +33931,27 @@
                 <a:tableStyleId>{5C22544A-7EE6-4342-B048-85BDC9FD1C3A}</a:tableStyleId>
               </a:tblPr>
               <a:tblGrid>
-                <a:gridCol w="400050"/>
-                <a:gridCol w="452755"/>
-                <a:gridCol w="2047875"/>
+                <a:gridCol w="400050">
+                  <a:extLst>
+                    <a:ext uri="{9D8B030D-6E8A-4147-A177-3AD203B41FA5}">
+                      <a16:colId xmlns:a16="http://schemas.microsoft.com/office/drawing/2014/main" val="20000"/>
+                    </a:ext>
+                  </a:extLst>
+                </a:gridCol>
+                <a:gridCol w="452755">
+                  <a:extLst>
+                    <a:ext uri="{9D8B030D-6E8A-4147-A177-3AD203B41FA5}">
+                      <a16:colId xmlns:a16="http://schemas.microsoft.com/office/drawing/2014/main" val="20001"/>
+                    </a:ext>
+                  </a:extLst>
+                </a:gridCol>
+                <a:gridCol w="2047875">
+                  <a:extLst>
+                    <a:ext uri="{9D8B030D-6E8A-4147-A177-3AD203B41FA5}">
+                      <a16:colId xmlns:a16="http://schemas.microsoft.com/office/drawing/2014/main" val="20002"/>
+                    </a:ext>
+                  </a:extLst>
+                </a:gridCol>
               </a:tblGrid>
               <a:tr h="247650">
                 <a:tc>
@@ -33276,7 +33973,7 @@
                         <a:buNone/>
                       </a:pPr>
                       <a:r>
-                        <a:rPr lang="en-US" altLang="ko-KR" sz="1000" kern="1200" i="0" b="1">
+                        <a:rPr lang="en-US" altLang="ko-KR" sz="1000" b="1" i="0" kern="1200">
                           <a:solidFill>
                             <a:schemeClr val="tx1"/>
                           </a:solidFill>
@@ -33285,7 +33982,7 @@
                         </a:rPr>
                         <a:t>No.</a:t>
                       </a:r>
-                      <a:endParaRPr lang="ko-KR" altLang="en-US" sz="1000" kern="1200" i="0" b="1">
+                      <a:endParaRPr lang="ko-KR" altLang="en-US" sz="1000" b="1" i="0" kern="1200">
                         <a:solidFill>
                           <a:schemeClr val="tx1"/>
                         </a:solidFill>
@@ -33366,7 +34063,7 @@
                         <a:buNone/>
                       </a:pPr>
                       <a:r>
-                        <a:rPr lang="en-US" altLang="ko-KR" sz="1000" kern="1200" i="0" b="1">
+                        <a:rPr lang="en-US" altLang="ko-KR" sz="1000" b="1" i="0" kern="1200">
                           <a:solidFill>
                             <a:schemeClr val="tx1"/>
                           </a:solidFill>
@@ -33375,7 +34072,7 @@
                         </a:rPr>
                         <a:t>CRUD</a:t>
                       </a:r>
-                      <a:endParaRPr lang="ko-KR" altLang="en-US" sz="1000" kern="1200" i="0" b="1">
+                      <a:endParaRPr lang="ko-KR" altLang="en-US" sz="1000" b="1" i="0" kern="1200">
                         <a:solidFill>
                           <a:schemeClr val="tx1"/>
                         </a:solidFill>
@@ -33456,7 +34153,7 @@
                         <a:buNone/>
                       </a:pPr>
                       <a:r>
-                        <a:rPr lang="en-US" altLang="ko-KR" sz="1000" kern="1200" i="0" b="1">
+                        <a:rPr lang="en-US" altLang="ko-KR" sz="1000" b="1" i="0" kern="1200">
                           <a:solidFill>
                             <a:schemeClr val="tx1"/>
                           </a:solidFill>
@@ -33465,7 +34162,7 @@
                         </a:rPr>
                         <a:t>기능</a:t>
                       </a:r>
-                      <a:endParaRPr lang="ko-KR" altLang="en-US" sz="1000" kern="1200" i="0" b="1">
+                      <a:endParaRPr lang="ko-KR" altLang="en-US" sz="1000" b="1" i="0" kern="1200">
                         <a:solidFill>
                           <a:schemeClr val="tx1"/>
                         </a:solidFill>
@@ -33527,6 +34224,11 @@
                     </a:solidFill>
                   </a:tcPr>
                 </a:tc>
+                <a:extLst>
+                  <a:ext uri="{0D108BD9-81ED-4DB2-BD59-A6C34878D82A}">
+                    <a16:rowId xmlns:a16="http://schemas.microsoft.com/office/drawing/2014/main" val="10000"/>
+                  </a:ext>
+                </a:extLst>
               </a:tr>
               <a:tr h="526415">
                 <a:tc>
@@ -33548,7 +34250,7 @@
                         <a:buNone/>
                       </a:pPr>
                       <a:r>
-                        <a:rPr lang="en-US" altLang="ko-KR" sz="1000" kern="1200" i="0" b="0">
+                        <a:rPr lang="en-US" altLang="ko-KR" sz="1000" b="0" i="0" kern="1200">
                           <a:solidFill>
                             <a:schemeClr val="tx1"/>
                           </a:solidFill>
@@ -33557,7 +34259,7 @@
                         </a:rPr>
                         <a:t>01</a:t>
                       </a:r>
-                      <a:endParaRPr lang="ko-KR" altLang="en-US" sz="1000" kern="1200" i="0" b="0">
+                      <a:endParaRPr lang="ko-KR" altLang="en-US" sz="1000" b="0" i="0" kern="1200">
                         <a:solidFill>
                           <a:schemeClr val="tx1"/>
                         </a:solidFill>
@@ -33619,7 +34321,7 @@
                     <a:bodyPr/>
                     <a:lstStyle/>
                     <a:p>
-                      <a:pPr marL="0" indent="0" algn="ctr" fontAlgn="ctr" defTabSz="914400" eaLnBrk="1" latinLnBrk="1" hangingPunct="1">
+                      <a:pPr marL="0" indent="0" algn="ctr" defTabSz="914400" eaLnBrk="1" fontAlgn="ctr" latinLnBrk="1" hangingPunct="1">
                         <a:lnSpc>
                           <a:spcPct val="100000"/>
                         </a:lnSpc>
@@ -33633,7 +34335,7 @@
                         <a:buNone/>
                       </a:pPr>
                       <a:r>
-                        <a:rPr lang="en-US" sz="1100" kern="1200" i="0" b="0" strike="noStrike">
+                        <a:rPr lang="en-US" sz="1100" b="0" i="0" strike="noStrike" kern="1200">
                           <a:solidFill>
                             <a:srgbClr val="000000"/>
                           </a:solidFill>
@@ -33642,7 +34344,7 @@
                         </a:rPr>
                         <a:t>R</a:t>
                       </a:r>
-                      <a:endParaRPr lang="ko-KR" altLang="en-US" sz="1100" kern="1200" i="0" b="0" strike="noStrike">
+                      <a:endParaRPr lang="ko-KR" altLang="en-US" sz="1100" b="0" i="0" strike="noStrike" kern="1200">
                         <a:solidFill>
                           <a:srgbClr val="000000"/>
                         </a:solidFill>
@@ -33704,7 +34406,7 @@
                     <a:bodyPr/>
                     <a:lstStyle/>
                     <a:p>
-                      <a:pPr marL="0" indent="0" algn="l" fontAlgn="ctr" defTabSz="914400" eaLnBrk="1" latinLnBrk="1" hangingPunct="1">
+                      <a:pPr marL="0" indent="0" algn="l" defTabSz="914400" eaLnBrk="1" fontAlgn="ctr" latinLnBrk="1" hangingPunct="1">
                         <a:lnSpc>
                           <a:spcPct val="100000"/>
                         </a:lnSpc>
@@ -33718,7 +34420,7 @@
                         <a:buNone/>
                       </a:pPr>
                       <a:r>
-                        <a:rPr lang="en-US" altLang="ko-KR" sz="1100" kern="1200" i="0" b="0" strike="noStrike">
+                        <a:rPr lang="en-US" altLang="ko-KR" sz="1100" b="0" i="0" strike="noStrike" kern="1200">
                           <a:solidFill>
                             <a:srgbClr val="000000"/>
                           </a:solidFill>
@@ -33728,7 +34430,7 @@
                         <a:t>- </a:t>
                       </a:r>
                       <a:r>
-                        <a:rPr lang="ko-KR" altLang="en-US" sz="1100" kern="1200" i="0" b="0" strike="noStrike">
+                        <a:rPr lang="ko-KR" altLang="en-US" sz="1100" b="0" i="0" strike="noStrike" kern="1200">
                           <a:solidFill>
                             <a:srgbClr val="000000"/>
                           </a:solidFill>
@@ -33739,7 +34441,7 @@
                         <a:t>게시글의</a:t>
                       </a:r>
                       <a:r>
-                        <a:rPr lang="ko-KR" altLang="en-US" sz="1100" kern="1200" i="0" b="0" strike="noStrike">
+                        <a:rPr lang="ko-KR" altLang="en-US" sz="1100" b="0" i="0" strike="noStrike" kern="1200">
                           <a:solidFill>
                             <a:srgbClr val="000000"/>
                           </a:solidFill>
@@ -33749,7 +34451,7 @@
                         <a:t> </a:t>
                       </a:r>
                       <a:r>
-                        <a:rPr lang="ko-KR" altLang="en-US" sz="1100" kern="1200" i="0" b="0" strike="noStrike">
+                        <a:rPr lang="ko-KR" altLang="en-US" sz="1100" b="0" i="0" strike="noStrike" kern="1200">
                           <a:solidFill>
                             <a:srgbClr val="000000"/>
                           </a:solidFill>
@@ -33760,7 +34462,7 @@
                         <a:t>제목을</a:t>
                       </a:r>
                       <a:r>
-                        <a:rPr lang="ko-KR" altLang="en-US" sz="1100" kern="1200" i="0" b="0" strike="noStrike">
+                        <a:rPr lang="ko-KR" altLang="en-US" sz="1100" b="0" i="0" strike="noStrike" kern="1200">
                           <a:solidFill>
                             <a:srgbClr val="000000"/>
                           </a:solidFill>
@@ -33770,7 +34472,7 @@
                         <a:t> </a:t>
                       </a:r>
                       <a:r>
-                        <a:rPr lang="ko-KR" altLang="en-US" sz="1100" kern="1200" i="0" b="0" strike="noStrike">
+                        <a:rPr lang="ko-KR" altLang="en-US" sz="1100" b="0" i="0" strike="noStrike" kern="1200">
                           <a:solidFill>
                             <a:srgbClr val="000000"/>
                           </a:solidFill>
@@ -33781,7 +34483,7 @@
                         <a:t>읽어오고</a:t>
                       </a:r>
                       <a:r>
-                        <a:rPr lang="ko-KR" altLang="en-US" sz="1100" kern="1200" i="0" b="0" strike="noStrike">
+                        <a:rPr lang="ko-KR" altLang="en-US" sz="1100" b="0" i="0" strike="noStrike" kern="1200">
                           <a:solidFill>
                             <a:srgbClr val="000000"/>
                           </a:solidFill>
@@ -33791,7 +34493,7 @@
                         <a:t> </a:t>
                       </a:r>
                       <a:r>
-                        <a:rPr lang="ko-KR" altLang="en-US" sz="1100" kern="1200" i="0" b="0" strike="noStrike">
+                        <a:rPr lang="ko-KR" altLang="en-US" sz="1100" b="0" i="0" strike="noStrike" kern="1200">
                           <a:solidFill>
                             <a:srgbClr val="000000"/>
                           </a:solidFill>
@@ -33802,7 +34504,7 @@
                         <a:t>앞에</a:t>
                       </a:r>
                       <a:r>
-                        <a:rPr lang="ko-KR" altLang="en-US" sz="1100" kern="1200" i="0" b="0" strike="noStrike">
+                        <a:rPr lang="ko-KR" altLang="en-US" sz="1100" b="0" i="0" strike="noStrike" kern="1200">
                           <a:solidFill>
                             <a:srgbClr val="000000"/>
                           </a:solidFill>
@@ -33812,7 +34514,7 @@
                         <a:t> </a:t>
                       </a:r>
                       <a:r>
-                        <a:rPr lang="en-US" altLang="ko-KR" sz="1100" kern="1200" i="0" b="0" strike="noStrike">
+                        <a:rPr lang="en-US" altLang="ko-KR" sz="1100" b="0" i="0" strike="noStrike" kern="1200">
                           <a:solidFill>
                             <a:srgbClr val="000000"/>
                           </a:solidFill>
@@ -33822,7 +34524,7 @@
                         <a:t>[RE] </a:t>
                       </a:r>
                       <a:r>
-                        <a:rPr lang="ko-KR" altLang="en-US" sz="1100" kern="1200" i="0" b="0" strike="noStrike">
+                        <a:rPr lang="ko-KR" altLang="en-US" sz="1100" b="0" i="0" strike="noStrike" kern="1200">
                           <a:solidFill>
                             <a:srgbClr val="000000"/>
                           </a:solidFill>
@@ -33832,14 +34534,6 @@
                         </a:rPr>
                         <a:t>붙이기</a:t>
                       </a:r>
-                      <a:endParaRPr lang="ko-KR" altLang="en-US" sz="1100" kern="1200" i="0" b="0" strike="noStrike">
-                        <a:solidFill>
-                          <a:srgbClr val="000000"/>
-                        </a:solidFill>
-                        <a:latin typeface="맑은 고딕" charset="0"/>
-                        <a:ea typeface="맑은 고딕" charset="0"/>
-                        <a:cs typeface="+mn-cs"/>
-                      </a:endParaRPr>
                     </a:p>
                   </a:txBody>
                   <a:tcPr marL="9525" marR="9525" marT="9525" marB="0" anchor="ctr">
@@ -33892,6 +34586,11 @@
                     </a:solidFill>
                   </a:tcPr>
                 </a:tc>
+                <a:extLst>
+                  <a:ext uri="{0D108BD9-81ED-4DB2-BD59-A6C34878D82A}">
+                    <a16:rowId xmlns:a16="http://schemas.microsoft.com/office/drawing/2014/main" val="10001"/>
+                  </a:ext>
+                </a:extLst>
               </a:tr>
               <a:tr h="526415">
                 <a:tc>
@@ -33913,7 +34612,7 @@
                         <a:buNone/>
                       </a:pPr>
                       <a:r>
-                        <a:rPr lang="en-US" altLang="ko-KR" sz="1000" kern="1200" i="0" b="0">
+                        <a:rPr lang="en-US" altLang="ko-KR" sz="1000" b="0" i="0" kern="1200">
                           <a:solidFill>
                             <a:schemeClr val="tx1"/>
                           </a:solidFill>
@@ -33922,7 +34621,7 @@
                         </a:rPr>
                         <a:t>02</a:t>
                       </a:r>
-                      <a:endParaRPr lang="ko-KR" altLang="en-US" sz="1000" kern="1200" i="0" b="0">
+                      <a:endParaRPr lang="ko-KR" altLang="en-US" sz="1000" b="0" i="0" kern="1200">
                         <a:solidFill>
                           <a:schemeClr val="tx1"/>
                         </a:solidFill>
@@ -33984,7 +34683,7 @@
                     <a:bodyPr/>
                     <a:lstStyle/>
                     <a:p>
-                      <a:pPr marL="0" indent="0" algn="ctr" fontAlgn="ctr" defTabSz="914400" eaLnBrk="1" latinLnBrk="1" hangingPunct="1">
+                      <a:pPr marL="0" indent="0" algn="ctr" defTabSz="914400" eaLnBrk="1" fontAlgn="ctr" latinLnBrk="1" hangingPunct="1">
                         <a:lnSpc>
                           <a:spcPct val="100000"/>
                         </a:lnSpc>
@@ -33998,7 +34697,7 @@
                         <a:buNone/>
                       </a:pPr>
                       <a:r>
-                        <a:rPr lang="en-US" sz="1100" kern="1200" i="0" b="0" strike="noStrike">
+                        <a:rPr lang="en-US" sz="1100" b="0" i="0" strike="noStrike" kern="1200">
                           <a:solidFill>
                             <a:srgbClr val="000000"/>
                           </a:solidFill>
@@ -34007,7 +34706,7 @@
                         </a:rPr>
                         <a:t>C</a:t>
                       </a:r>
-                      <a:endParaRPr lang="ko-KR" altLang="en-US" sz="1100" kern="1200" i="0" b="0" strike="noStrike">
+                      <a:endParaRPr lang="ko-KR" altLang="en-US" sz="1100" b="0" i="0" strike="noStrike" kern="1200">
                         <a:solidFill>
                           <a:srgbClr val="000000"/>
                         </a:solidFill>
@@ -34069,7 +34768,7 @@
                     <a:bodyPr/>
                     <a:lstStyle/>
                     <a:p>
-                      <a:pPr marL="0" indent="0" algn="l" fontAlgn="ctr" defTabSz="914400" eaLnBrk="1" latinLnBrk="1" hangingPunct="1">
+                      <a:pPr marL="0" indent="0" algn="l" defTabSz="914400" eaLnBrk="1" fontAlgn="ctr" latinLnBrk="1" hangingPunct="1">
                         <a:lnSpc>
                           <a:spcPct val="100000"/>
                         </a:lnSpc>
@@ -34083,7 +34782,7 @@
                         <a:buNone/>
                       </a:pPr>
                       <a:r>
-                        <a:rPr lang="en-US" altLang="ko-KR" sz="1100" kern="1200" i="0" b="0" strike="noStrike">
+                        <a:rPr lang="en-US" altLang="ko-KR" sz="1100" b="0" i="0" strike="noStrike" kern="1200">
                           <a:solidFill>
                             <a:srgbClr val="000000"/>
                           </a:solidFill>
@@ -34093,7 +34792,7 @@
                         <a:t>- </a:t>
                       </a:r>
                       <a:r>
-                        <a:rPr lang="ko-KR" altLang="en-US" sz="1100" kern="1200" i="0" b="0" strike="noStrike">
+                        <a:rPr lang="ko-KR" altLang="en-US" sz="1100" b="0" i="0" strike="noStrike" kern="1200">
                           <a:solidFill>
                             <a:srgbClr val="000000"/>
                           </a:solidFill>
@@ -34104,7 +34803,7 @@
                         <a:t>완료</a:t>
                       </a:r>
                       <a:r>
-                        <a:rPr lang="ko-KR" altLang="en-US" sz="1100" kern="1200" i="0" b="0" strike="noStrike">
+                        <a:rPr lang="ko-KR" altLang="en-US" sz="1100" b="0" i="0" strike="noStrike" kern="1200">
                           <a:solidFill>
                             <a:srgbClr val="000000"/>
                           </a:solidFill>
@@ -34114,7 +34813,7 @@
                         <a:t> </a:t>
                       </a:r>
                       <a:r>
-                        <a:rPr lang="ko-KR" altLang="en-US" sz="1100" kern="1200" i="0" b="0" strike="noStrike">
+                        <a:rPr lang="ko-KR" altLang="en-US" sz="1100" b="0" i="0" strike="noStrike" kern="1200">
                           <a:solidFill>
                             <a:srgbClr val="000000"/>
                           </a:solidFill>
@@ -34125,7 +34824,7 @@
                         <a:t>버튼</a:t>
                       </a:r>
                       <a:r>
-                        <a:rPr lang="ko-KR" altLang="en-US" sz="1100" kern="1200" i="0" b="0" strike="noStrike">
+                        <a:rPr lang="ko-KR" altLang="en-US" sz="1100" b="0" i="0" strike="noStrike" kern="1200">
                           <a:solidFill>
                             <a:srgbClr val="000000"/>
                           </a:solidFill>
@@ -34135,7 +34834,7 @@
                         <a:t> </a:t>
                       </a:r>
                       <a:r>
-                        <a:rPr lang="ko-KR" altLang="en-US" sz="1100" kern="1200" i="0" b="0" strike="noStrike">
+                        <a:rPr lang="ko-KR" altLang="en-US" sz="1100" b="0" i="0" strike="noStrike" kern="1200">
                           <a:solidFill>
                             <a:srgbClr val="000000"/>
                           </a:solidFill>
@@ -34146,7 +34845,7 @@
                         <a:t>클릭시</a:t>
                       </a:r>
                       <a:r>
-                        <a:rPr lang="ko-KR" altLang="en-US" sz="1100" kern="1200" i="0" b="0" strike="noStrike">
+                        <a:rPr lang="ko-KR" altLang="en-US" sz="1100" b="0" i="0" strike="noStrike" kern="1200">
                           <a:solidFill>
                             <a:srgbClr val="000000"/>
                           </a:solidFill>
@@ -34156,7 +34855,7 @@
                         <a:t> </a:t>
                       </a:r>
                       <a:r>
-                        <a:rPr lang="en-US" altLang="ko-KR" sz="1100" kern="1200" i="0" b="0" strike="noStrike">
+                        <a:rPr lang="en-US" altLang="ko-KR" sz="1100" b="0" i="0" strike="noStrike" kern="1200">
                           <a:solidFill>
                             <a:srgbClr val="000000"/>
                           </a:solidFill>
@@ -34166,7 +34865,7 @@
                         <a:t>DB</a:t>
                       </a:r>
                       <a:r>
-                        <a:rPr lang="ko-KR" altLang="en-US" sz="1100" kern="1200" i="0" b="0" strike="noStrike">
+                        <a:rPr lang="ko-KR" altLang="en-US" sz="1100" b="0" i="0" strike="noStrike" kern="1200">
                           <a:solidFill>
                             <a:srgbClr val="000000"/>
                           </a:solidFill>
@@ -34177,7 +34876,7 @@
                         <a:t>에</a:t>
                       </a:r>
                       <a:r>
-                        <a:rPr lang="ko-KR" altLang="en-US" sz="1100" kern="1200" i="0" b="0" strike="noStrike">
+                        <a:rPr lang="ko-KR" altLang="en-US" sz="1100" b="0" i="0" strike="noStrike" kern="1200">
                           <a:solidFill>
                             <a:srgbClr val="000000"/>
                           </a:solidFill>
@@ -34187,7 +34886,7 @@
                         <a:t> </a:t>
                       </a:r>
                       <a:r>
-                        <a:rPr lang="en-US" altLang="ko-KR" sz="1100" kern="1200" i="0" b="0" strike="noStrike">
+                        <a:rPr lang="en-US" altLang="ko-KR" sz="1100" b="0" i="0" strike="noStrike" kern="1200">
                           <a:solidFill>
                             <a:srgbClr val="000000"/>
                           </a:solidFill>
@@ -34197,7 +34896,7 @@
                         <a:t>CREATE </a:t>
                       </a:r>
                       <a:r>
-                        <a:rPr lang="ko-KR" altLang="en-US" sz="1100" kern="1200" i="0" b="0" strike="noStrike">
+                        <a:rPr lang="ko-KR" altLang="en-US" sz="1100" b="0" i="0" strike="noStrike" kern="1200">
                           <a:solidFill>
                             <a:srgbClr val="000000"/>
                           </a:solidFill>
@@ -34208,7 +34907,7 @@
                         <a:t>후</a:t>
                       </a:r>
                       <a:r>
-                        <a:rPr lang="ko-KR" altLang="en-US" sz="1100" kern="1200" i="0" b="0" strike="noStrike">
+                        <a:rPr lang="ko-KR" altLang="en-US" sz="1100" b="0" i="0" strike="noStrike" kern="1200">
                           <a:solidFill>
                             <a:srgbClr val="000000"/>
                           </a:solidFill>
@@ -34218,7 +34917,7 @@
                         <a:t> </a:t>
                       </a:r>
                       <a:r>
-                        <a:rPr lang="ko-KR" altLang="en-US" sz="1100" kern="1200" i="0" b="0" strike="noStrike">
+                        <a:rPr lang="ko-KR" altLang="en-US" sz="1100" b="0" i="0" strike="noStrike" kern="1200">
                           <a:solidFill>
                             <a:srgbClr val="000000"/>
                           </a:solidFill>
@@ -34229,7 +34928,7 @@
                         <a:t>게시글읽기</a:t>
                       </a:r>
                       <a:r>
-                        <a:rPr lang="ko-KR" altLang="en-US" sz="1100" kern="1200" i="0" b="0" strike="noStrike">
+                        <a:rPr lang="ko-KR" altLang="en-US" sz="1100" b="0" i="0" strike="noStrike" kern="1200">
                           <a:solidFill>
                             <a:srgbClr val="000000"/>
                           </a:solidFill>
@@ -34239,7 +34938,7 @@
                         <a:t> </a:t>
                       </a:r>
                       <a:r>
-                        <a:rPr lang="ko-KR" altLang="en-US" sz="1100" kern="1200" i="0" b="0" strike="noStrike">
+                        <a:rPr lang="ko-KR" altLang="en-US" sz="1100" b="0" i="0" strike="noStrike" kern="1200">
                           <a:solidFill>
                             <a:srgbClr val="000000"/>
                           </a:solidFill>
@@ -34250,7 +34949,7 @@
                         <a:t>페이지로</a:t>
                       </a:r>
                       <a:r>
-                        <a:rPr lang="ko-KR" altLang="en-US" sz="1100" kern="1200" i="0" b="0" strike="noStrike">
+                        <a:rPr lang="ko-KR" altLang="en-US" sz="1100" b="0" i="0" strike="noStrike" kern="1200">
                           <a:solidFill>
                             <a:srgbClr val="000000"/>
                           </a:solidFill>
@@ -34260,7 +34959,7 @@
                         <a:t> </a:t>
                       </a:r>
                       <a:r>
-                        <a:rPr lang="ko-KR" altLang="en-US" sz="1100" kern="1200" i="0" b="0" strike="noStrike">
+                        <a:rPr lang="ko-KR" altLang="en-US" sz="1100" b="0" i="0" strike="noStrike" kern="1200">
                           <a:solidFill>
                             <a:srgbClr val="000000"/>
                           </a:solidFill>
@@ -34270,14 +34969,6 @@
                         </a:rPr>
                         <a:t>이동</a:t>
                       </a:r>
-                      <a:endParaRPr lang="ko-KR" altLang="en-US" sz="1100" kern="1200" i="0" b="0" strike="noStrike">
-                        <a:solidFill>
-                          <a:srgbClr val="000000"/>
-                        </a:solidFill>
-                        <a:latin typeface="맑은 고딕" charset="0"/>
-                        <a:ea typeface="맑은 고딕" charset="0"/>
-                        <a:cs typeface="+mn-cs"/>
-                      </a:endParaRPr>
                     </a:p>
                   </a:txBody>
                   <a:tcPr marL="9525" marR="9525" marT="9525" marB="0" anchor="ctr">
@@ -34330,6 +35021,11 @@
                     </a:solidFill>
                   </a:tcPr>
                 </a:tc>
+                <a:extLst>
+                  <a:ext uri="{0D108BD9-81ED-4DB2-BD59-A6C34878D82A}">
+                    <a16:rowId xmlns:a16="http://schemas.microsoft.com/office/drawing/2014/main" val="10002"/>
+                  </a:ext>
+                </a:extLst>
               </a:tr>
               <a:tr h="526415">
                 <a:tc>
@@ -34351,7 +35047,7 @@
                         <a:buNone/>
                       </a:pPr>
                       <a:r>
-                        <a:rPr lang="en-US" altLang="ko-KR" sz="1000" kern="1200" i="0" b="0">
+                        <a:rPr lang="en-US" altLang="ko-KR" sz="1000" b="0" i="0" kern="1200">
                           <a:solidFill>
                             <a:schemeClr val="tx1"/>
                           </a:solidFill>
@@ -34360,7 +35056,7 @@
                         </a:rPr>
                         <a:t>03</a:t>
                       </a:r>
-                      <a:endParaRPr lang="ko-KR" altLang="en-US" sz="1000" kern="1200" i="0" b="0">
+                      <a:endParaRPr lang="ko-KR" altLang="en-US" sz="1000" b="0" i="0" kern="1200">
                         <a:solidFill>
                           <a:schemeClr val="tx1"/>
                         </a:solidFill>
@@ -34422,7 +35118,7 @@
                     <a:bodyPr/>
                     <a:lstStyle/>
                     <a:p>
-                      <a:pPr marL="0" indent="0" algn="ctr" fontAlgn="ctr" defTabSz="914400" eaLnBrk="1" latinLnBrk="1" hangingPunct="1">
+                      <a:pPr marL="0" indent="0" algn="ctr" defTabSz="914400" eaLnBrk="1" fontAlgn="ctr" latinLnBrk="1" hangingPunct="1">
                         <a:lnSpc>
                           <a:spcPct val="100000"/>
                         </a:lnSpc>
@@ -34436,7 +35132,7 @@
                         <a:buNone/>
                       </a:pPr>
                       <a:r>
-                        <a:rPr lang="ko-KR" altLang="en-US" sz="1100" kern="1200" i="0" b="0" strike="noStrike">
+                        <a:rPr lang="ko-KR" altLang="en-US" sz="1100" b="0" i="0" strike="noStrike" kern="1200">
                           <a:solidFill>
                             <a:srgbClr val="000000"/>
                           </a:solidFill>
@@ -34446,14 +35142,6 @@
                         </a:rPr>
                         <a:t>　</a:t>
                       </a:r>
-                      <a:endParaRPr lang="ko-KR" altLang="en-US" sz="1100" kern="1200" i="0" b="0" strike="noStrike">
-                        <a:solidFill>
-                          <a:srgbClr val="000000"/>
-                        </a:solidFill>
-                        <a:latin typeface="맑은 고딕" charset="0"/>
-                        <a:ea typeface="맑은 고딕" charset="0"/>
-                        <a:cs typeface="+mn-cs"/>
-                      </a:endParaRPr>
                     </a:p>
                   </a:txBody>
                   <a:tcPr marL="9525" marR="9525" marT="9525" marB="0" anchor="ctr">
@@ -34509,7 +35197,7 @@
                     <a:bodyPr/>
                     <a:lstStyle/>
                     <a:p>
-                      <a:pPr marL="0" indent="0" algn="l" fontAlgn="ctr" defTabSz="914400" eaLnBrk="1" latinLnBrk="1" hangingPunct="1">
+                      <a:pPr marL="0" indent="0" algn="l" defTabSz="914400" eaLnBrk="1" fontAlgn="ctr" latinLnBrk="1" hangingPunct="1">
                         <a:lnSpc>
                           <a:spcPct val="100000"/>
                         </a:lnSpc>
@@ -34523,7 +35211,7 @@
                         <a:buNone/>
                       </a:pPr>
                       <a:r>
-                        <a:rPr lang="en-US" altLang="ko-KR" sz="1100" kern="1200" i="0" b="0" strike="noStrike">
+                        <a:rPr lang="en-US" altLang="ko-KR" sz="1100" b="0" i="0" strike="noStrike" kern="1200">
                           <a:solidFill>
                             <a:srgbClr val="000000"/>
                           </a:solidFill>
@@ -34533,7 +35221,7 @@
                         <a:t>- </a:t>
                       </a:r>
                       <a:r>
-                        <a:rPr lang="ko-KR" altLang="en-US" sz="1100" kern="1200" i="0" b="0" strike="noStrike">
+                        <a:rPr lang="ko-KR" altLang="en-US" sz="1100" b="0" i="0" strike="noStrike" kern="1200">
                           <a:solidFill>
                             <a:srgbClr val="000000"/>
                           </a:solidFill>
@@ -34544,7 +35232,7 @@
                         <a:t>목록</a:t>
                       </a:r>
                       <a:r>
-                        <a:rPr lang="ko-KR" altLang="en-US" sz="1100" kern="1200" i="0" b="0" strike="noStrike">
+                        <a:rPr lang="ko-KR" altLang="en-US" sz="1100" b="0" i="0" strike="noStrike" kern="1200">
                           <a:solidFill>
                             <a:srgbClr val="000000"/>
                           </a:solidFill>
@@ -34554,7 +35242,7 @@
                         <a:t> </a:t>
                       </a:r>
                       <a:r>
-                        <a:rPr lang="ko-KR" altLang="en-US" sz="1100" kern="1200" i="0" b="0" strike="noStrike">
+                        <a:rPr lang="ko-KR" altLang="en-US" sz="1100" b="0" i="0" strike="noStrike" kern="1200">
                           <a:solidFill>
                             <a:srgbClr val="000000"/>
                           </a:solidFill>
@@ -34565,7 +35253,7 @@
                         <a:t>버튼</a:t>
                       </a:r>
                       <a:r>
-                        <a:rPr lang="ko-KR" altLang="en-US" sz="1100" kern="1200" i="0" b="0" strike="noStrike">
+                        <a:rPr lang="ko-KR" altLang="en-US" sz="1100" b="0" i="0" strike="noStrike" kern="1200">
                           <a:solidFill>
                             <a:srgbClr val="000000"/>
                           </a:solidFill>
@@ -34575,7 +35263,7 @@
                         <a:t> </a:t>
                       </a:r>
                       <a:r>
-                        <a:rPr lang="ko-KR" altLang="en-US" sz="1100" kern="1200" i="0" b="0" strike="noStrike">
+                        <a:rPr lang="ko-KR" altLang="en-US" sz="1100" b="0" i="0" strike="noStrike" kern="1200">
                           <a:solidFill>
                             <a:srgbClr val="000000"/>
                           </a:solidFill>
@@ -34586,7 +35274,7 @@
                         <a:t>클릭시</a:t>
                       </a:r>
                       <a:r>
-                        <a:rPr lang="ko-KR" altLang="en-US" sz="1100" kern="1200" i="0" b="0" strike="noStrike">
+                        <a:rPr lang="ko-KR" altLang="en-US" sz="1100" b="0" i="0" strike="noStrike" kern="1200">
                           <a:solidFill>
                             <a:srgbClr val="000000"/>
                           </a:solidFill>
@@ -34596,7 +35284,7 @@
                         <a:t> </a:t>
                       </a:r>
                       <a:r>
-                        <a:rPr lang="ko-KR" altLang="en-US" sz="1100" kern="1200" i="0" b="0" strike="noStrike">
+                        <a:rPr lang="ko-KR" altLang="en-US" sz="1100" b="0" i="0" strike="noStrike" kern="1200">
                           <a:solidFill>
                             <a:srgbClr val="000000"/>
                           </a:solidFill>
@@ -34607,7 +35295,7 @@
                         <a:t>게시글목록으로</a:t>
                       </a:r>
                       <a:r>
-                        <a:rPr lang="ko-KR" altLang="en-US" sz="1100" kern="1200" i="0" b="0" strike="noStrike">
+                        <a:rPr lang="ko-KR" altLang="en-US" sz="1100" b="0" i="0" strike="noStrike" kern="1200">
                           <a:solidFill>
                             <a:srgbClr val="000000"/>
                           </a:solidFill>
@@ -34617,7 +35305,7 @@
                         <a:t> </a:t>
                       </a:r>
                       <a:r>
-                        <a:rPr lang="ko-KR" altLang="en-US" sz="1100" kern="1200" i="0" b="0" strike="noStrike">
+                        <a:rPr lang="ko-KR" altLang="en-US" sz="1100" b="0" i="0" strike="noStrike" kern="1200">
                           <a:solidFill>
                             <a:srgbClr val="000000"/>
                           </a:solidFill>
@@ -34627,14 +35315,6 @@
                         </a:rPr>
                         <a:t>이동</a:t>
                       </a:r>
-                      <a:endParaRPr lang="ko-KR" altLang="en-US" sz="1100" kern="1200" i="0" b="0" strike="noStrike">
-                        <a:solidFill>
-                          <a:srgbClr val="000000"/>
-                        </a:solidFill>
-                        <a:latin typeface="맑은 고딕" charset="0"/>
-                        <a:ea typeface="맑은 고딕" charset="0"/>
-                        <a:cs typeface="+mn-cs"/>
-                      </a:endParaRPr>
                     </a:p>
                   </a:txBody>
                   <a:tcPr marL="9525" marR="9525" marT="9525" marB="0" anchor="ctr">
@@ -34687,6 +35367,11 @@
                     </a:solidFill>
                   </a:tcPr>
                 </a:tc>
+                <a:extLst>
+                  <a:ext uri="{0D108BD9-81ED-4DB2-BD59-A6C34878D82A}">
+                    <a16:rowId xmlns:a16="http://schemas.microsoft.com/office/drawing/2014/main" val="10003"/>
+                  </a:ext>
+                </a:extLst>
               </a:tr>
             </a:tbl>
           </a:graphicData>
@@ -34711,8 +35396,20 @@
                 <a:tableStyleId>{5C22544A-7EE6-4342-B048-85BDC9FD1C3A}</a:tableStyleId>
               </a:tblPr>
               <a:tblGrid>
-                <a:gridCol w="735330"/>
-                <a:gridCol w="1257935"/>
+                <a:gridCol w="735330">
+                  <a:extLst>
+                    <a:ext uri="{9D8B030D-6E8A-4147-A177-3AD203B41FA5}">
+                      <a16:colId xmlns:a16="http://schemas.microsoft.com/office/drawing/2014/main" val="20000"/>
+                    </a:ext>
+                  </a:extLst>
+                </a:gridCol>
+                <a:gridCol w="1257935">
+                  <a:extLst>
+                    <a:ext uri="{9D8B030D-6E8A-4147-A177-3AD203B41FA5}">
+                      <a16:colId xmlns:a16="http://schemas.microsoft.com/office/drawing/2014/main" val="20001"/>
+                    </a:ext>
+                  </a:extLst>
+                </a:gridCol>
               </a:tblGrid>
               <a:tr h="247650">
                 <a:tc>
@@ -34882,6 +35579,11 @@
                     </a:solidFill>
                   </a:tcPr>
                 </a:tc>
+                <a:extLst>
+                  <a:ext uri="{0D108BD9-81ED-4DB2-BD59-A6C34878D82A}">
+                    <a16:rowId xmlns:a16="http://schemas.microsoft.com/office/drawing/2014/main" val="10000"/>
+                  </a:ext>
+                </a:extLst>
               </a:tr>
             </a:tbl>
           </a:graphicData>
@@ -34906,8 +35608,20 @@
                 <a:tableStyleId>{5C22544A-7EE6-4342-B048-85BDC9FD1C3A}</a:tableStyleId>
               </a:tblPr>
               <a:tblGrid>
-                <a:gridCol w="698500"/>
-                <a:gridCol w="1294765"/>
+                <a:gridCol w="698500">
+                  <a:extLst>
+                    <a:ext uri="{9D8B030D-6E8A-4147-A177-3AD203B41FA5}">
+                      <a16:colId xmlns:a16="http://schemas.microsoft.com/office/drawing/2014/main" val="20000"/>
+                    </a:ext>
+                  </a:extLst>
+                </a:gridCol>
+                <a:gridCol w="1294765">
+                  <a:extLst>
+                    <a:ext uri="{9D8B030D-6E8A-4147-A177-3AD203B41FA5}">
+                      <a16:colId xmlns:a16="http://schemas.microsoft.com/office/drawing/2014/main" val="20001"/>
+                    </a:ext>
+                  </a:extLst>
+                </a:gridCol>
               </a:tblGrid>
               <a:tr h="247650">
                 <a:tc>
@@ -34929,7 +35643,7 @@
                         <a:buNone/>
                       </a:pPr>
                       <a:r>
-                        <a:rPr lang="en-US" altLang="ko-KR" sz="1000" kern="1200" i="0" b="0">
+                        <a:rPr lang="en-US" altLang="ko-KR" sz="1000" b="0" i="0" kern="1200">
                           <a:solidFill>
                             <a:schemeClr val="tx1"/>
                           </a:solidFill>
@@ -34938,7 +35652,7 @@
                         </a:rPr>
                         <a:t>작성자</a:t>
                       </a:r>
-                      <a:endParaRPr lang="ko-KR" altLang="en-US" sz="1000" kern="1200" i="0" b="0">
+                      <a:endParaRPr lang="ko-KR" altLang="en-US" sz="1000" b="0" i="0" kern="1200">
                         <a:solidFill>
                           <a:schemeClr val="tx1"/>
                         </a:solidFill>
@@ -34947,7 +35661,7 @@
                       </a:endParaRPr>
                     </a:p>
                   </a:txBody>
-                  <a:tcPr marL="90170" marR="90170" marT="46990" marB="46990" anchor="t">
+                  <a:tcPr marL="90170" marR="90170" marT="46990" marB="46990">
                     <a:lnL w="12700" cap="flat" cmpd="sng" algn="ctr">
                       <a:solidFill>
                         <a:srgbClr val="000000">
@@ -35019,7 +35733,7 @@
                         <a:buNone/>
                       </a:pPr>
                       <a:r>
-                        <a:rPr lang="ko-KR" altLang="en-US" sz="1000" kern="1200" i="0" b="1">
+                        <a:rPr lang="ko-KR" altLang="en-US" sz="1000" b="1" i="0" kern="1200">
                           <a:solidFill>
                             <a:schemeClr val="tx1"/>
                           </a:solidFill>
@@ -35028,16 +35742,9 @@
                         </a:rPr>
                         <a:t>안영우</a:t>
                       </a:r>
-                      <a:endParaRPr lang="ko-KR" altLang="en-US" sz="1000" kern="1200" i="0" b="1">
-                        <a:solidFill>
-                          <a:schemeClr val="tx1"/>
-                        </a:solidFill>
-                        <a:latin typeface="맑은 고딕" charset="0"/>
-                        <a:ea typeface="맑은 고딕" charset="0"/>
-                      </a:endParaRPr>
                     </a:p>
                   </a:txBody>
-                  <a:tcPr marL="90170" marR="90170" marT="46990" marB="46990" anchor="t">
+                  <a:tcPr marL="90170" marR="90170" marT="46990" marB="46990">
                     <a:lnL w="12700" cap="flat" cmpd="sng" algn="ctr">
                       <a:solidFill>
                         <a:srgbClr val="000000">
@@ -35087,6 +35794,11 @@
                     </a:solidFill>
                   </a:tcPr>
                 </a:tc>
+                <a:extLst>
+                  <a:ext uri="{0D108BD9-81ED-4DB2-BD59-A6C34878D82A}">
+                    <a16:rowId xmlns:a16="http://schemas.microsoft.com/office/drawing/2014/main" val="10000"/>
+                  </a:ext>
+                </a:extLst>
               </a:tr>
             </a:tbl>
           </a:graphicData>
@@ -35101,7 +35813,7 @@
           <p:nvPr/>
         </p:nvPicPr>
         <p:blipFill rotWithShape="1">
-          <a:blip r:embed="rId4" cstate="print">
+          <a:blip r:embed="rId3" cstate="print">
             <a:extLst>
               <a:ext uri="{28A0092B-C50C-407E-A947-70E740481C1C}">
                 <a14:useLocalDpi xmlns:a14="http://schemas.microsoft.com/office/drawing/2010/main" val="0"/>
@@ -35113,11 +35825,13 @@
           </a:stretch>
         </p:blipFill>
         <p:spPr>
-          <a:xfrm rot="0">
+          <a:xfrm>
             <a:off x="1849120" y="1066800"/>
             <a:ext cx="5588635" cy="5234940"/>
           </a:xfrm>
-          <a:prstGeom prst="rect"/>
+          <a:prstGeom prst="rect">
+            <a:avLst/>
+          </a:prstGeom>
           <a:noFill/>
         </p:spPr>
       </p:pic>
@@ -35131,21 +35845,6 @@
   <p:clrMapOvr>
     <a:masterClrMapping/>
   </p:clrMapOvr>
-  <mc:AlternateContent xmlns:mc="http://schemas.openxmlformats.org/markup-compatibility/2006">
-    <mc:Choice xmlns:p14="http://schemas.microsoft.com/office/powerpoint/2010/main" Requires="p14">
-      <p:transition spd="slow" p14:dur="2000"/>
-    </mc:Choice>
-    <mc:Fallback>
-      <p:transition spd="slow"/>
-    </mc:Fallback>
-  </mc:AlternateContent>
-  <p:timing>
-    <p:tnLst>
-      <p:par>
-        <p:cTn id="1" dur="indefinite" restart="never" nodeType="tmRoot"/>
-      </p:par>
-    </p:tnLst>
-  </p:timing>
 </p:sld>
 </file>
 
@@ -35404,7 +36103,7 @@
   <a:extraClrSchemeLst/>
   <a:extLst>
     <a:ext uri="{05A4C25C-085E-4340-85A3-A5531E510DB2}">
-      <thm15:themeFamily xmlns:thm15="http://schemas.microsoft.com/office/thememl/2012/main" xmlns="" name="Office Theme" id="{62F939B6-93AF-4DB8-9C6B-D6C7DFDC589F}" vid="{4A3C46E8-61CC-4603-A589-7422A47A8E4A}"/>
+      <thm15:themeFamily xmlns:thm15="http://schemas.microsoft.com/office/thememl/2012/main" name="Office Theme" id="{62F939B6-93AF-4DB8-9C6B-D6C7DFDC589F}" vid="{4A3C46E8-61CC-4603-A589-7422A47A8E4A}"/>
     </a:ext>
   </a:extLst>
 </a:theme>
@@ -35665,7 +36364,7 @@
   <a:extraClrSchemeLst/>
   <a:extLst>
     <a:ext uri="{05A4C25C-085E-4340-85A3-A5531E510DB2}">
-      <thm15:themeFamily xmlns:thm15="http://schemas.microsoft.com/office/thememl/2012/main" xmlns="" name="Office Theme" id="{62F939B6-93AF-4DB8-9C6B-D6C7DFDC589F}" vid="{4A3C46E8-61CC-4603-A589-7422A47A8E4A}"/>
+      <thm15:themeFamily xmlns:thm15="http://schemas.microsoft.com/office/thememl/2012/main" name="Office Theme" id="{62F939B6-93AF-4DB8-9C6B-D6C7DFDC589F}" vid="{4A3C46E8-61CC-4603-A589-7422A47A8E4A}"/>
     </a:ext>
   </a:extLst>
 </a:theme>
@@ -35926,7 +36625,7 @@
   <a:extraClrSchemeLst/>
   <a:extLst>
     <a:ext uri="{05A4C25C-085E-4340-85A3-A5531E510DB2}">
-      <thm15:themeFamily xmlns:thm15="http://schemas.microsoft.com/office/thememl/2012/main" xmlns="" name="Office Theme" id="{62F939B6-93AF-4DB8-9C6B-D6C7DFDC589F}" vid="{4A3C46E8-61CC-4603-A589-7422A47A8E4A}"/>
+      <thm15:themeFamily xmlns:thm15="http://schemas.microsoft.com/office/thememl/2012/main" name="Office Theme" id="{62F939B6-93AF-4DB8-9C6B-D6C7DFDC589F}" vid="{4A3C46E8-61CC-4603-A589-7422A47A8E4A}"/>
     </a:ext>
   </a:extLst>
 </a:theme>
